--- a/slides/sep2017/07-variadics.pptx
+++ b/slides/sep2017/07-variadics.pptx
@@ -5,7 +5,7 @@
     <p:sldMasterId id="2147483684" r:id="rId1"/>
   </p:sldMasterIdLst>
   <p:notesMasterIdLst>
-    <p:notesMasterId r:id="rId36"/>
+    <p:notesMasterId r:id="rId62"/>
   </p:notesMasterIdLst>
   <p:sldIdLst>
     <p:sldId id="256" r:id="rId2"/>
@@ -41,7 +41,33 @@
     <p:sldId id="287" r:id="rId32"/>
     <p:sldId id="288" r:id="rId33"/>
     <p:sldId id="289" r:id="rId34"/>
-    <p:sldId id="258" r:id="rId35"/>
+    <p:sldId id="290" r:id="rId35"/>
+    <p:sldId id="291" r:id="rId36"/>
+    <p:sldId id="292" r:id="rId37"/>
+    <p:sldId id="293" r:id="rId38"/>
+    <p:sldId id="298" r:id="rId39"/>
+    <p:sldId id="294" r:id="rId40"/>
+    <p:sldId id="301" r:id="rId41"/>
+    <p:sldId id="302" r:id="rId42"/>
+    <p:sldId id="303" r:id="rId43"/>
+    <p:sldId id="304" r:id="rId44"/>
+    <p:sldId id="295" r:id="rId45"/>
+    <p:sldId id="296" r:id="rId46"/>
+    <p:sldId id="297" r:id="rId47"/>
+    <p:sldId id="299" r:id="rId48"/>
+    <p:sldId id="300" r:id="rId49"/>
+    <p:sldId id="305" r:id="rId50"/>
+    <p:sldId id="306" r:id="rId51"/>
+    <p:sldId id="307" r:id="rId52"/>
+    <p:sldId id="308" r:id="rId53"/>
+    <p:sldId id="309" r:id="rId54"/>
+    <p:sldId id="310" r:id="rId55"/>
+    <p:sldId id="311" r:id="rId56"/>
+    <p:sldId id="312" r:id="rId57"/>
+    <p:sldId id="313" r:id="rId58"/>
+    <p:sldId id="314" r:id="rId59"/>
+    <p:sldId id="315" r:id="rId60"/>
+    <p:sldId id="258" r:id="rId61"/>
   </p:sldIdLst>
   <p:sldSz cx="12192000" cy="6858000"/>
   <p:notesSz cx="6858000" cy="9144000"/>
@@ -230,7 +256,7 @@
           <a:p>
             <a:fld id="{B041AF36-CD26-47D2-B9B3-DA4139894D3A}" type="datetimeFigureOut">
               <a:rPr lang="en-US" smtClean="0"/>
-              <a:t>10/23/2017</a:t>
+              <a:t>10/27/2017</a:t>
             </a:fld>
             <a:endParaRPr lang="en-US"/>
           </a:p>
@@ -779,7 +805,7 @@
             <a:fld id="{96DFF08F-DC6B-4601-B491-B0F83F6DD2DA}" type="datetimeFigureOut">
               <a:rPr lang="en-US" dirty="0"/>
               <a:pPr/>
-              <a:t>10/23/2017</a:t>
+              <a:t>10/27/2017</a:t>
             </a:fld>
             <a:endParaRPr lang="en-US" dirty="0"/>
           </a:p>
@@ -996,7 +1022,7 @@
           <a:p>
             <a:fld id="{96DFF08F-DC6B-4601-B491-B0F83F6DD2DA}" type="datetimeFigureOut">
               <a:rPr lang="en-US" dirty="0"/>
-              <a:t>10/23/2017</a:t>
+              <a:t>10/27/2017</a:t>
             </a:fld>
             <a:endParaRPr lang="en-US" dirty="0"/>
           </a:p>
@@ -1171,7 +1197,7 @@
           <a:p>
             <a:fld id="{96DFF08F-DC6B-4601-B491-B0F83F6DD2DA}" type="datetimeFigureOut">
               <a:rPr lang="en-US" dirty="0"/>
-              <a:t>10/23/2017</a:t>
+              <a:t>10/27/2017</a:t>
             </a:fld>
             <a:endParaRPr lang="en-US" dirty="0"/>
           </a:p>
@@ -1336,7 +1362,7 @@
           <a:p>
             <a:fld id="{96DFF08F-DC6B-4601-B491-B0F83F6DD2DA}" type="datetimeFigureOut">
               <a:rPr lang="en-US" dirty="0"/>
-              <a:t>10/23/2017</a:t>
+              <a:t>10/27/2017</a:t>
             </a:fld>
             <a:endParaRPr lang="en-US" dirty="0"/>
           </a:p>
@@ -1582,7 +1608,7 @@
           <a:p>
             <a:fld id="{96DFF08F-DC6B-4601-B491-B0F83F6DD2DA}" type="datetimeFigureOut">
               <a:rPr lang="en-US" dirty="0"/>
-              <a:t>10/23/2017</a:t>
+              <a:t>10/27/2017</a:t>
             </a:fld>
             <a:endParaRPr lang="en-US" dirty="0"/>
           </a:p>
@@ -1900,7 +1926,7 @@
           <a:p>
             <a:fld id="{96DFF08F-DC6B-4601-B491-B0F83F6DD2DA}" type="datetimeFigureOut">
               <a:rPr lang="en-US" dirty="0"/>
-              <a:t>10/23/2017</a:t>
+              <a:t>10/27/2017</a:t>
             </a:fld>
             <a:endParaRPr lang="en-US" dirty="0"/>
           </a:p>
@@ -2319,7 +2345,7 @@
           <a:p>
             <a:fld id="{96DFF08F-DC6B-4601-B491-B0F83F6DD2DA}" type="datetimeFigureOut">
               <a:rPr lang="en-US" dirty="0"/>
-              <a:t>10/23/2017</a:t>
+              <a:t>10/27/2017</a:t>
             </a:fld>
             <a:endParaRPr lang="en-US" dirty="0"/>
           </a:p>
@@ -2432,7 +2458,7 @@
           <a:p>
             <a:fld id="{96DFF08F-DC6B-4601-B491-B0F83F6DD2DA}" type="datetimeFigureOut">
               <a:rPr lang="en-US" dirty="0"/>
-              <a:t>10/23/2017</a:t>
+              <a:t>10/27/2017</a:t>
             </a:fld>
             <a:endParaRPr lang="en-US" dirty="0"/>
           </a:p>
@@ -2522,7 +2548,7 @@
           <a:p>
             <a:fld id="{96DFF08F-DC6B-4601-B491-B0F83F6DD2DA}" type="datetimeFigureOut">
               <a:rPr lang="en-US" dirty="0"/>
-              <a:t>10/23/2017</a:t>
+              <a:t>10/27/2017</a:t>
             </a:fld>
             <a:endParaRPr lang="en-US" dirty="0"/>
           </a:p>
@@ -2807,7 +2833,7 @@
           <a:p>
             <a:fld id="{96DFF08F-DC6B-4601-B491-B0F83F6DD2DA}" type="datetimeFigureOut">
               <a:rPr lang="en-US" dirty="0"/>
-              <a:t>10/23/2017</a:t>
+              <a:t>10/27/2017</a:t>
             </a:fld>
             <a:endParaRPr lang="en-US" dirty="0"/>
           </a:p>
@@ -3074,7 +3100,7 @@
           <a:p>
             <a:fld id="{96DFF08F-DC6B-4601-B491-B0F83F6DD2DA}" type="datetimeFigureOut">
               <a:rPr lang="en-US" dirty="0"/>
-              <a:t>10/23/2017</a:t>
+              <a:t>10/27/2017</a:t>
             </a:fld>
             <a:endParaRPr lang="en-US" dirty="0"/>
           </a:p>
@@ -3323,7 +3349,7 @@
             <a:fld id="{96DFF08F-DC6B-4601-B491-B0F83F6DD2DA}" type="datetimeFigureOut">
               <a:rPr lang="en-US" dirty="0"/>
               <a:pPr/>
-              <a:t>10/23/2017</a:t>
+              <a:t>10/27/2017</a:t>
             </a:fld>
             <a:endParaRPr lang="en-US" dirty="0"/>
           </a:p>
@@ -4847,31 +4873,19 @@
               <a:rPr lang="en-US" sz="1800">
                 <a:latin typeface="Consolas" panose="020B0609020204030204" pitchFamily="49" charset="0"/>
               </a:rPr>
-              <a:t>int </a:t>
+              <a:t>int dummy[sizeof</a:t>
+            </a:r>
+            <a:r>
+              <a:rPr lang="en-US" sz="1800" smtClean="0">
+                <a:latin typeface="Consolas" panose="020B0609020204030204" pitchFamily="49" charset="0"/>
+              </a:rPr>
+              <a:t>...(Args)] </a:t>
             </a:r>
             <a:r>
               <a:rPr lang="en-US" sz="1800">
                 <a:latin typeface="Consolas" panose="020B0609020204030204" pitchFamily="49" charset="0"/>
               </a:rPr>
-              <a:t>dummy[sizeof</a:t>
-            </a:r>
-            <a:r>
-              <a:rPr lang="en-US" sz="1800" smtClean="0">
-                <a:latin typeface="Consolas" panose="020B0609020204030204" pitchFamily="49" charset="0"/>
-              </a:rPr>
-              <a:t>...(Args)] </a:t>
-            </a:r>
-            <a:r>
-              <a:rPr lang="en-US" sz="1800">
-                <a:latin typeface="Consolas" panose="020B0609020204030204" pitchFamily="49" charset="0"/>
-              </a:rPr>
-              <a:t>= </a:t>
-            </a:r>
-            <a:r>
-              <a:rPr lang="en-US" sz="1800">
-                <a:latin typeface="Consolas" panose="020B0609020204030204" pitchFamily="49" charset="0"/>
-              </a:rPr>
-              <a:t>{ </a:t>
+              <a:t>= { </a:t>
             </a:r>
             <a:r>
               <a:rPr lang="en-US" sz="1800" smtClean="0">
@@ -4908,31 +4922,19 @@
               <a:rPr lang="en-US" sz="1800">
                 <a:latin typeface="Consolas" panose="020B0609020204030204" pitchFamily="49" charset="0"/>
               </a:rPr>
-              <a:t>int... N&gt; </a:t>
+              <a:t>int... N&gt; void </a:t>
+            </a:r>
+            <a:r>
+              <a:rPr lang="en-US" sz="1800" smtClean="0">
+                <a:latin typeface="Consolas" panose="020B0609020204030204" pitchFamily="49" charset="0"/>
+              </a:rPr>
+              <a:t>g(Args </a:t>
             </a:r>
             <a:r>
               <a:rPr lang="en-US" sz="1800">
                 <a:latin typeface="Consolas" panose="020B0609020204030204" pitchFamily="49" charset="0"/>
               </a:rPr>
-              <a:t>void </a:t>
-            </a:r>
-            <a:r>
-              <a:rPr lang="en-US" sz="1800" smtClean="0">
-                <a:latin typeface="Consolas" panose="020B0609020204030204" pitchFamily="49" charset="0"/>
-              </a:rPr>
-              <a:t>g(Args </a:t>
-            </a:r>
-            <a:r>
-              <a:rPr lang="en-US" sz="1800">
-                <a:latin typeface="Consolas" panose="020B0609020204030204" pitchFamily="49" charset="0"/>
-              </a:rPr>
-              <a:t>(&amp;...arr)[N</a:t>
-            </a:r>
-            <a:r>
-              <a:rPr lang="en-US" sz="1800">
-                <a:latin typeface="Consolas" panose="020B0609020204030204" pitchFamily="49" charset="0"/>
-              </a:rPr>
-              <a:t>]) </a:t>
+              <a:t>(&amp;...arr)[N]) </a:t>
             </a:r>
             <a:r>
               <a:rPr lang="en-US" sz="1800" smtClean="0">
@@ -5138,13 +5140,7 @@
               <a:rPr lang="en-US">
                 <a:latin typeface="Consolas" panose="020B0609020204030204" pitchFamily="49" charset="0"/>
               </a:rPr>
-              <a:t>mixture&lt;C1, C2&gt; m (C1{}, C2{}); // m : C1</a:t>
-            </a:r>
-            <a:r>
-              <a:rPr lang="en-US">
-                <a:latin typeface="Consolas" panose="020B0609020204030204" pitchFamily="49" charset="0"/>
-              </a:rPr>
-              <a:t>, </a:t>
+              <a:t>mixture&lt;C1, C2&gt; m (C1{}, C2{}); // m : C1, </a:t>
             </a:r>
             <a:r>
               <a:rPr lang="en-US" smtClean="0">
@@ -6707,13 +6703,7 @@
               <a:rPr lang="en-US">
                 <a:latin typeface="Consolas" panose="020B0609020204030204" pitchFamily="49" charset="0"/>
               </a:rPr>
-              <a:t>template &lt;typename </a:t>
-            </a:r>
-            <a:r>
-              <a:rPr lang="en-US">
-                <a:latin typeface="Consolas" panose="020B0609020204030204" pitchFamily="49" charset="0"/>
-              </a:rPr>
-              <a:t>... </a:t>
+              <a:t>template &lt;typename ... </a:t>
             </a:r>
             <a:r>
               <a:rPr lang="en-US" smtClean="0">
@@ -6736,13 +6726,7 @@
               <a:rPr lang="en-US">
                 <a:latin typeface="Consolas" panose="020B0609020204030204" pitchFamily="49" charset="0"/>
               </a:rPr>
-              <a:t>  (cout &lt;&lt; ... </a:t>
-            </a:r>
-            <a:r>
-              <a:rPr lang="en-US">
-                <a:latin typeface="Consolas" panose="020B0609020204030204" pitchFamily="49" charset="0"/>
-              </a:rPr>
-              <a:t>&lt;&lt; </a:t>
+              <a:t>  (cout &lt;&lt; ... &lt;&lt; </a:t>
             </a:r>
             <a:r>
               <a:rPr lang="en-US" smtClean="0">
@@ -6755,12 +6739,6 @@
                 <a:latin typeface="Consolas" panose="020B0609020204030204" pitchFamily="49" charset="0"/>
               </a:rPr>
               <a:t>&lt;&lt; "\n";</a:t>
-            </a:r>
-            <a:r>
-              <a:rPr lang="en-US">
-                <a:latin typeface="Consolas" panose="020B0609020204030204" pitchFamily="49" charset="0"/>
-              </a:rPr>
-              <a:t/>
             </a:r>
             <a:br>
               <a:rPr lang="en-US">
@@ -7749,13 +7727,7 @@
               <a:rPr lang="en-US">
                 <a:latin typeface="Consolas" panose="020B0609020204030204" pitchFamily="49" charset="0"/>
               </a:rPr>
-              <a:t>e</a:t>
-            </a:r>
-            <a:r>
-              <a:rPr lang="en-US">
-                <a:latin typeface="Consolas" panose="020B0609020204030204" pitchFamily="49" charset="0"/>
-              </a:rPr>
-              <a:t>, </a:t>
+              <a:t>e, </a:t>
             </a:r>
             <a:r>
               <a:rPr lang="en-US" smtClean="0">
@@ -7800,13 +7772,7 @@
               <a:rPr lang="en-US">
                 <a:latin typeface="Consolas" panose="020B0609020204030204" pitchFamily="49" charset="0"/>
               </a:rPr>
-              <a:t>  </a:t>
-            </a:r>
-            <a:r>
-              <a:rPr lang="en-US">
-                <a:latin typeface="Consolas" panose="020B0609020204030204" pitchFamily="49" charset="0"/>
-              </a:rPr>
-              <a:t>void </a:t>
+              <a:t>  void </a:t>
             </a:r>
             <a:r>
               <a:rPr lang="en-US" smtClean="0">
@@ -7818,13 +7784,7 @@
               <a:rPr lang="en-US">
                 <a:latin typeface="Consolas" panose="020B0609020204030204" pitchFamily="49" charset="0"/>
               </a:rPr>
-              <a:t>T&amp; elem</a:t>
-            </a:r>
-            <a:r>
-              <a:rPr lang="en-US">
-                <a:latin typeface="Consolas" panose="020B0609020204030204" pitchFamily="49" charset="0"/>
-              </a:rPr>
-              <a:t>) </a:t>
+              <a:t>T&amp; elem) </a:t>
             </a:r>
             <a:r>
               <a:rPr lang="en-US" smtClean="0">
@@ -7836,13 +7796,7 @@
               <a:rPr lang="en-US">
                 <a:latin typeface="Consolas" panose="020B0609020204030204" pitchFamily="49" charset="0"/>
               </a:rPr>
-              <a:t>new StackNode (elem, </a:t>
-            </a:r>
-            <a:r>
-              <a:rPr lang="en-US">
-                <a:latin typeface="Consolas" panose="020B0609020204030204" pitchFamily="49" charset="0"/>
-              </a:rPr>
-              <a:t>top</a:t>
+              <a:t>new StackNode (elem, top</a:t>
             </a:r>
             <a:r>
               <a:rPr lang="en-US" smtClean="0">
@@ -7992,13 +7946,7 @@
               <a:rPr lang="ru-RU">
                 <a:latin typeface="Consolas" panose="020B0609020204030204" pitchFamily="49" charset="0"/>
               </a:rPr>
-              <a:t>всё </a:t>
-            </a:r>
-            <a:r>
-              <a:rPr lang="ru-RU">
-                <a:latin typeface="Consolas" panose="020B0609020204030204" pitchFamily="49" charset="0"/>
-              </a:rPr>
-              <a:t>очень </a:t>
+              <a:t>всё очень </a:t>
             </a:r>
             <a:r>
               <a:rPr lang="ru-RU" smtClean="0">
@@ -8077,13 +8025,7 @@
               <a:rPr lang="en-US">
                 <a:latin typeface="Consolas" panose="020B0609020204030204" pitchFamily="49" charset="0"/>
               </a:rPr>
-              <a:t>elem) { top_ = new </a:t>
-            </a:r>
-            <a:r>
-              <a:rPr lang="en-US">
-                <a:latin typeface="Consolas" panose="020B0609020204030204" pitchFamily="49" charset="0"/>
-              </a:rPr>
-              <a:t>StackNode </a:t>
+              <a:t>elem) { top_ = new StackNode </a:t>
             </a:r>
             <a:r>
               <a:rPr lang="en-US" smtClean="0">
@@ -8241,13 +8183,7 @@
               <a:rPr lang="en-US">
                 <a:latin typeface="Consolas" panose="020B0609020204030204" pitchFamily="49" charset="0"/>
               </a:rPr>
-              <a:t>StackNode *nxt) </a:t>
-            </a:r>
-            <a:r>
-              <a:rPr lang="en-US">
-                <a:latin typeface="Consolas" panose="020B0609020204030204" pitchFamily="49" charset="0"/>
-              </a:rPr>
-              <a:t>: </a:t>
+              <a:t>StackNode *nxt) : </a:t>
             </a:r>
             <a:r>
               <a:rPr lang="ru-RU" smtClean="0">
@@ -8288,13 +8224,7 @@
               <a:rPr lang="en-US">
                 <a:latin typeface="Consolas" panose="020B0609020204030204" pitchFamily="49" charset="0"/>
               </a:rPr>
-              <a:t>next (nxt</a:t>
-            </a:r>
-            <a:r>
-              <a:rPr lang="en-US">
-                <a:latin typeface="Consolas" panose="020B0609020204030204" pitchFamily="49" charset="0"/>
-              </a:rPr>
-              <a:t>) </a:t>
+              <a:t>next (nxt) </a:t>
             </a:r>
             <a:r>
               <a:rPr lang="en-US" smtClean="0">
@@ -8411,13 +8341,7 @@
               <a:rPr lang="en-US">
                 <a:latin typeface="Consolas" panose="020B0609020204030204" pitchFamily="49" charset="0"/>
               </a:rPr>
-              <a:t>    T elem; StackNode *</a:t>
-            </a:r>
-            <a:r>
-              <a:rPr lang="en-US">
-                <a:latin typeface="Consolas" panose="020B0609020204030204" pitchFamily="49" charset="0"/>
-              </a:rPr>
-              <a:t>next</a:t>
+              <a:t>    T elem; StackNode *next</a:t>
             </a:r>
             <a:r>
               <a:rPr lang="en-US" smtClean="0">
@@ -8475,13 +8399,7 @@
               <a:rPr lang="en-US">
                 <a:latin typeface="Consolas" panose="020B0609020204030204" pitchFamily="49" charset="0"/>
               </a:rPr>
-              <a:t>StackNode *nxt) </a:t>
-            </a:r>
-            <a:r>
-              <a:rPr lang="en-US">
-                <a:latin typeface="Consolas" panose="020B0609020204030204" pitchFamily="49" charset="0"/>
-              </a:rPr>
-              <a:t>: </a:t>
+              <a:t>StackNode *nxt) : </a:t>
             </a:r>
             <a:r>
               <a:rPr lang="ru-RU" smtClean="0">
@@ -8510,13 +8428,7 @@
               <a:rPr lang="en-US">
                 <a:latin typeface="Consolas" panose="020B0609020204030204" pitchFamily="49" charset="0"/>
               </a:rPr>
-              <a:t>next (nxt</a:t>
-            </a:r>
-            <a:r>
-              <a:rPr lang="en-US">
-                <a:latin typeface="Consolas" panose="020B0609020204030204" pitchFamily="49" charset="0"/>
-              </a:rPr>
-              <a:t>) </a:t>
+              <a:t>next (nxt) </a:t>
             </a:r>
             <a:r>
               <a:rPr lang="en-US" smtClean="0">
@@ -8627,13 +8539,7 @@
               <a:rPr lang="en-US">
                 <a:latin typeface="Consolas" panose="020B0609020204030204" pitchFamily="49" charset="0"/>
               </a:rPr>
-              <a:t>    T elem; StackNode *</a:t>
-            </a:r>
-            <a:r>
-              <a:rPr lang="en-US">
-                <a:latin typeface="Consolas" panose="020B0609020204030204" pitchFamily="49" charset="0"/>
-              </a:rPr>
-              <a:t>next</a:t>
+              <a:t>    T elem; StackNode *next</a:t>
             </a:r>
             <a:r>
               <a:rPr lang="en-US" smtClean="0">
@@ -8691,13 +8597,7 @@
               <a:rPr lang="en-US">
                 <a:latin typeface="Consolas" panose="020B0609020204030204" pitchFamily="49" charset="0"/>
               </a:rPr>
-              <a:t>StackNode *nxt) </a:t>
-            </a:r>
-            <a:r>
-              <a:rPr lang="en-US">
-                <a:latin typeface="Consolas" panose="020B0609020204030204" pitchFamily="49" charset="0"/>
-              </a:rPr>
-              <a:t>: </a:t>
+              <a:t>StackNode *nxt) : </a:t>
             </a:r>
             <a:r>
               <a:rPr lang="ru-RU" smtClean="0">
@@ -8726,13 +8626,7 @@
               <a:rPr lang="en-US">
                 <a:latin typeface="Consolas" panose="020B0609020204030204" pitchFamily="49" charset="0"/>
               </a:rPr>
-              <a:t>next (nxt</a:t>
-            </a:r>
-            <a:r>
-              <a:rPr lang="en-US">
-                <a:latin typeface="Consolas" panose="020B0609020204030204" pitchFamily="49" charset="0"/>
-              </a:rPr>
-              <a:t>) </a:t>
+              <a:t>next (nxt) </a:t>
             </a:r>
             <a:r>
               <a:rPr lang="en-US" smtClean="0">
@@ -8849,13 +8743,7 @@
               <a:rPr lang="en-US">
                 <a:latin typeface="Consolas" panose="020B0609020204030204" pitchFamily="49" charset="0"/>
               </a:rPr>
-              <a:t>    T elem; StackNode *</a:t>
-            </a:r>
-            <a:r>
-              <a:rPr lang="en-US">
-                <a:latin typeface="Consolas" panose="020B0609020204030204" pitchFamily="49" charset="0"/>
-              </a:rPr>
-              <a:t>next</a:t>
+              <a:t>    T elem; StackNode *next</a:t>
             </a:r>
             <a:r>
               <a:rPr lang="en-US" smtClean="0">
@@ -8913,13 +8801,7 @@
               <a:rPr lang="en-US">
                 <a:latin typeface="Consolas" panose="020B0609020204030204" pitchFamily="49" charset="0"/>
               </a:rPr>
-              <a:t>StackNode </a:t>
-            </a:r>
-            <a:r>
-              <a:rPr lang="en-US">
-                <a:latin typeface="Consolas" panose="020B0609020204030204" pitchFamily="49" charset="0"/>
-              </a:rPr>
-              <a:t>*</a:t>
+              <a:t>StackNode *</a:t>
             </a:r>
             <a:r>
               <a:rPr lang="en-US" smtClean="0">
@@ -8960,13 +8842,7 @@
               <a:rPr lang="en-US">
                 <a:latin typeface="Consolas" panose="020B0609020204030204" pitchFamily="49" charset="0"/>
               </a:rPr>
-              <a:t>next (nxt</a:t>
-            </a:r>
-            <a:r>
-              <a:rPr lang="en-US">
-                <a:latin typeface="Consolas" panose="020B0609020204030204" pitchFamily="49" charset="0"/>
-              </a:rPr>
-              <a:t>) </a:t>
+              <a:t>next (nxt) </a:t>
             </a:r>
             <a:r>
               <a:rPr lang="en-US" smtClean="0">
@@ -9082,13 +8958,7 @@
               <a:rPr lang="en-US">
                 <a:latin typeface="Consolas" panose="020B0609020204030204" pitchFamily="49" charset="0"/>
               </a:rPr>
-              <a:t>    T elem; StackNode *</a:t>
-            </a:r>
-            <a:r>
-              <a:rPr lang="en-US">
-                <a:latin typeface="Consolas" panose="020B0609020204030204" pitchFamily="49" charset="0"/>
-              </a:rPr>
-              <a:t>next</a:t>
+              <a:t>    T elem; StackNode *next</a:t>
             </a:r>
             <a:r>
               <a:rPr lang="en-US" smtClean="0">
@@ -9146,13 +9016,7 @@
               <a:rPr lang="en-US">
                 <a:latin typeface="Consolas" panose="020B0609020204030204" pitchFamily="49" charset="0"/>
               </a:rPr>
-              <a:t>StackNode </a:t>
-            </a:r>
-            <a:r>
-              <a:rPr lang="en-US">
-                <a:latin typeface="Consolas" panose="020B0609020204030204" pitchFamily="49" charset="0"/>
-              </a:rPr>
-              <a:t>*</a:t>
+              <a:t>StackNode *</a:t>
             </a:r>
             <a:r>
               <a:rPr lang="en-US" smtClean="0">
@@ -9193,13 +9057,7 @@
               <a:rPr lang="en-US">
                 <a:latin typeface="Consolas" panose="020B0609020204030204" pitchFamily="49" charset="0"/>
               </a:rPr>
-              <a:t>next (nxt</a:t>
-            </a:r>
-            <a:r>
-              <a:rPr lang="en-US">
-                <a:latin typeface="Consolas" panose="020B0609020204030204" pitchFamily="49" charset="0"/>
-              </a:rPr>
-              <a:t>) </a:t>
+              <a:t>next (nxt) </a:t>
             </a:r>
             <a:r>
               <a:rPr lang="en-US" smtClean="0">
@@ -9408,13 +9266,7 @@
               <a:rPr lang="en-US">
                 <a:latin typeface="Consolas" panose="020B0609020204030204" pitchFamily="49" charset="0"/>
               </a:rPr>
-              <a:t>template &lt;typename T&gt; class </a:t>
-            </a:r>
-            <a:r>
-              <a:rPr lang="en-US">
-                <a:latin typeface="Consolas" panose="020B0609020204030204" pitchFamily="49" charset="0"/>
-              </a:rPr>
-              <a:t>Stack </a:t>
+              <a:t>template &lt;typename T&gt; class Stack </a:t>
             </a:r>
             <a:r>
               <a:rPr lang="en-US" smtClean="0">
@@ -9477,13 +9329,7 @@
               <a:rPr lang="en-US">
                 <a:latin typeface="Consolas" panose="020B0609020204030204" pitchFamily="49" charset="0"/>
               </a:rPr>
-              <a:t>  void push(const T&amp; elem) { top_ = new </a:t>
-            </a:r>
-            <a:r>
-              <a:rPr lang="en-US">
-                <a:latin typeface="Consolas" panose="020B0609020204030204" pitchFamily="49" charset="0"/>
-              </a:rPr>
-              <a:t>StackNode </a:t>
+              <a:t>  void push(const T&amp; elem) { top_ = new StackNode </a:t>
             </a:r>
             <a:r>
               <a:rPr lang="en-US" smtClean="0">
@@ -9635,13 +9481,7 @@
               <a:rPr lang="en-US">
                 <a:latin typeface="Consolas" panose="020B0609020204030204" pitchFamily="49" charset="0"/>
               </a:rPr>
-              <a:t>, 200</a:t>
-            </a:r>
-            <a:r>
-              <a:rPr lang="en-US">
-                <a:latin typeface="Consolas" panose="020B0609020204030204" pitchFamily="49" charset="0"/>
-              </a:rPr>
-              <a:t>, </a:t>
+              <a:t>, 200, </a:t>
             </a:r>
             <a:r>
               <a:rPr lang="en-US" smtClean="0">
@@ -9958,10 +9798,10 @@
           <a:lstStyle/>
           <a:p>
             <a:r>
-              <a:rPr lang="ru-RU" dirty="0" smtClean="0"/>
-              <a:t>Литература</a:t>
-            </a:r>
-            <a:endParaRPr lang="en-US" dirty="0"/>
+              <a:rPr lang="ru-RU" smtClean="0"/>
+              <a:t>Много возвращаемых значений</a:t>
+            </a:r>
+            <a:endParaRPr lang="en-US"/>
           </a:p>
         </p:txBody>
       </p:sp>
@@ -9975,112 +9815,1615 @@
             <p:ph idx="1"/>
           </p:nvPr>
         </p:nvSpPr>
-        <p:spPr/>
+        <p:spPr>
+          <a:xfrm>
+            <a:off x="1143000" y="2057400"/>
+            <a:ext cx="10060459" cy="4038600"/>
+          </a:xfrm>
+        </p:spPr>
         <p:txBody>
           <a:bodyPr/>
           <a:lstStyle/>
           <a:p>
-            <a:pPr marL="502920" lvl="0" indent="-457200">
-              <a:buFont typeface="+mj-lt"/>
-              <a:buAutoNum type="arabicPeriod"/>
+            <a:r>
+              <a:rPr lang="ru-RU" smtClean="0"/>
+              <a:t>На практике нередко встречаются функции с множественными возвращаемыми значениями</a:t>
+            </a:r>
+          </a:p>
+          <a:p>
+            <a:pPr marL="45720" indent="0">
+              <a:buNone/>
             </a:pPr>
             <a:r>
-              <a:rPr lang="en-US" dirty="0"/>
-              <a:t>ISO/IEC, "Information </a:t>
-            </a:r>
-            <a:r>
-              <a:rPr lang="en-US"/>
-              <a:t>technology </a:t>
-            </a:r>
-            <a:r>
-              <a:rPr lang="en-US"/>
-              <a:t>– </a:t>
-            </a:r>
-            <a:r>
-              <a:rPr lang="en-US" dirty="0"/>
-              <a:t>Programming languages – C++", </a:t>
-            </a:r>
-            <a:r>
-              <a:rPr lang="en-US"/>
-              <a:t>ISO/IEC </a:t>
-            </a:r>
-            <a:r>
-              <a:rPr lang="en-US" smtClean="0"/>
-              <a:t>14882:2017, 2017</a:t>
-            </a:r>
-            <a:endParaRPr lang="en-US" dirty="0"/>
-          </a:p>
-          <a:p>
-            <a:pPr marL="502920" lvl="0" indent="-457200">
-              <a:buFont typeface="+mj-lt"/>
-              <a:buAutoNum type="arabicPeriod"/>
-            </a:pPr>
-            <a:r>
-              <a:rPr lang="en-US"/>
-              <a:t>Bjarne Stroustrup, The </a:t>
-            </a:r>
-            <a:r>
-              <a:rPr lang="en-US" dirty="0"/>
-              <a:t>C++ Programming Language (4th </a:t>
-            </a:r>
-            <a:r>
-              <a:rPr lang="en-US"/>
-              <a:t>Edition</a:t>
-            </a:r>
-            <a:r>
-              <a:rPr lang="en-US" smtClean="0"/>
-              <a:t>)</a:t>
-            </a:r>
-          </a:p>
-          <a:p>
-            <a:pPr marL="502920" lvl="0" indent="-457200">
-              <a:buFont typeface="+mj-lt"/>
-              <a:buAutoNum type="arabicPeriod"/>
-            </a:pPr>
-            <a:r>
-              <a:rPr lang="en-US"/>
-              <a:t>David Vandevoorde, Nicolai M. Josuttis</a:t>
-            </a:r>
-            <a:r>
-              <a:rPr lang="en-US" smtClean="0"/>
-              <a:t>, </a:t>
-            </a:r>
-            <a:r>
-              <a:rPr lang="en-US"/>
-              <a:t>Douglas </a:t>
-            </a:r>
-            <a:r>
-              <a:rPr lang="en-US" smtClean="0"/>
-              <a:t>Gregor, </a:t>
+              <a:rPr lang="en-US">
+                <a:latin typeface="Consolas" panose="020B0609020204030204" pitchFamily="49" charset="0"/>
+              </a:rPr>
+              <a:t>template &lt;typename T&gt;</a:t>
+            </a:r>
+            <a:r>
+              <a:rPr lang="ru-RU">
+                <a:latin typeface="Consolas" panose="020B0609020204030204" pitchFamily="49" charset="0"/>
+              </a:rPr>
+              <a:t/>
+            </a:r>
+            <a:br>
+              <a:rPr lang="ru-RU">
+                <a:latin typeface="Consolas" panose="020B0609020204030204" pitchFamily="49" charset="0"/>
+              </a:rPr>
+            </a:br>
+            <a:r>
+              <a:rPr lang="en-US" smtClean="0">
+                <a:latin typeface="Consolas" panose="020B0609020204030204" pitchFamily="49" charset="0"/>
+              </a:rPr>
+              <a:t>bool </a:t>
+            </a:r>
+            <a:r>
+              <a:rPr lang="en-US">
+                <a:latin typeface="Consolas" panose="020B0609020204030204" pitchFamily="49" charset="0"/>
+              </a:rPr>
+              <a:t>parse_string(const </a:t>
+            </a:r>
+            <a:r>
+              <a:rPr lang="en-US" smtClean="0">
+                <a:latin typeface="Consolas" panose="020B0609020204030204" pitchFamily="49" charset="0"/>
+              </a:rPr>
+              <a:t>wstring </a:t>
+            </a:r>
+            <a:r>
+              <a:rPr lang="en-US">
+                <a:latin typeface="Consolas" panose="020B0609020204030204" pitchFamily="49" charset="0"/>
+              </a:rPr>
+              <a:t>&amp;</a:t>
+            </a:r>
+            <a:r>
+              <a:rPr lang="en-US" smtClean="0">
+                <a:latin typeface="Consolas" panose="020B0609020204030204" pitchFamily="49" charset="0"/>
+              </a:rPr>
+              <a:t>s, /* out */ T &amp;result)</a:t>
+            </a:r>
+            <a:r>
+              <a:rPr lang="ru-RU" smtClean="0">
+                <a:latin typeface="Consolas" panose="020B0609020204030204" pitchFamily="49" charset="0"/>
+              </a:rPr>
+              <a:t> </a:t>
+            </a:r>
+            <a:r>
+              <a:rPr lang="en-US">
+                <a:latin typeface="Consolas" panose="020B0609020204030204" pitchFamily="49" charset="0"/>
+              </a:rPr>
+              <a:t>{</a:t>
+            </a:r>
+            <a:r>
+              <a:rPr lang="ru-RU">
+                <a:latin typeface="Consolas" panose="020B0609020204030204" pitchFamily="49" charset="0"/>
+              </a:rPr>
+              <a:t/>
+            </a:r>
+            <a:br>
+              <a:rPr lang="ru-RU">
+                <a:latin typeface="Consolas" panose="020B0609020204030204" pitchFamily="49" charset="0"/>
+              </a:rPr>
+            </a:br>
+            <a:r>
+              <a:rPr lang="ru-RU">
+                <a:latin typeface="Consolas" panose="020B0609020204030204" pitchFamily="49" charset="0"/>
+              </a:rPr>
+              <a:t>  </a:t>
+            </a:r>
+            <a:r>
+              <a:rPr lang="en-US" smtClean="0">
+                <a:latin typeface="Consolas" panose="020B0609020204030204" pitchFamily="49" charset="0"/>
+              </a:rPr>
+              <a:t>wistringstream </a:t>
+            </a:r>
+            <a:r>
+              <a:rPr lang="en-US">
+                <a:latin typeface="Consolas" panose="020B0609020204030204" pitchFamily="49" charset="0"/>
+              </a:rPr>
+              <a:t>iss(s);</a:t>
+            </a:r>
+            <a:r>
+              <a:rPr lang="ru-RU">
+                <a:latin typeface="Consolas" panose="020B0609020204030204" pitchFamily="49" charset="0"/>
+              </a:rPr>
+              <a:t/>
+            </a:r>
+            <a:br>
+              <a:rPr lang="ru-RU">
+                <a:latin typeface="Consolas" panose="020B0609020204030204" pitchFamily="49" charset="0"/>
+              </a:rPr>
+            </a:br>
+            <a:r>
+              <a:rPr lang="ru-RU">
+                <a:latin typeface="Consolas" panose="020B0609020204030204" pitchFamily="49" charset="0"/>
+              </a:rPr>
+              <a:t>  </a:t>
+            </a:r>
+            <a:r>
+              <a:rPr lang="en-US" smtClean="0">
+                <a:latin typeface="Consolas" panose="020B0609020204030204" pitchFamily="49" charset="0"/>
+              </a:rPr>
+              <a:t>bool </a:t>
+            </a:r>
+            <a:r>
+              <a:rPr lang="en-US">
+                <a:latin typeface="Consolas" panose="020B0609020204030204" pitchFamily="49" charset="0"/>
+              </a:rPr>
+              <a:t>success = (iss &gt;&gt; </a:t>
+            </a:r>
+            <a:r>
+              <a:rPr lang="en-US" smtClean="0">
+                <a:latin typeface="Consolas" panose="020B0609020204030204" pitchFamily="49" charset="0"/>
+              </a:rPr>
+              <a:t>result);</a:t>
+            </a:r>
+            <a:r>
+              <a:rPr lang="ru-RU">
+                <a:latin typeface="Consolas" panose="020B0609020204030204" pitchFamily="49" charset="0"/>
+              </a:rPr>
+              <a:t/>
+            </a:r>
+            <a:br>
+              <a:rPr lang="ru-RU">
+                <a:latin typeface="Consolas" panose="020B0609020204030204" pitchFamily="49" charset="0"/>
+              </a:rPr>
+            </a:br>
+            <a:r>
+              <a:rPr lang="ru-RU">
+                <a:latin typeface="Consolas" panose="020B0609020204030204" pitchFamily="49" charset="0"/>
+              </a:rPr>
+              <a:t>  </a:t>
+            </a:r>
+            <a:r>
+              <a:rPr lang="en-US">
+                <a:latin typeface="Consolas" panose="020B0609020204030204" pitchFamily="49" charset="0"/>
+              </a:rPr>
+              <a:t>return </a:t>
+            </a:r>
+            <a:r>
+              <a:rPr lang="en-US" smtClean="0">
+                <a:latin typeface="Consolas" panose="020B0609020204030204" pitchFamily="49" charset="0"/>
+              </a:rPr>
+              <a:t>success;</a:t>
+            </a:r>
+            <a:r>
+              <a:rPr lang="ru-RU">
+                <a:latin typeface="Consolas" panose="020B0609020204030204" pitchFamily="49" charset="0"/>
+              </a:rPr>
+              <a:t/>
+            </a:r>
+            <a:br>
+              <a:rPr lang="ru-RU">
+                <a:latin typeface="Consolas" panose="020B0609020204030204" pitchFamily="49" charset="0"/>
+              </a:rPr>
+            </a:br>
+            <a:r>
+              <a:rPr lang="en-US" smtClean="0">
+                <a:latin typeface="Consolas" panose="020B0609020204030204" pitchFamily="49" charset="0"/>
+              </a:rPr>
+              <a:t>}</a:t>
+            </a:r>
+            <a:endParaRPr lang="ru-RU" smtClean="0"/>
+          </a:p>
+          <a:p>
+            <a:r>
+              <a:rPr lang="ru-RU" smtClean="0"/>
+              <a:t>Этот способ работает, но он несколько "в стиле </a:t>
             </a:r>
             <a:r>
               <a:rPr lang="en-US" smtClean="0"/>
               <a:t>C</a:t>
             </a:r>
             <a:r>
-              <a:rPr lang="en-US"/>
-              <a:t>++ Templates </a:t>
-            </a:r>
-            <a:r>
-              <a:rPr lang="en-US"/>
-              <a:t>– </a:t>
-            </a:r>
-            <a:r>
-              <a:rPr lang="en-US"/>
-              <a:t>The Complete Guide, 2nd </a:t>
+              <a:rPr lang="ru-RU" smtClean="0"/>
+              <a:t>"</a:t>
             </a:r>
             <a:r>
               <a:rPr lang="en-US" smtClean="0"/>
-              <a:t>Edition</a:t>
-            </a:r>
-            <a:endParaRPr lang="en-US" dirty="0"/>
+              <a:t>. </a:t>
+            </a:r>
+            <a:r>
+              <a:rPr lang="ru-RU" smtClean="0"/>
+              <a:t>Недостатки: лишняя косвенность и неочевидность в  точке вызова</a:t>
+            </a:r>
+            <a:r>
+              <a:rPr lang="en-US">
+                <a:latin typeface="Consolas" panose="020B0609020204030204" pitchFamily="49" charset="0"/>
+              </a:rPr>
+              <a:t> </a:t>
+            </a:r>
+            <a:endParaRPr lang="ru-RU" smtClean="0">
+              <a:latin typeface="Consolas" panose="020B0609020204030204" pitchFamily="49" charset="0"/>
+            </a:endParaRPr>
+          </a:p>
+          <a:p>
+            <a:pPr marL="45720" indent="0">
+              <a:buNone/>
+            </a:pPr>
+            <a:r>
+              <a:rPr lang="en-US" smtClean="0">
+                <a:latin typeface="Consolas" panose="020B0609020204030204" pitchFamily="49" charset="0"/>
+              </a:rPr>
+              <a:t>string s; bool succ = parse_string&lt;int</a:t>
+            </a:r>
+            <a:r>
+              <a:rPr lang="en-US">
+                <a:latin typeface="Consolas" panose="020B0609020204030204" pitchFamily="49" charset="0"/>
+              </a:rPr>
+              <a:t>&gt;(L"123</a:t>
+            </a:r>
+            <a:r>
+              <a:rPr lang="en-US" smtClean="0">
+                <a:latin typeface="Consolas" panose="020B0609020204030204" pitchFamily="49" charset="0"/>
+              </a:rPr>
+              <a:t>", /* out */ s);</a:t>
+            </a:r>
+            <a:endParaRPr lang="ru-RU" smtClean="0"/>
           </a:p>
         </p:txBody>
       </p:sp>
     </p:spTree>
     <p:extLst>
       <p:ext uri="{BB962C8B-B14F-4D97-AF65-F5344CB8AC3E}">
-        <p14:creationId xmlns:p14="http://schemas.microsoft.com/office/powerpoint/2010/main" val="1719869055"/>
+        <p14:creationId xmlns:p14="http://schemas.microsoft.com/office/powerpoint/2010/main" val="3026066424"/>
+      </p:ext>
+    </p:extLst>
+  </p:cSld>
+  <p:clrMapOvr>
+    <a:masterClrMapping/>
+  </p:clrMapOvr>
+</p:sld>
+</file>
+
+<file path=ppt/slides/slide35.xml><?xml version="1.0" encoding="utf-8"?>
+<p:sld xmlns:a="http://schemas.openxmlformats.org/drawingml/2006/main" xmlns:r="http://schemas.openxmlformats.org/officeDocument/2006/relationships" xmlns:p="http://schemas.openxmlformats.org/presentationml/2006/main">
+  <p:cSld>
+    <p:spTree>
+      <p:nvGrpSpPr>
+        <p:cNvPr id="1" name=""/>
+        <p:cNvGrpSpPr/>
+        <p:nvPr/>
+      </p:nvGrpSpPr>
+      <p:grpSpPr>
+        <a:xfrm>
+          <a:off x="0" y="0"/>
+          <a:ext cx="0" cy="0"/>
+          <a:chOff x="0" y="0"/>
+          <a:chExt cx="0" cy="0"/>
+        </a:xfrm>
+      </p:grpSpPr>
+      <p:sp>
+        <p:nvSpPr>
+          <p:cNvPr id="2" name="Title 1"/>
+          <p:cNvSpPr>
+            <a:spLocks noGrp="1"/>
+          </p:cNvSpPr>
+          <p:nvPr>
+            <p:ph type="title"/>
+          </p:nvPr>
+        </p:nvSpPr>
+        <p:spPr/>
+        <p:txBody>
+          <a:bodyPr/>
+          <a:lstStyle/>
+          <a:p>
+            <a:r>
+              <a:rPr lang="ru-RU" smtClean="0"/>
+              <a:t>Пары</a:t>
+            </a:r>
+            <a:endParaRPr lang="en-US"/>
+          </a:p>
+        </p:txBody>
+      </p:sp>
+      <p:sp>
+        <p:nvSpPr>
+          <p:cNvPr id="3" name="Content Placeholder 2"/>
+          <p:cNvSpPr>
+            <a:spLocks noGrp="1"/>
+          </p:cNvSpPr>
+          <p:nvPr>
+            <p:ph idx="1"/>
+          </p:nvPr>
+        </p:nvSpPr>
+        <p:spPr/>
+        <p:txBody>
+          <a:bodyPr/>
+          <a:lstStyle/>
+          <a:p>
+            <a:r>
+              <a:rPr lang="ru-RU" smtClean="0"/>
+              <a:t>Начиная с </a:t>
+            </a:r>
+            <a:r>
+              <a:rPr lang="en-US" smtClean="0"/>
+              <a:t>C++98 </a:t>
+            </a:r>
+            <a:r>
+              <a:rPr lang="ru-RU" smtClean="0"/>
+              <a:t>пары позволяют решить ту же проблему в более </a:t>
+            </a:r>
+            <a:r>
+              <a:rPr lang="en-US" smtClean="0"/>
+              <a:t>C++ </a:t>
+            </a:r>
+            <a:r>
+              <a:rPr lang="ru-RU" smtClean="0"/>
+              <a:t>стиле</a:t>
+            </a:r>
+          </a:p>
+          <a:p>
+            <a:pPr marL="45720" indent="0">
+              <a:buNone/>
+            </a:pPr>
+            <a:r>
+              <a:rPr lang="en-US">
+                <a:latin typeface="Consolas" panose="020B0609020204030204" pitchFamily="49" charset="0"/>
+              </a:rPr>
+              <a:t>template &lt;typename T&gt;</a:t>
+            </a:r>
+            <a:r>
+              <a:rPr lang="ru-RU">
+                <a:latin typeface="Consolas" panose="020B0609020204030204" pitchFamily="49" charset="0"/>
+              </a:rPr>
+              <a:t/>
+            </a:r>
+            <a:br>
+              <a:rPr lang="ru-RU">
+                <a:latin typeface="Consolas" panose="020B0609020204030204" pitchFamily="49" charset="0"/>
+              </a:rPr>
+            </a:br>
+            <a:r>
+              <a:rPr lang="en-US" smtClean="0">
+                <a:latin typeface="Consolas" panose="020B0609020204030204" pitchFamily="49" charset="0"/>
+              </a:rPr>
+              <a:t>pair&lt;bool</a:t>
+            </a:r>
+            <a:r>
+              <a:rPr lang="en-US">
+                <a:latin typeface="Consolas" panose="020B0609020204030204" pitchFamily="49" charset="0"/>
+              </a:rPr>
+              <a:t>, T&gt; parse_string(const </a:t>
+            </a:r>
+            <a:r>
+              <a:rPr lang="en-US" smtClean="0">
+                <a:latin typeface="Consolas" panose="020B0609020204030204" pitchFamily="49" charset="0"/>
+              </a:rPr>
+              <a:t>wstring </a:t>
+            </a:r>
+            <a:r>
+              <a:rPr lang="en-US">
+                <a:latin typeface="Consolas" panose="020B0609020204030204" pitchFamily="49" charset="0"/>
+              </a:rPr>
+              <a:t>&amp;s)</a:t>
+            </a:r>
+            <a:r>
+              <a:rPr lang="ru-RU">
+                <a:latin typeface="Consolas" panose="020B0609020204030204" pitchFamily="49" charset="0"/>
+              </a:rPr>
+              <a:t> </a:t>
+            </a:r>
+            <a:r>
+              <a:rPr lang="en-US">
+                <a:latin typeface="Consolas" panose="020B0609020204030204" pitchFamily="49" charset="0"/>
+              </a:rPr>
+              <a:t>{</a:t>
+            </a:r>
+            <a:r>
+              <a:rPr lang="ru-RU">
+                <a:latin typeface="Consolas" panose="020B0609020204030204" pitchFamily="49" charset="0"/>
+              </a:rPr>
+              <a:t/>
+            </a:r>
+            <a:br>
+              <a:rPr lang="ru-RU">
+                <a:latin typeface="Consolas" panose="020B0609020204030204" pitchFamily="49" charset="0"/>
+              </a:rPr>
+            </a:br>
+            <a:r>
+              <a:rPr lang="ru-RU">
+                <a:latin typeface="Consolas" panose="020B0609020204030204" pitchFamily="49" charset="0"/>
+              </a:rPr>
+              <a:t>  </a:t>
+            </a:r>
+            <a:r>
+              <a:rPr lang="en-US" smtClean="0">
+                <a:latin typeface="Consolas" panose="020B0609020204030204" pitchFamily="49" charset="0"/>
+              </a:rPr>
+              <a:t>wistringstream </a:t>
+            </a:r>
+            <a:r>
+              <a:rPr lang="en-US">
+                <a:latin typeface="Consolas" panose="020B0609020204030204" pitchFamily="49" charset="0"/>
+              </a:rPr>
+              <a:t>iss(s);</a:t>
+            </a:r>
+            <a:r>
+              <a:rPr lang="ru-RU">
+                <a:latin typeface="Consolas" panose="020B0609020204030204" pitchFamily="49" charset="0"/>
+              </a:rPr>
+              <a:t/>
+            </a:r>
+            <a:br>
+              <a:rPr lang="ru-RU">
+                <a:latin typeface="Consolas" panose="020B0609020204030204" pitchFamily="49" charset="0"/>
+              </a:rPr>
+            </a:br>
+            <a:r>
+              <a:rPr lang="ru-RU">
+                <a:latin typeface="Consolas" panose="020B0609020204030204" pitchFamily="49" charset="0"/>
+              </a:rPr>
+              <a:t>  </a:t>
+            </a:r>
+            <a:r>
+              <a:rPr lang="en-US">
+                <a:latin typeface="Consolas" panose="020B0609020204030204" pitchFamily="49" charset="0"/>
+              </a:rPr>
+              <a:t>T t;</a:t>
+            </a:r>
+            <a:r>
+              <a:rPr lang="ru-RU">
+                <a:latin typeface="Consolas" panose="020B0609020204030204" pitchFamily="49" charset="0"/>
+              </a:rPr>
+              <a:t> </a:t>
+            </a:r>
+            <a:r>
+              <a:rPr lang="en-US">
+                <a:latin typeface="Consolas" panose="020B0609020204030204" pitchFamily="49" charset="0"/>
+              </a:rPr>
+              <a:t>bool success = (iss &gt;&gt; t);</a:t>
+            </a:r>
+            <a:r>
+              <a:rPr lang="ru-RU">
+                <a:latin typeface="Consolas" panose="020B0609020204030204" pitchFamily="49" charset="0"/>
+              </a:rPr>
+              <a:t/>
+            </a:r>
+            <a:br>
+              <a:rPr lang="ru-RU">
+                <a:latin typeface="Consolas" panose="020B0609020204030204" pitchFamily="49" charset="0"/>
+              </a:rPr>
+            </a:br>
+            <a:r>
+              <a:rPr lang="ru-RU">
+                <a:latin typeface="Consolas" panose="020B0609020204030204" pitchFamily="49" charset="0"/>
+              </a:rPr>
+              <a:t>  </a:t>
+            </a:r>
+            <a:r>
+              <a:rPr lang="en-US">
+                <a:latin typeface="Consolas" panose="020B0609020204030204" pitchFamily="49" charset="0"/>
+              </a:rPr>
+              <a:t>return </a:t>
+            </a:r>
+            <a:r>
+              <a:rPr lang="en-US" smtClean="0">
+                <a:latin typeface="Consolas" panose="020B0609020204030204" pitchFamily="49" charset="0"/>
+              </a:rPr>
+              <a:t>make_pair(success</a:t>
+            </a:r>
+            <a:r>
+              <a:rPr lang="en-US">
+                <a:latin typeface="Consolas" panose="020B0609020204030204" pitchFamily="49" charset="0"/>
+              </a:rPr>
+              <a:t>, t);</a:t>
+            </a:r>
+            <a:r>
+              <a:rPr lang="ru-RU">
+                <a:latin typeface="Consolas" panose="020B0609020204030204" pitchFamily="49" charset="0"/>
+              </a:rPr>
+              <a:t/>
+            </a:r>
+            <a:br>
+              <a:rPr lang="ru-RU">
+                <a:latin typeface="Consolas" panose="020B0609020204030204" pitchFamily="49" charset="0"/>
+              </a:rPr>
+            </a:br>
+            <a:r>
+              <a:rPr lang="en-US" smtClean="0">
+                <a:latin typeface="Consolas" panose="020B0609020204030204" pitchFamily="49" charset="0"/>
+              </a:rPr>
+              <a:t>}</a:t>
+            </a:r>
+            <a:endParaRPr lang="ru-RU" smtClean="0"/>
+          </a:p>
+          <a:p>
+            <a:r>
+              <a:rPr lang="ru-RU" smtClean="0"/>
+              <a:t>Здесь неоднозначность в точке вызова более не существует, а код начиная с </a:t>
+            </a:r>
+            <a:r>
+              <a:rPr lang="en-US" smtClean="0"/>
+              <a:t>C++11 </a:t>
+            </a:r>
+            <a:r>
+              <a:rPr lang="ru-RU" smtClean="0"/>
+              <a:t>не теряет эффективности из-за </a:t>
+            </a:r>
+            <a:r>
+              <a:rPr lang="en-US" smtClean="0"/>
+              <a:t>move-</a:t>
+            </a:r>
+            <a:r>
+              <a:rPr lang="ru-RU" smtClean="0"/>
+              <a:t>семантики</a:t>
+            </a:r>
+            <a:r>
+              <a:rPr lang="en-US" smtClean="0"/>
+              <a:t>. </a:t>
+            </a:r>
+            <a:r>
+              <a:rPr lang="ru-RU" smtClean="0"/>
+              <a:t>Увы, некоторая нелинейность вносится доступом через </a:t>
+            </a:r>
+            <a:r>
+              <a:rPr lang="en-US" smtClean="0"/>
+              <a:t>first </a:t>
+            </a:r>
+            <a:r>
+              <a:rPr lang="ru-RU" smtClean="0"/>
+              <a:t>и </a:t>
+            </a:r>
+            <a:r>
+              <a:rPr lang="en-US" smtClean="0"/>
+              <a:t>second;</a:t>
+            </a:r>
+            <a:endParaRPr lang="ru-RU" smtClean="0"/>
+          </a:p>
+          <a:p>
+            <a:pPr marL="45720" indent="0">
+              <a:buNone/>
+            </a:pPr>
+            <a:r>
+              <a:rPr lang="en-US">
+                <a:latin typeface="Consolas" panose="020B0609020204030204" pitchFamily="49" charset="0"/>
+              </a:rPr>
+              <a:t>auto parsed = parse_string&lt;int&gt;(L"123</a:t>
+            </a:r>
+            <a:r>
+              <a:rPr lang="en-US" smtClean="0">
+                <a:latin typeface="Consolas" panose="020B0609020204030204" pitchFamily="49" charset="0"/>
+              </a:rPr>
+              <a:t>");</a:t>
+            </a:r>
+            <a:br>
+              <a:rPr lang="en-US" smtClean="0">
+                <a:latin typeface="Consolas" panose="020B0609020204030204" pitchFamily="49" charset="0"/>
+              </a:rPr>
+            </a:br>
+            <a:r>
+              <a:rPr lang="en-US" smtClean="0">
+                <a:latin typeface="Consolas" panose="020B0609020204030204" pitchFamily="49" charset="0"/>
+              </a:rPr>
+              <a:t>string s = parsed.second;</a:t>
+            </a:r>
+            <a:endParaRPr lang="en-US"/>
+          </a:p>
+        </p:txBody>
+      </p:sp>
+    </p:spTree>
+    <p:extLst>
+      <p:ext uri="{BB962C8B-B14F-4D97-AF65-F5344CB8AC3E}">
+        <p14:creationId xmlns:p14="http://schemas.microsoft.com/office/powerpoint/2010/main" val="1192814919"/>
+      </p:ext>
+    </p:extLst>
+  </p:cSld>
+  <p:clrMapOvr>
+    <a:masterClrMapping/>
+  </p:clrMapOvr>
+</p:sld>
+</file>
+
+<file path=ppt/slides/slide36.xml><?xml version="1.0" encoding="utf-8"?>
+<p:sld xmlns:a="http://schemas.openxmlformats.org/drawingml/2006/main" xmlns:r="http://schemas.openxmlformats.org/officeDocument/2006/relationships" xmlns:p="http://schemas.openxmlformats.org/presentationml/2006/main">
+  <p:cSld>
+    <p:spTree>
+      <p:nvGrpSpPr>
+        <p:cNvPr id="1" name=""/>
+        <p:cNvGrpSpPr/>
+        <p:nvPr/>
+      </p:nvGrpSpPr>
+      <p:grpSpPr>
+        <a:xfrm>
+          <a:off x="0" y="0"/>
+          <a:ext cx="0" cy="0"/>
+          <a:chOff x="0" y="0"/>
+          <a:chExt cx="0" cy="0"/>
+        </a:xfrm>
+      </p:grpSpPr>
+      <p:sp>
+        <p:nvSpPr>
+          <p:cNvPr id="2" name="Title 1"/>
+          <p:cNvSpPr>
+            <a:spLocks noGrp="1"/>
+          </p:cNvSpPr>
+          <p:nvPr>
+            <p:ph type="title"/>
+          </p:nvPr>
+        </p:nvSpPr>
+        <p:spPr/>
+        <p:txBody>
+          <a:bodyPr/>
+          <a:lstStyle/>
+          <a:p>
+            <a:r>
+              <a:rPr lang="ru-RU" smtClean="0"/>
+              <a:t>Кортежи</a:t>
+            </a:r>
+            <a:r>
+              <a:rPr lang="en-US" smtClean="0"/>
+              <a:t> (tuples)</a:t>
+            </a:r>
+            <a:endParaRPr lang="en-US"/>
+          </a:p>
+        </p:txBody>
+      </p:sp>
+      <p:sp>
+        <p:nvSpPr>
+          <p:cNvPr id="3" name="Content Placeholder 2"/>
+          <p:cNvSpPr>
+            <a:spLocks noGrp="1"/>
+          </p:cNvSpPr>
+          <p:nvPr>
+            <p:ph idx="1"/>
+          </p:nvPr>
+        </p:nvSpPr>
+        <p:spPr/>
+        <p:txBody>
+          <a:bodyPr/>
+          <a:lstStyle/>
+          <a:p>
+            <a:r>
+              <a:rPr lang="ru-RU" smtClean="0"/>
+              <a:t>Кортежи являются естественным обобщением пар</a:t>
+            </a:r>
+          </a:p>
+          <a:p>
+            <a:pPr marL="45720" indent="0">
+              <a:buNone/>
+            </a:pPr>
+            <a:r>
+              <a:rPr lang="en-US">
+                <a:latin typeface="Consolas" panose="020B0609020204030204" pitchFamily="49" charset="0"/>
+              </a:rPr>
+              <a:t>template &lt;typename T&gt;</a:t>
+            </a:r>
+            <a:r>
+              <a:rPr lang="ru-RU">
+                <a:latin typeface="Consolas" panose="020B0609020204030204" pitchFamily="49" charset="0"/>
+              </a:rPr>
+              <a:t/>
+            </a:r>
+            <a:br>
+              <a:rPr lang="ru-RU">
+                <a:latin typeface="Consolas" panose="020B0609020204030204" pitchFamily="49" charset="0"/>
+              </a:rPr>
+            </a:br>
+            <a:r>
+              <a:rPr lang="en-US" smtClean="0">
+                <a:solidFill>
+                  <a:srgbClr val="0000FF"/>
+                </a:solidFill>
+                <a:latin typeface="Consolas" panose="020B0609020204030204" pitchFamily="49" charset="0"/>
+              </a:rPr>
+              <a:t>tuple&lt;bool</a:t>
+            </a:r>
+            <a:r>
+              <a:rPr lang="en-US">
+                <a:solidFill>
+                  <a:srgbClr val="0000FF"/>
+                </a:solidFill>
+                <a:latin typeface="Consolas" panose="020B0609020204030204" pitchFamily="49" charset="0"/>
+              </a:rPr>
+              <a:t>, T&gt; </a:t>
+            </a:r>
+            <a:r>
+              <a:rPr lang="en-US">
+                <a:latin typeface="Consolas" panose="020B0609020204030204" pitchFamily="49" charset="0"/>
+              </a:rPr>
+              <a:t>parse_string(const </a:t>
+            </a:r>
+            <a:r>
+              <a:rPr lang="en-US" smtClean="0">
+                <a:latin typeface="Consolas" panose="020B0609020204030204" pitchFamily="49" charset="0"/>
+              </a:rPr>
+              <a:t>wstring </a:t>
+            </a:r>
+            <a:r>
+              <a:rPr lang="en-US">
+                <a:latin typeface="Consolas" panose="020B0609020204030204" pitchFamily="49" charset="0"/>
+              </a:rPr>
+              <a:t>&amp;s)</a:t>
+            </a:r>
+            <a:r>
+              <a:rPr lang="ru-RU">
+                <a:latin typeface="Consolas" panose="020B0609020204030204" pitchFamily="49" charset="0"/>
+              </a:rPr>
+              <a:t> </a:t>
+            </a:r>
+            <a:r>
+              <a:rPr lang="en-US">
+                <a:latin typeface="Consolas" panose="020B0609020204030204" pitchFamily="49" charset="0"/>
+              </a:rPr>
+              <a:t>{</a:t>
+            </a:r>
+            <a:r>
+              <a:rPr lang="ru-RU">
+                <a:latin typeface="Consolas" panose="020B0609020204030204" pitchFamily="49" charset="0"/>
+              </a:rPr>
+              <a:t/>
+            </a:r>
+            <a:br>
+              <a:rPr lang="ru-RU">
+                <a:latin typeface="Consolas" panose="020B0609020204030204" pitchFamily="49" charset="0"/>
+              </a:rPr>
+            </a:br>
+            <a:r>
+              <a:rPr lang="ru-RU">
+                <a:latin typeface="Consolas" panose="020B0609020204030204" pitchFamily="49" charset="0"/>
+              </a:rPr>
+              <a:t>  </a:t>
+            </a:r>
+            <a:r>
+              <a:rPr lang="en-US" smtClean="0">
+                <a:latin typeface="Consolas" panose="020B0609020204030204" pitchFamily="49" charset="0"/>
+              </a:rPr>
+              <a:t>wistringstream </a:t>
+            </a:r>
+            <a:r>
+              <a:rPr lang="en-US">
+                <a:latin typeface="Consolas" panose="020B0609020204030204" pitchFamily="49" charset="0"/>
+              </a:rPr>
+              <a:t>iss(s);</a:t>
+            </a:r>
+            <a:r>
+              <a:rPr lang="ru-RU">
+                <a:latin typeface="Consolas" panose="020B0609020204030204" pitchFamily="49" charset="0"/>
+              </a:rPr>
+              <a:t/>
+            </a:r>
+            <a:br>
+              <a:rPr lang="ru-RU">
+                <a:latin typeface="Consolas" panose="020B0609020204030204" pitchFamily="49" charset="0"/>
+              </a:rPr>
+            </a:br>
+            <a:r>
+              <a:rPr lang="ru-RU">
+                <a:latin typeface="Consolas" panose="020B0609020204030204" pitchFamily="49" charset="0"/>
+              </a:rPr>
+              <a:t>  </a:t>
+            </a:r>
+            <a:r>
+              <a:rPr lang="en-US">
+                <a:latin typeface="Consolas" panose="020B0609020204030204" pitchFamily="49" charset="0"/>
+              </a:rPr>
+              <a:t>T t;</a:t>
+            </a:r>
+            <a:r>
+              <a:rPr lang="ru-RU">
+                <a:latin typeface="Consolas" panose="020B0609020204030204" pitchFamily="49" charset="0"/>
+              </a:rPr>
+              <a:t> </a:t>
+            </a:r>
+            <a:r>
+              <a:rPr lang="en-US">
+                <a:latin typeface="Consolas" panose="020B0609020204030204" pitchFamily="49" charset="0"/>
+              </a:rPr>
+              <a:t>bool success = (iss &gt;&gt; t);</a:t>
+            </a:r>
+            <a:r>
+              <a:rPr lang="ru-RU">
+                <a:latin typeface="Consolas" panose="020B0609020204030204" pitchFamily="49" charset="0"/>
+              </a:rPr>
+              <a:t/>
+            </a:r>
+            <a:br>
+              <a:rPr lang="ru-RU">
+                <a:latin typeface="Consolas" panose="020B0609020204030204" pitchFamily="49" charset="0"/>
+              </a:rPr>
+            </a:br>
+            <a:r>
+              <a:rPr lang="ru-RU">
+                <a:latin typeface="Consolas" panose="020B0609020204030204" pitchFamily="49" charset="0"/>
+              </a:rPr>
+              <a:t>  </a:t>
+            </a:r>
+            <a:r>
+              <a:rPr lang="en-US">
+                <a:latin typeface="Consolas" panose="020B0609020204030204" pitchFamily="49" charset="0"/>
+              </a:rPr>
+              <a:t>return </a:t>
+            </a:r>
+            <a:r>
+              <a:rPr lang="en-US" smtClean="0">
+                <a:solidFill>
+                  <a:srgbClr val="0000FF"/>
+                </a:solidFill>
+                <a:latin typeface="Consolas" panose="020B0609020204030204" pitchFamily="49" charset="0"/>
+              </a:rPr>
+              <a:t>make_tuple</a:t>
+            </a:r>
+            <a:r>
+              <a:rPr lang="en-US" smtClean="0">
+                <a:latin typeface="Consolas" panose="020B0609020204030204" pitchFamily="49" charset="0"/>
+              </a:rPr>
+              <a:t>(success</a:t>
+            </a:r>
+            <a:r>
+              <a:rPr lang="en-US">
+                <a:latin typeface="Consolas" panose="020B0609020204030204" pitchFamily="49" charset="0"/>
+              </a:rPr>
+              <a:t>, t);</a:t>
+            </a:r>
+            <a:r>
+              <a:rPr lang="ru-RU">
+                <a:latin typeface="Consolas" panose="020B0609020204030204" pitchFamily="49" charset="0"/>
+              </a:rPr>
+              <a:t/>
+            </a:r>
+            <a:br>
+              <a:rPr lang="ru-RU">
+                <a:latin typeface="Consolas" panose="020B0609020204030204" pitchFamily="49" charset="0"/>
+              </a:rPr>
+            </a:br>
+            <a:r>
+              <a:rPr lang="en-US" smtClean="0">
+                <a:latin typeface="Consolas" panose="020B0609020204030204" pitchFamily="49" charset="0"/>
+              </a:rPr>
+              <a:t>}</a:t>
+            </a:r>
+            <a:endParaRPr lang="ru-RU" smtClean="0"/>
+          </a:p>
+          <a:p>
+            <a:r>
+              <a:rPr lang="ru-RU" smtClean="0"/>
+              <a:t>Здесь доступ осуществляется прозрачно через </a:t>
+            </a:r>
+            <a:r>
+              <a:rPr lang="en-US" smtClean="0"/>
+              <a:t>get&lt;N&gt;</a:t>
+            </a:r>
+            <a:endParaRPr lang="ru-RU" smtClean="0"/>
+          </a:p>
+          <a:p>
+            <a:pPr marL="45720" indent="0">
+              <a:buNone/>
+            </a:pPr>
+            <a:r>
+              <a:rPr lang="en-US" smtClean="0">
+                <a:latin typeface="Consolas" panose="020B0609020204030204" pitchFamily="49" charset="0"/>
+              </a:rPr>
+              <a:t>auto </a:t>
+            </a:r>
+            <a:r>
+              <a:rPr lang="en-US">
+                <a:latin typeface="Consolas" panose="020B0609020204030204" pitchFamily="49" charset="0"/>
+              </a:rPr>
+              <a:t>parsed = parse_string&lt;int&gt;(L"123</a:t>
+            </a:r>
+            <a:r>
+              <a:rPr lang="en-US" smtClean="0">
+                <a:latin typeface="Consolas" panose="020B0609020204030204" pitchFamily="49" charset="0"/>
+              </a:rPr>
+              <a:t>");</a:t>
+            </a:r>
+            <a:br>
+              <a:rPr lang="en-US" smtClean="0">
+                <a:latin typeface="Consolas" panose="020B0609020204030204" pitchFamily="49" charset="0"/>
+              </a:rPr>
+            </a:br>
+            <a:r>
+              <a:rPr lang="en-US" smtClean="0">
+                <a:latin typeface="Consolas" panose="020B0609020204030204" pitchFamily="49" charset="0"/>
+              </a:rPr>
+              <a:t>string s = </a:t>
+            </a:r>
+            <a:r>
+              <a:rPr lang="en-US" smtClean="0">
+                <a:solidFill>
+                  <a:srgbClr val="0000FF"/>
+                </a:solidFill>
+                <a:latin typeface="Consolas" panose="020B0609020204030204" pitchFamily="49" charset="0"/>
+              </a:rPr>
+              <a:t>get&lt;1&gt;</a:t>
+            </a:r>
+            <a:r>
+              <a:rPr lang="en-US" smtClean="0">
+                <a:latin typeface="Consolas" panose="020B0609020204030204" pitchFamily="49" charset="0"/>
+              </a:rPr>
+              <a:t>(parsed);</a:t>
+            </a:r>
+            <a:endParaRPr lang="en-US"/>
+          </a:p>
+        </p:txBody>
+      </p:sp>
+    </p:spTree>
+    <p:extLst>
+      <p:ext uri="{BB962C8B-B14F-4D97-AF65-F5344CB8AC3E}">
+        <p14:creationId xmlns:p14="http://schemas.microsoft.com/office/powerpoint/2010/main" val="2619723238"/>
+      </p:ext>
+    </p:extLst>
+  </p:cSld>
+  <p:clrMapOvr>
+    <a:masterClrMapping/>
+  </p:clrMapOvr>
+</p:sld>
+</file>
+
+<file path=ppt/slides/slide37.xml><?xml version="1.0" encoding="utf-8"?>
+<p:sld xmlns:a="http://schemas.openxmlformats.org/drawingml/2006/main" xmlns:r="http://schemas.openxmlformats.org/officeDocument/2006/relationships" xmlns:p="http://schemas.openxmlformats.org/presentationml/2006/main">
+  <p:cSld>
+    <p:spTree>
+      <p:nvGrpSpPr>
+        <p:cNvPr id="1" name=""/>
+        <p:cNvGrpSpPr/>
+        <p:nvPr/>
+      </p:nvGrpSpPr>
+      <p:grpSpPr>
+        <a:xfrm>
+          <a:off x="0" y="0"/>
+          <a:ext cx="0" cy="0"/>
+          <a:chOff x="0" y="0"/>
+          <a:chExt cx="0" cy="0"/>
+        </a:xfrm>
+      </p:grpSpPr>
+      <p:sp>
+        <p:nvSpPr>
+          <p:cNvPr id="2" name="Title 1"/>
+          <p:cNvSpPr>
+            <a:spLocks noGrp="1"/>
+          </p:cNvSpPr>
+          <p:nvPr>
+            <p:ph type="title"/>
+          </p:nvPr>
+        </p:nvSpPr>
+        <p:spPr/>
+        <p:txBody>
+          <a:bodyPr/>
+          <a:lstStyle/>
+          <a:p>
+            <a:r>
+              <a:rPr lang="ru-RU" smtClean="0"/>
+              <a:t>Создание кортежей</a:t>
+            </a:r>
+            <a:endParaRPr lang="en-US"/>
+          </a:p>
+        </p:txBody>
+      </p:sp>
+      <p:sp>
+        <p:nvSpPr>
+          <p:cNvPr id="3" name="Content Placeholder 2"/>
+          <p:cNvSpPr>
+            <a:spLocks noGrp="1"/>
+          </p:cNvSpPr>
+          <p:nvPr>
+            <p:ph idx="1"/>
+          </p:nvPr>
+        </p:nvSpPr>
+        <p:spPr/>
+        <p:txBody>
+          <a:bodyPr/>
+          <a:lstStyle/>
+          <a:p>
+            <a:r>
+              <a:rPr lang="ru-RU" smtClean="0"/>
+              <a:t>Создание из пары</a:t>
+            </a:r>
+          </a:p>
+          <a:p>
+            <a:pPr marL="45720" indent="0">
+              <a:buNone/>
+            </a:pPr>
+            <a:r>
+              <a:rPr lang="fr-FR">
+                <a:latin typeface="Consolas" panose="020B0609020204030204" pitchFamily="49" charset="0"/>
+              </a:rPr>
+              <a:t>tuple&lt;int, </a:t>
+            </a:r>
+            <a:r>
+              <a:rPr lang="fr-FR" smtClean="0">
+                <a:latin typeface="Consolas" panose="020B0609020204030204" pitchFamily="49" charset="0"/>
+              </a:rPr>
+              <a:t>double&gt; t</a:t>
+            </a:r>
+            <a:r>
+              <a:rPr lang="en-US">
+                <a:latin typeface="Consolas" panose="020B0609020204030204" pitchFamily="49" charset="0"/>
+              </a:rPr>
+              <a:t>0</a:t>
+            </a:r>
+            <a:r>
+              <a:rPr lang="ru-RU" smtClean="0">
+                <a:latin typeface="Consolas" panose="020B0609020204030204" pitchFamily="49" charset="0"/>
+              </a:rPr>
+              <a:t> = </a:t>
+            </a:r>
+            <a:r>
+              <a:rPr lang="en-US" smtClean="0">
+                <a:latin typeface="Consolas" panose="020B0609020204030204" pitchFamily="49" charset="0"/>
+              </a:rPr>
+              <a:t>make_pair(1, 2.0);</a:t>
+            </a:r>
+            <a:endParaRPr lang="ru-RU" smtClean="0"/>
+          </a:p>
+          <a:p>
+            <a:r>
+              <a:rPr lang="ru-RU" smtClean="0"/>
+              <a:t>Создание конструктором</a:t>
+            </a:r>
+          </a:p>
+          <a:p>
+            <a:pPr marL="45720" indent="0">
+              <a:buNone/>
+            </a:pPr>
+            <a:r>
+              <a:rPr lang="fr-FR" smtClean="0">
+                <a:latin typeface="Consolas" panose="020B0609020204030204" pitchFamily="49" charset="0"/>
+              </a:rPr>
+              <a:t>tuple&lt;int</a:t>
+            </a:r>
+            <a:r>
+              <a:rPr lang="fr-FR">
+                <a:latin typeface="Consolas" panose="020B0609020204030204" pitchFamily="49" charset="0"/>
+              </a:rPr>
+              <a:t>, double, int&gt; t</a:t>
+            </a:r>
+            <a:r>
+              <a:rPr lang="ru-RU">
+                <a:latin typeface="Consolas" panose="020B0609020204030204" pitchFamily="49" charset="0"/>
+              </a:rPr>
+              <a:t>1</a:t>
+            </a:r>
+            <a:r>
+              <a:rPr lang="fr-FR">
+                <a:latin typeface="Consolas" panose="020B0609020204030204" pitchFamily="49" charset="0"/>
+              </a:rPr>
+              <a:t>(1, 2.0, 3);</a:t>
+            </a:r>
+            <a:endParaRPr lang="ru-RU" smtClean="0"/>
+          </a:p>
+          <a:p>
+            <a:r>
+              <a:rPr lang="ru-RU" smtClean="0"/>
+              <a:t>Создание через </a:t>
+            </a:r>
+            <a:r>
+              <a:rPr lang="en-US" smtClean="0"/>
+              <a:t>make_tuple</a:t>
+            </a:r>
+          </a:p>
+          <a:p>
+            <a:pPr marL="45720" indent="0">
+              <a:buNone/>
+            </a:pPr>
+            <a:r>
+              <a:rPr lang="fr-FR" smtClean="0">
+                <a:latin typeface="Consolas" panose="020B0609020204030204" pitchFamily="49" charset="0"/>
+              </a:rPr>
+              <a:t>auto t2 = make_tuple(4, 5.0</a:t>
+            </a:r>
+            <a:r>
+              <a:rPr lang="fr-FR">
+                <a:latin typeface="Consolas" panose="020B0609020204030204" pitchFamily="49" charset="0"/>
+              </a:rPr>
+              <a:t>, </a:t>
+            </a:r>
+            <a:r>
+              <a:rPr lang="fr-FR" smtClean="0">
+                <a:latin typeface="Consolas" panose="020B0609020204030204" pitchFamily="49" charset="0"/>
+              </a:rPr>
+              <a:t>6);</a:t>
+            </a:r>
+            <a:endParaRPr lang="ru-RU" smtClean="0"/>
+          </a:p>
+          <a:p>
+            <a:r>
+              <a:rPr lang="ru-RU" smtClean="0"/>
+              <a:t>Объединение</a:t>
+            </a:r>
+            <a:endParaRPr lang="en-US" smtClean="0"/>
+          </a:p>
+          <a:p>
+            <a:pPr marL="45720" indent="0">
+              <a:buNone/>
+            </a:pPr>
+            <a:r>
+              <a:rPr lang="en-US">
+                <a:latin typeface="Consolas" panose="020B0609020204030204" pitchFamily="49" charset="0"/>
+              </a:rPr>
+              <a:t>auto t3 = </a:t>
+            </a:r>
+            <a:r>
+              <a:rPr lang="en-US" smtClean="0">
+                <a:latin typeface="Consolas" panose="020B0609020204030204" pitchFamily="49" charset="0"/>
+              </a:rPr>
+              <a:t>tuple_cat </a:t>
+            </a:r>
+            <a:r>
+              <a:rPr lang="en-US">
+                <a:latin typeface="Consolas" panose="020B0609020204030204" pitchFamily="49" charset="0"/>
+              </a:rPr>
+              <a:t>(t1, t2, make_pair(7, 8.0</a:t>
+            </a:r>
+            <a:r>
+              <a:rPr lang="en-US" smtClean="0">
+                <a:latin typeface="Consolas" panose="020B0609020204030204" pitchFamily="49" charset="0"/>
+              </a:rPr>
+              <a:t>));</a:t>
+            </a:r>
+            <a:br>
+              <a:rPr lang="en-US" smtClean="0">
+                <a:latin typeface="Consolas" panose="020B0609020204030204" pitchFamily="49" charset="0"/>
+              </a:rPr>
+            </a:br>
+            <a:r>
+              <a:rPr lang="en-US" smtClean="0">
+                <a:latin typeface="Consolas" panose="020B0609020204030204" pitchFamily="49" charset="0"/>
+              </a:rPr>
+              <a:t>assert (t3 == make_tuple(</a:t>
+            </a:r>
+            <a:r>
+              <a:rPr lang="en-US">
+                <a:latin typeface="Consolas" panose="020B0609020204030204" pitchFamily="49" charset="0"/>
+              </a:rPr>
+              <a:t>1, 2.0, 3, 4, 5.0, 6, 7, 8.0</a:t>
+            </a:r>
+            <a:r>
+              <a:rPr lang="en-US" smtClean="0">
+                <a:latin typeface="Consolas" panose="020B0609020204030204" pitchFamily="49" charset="0"/>
+              </a:rPr>
+              <a:t>));</a:t>
+            </a:r>
+            <a:endParaRPr lang="en-US"/>
+          </a:p>
+        </p:txBody>
+      </p:sp>
+    </p:spTree>
+    <p:extLst>
+      <p:ext uri="{BB962C8B-B14F-4D97-AF65-F5344CB8AC3E}">
+        <p14:creationId xmlns:p14="http://schemas.microsoft.com/office/powerpoint/2010/main" val="2255544573"/>
+      </p:ext>
+    </p:extLst>
+  </p:cSld>
+  <p:clrMapOvr>
+    <a:masterClrMapping/>
+  </p:clrMapOvr>
+</p:sld>
+</file>
+
+<file path=ppt/slides/slide38.xml><?xml version="1.0" encoding="utf-8"?>
+<p:sld xmlns:a="http://schemas.openxmlformats.org/drawingml/2006/main" xmlns:r="http://schemas.openxmlformats.org/officeDocument/2006/relationships" xmlns:p="http://schemas.openxmlformats.org/presentationml/2006/main">
+  <p:cSld>
+    <p:spTree>
+      <p:nvGrpSpPr>
+        <p:cNvPr id="1" name=""/>
+        <p:cNvGrpSpPr/>
+        <p:nvPr/>
+      </p:nvGrpSpPr>
+      <p:grpSpPr>
+        <a:xfrm>
+          <a:off x="0" y="0"/>
+          <a:ext cx="0" cy="0"/>
+          <a:chOff x="0" y="0"/>
+          <a:chExt cx="0" cy="0"/>
+        </a:xfrm>
+      </p:grpSpPr>
+      <p:sp>
+        <p:nvSpPr>
+          <p:cNvPr id="2" name="Title 1"/>
+          <p:cNvSpPr>
+            <a:spLocks noGrp="1"/>
+          </p:cNvSpPr>
+          <p:nvPr>
+            <p:ph type="title"/>
+          </p:nvPr>
+        </p:nvSpPr>
+        <p:spPr/>
+        <p:txBody>
+          <a:bodyPr/>
+          <a:lstStyle/>
+          <a:p>
+            <a:r>
+              <a:rPr lang="ru-RU" smtClean="0"/>
+              <a:t>Работа с кортежами</a:t>
+            </a:r>
+            <a:endParaRPr lang="en-US"/>
+          </a:p>
+        </p:txBody>
+      </p:sp>
+      <p:sp>
+        <p:nvSpPr>
+          <p:cNvPr id="3" name="Content Placeholder 2"/>
+          <p:cNvSpPr>
+            <a:spLocks noGrp="1"/>
+          </p:cNvSpPr>
+          <p:nvPr>
+            <p:ph idx="1"/>
+          </p:nvPr>
+        </p:nvSpPr>
+        <p:spPr/>
+        <p:txBody>
+          <a:bodyPr/>
+          <a:lstStyle/>
+          <a:p>
+            <a:r>
+              <a:rPr lang="ru-RU" smtClean="0"/>
+              <a:t>Доступ к элементам через </a:t>
+            </a:r>
+            <a:r>
+              <a:rPr lang="en-US" smtClean="0"/>
+              <a:t>base/head</a:t>
+            </a:r>
+          </a:p>
+          <a:p>
+            <a:pPr marL="0" indent="0">
+              <a:buNone/>
+            </a:pPr>
+            <a:r>
+              <a:rPr lang="en-US">
+                <a:latin typeface="Consolas" panose="020B0609020204030204" pitchFamily="49" charset="0"/>
+              </a:rPr>
+              <a:t>auto t = make_tuple (1, 2.0, 3);</a:t>
+            </a:r>
+            <a:endParaRPr lang="ru-RU">
+              <a:latin typeface="Consolas" panose="020B0609020204030204" pitchFamily="49" charset="0"/>
+            </a:endParaRPr>
+          </a:p>
+          <a:p>
+            <a:pPr marL="0" indent="0">
+              <a:buNone/>
+            </a:pPr>
+            <a:r>
+              <a:rPr lang="en-US">
+                <a:latin typeface="Consolas" panose="020B0609020204030204" pitchFamily="49" charset="0"/>
+              </a:rPr>
+              <a:t>assert (t.head_ == </a:t>
+            </a:r>
+            <a:r>
+              <a:rPr lang="ru-RU">
+                <a:latin typeface="Consolas" panose="020B0609020204030204" pitchFamily="49" charset="0"/>
+              </a:rPr>
+              <a:t>1</a:t>
+            </a:r>
+            <a:r>
+              <a:rPr lang="en-US">
+                <a:latin typeface="Consolas" panose="020B0609020204030204" pitchFamily="49" charset="0"/>
+              </a:rPr>
+              <a:t>);</a:t>
+            </a:r>
+            <a:r>
+              <a:rPr lang="ru-RU">
+                <a:latin typeface="Consolas" panose="020B0609020204030204" pitchFamily="49" charset="0"/>
+              </a:rPr>
+              <a:t/>
+            </a:r>
+            <a:br>
+              <a:rPr lang="ru-RU">
+                <a:latin typeface="Consolas" panose="020B0609020204030204" pitchFamily="49" charset="0"/>
+              </a:rPr>
+            </a:br>
+            <a:r>
+              <a:rPr lang="en-US">
+                <a:latin typeface="Consolas" panose="020B0609020204030204" pitchFamily="49" charset="0"/>
+              </a:rPr>
+              <a:t>assert (t.base.head_ == 2.0</a:t>
+            </a:r>
+            <a:r>
+              <a:rPr lang="en-US" smtClean="0">
+                <a:latin typeface="Consolas" panose="020B0609020204030204" pitchFamily="49" charset="0"/>
+              </a:rPr>
+              <a:t>);</a:t>
+            </a:r>
+            <a:endParaRPr lang="en-US" smtClean="0"/>
+          </a:p>
+          <a:p>
+            <a:r>
+              <a:rPr lang="ru-RU" smtClean="0"/>
+              <a:t>Доступ к элементам через </a:t>
+            </a:r>
+            <a:r>
+              <a:rPr lang="en-US" smtClean="0"/>
+              <a:t>get</a:t>
+            </a:r>
+          </a:p>
+          <a:p>
+            <a:pPr marL="45720" indent="0">
+              <a:buNone/>
+            </a:pPr>
+            <a:r>
+              <a:rPr lang="de-DE">
+                <a:latin typeface="Consolas" panose="020B0609020204030204" pitchFamily="49" charset="0"/>
+              </a:rPr>
+              <a:t>assert (get&lt;0&gt;(t) == 1);</a:t>
+            </a:r>
+            <a:r>
+              <a:rPr lang="ru-RU">
+                <a:latin typeface="Consolas" panose="020B0609020204030204" pitchFamily="49" charset="0"/>
+              </a:rPr>
+              <a:t/>
+            </a:r>
+            <a:br>
+              <a:rPr lang="ru-RU">
+                <a:latin typeface="Consolas" panose="020B0609020204030204" pitchFamily="49" charset="0"/>
+              </a:rPr>
+            </a:br>
+            <a:r>
+              <a:rPr lang="de-DE">
+                <a:latin typeface="Consolas" panose="020B0609020204030204" pitchFamily="49" charset="0"/>
+              </a:rPr>
+              <a:t>assert (get&lt;</a:t>
+            </a:r>
+            <a:r>
+              <a:rPr lang="en-US">
+                <a:latin typeface="Consolas" panose="020B0609020204030204" pitchFamily="49" charset="0"/>
+              </a:rPr>
+              <a:t>double</a:t>
+            </a:r>
+            <a:r>
+              <a:rPr lang="de-DE">
+                <a:latin typeface="Consolas" panose="020B0609020204030204" pitchFamily="49" charset="0"/>
+              </a:rPr>
+              <a:t>&gt;(t) == 2.0</a:t>
+            </a:r>
+            <a:r>
+              <a:rPr lang="de-DE" smtClean="0">
+                <a:latin typeface="Consolas" panose="020B0609020204030204" pitchFamily="49" charset="0"/>
+              </a:rPr>
+              <a:t>);</a:t>
+            </a:r>
+            <a:endParaRPr lang="en-US" smtClean="0"/>
+          </a:p>
+          <a:p>
+            <a:r>
+              <a:rPr lang="ru-RU" smtClean="0"/>
+              <a:t>Размер в штуках через </a:t>
+            </a:r>
+            <a:r>
+              <a:rPr lang="en-US" smtClean="0">
+                <a:latin typeface="Consolas" panose="020B0609020204030204" pitchFamily="49" charset="0"/>
+              </a:rPr>
+              <a:t>tuple_size_v&lt;decltype(t)&gt;</a:t>
+            </a:r>
+          </a:p>
+          <a:p>
+            <a:r>
+              <a:rPr lang="ru-RU" smtClean="0"/>
+              <a:t>Тип элемента через </a:t>
+            </a:r>
+            <a:r>
+              <a:rPr lang="en-US" smtClean="0">
+                <a:latin typeface="Consolas" panose="020B0609020204030204" pitchFamily="49" charset="0"/>
+              </a:rPr>
+              <a:t>tuple_element_t&lt;1, decltype(t)&gt;</a:t>
+            </a:r>
+          </a:p>
+          <a:p>
+            <a:r>
+              <a:rPr lang="ru-RU" smtClean="0"/>
+              <a:t>Сравнение через обычные операторы </a:t>
+            </a:r>
+            <a:r>
+              <a:rPr lang="en-US" smtClean="0"/>
+              <a:t>&gt;, &lt;, =, ...</a:t>
+            </a:r>
+            <a:endParaRPr lang="ru-RU" smtClean="0"/>
+          </a:p>
+        </p:txBody>
+      </p:sp>
+    </p:spTree>
+    <p:extLst>
+      <p:ext uri="{BB962C8B-B14F-4D97-AF65-F5344CB8AC3E}">
+        <p14:creationId xmlns:p14="http://schemas.microsoft.com/office/powerpoint/2010/main" val="486804270"/>
+      </p:ext>
+    </p:extLst>
+  </p:cSld>
+  <p:clrMapOvr>
+    <a:masterClrMapping/>
+  </p:clrMapOvr>
+</p:sld>
+</file>
+
+<file path=ppt/slides/slide39.xml><?xml version="1.0" encoding="utf-8"?>
+<p:sld xmlns:a="http://schemas.openxmlformats.org/drawingml/2006/main" xmlns:r="http://schemas.openxmlformats.org/officeDocument/2006/relationships" xmlns:p="http://schemas.openxmlformats.org/presentationml/2006/main">
+  <p:cSld>
+    <p:spTree>
+      <p:nvGrpSpPr>
+        <p:cNvPr id="1" name=""/>
+        <p:cNvGrpSpPr/>
+        <p:nvPr/>
+      </p:nvGrpSpPr>
+      <p:grpSpPr>
+        <a:xfrm>
+          <a:off x="0" y="0"/>
+          <a:ext cx="0" cy="0"/>
+          <a:chOff x="0" y="0"/>
+          <a:chExt cx="0" cy="0"/>
+        </a:xfrm>
+      </p:grpSpPr>
+      <p:sp>
+        <p:nvSpPr>
+          <p:cNvPr id="2" name="Title 1"/>
+          <p:cNvSpPr>
+            <a:spLocks noGrp="1"/>
+          </p:cNvSpPr>
+          <p:nvPr>
+            <p:ph type="title"/>
+          </p:nvPr>
+        </p:nvSpPr>
+        <p:spPr/>
+        <p:txBody>
+          <a:bodyPr/>
+          <a:lstStyle/>
+          <a:p>
+            <a:r>
+              <a:rPr lang="ru-RU" smtClean="0"/>
+              <a:t>Связывание и развязывание кортежей</a:t>
+            </a:r>
+            <a:endParaRPr lang="en-US"/>
+          </a:p>
+        </p:txBody>
+      </p:sp>
+      <p:sp>
+        <p:nvSpPr>
+          <p:cNvPr id="3" name="Content Placeholder 2"/>
+          <p:cNvSpPr>
+            <a:spLocks noGrp="1"/>
+          </p:cNvSpPr>
+          <p:nvPr>
+            <p:ph idx="1"/>
+          </p:nvPr>
+        </p:nvSpPr>
+        <p:spPr/>
+        <p:txBody>
+          <a:bodyPr/>
+          <a:lstStyle/>
+          <a:p>
+            <a:pPr marL="342900" indent="-342900"/>
+            <a:r>
+              <a:rPr lang="ru-RU" smtClean="0"/>
+              <a:t>Благодаря обобщённой природе кортежей, в принципе любые переменные могут быть связаны в кортеж</a:t>
+            </a:r>
+          </a:p>
+          <a:p>
+            <a:pPr marL="0" indent="0">
+              <a:buNone/>
+            </a:pPr>
+            <a:r>
+              <a:rPr lang="en-US" smtClean="0">
+                <a:latin typeface="Consolas" panose="020B0609020204030204" pitchFamily="49" charset="0"/>
+              </a:rPr>
+              <a:t>int a = 5; double b = 1.0;</a:t>
+            </a:r>
+            <a:br>
+              <a:rPr lang="en-US" smtClean="0">
+                <a:latin typeface="Consolas" panose="020B0609020204030204" pitchFamily="49" charset="0"/>
+              </a:rPr>
+            </a:br>
+            <a:r>
+              <a:rPr lang="en-US" smtClean="0">
+                <a:latin typeface="Consolas" panose="020B0609020204030204" pitchFamily="49" charset="0"/>
+              </a:rPr>
+              <a:t>auto t = tie(a, b);</a:t>
+            </a:r>
+            <a:br>
+              <a:rPr lang="en-US" smtClean="0">
+                <a:latin typeface="Consolas" panose="020B0609020204030204" pitchFamily="49" charset="0"/>
+              </a:rPr>
+            </a:br>
+            <a:r>
+              <a:rPr lang="en-US" smtClean="0">
+                <a:latin typeface="Consolas" panose="020B0609020204030204" pitchFamily="49" charset="0"/>
+              </a:rPr>
+              <a:t>get&lt;0&gt;(t) += 1;</a:t>
+            </a:r>
+            <a:br>
+              <a:rPr lang="en-US" smtClean="0">
+                <a:latin typeface="Consolas" panose="020B0609020204030204" pitchFamily="49" charset="0"/>
+              </a:rPr>
+            </a:br>
+            <a:r>
+              <a:rPr lang="en-US" smtClean="0">
+                <a:latin typeface="Consolas" panose="020B0609020204030204" pitchFamily="49" charset="0"/>
+              </a:rPr>
+              <a:t>assert (a == 6);</a:t>
+            </a:r>
+            <a:endParaRPr lang="ru-RU" smtClean="0">
+              <a:latin typeface="Consolas" panose="020B0609020204030204" pitchFamily="49" charset="0"/>
+            </a:endParaRPr>
+          </a:p>
+          <a:p>
+            <a:pPr marL="342900" indent="-342900"/>
+            <a:r>
+              <a:rPr lang="ru-RU" smtClean="0"/>
+              <a:t>Но это также означает, что любой кортеж может быть развязан в составляющие переменные</a:t>
+            </a:r>
+          </a:p>
+          <a:p>
+            <a:pPr marL="0" indent="0">
+              <a:buNone/>
+            </a:pPr>
+            <a:r>
+              <a:rPr lang="en-US" smtClean="0">
+                <a:latin typeface="Consolas" panose="020B0609020204030204" pitchFamily="49" charset="0"/>
+              </a:rPr>
+              <a:t>tuple&lt;int,int</a:t>
+            </a:r>
+            <a:r>
+              <a:rPr lang="en-US">
+                <a:latin typeface="Consolas" panose="020B0609020204030204" pitchFamily="49" charset="0"/>
+              </a:rPr>
+              <a:t>&gt; foo</a:t>
+            </a:r>
+            <a:r>
+              <a:rPr lang="en-US" smtClean="0">
+                <a:latin typeface="Consolas" panose="020B0609020204030204" pitchFamily="49" charset="0"/>
+              </a:rPr>
+              <a:t>();</a:t>
+            </a:r>
+            <a:br>
+              <a:rPr lang="en-US" smtClean="0">
+                <a:latin typeface="Consolas" panose="020B0609020204030204" pitchFamily="49" charset="0"/>
+              </a:rPr>
+            </a:br>
+            <a:r>
+              <a:rPr lang="en-US" smtClean="0">
+                <a:latin typeface="Consolas" panose="020B0609020204030204" pitchFamily="49" charset="0"/>
+              </a:rPr>
+              <a:t>int a; int b;</a:t>
+            </a:r>
+            <a:br>
+              <a:rPr lang="en-US" smtClean="0">
+                <a:latin typeface="Consolas" panose="020B0609020204030204" pitchFamily="49" charset="0"/>
+              </a:rPr>
+            </a:br>
+            <a:r>
+              <a:rPr lang="en-US" smtClean="0">
+                <a:latin typeface="Consolas" panose="020B0609020204030204" pitchFamily="49" charset="0"/>
+              </a:rPr>
+              <a:t>tie(a</a:t>
+            </a:r>
+            <a:r>
+              <a:rPr lang="en-US">
+                <a:latin typeface="Consolas" panose="020B0609020204030204" pitchFamily="49" charset="0"/>
+              </a:rPr>
+              <a:t>, b)</a:t>
+            </a:r>
+            <a:r>
+              <a:rPr lang="ru-RU">
+                <a:latin typeface="Consolas" panose="020B0609020204030204" pitchFamily="49" charset="0"/>
+              </a:rPr>
+              <a:t> </a:t>
+            </a:r>
+            <a:r>
+              <a:rPr lang="en-US">
+                <a:latin typeface="Consolas" panose="020B0609020204030204" pitchFamily="49" charset="0"/>
+              </a:rPr>
+              <a:t>=</a:t>
+            </a:r>
+            <a:r>
+              <a:rPr lang="ru-RU">
+                <a:latin typeface="Consolas" panose="020B0609020204030204" pitchFamily="49" charset="0"/>
+              </a:rPr>
+              <a:t> </a:t>
+            </a:r>
+            <a:r>
+              <a:rPr lang="en-US">
+                <a:latin typeface="Consolas" panose="020B0609020204030204" pitchFamily="49" charset="0"/>
+              </a:rPr>
+              <a:t>foo();</a:t>
+            </a:r>
+          </a:p>
+          <a:p>
+            <a:pPr marL="45720" indent="0">
+              <a:buNone/>
+            </a:pPr>
+            <a:endParaRPr lang="en-US"/>
+          </a:p>
+        </p:txBody>
+      </p:sp>
+    </p:spTree>
+    <p:extLst>
+      <p:ext uri="{BB962C8B-B14F-4D97-AF65-F5344CB8AC3E}">
+        <p14:creationId xmlns:p14="http://schemas.microsoft.com/office/powerpoint/2010/main" val="1789838168"/>
       </p:ext>
     </p:extLst>
   </p:cSld>
@@ -10257,6 +11600,2471 @@
     <p:extLst>
       <p:ext uri="{BB962C8B-B14F-4D97-AF65-F5344CB8AC3E}">
         <p14:creationId xmlns:p14="http://schemas.microsoft.com/office/powerpoint/2010/main" val="3436580096"/>
+      </p:ext>
+    </p:extLst>
+  </p:cSld>
+  <p:clrMapOvr>
+    <a:masterClrMapping/>
+  </p:clrMapOvr>
+</p:sld>
+</file>
+
+<file path=ppt/slides/slide40.xml><?xml version="1.0" encoding="utf-8"?>
+<p:sld xmlns:a="http://schemas.openxmlformats.org/drawingml/2006/main" xmlns:r="http://schemas.openxmlformats.org/officeDocument/2006/relationships" xmlns:p="http://schemas.openxmlformats.org/presentationml/2006/main">
+  <p:cSld>
+    <p:spTree>
+      <p:nvGrpSpPr>
+        <p:cNvPr id="1" name=""/>
+        <p:cNvGrpSpPr/>
+        <p:nvPr/>
+      </p:nvGrpSpPr>
+      <p:grpSpPr>
+        <a:xfrm>
+          <a:off x="0" y="0"/>
+          <a:ext cx="0" cy="0"/>
+          <a:chOff x="0" y="0"/>
+          <a:chExt cx="0" cy="0"/>
+        </a:xfrm>
+      </p:grpSpPr>
+      <p:sp>
+        <p:nvSpPr>
+          <p:cNvPr id="2" name="Title 1"/>
+          <p:cNvSpPr>
+            <a:spLocks noGrp="1"/>
+          </p:cNvSpPr>
+          <p:nvPr>
+            <p:ph type="title"/>
+          </p:nvPr>
+        </p:nvSpPr>
+        <p:spPr/>
+        <p:txBody>
+          <a:bodyPr/>
+          <a:lstStyle/>
+          <a:p>
+            <a:r>
+              <a:rPr lang="ru-RU" smtClean="0"/>
+              <a:t>Упражение</a:t>
+            </a:r>
+            <a:r>
+              <a:rPr lang="en-US" smtClean="0"/>
+              <a:t>: value_swap</a:t>
+            </a:r>
+            <a:endParaRPr lang="en-US"/>
+          </a:p>
+        </p:txBody>
+      </p:sp>
+      <p:sp>
+        <p:nvSpPr>
+          <p:cNvPr id="3" name="Content Placeholder 2"/>
+          <p:cNvSpPr>
+            <a:spLocks noGrp="1"/>
+          </p:cNvSpPr>
+          <p:nvPr>
+            <p:ph idx="1"/>
+          </p:nvPr>
+        </p:nvSpPr>
+        <p:spPr/>
+        <p:txBody>
+          <a:bodyPr/>
+          <a:lstStyle/>
+          <a:p>
+            <a:r>
+              <a:rPr lang="ru-RU" smtClean="0"/>
+              <a:t>Как бы вы написали функцию, которая циклически переставляет элементы в показанном ниже порядке? </a:t>
+            </a:r>
+          </a:p>
+          <a:p>
+            <a:pPr marL="45720" indent="0">
+              <a:buNone/>
+            </a:pPr>
+            <a:r>
+              <a:rPr lang="en-US">
+                <a:latin typeface="Consolas" panose="020B0609020204030204" pitchFamily="49" charset="0"/>
+              </a:rPr>
+              <a:t>void </a:t>
+            </a:r>
+            <a:r>
+              <a:rPr lang="ru-RU" smtClean="0">
+                <a:latin typeface="Consolas" panose="020B0609020204030204" pitchFamily="49" charset="0"/>
+              </a:rPr>
+              <a:t/>
+            </a:r>
+            <a:br>
+              <a:rPr lang="ru-RU" smtClean="0">
+                <a:latin typeface="Consolas" panose="020B0609020204030204" pitchFamily="49" charset="0"/>
+              </a:rPr>
+            </a:br>
+            <a:r>
+              <a:rPr lang="en-US" smtClean="0">
+                <a:latin typeface="Consolas" panose="020B0609020204030204" pitchFamily="49" charset="0"/>
+              </a:rPr>
+              <a:t>valswap </a:t>
+            </a:r>
+            <a:r>
+              <a:rPr lang="en-US">
+                <a:latin typeface="Consolas" panose="020B0609020204030204" pitchFamily="49" charset="0"/>
+              </a:rPr>
+              <a:t>(int &amp;a, int &amp;b, int &amp;c, int &amp;d)</a:t>
+            </a:r>
+            <a:br>
+              <a:rPr lang="en-US">
+                <a:latin typeface="Consolas" panose="020B0609020204030204" pitchFamily="49" charset="0"/>
+              </a:rPr>
+            </a:br>
+            <a:r>
+              <a:rPr lang="en-US">
+                <a:latin typeface="Consolas" panose="020B0609020204030204" pitchFamily="49" charset="0"/>
+              </a:rPr>
+              <a:t>{</a:t>
+            </a:r>
+            <a:br>
+              <a:rPr lang="en-US">
+                <a:latin typeface="Consolas" panose="020B0609020204030204" pitchFamily="49" charset="0"/>
+              </a:rPr>
+            </a:br>
+            <a:r>
+              <a:rPr lang="en-US">
+                <a:latin typeface="Consolas" panose="020B0609020204030204" pitchFamily="49" charset="0"/>
+              </a:rPr>
+              <a:t>  // a-&gt;c, c-&gt;b, b-&gt;d, d-&gt;a</a:t>
+            </a:r>
+            <a:br>
+              <a:rPr lang="en-US">
+                <a:latin typeface="Consolas" panose="020B0609020204030204" pitchFamily="49" charset="0"/>
+              </a:rPr>
+            </a:br>
+            <a:r>
+              <a:rPr lang="en-US" smtClean="0">
+                <a:latin typeface="Consolas" panose="020B0609020204030204" pitchFamily="49" charset="0"/>
+              </a:rPr>
+              <a:t>}</a:t>
+            </a:r>
+            <a:endParaRPr lang="en-US">
+              <a:latin typeface="Consolas" panose="020B0609020204030204" pitchFamily="49" charset="0"/>
+            </a:endParaRPr>
+          </a:p>
+        </p:txBody>
+      </p:sp>
+    </p:spTree>
+    <p:extLst>
+      <p:ext uri="{BB962C8B-B14F-4D97-AF65-F5344CB8AC3E}">
+        <p14:creationId xmlns:p14="http://schemas.microsoft.com/office/powerpoint/2010/main" val="2118950240"/>
+      </p:ext>
+    </p:extLst>
+  </p:cSld>
+  <p:clrMapOvr>
+    <a:masterClrMapping/>
+  </p:clrMapOvr>
+</p:sld>
+</file>
+
+<file path=ppt/slides/slide41.xml><?xml version="1.0" encoding="utf-8"?>
+<p:sld xmlns:a="http://schemas.openxmlformats.org/drawingml/2006/main" xmlns:r="http://schemas.openxmlformats.org/officeDocument/2006/relationships" xmlns:p="http://schemas.openxmlformats.org/presentationml/2006/main">
+  <p:cSld>
+    <p:spTree>
+      <p:nvGrpSpPr>
+        <p:cNvPr id="1" name=""/>
+        <p:cNvGrpSpPr/>
+        <p:nvPr/>
+      </p:nvGrpSpPr>
+      <p:grpSpPr>
+        <a:xfrm>
+          <a:off x="0" y="0"/>
+          <a:ext cx="0" cy="0"/>
+          <a:chOff x="0" y="0"/>
+          <a:chExt cx="0" cy="0"/>
+        </a:xfrm>
+      </p:grpSpPr>
+      <p:sp>
+        <p:nvSpPr>
+          <p:cNvPr id="2" name="Title 1"/>
+          <p:cNvSpPr>
+            <a:spLocks noGrp="1"/>
+          </p:cNvSpPr>
+          <p:nvPr>
+            <p:ph type="title"/>
+          </p:nvPr>
+        </p:nvSpPr>
+        <p:spPr/>
+        <p:txBody>
+          <a:bodyPr/>
+          <a:lstStyle/>
+          <a:p>
+            <a:r>
+              <a:rPr lang="ru-RU" smtClean="0"/>
+              <a:t>Упражение</a:t>
+            </a:r>
+            <a:r>
+              <a:rPr lang="en-US" smtClean="0"/>
+              <a:t>: value_swap</a:t>
+            </a:r>
+            <a:endParaRPr lang="en-US"/>
+          </a:p>
+        </p:txBody>
+      </p:sp>
+      <p:sp>
+        <p:nvSpPr>
+          <p:cNvPr id="3" name="Content Placeholder 2"/>
+          <p:cNvSpPr>
+            <a:spLocks noGrp="1"/>
+          </p:cNvSpPr>
+          <p:nvPr>
+            <p:ph idx="1"/>
+          </p:nvPr>
+        </p:nvSpPr>
+        <p:spPr/>
+        <p:txBody>
+          <a:bodyPr/>
+          <a:lstStyle/>
+          <a:p>
+            <a:r>
+              <a:rPr lang="ru-RU" smtClean="0"/>
+              <a:t>Как бы вы написали функцию, которая циклически переставляет элементы в показанном ниже порядке? </a:t>
+            </a:r>
+          </a:p>
+          <a:p>
+            <a:pPr marL="45720" indent="0">
+              <a:buNone/>
+            </a:pPr>
+            <a:r>
+              <a:rPr lang="en-US">
+                <a:latin typeface="Consolas" panose="020B0609020204030204" pitchFamily="49" charset="0"/>
+              </a:rPr>
+              <a:t>void </a:t>
+            </a:r>
+            <a:r>
+              <a:rPr lang="ru-RU" smtClean="0">
+                <a:latin typeface="Consolas" panose="020B0609020204030204" pitchFamily="49" charset="0"/>
+              </a:rPr>
+              <a:t/>
+            </a:r>
+            <a:br>
+              <a:rPr lang="ru-RU" smtClean="0">
+                <a:latin typeface="Consolas" panose="020B0609020204030204" pitchFamily="49" charset="0"/>
+              </a:rPr>
+            </a:br>
+            <a:r>
+              <a:rPr lang="en-US" smtClean="0">
+                <a:latin typeface="Consolas" panose="020B0609020204030204" pitchFamily="49" charset="0"/>
+              </a:rPr>
+              <a:t>valswap </a:t>
+            </a:r>
+            <a:r>
+              <a:rPr lang="en-US">
+                <a:latin typeface="Consolas" panose="020B0609020204030204" pitchFamily="49" charset="0"/>
+              </a:rPr>
+              <a:t>(int &amp;a, int &amp;b, int &amp;c, int &amp;d</a:t>
+            </a:r>
+            <a:r>
+              <a:rPr lang="en-US" smtClean="0">
+                <a:latin typeface="Consolas" panose="020B0609020204030204" pitchFamily="49" charset="0"/>
+              </a:rPr>
+              <a:t>)</a:t>
+            </a:r>
+            <a:r>
+              <a:rPr lang="ru-RU" smtClean="0">
+                <a:latin typeface="Consolas" panose="020B0609020204030204" pitchFamily="49" charset="0"/>
+              </a:rPr>
+              <a:t> </a:t>
+            </a:r>
+            <a:br>
+              <a:rPr lang="ru-RU" smtClean="0">
+                <a:latin typeface="Consolas" panose="020B0609020204030204" pitchFamily="49" charset="0"/>
+              </a:rPr>
+            </a:br>
+            <a:r>
+              <a:rPr lang="en-US" smtClean="0">
+                <a:latin typeface="Consolas" panose="020B0609020204030204" pitchFamily="49" charset="0"/>
+              </a:rPr>
+              <a:t>{</a:t>
+            </a:r>
+            <a:r>
+              <a:rPr lang="ru-RU">
+                <a:latin typeface="Consolas" panose="020B0609020204030204" pitchFamily="49" charset="0"/>
+              </a:rPr>
+              <a:t/>
+            </a:r>
+            <a:br>
+              <a:rPr lang="ru-RU">
+                <a:latin typeface="Consolas" panose="020B0609020204030204" pitchFamily="49" charset="0"/>
+              </a:rPr>
+            </a:br>
+            <a:r>
+              <a:rPr lang="ru-RU" smtClean="0">
+                <a:solidFill>
+                  <a:srgbClr val="0000FF"/>
+                </a:solidFill>
+                <a:latin typeface="Consolas" panose="020B0609020204030204" pitchFamily="49" charset="0"/>
+              </a:rPr>
+              <a:t>  </a:t>
+            </a:r>
+            <a:r>
+              <a:rPr lang="en-US" smtClean="0">
+                <a:solidFill>
+                  <a:srgbClr val="0000FF"/>
+                </a:solidFill>
+                <a:latin typeface="Consolas" panose="020B0609020204030204" pitchFamily="49" charset="0"/>
+              </a:rPr>
+              <a:t>tie </a:t>
+            </a:r>
+            <a:r>
+              <a:rPr lang="en-US">
+                <a:solidFill>
+                  <a:srgbClr val="0000FF"/>
+                </a:solidFill>
+                <a:latin typeface="Consolas" panose="020B0609020204030204" pitchFamily="49" charset="0"/>
+              </a:rPr>
+              <a:t>(a, b, c, d) = make_tuple (c, b, d, a);</a:t>
+            </a:r>
+            <a:br>
+              <a:rPr lang="en-US">
+                <a:solidFill>
+                  <a:srgbClr val="0000FF"/>
+                </a:solidFill>
+                <a:latin typeface="Consolas" panose="020B0609020204030204" pitchFamily="49" charset="0"/>
+              </a:rPr>
+            </a:br>
+            <a:r>
+              <a:rPr lang="en-US" smtClean="0">
+                <a:latin typeface="Consolas" panose="020B0609020204030204" pitchFamily="49" charset="0"/>
+              </a:rPr>
+              <a:t>}</a:t>
+            </a:r>
+            <a:endParaRPr lang="ru-RU" smtClean="0">
+              <a:latin typeface="Consolas" panose="020B0609020204030204" pitchFamily="49" charset="0"/>
+            </a:endParaRPr>
+          </a:p>
+          <a:p>
+            <a:r>
+              <a:rPr lang="ru-RU" smtClean="0"/>
+              <a:t>Самое изящное решение использует связывание кортежами</a:t>
+            </a:r>
+            <a:endParaRPr lang="en-US"/>
+          </a:p>
+        </p:txBody>
+      </p:sp>
+    </p:spTree>
+    <p:extLst>
+      <p:ext uri="{BB962C8B-B14F-4D97-AF65-F5344CB8AC3E}">
+        <p14:creationId xmlns:p14="http://schemas.microsoft.com/office/powerpoint/2010/main" val="3455789489"/>
+      </p:ext>
+    </p:extLst>
+  </p:cSld>
+  <p:clrMapOvr>
+    <a:masterClrMapping/>
+  </p:clrMapOvr>
+</p:sld>
+</file>
+
+<file path=ppt/slides/slide42.xml><?xml version="1.0" encoding="utf-8"?>
+<p:sld xmlns:a="http://schemas.openxmlformats.org/drawingml/2006/main" xmlns:r="http://schemas.openxmlformats.org/officeDocument/2006/relationships" xmlns:p="http://schemas.openxmlformats.org/presentationml/2006/main">
+  <p:cSld>
+    <p:spTree>
+      <p:nvGrpSpPr>
+        <p:cNvPr id="1" name=""/>
+        <p:cNvGrpSpPr/>
+        <p:nvPr/>
+      </p:nvGrpSpPr>
+      <p:grpSpPr>
+        <a:xfrm>
+          <a:off x="0" y="0"/>
+          <a:ext cx="0" cy="0"/>
+          <a:chOff x="0" y="0"/>
+          <a:chExt cx="0" cy="0"/>
+        </a:xfrm>
+      </p:grpSpPr>
+      <p:sp>
+        <p:nvSpPr>
+          <p:cNvPr id="2" name="Title 1"/>
+          <p:cNvSpPr>
+            <a:spLocks noGrp="1"/>
+          </p:cNvSpPr>
+          <p:nvPr>
+            <p:ph type="title"/>
+          </p:nvPr>
+        </p:nvSpPr>
+        <p:spPr/>
+        <p:txBody>
+          <a:bodyPr/>
+          <a:lstStyle/>
+          <a:p>
+            <a:r>
+              <a:rPr lang="ru-RU" smtClean="0"/>
+              <a:t>Упражнение: реализация сравнений</a:t>
+            </a:r>
+            <a:endParaRPr lang="en-US"/>
+          </a:p>
+        </p:txBody>
+      </p:sp>
+      <p:sp>
+        <p:nvSpPr>
+          <p:cNvPr id="3" name="Content Placeholder 2"/>
+          <p:cNvSpPr>
+            <a:spLocks noGrp="1"/>
+          </p:cNvSpPr>
+          <p:nvPr>
+            <p:ph idx="1"/>
+          </p:nvPr>
+        </p:nvSpPr>
+        <p:spPr/>
+        <p:txBody>
+          <a:bodyPr/>
+          <a:lstStyle/>
+          <a:p>
+            <a:r>
+              <a:rPr lang="ru-RU" smtClean="0"/>
+              <a:t>Как бы вы реализовали сравнения для трёхмерной точки?</a:t>
+            </a:r>
+          </a:p>
+          <a:p>
+            <a:pPr marL="0" indent="0">
+              <a:buNone/>
+            </a:pPr>
+            <a:r>
+              <a:rPr lang="en-US">
+                <a:latin typeface="Consolas" panose="020B0609020204030204" pitchFamily="49" charset="0"/>
+              </a:rPr>
+              <a:t>struct Point {</a:t>
+            </a:r>
+            <a:br>
+              <a:rPr lang="en-US">
+                <a:latin typeface="Consolas" panose="020B0609020204030204" pitchFamily="49" charset="0"/>
+              </a:rPr>
+            </a:br>
+            <a:r>
+              <a:rPr lang="ru-RU">
+                <a:latin typeface="Consolas" panose="020B0609020204030204" pitchFamily="49" charset="0"/>
+              </a:rPr>
+              <a:t>  </a:t>
+            </a:r>
+            <a:r>
+              <a:rPr lang="en-US">
+                <a:latin typeface="Consolas" panose="020B0609020204030204" pitchFamily="49" charset="0"/>
+              </a:rPr>
+              <a:t>int x; int y; int z;</a:t>
+            </a:r>
+            <a:br>
+              <a:rPr lang="en-US">
+                <a:latin typeface="Consolas" panose="020B0609020204030204" pitchFamily="49" charset="0"/>
+              </a:rPr>
+            </a:br>
+            <a:r>
+              <a:rPr lang="ru-RU">
+                <a:latin typeface="Consolas" panose="020B0609020204030204" pitchFamily="49" charset="0"/>
+              </a:rPr>
+              <a:t>  </a:t>
+            </a:r>
+            <a:r>
+              <a:rPr lang="en-US">
+                <a:latin typeface="Consolas" panose="020B0609020204030204" pitchFamily="49" charset="0"/>
+              </a:rPr>
+              <a:t>bool operator&lt;(const Point&amp; p) const {</a:t>
+            </a:r>
+            <a:br>
+              <a:rPr lang="en-US">
+                <a:latin typeface="Consolas" panose="020B0609020204030204" pitchFamily="49" charset="0"/>
+              </a:rPr>
+            </a:br>
+            <a:r>
+              <a:rPr lang="ru-RU">
+                <a:latin typeface="Consolas" panose="020B0609020204030204" pitchFamily="49" charset="0"/>
+              </a:rPr>
+              <a:t>    </a:t>
+            </a:r>
+            <a:r>
+              <a:rPr lang="en-US">
+                <a:latin typeface="Consolas" panose="020B0609020204030204" pitchFamily="49" charset="0"/>
+              </a:rPr>
+              <a:t>// </a:t>
+            </a:r>
+            <a:r>
+              <a:rPr lang="ru-RU">
+                <a:latin typeface="Consolas" panose="020B0609020204030204" pitchFamily="49" charset="0"/>
+              </a:rPr>
+              <a:t>Сравнение: </a:t>
+            </a:r>
+            <a:r>
+              <a:rPr lang="en-US">
+                <a:latin typeface="Consolas" panose="020B0609020204030204" pitchFamily="49" charset="0"/>
+              </a:rPr>
+              <a:t>x &lt; p.x, </a:t>
+            </a:r>
+            <a:r>
+              <a:rPr lang="ru-RU">
+                <a:latin typeface="Consolas" panose="020B0609020204030204" pitchFamily="49" charset="0"/>
+              </a:rPr>
+              <a:t>потом </a:t>
+            </a:r>
+            <a:r>
+              <a:rPr lang="en-US">
+                <a:latin typeface="Consolas" panose="020B0609020204030204" pitchFamily="49" charset="0"/>
+              </a:rPr>
+              <a:t>y &lt; p.y, </a:t>
+            </a:r>
+            <a:r>
+              <a:rPr lang="ru-RU">
+                <a:latin typeface="Consolas" panose="020B0609020204030204" pitchFamily="49" charset="0"/>
+              </a:rPr>
+              <a:t>потом </a:t>
+            </a:r>
+            <a:r>
+              <a:rPr lang="en-US">
+                <a:latin typeface="Consolas" panose="020B0609020204030204" pitchFamily="49" charset="0"/>
+              </a:rPr>
+              <a:t>z &lt; p.z</a:t>
+            </a:r>
+            <a:br>
+              <a:rPr lang="en-US">
+                <a:latin typeface="Consolas" panose="020B0609020204030204" pitchFamily="49" charset="0"/>
+              </a:rPr>
+            </a:br>
+            <a:r>
+              <a:rPr lang="ru-RU">
+                <a:latin typeface="Consolas" panose="020B0609020204030204" pitchFamily="49" charset="0"/>
+              </a:rPr>
+              <a:t>  </a:t>
+            </a:r>
+            <a:r>
+              <a:rPr lang="en-US">
+                <a:latin typeface="Consolas" panose="020B0609020204030204" pitchFamily="49" charset="0"/>
+              </a:rPr>
+              <a:t>}</a:t>
+            </a:r>
+            <a:br>
+              <a:rPr lang="en-US">
+                <a:latin typeface="Consolas" panose="020B0609020204030204" pitchFamily="49" charset="0"/>
+              </a:rPr>
+            </a:br>
+            <a:r>
+              <a:rPr lang="en-US">
+                <a:latin typeface="Consolas" panose="020B0609020204030204" pitchFamily="49" charset="0"/>
+              </a:rPr>
+              <a:t>};</a:t>
+            </a:r>
+            <a:endParaRPr lang="ru-RU">
+              <a:latin typeface="Consolas" panose="020B0609020204030204" pitchFamily="49" charset="0"/>
+            </a:endParaRPr>
+          </a:p>
+          <a:p>
+            <a:pPr marL="0" indent="0">
+              <a:buNone/>
+            </a:pPr>
+            <a:r>
+              <a:rPr lang="en-US">
+                <a:latin typeface="Consolas" panose="020B0609020204030204" pitchFamily="49" charset="0"/>
+              </a:rPr>
+              <a:t>Point a</a:t>
+            </a:r>
+            <a:r>
+              <a:rPr lang="ru-RU">
+                <a:latin typeface="Consolas" panose="020B0609020204030204" pitchFamily="49" charset="0"/>
+              </a:rPr>
+              <a:t> </a:t>
+            </a:r>
+            <a:r>
+              <a:rPr lang="en-US">
+                <a:latin typeface="Consolas" panose="020B0609020204030204" pitchFamily="49" charset="0"/>
+              </a:rPr>
+              <a:t>{ 1, 2, 9 };</a:t>
+            </a:r>
+            <a:r>
+              <a:rPr lang="ru-RU">
+                <a:latin typeface="Consolas" panose="020B0609020204030204" pitchFamily="49" charset="0"/>
+              </a:rPr>
+              <a:t> </a:t>
+            </a:r>
+            <a:r>
+              <a:rPr lang="en-US">
+                <a:latin typeface="Consolas" panose="020B0609020204030204" pitchFamily="49" charset="0"/>
+              </a:rPr>
+              <a:t>Point b</a:t>
+            </a:r>
+            <a:r>
+              <a:rPr lang="ru-RU">
+                <a:latin typeface="Consolas" panose="020B0609020204030204" pitchFamily="49" charset="0"/>
+              </a:rPr>
+              <a:t> </a:t>
+            </a:r>
+            <a:r>
+              <a:rPr lang="en-US">
+                <a:latin typeface="Consolas" panose="020B0609020204030204" pitchFamily="49" charset="0"/>
+              </a:rPr>
+              <a:t>{ 1, 3, 0 };</a:t>
+            </a:r>
+            <a:br>
+              <a:rPr lang="en-US">
+                <a:latin typeface="Consolas" panose="020B0609020204030204" pitchFamily="49" charset="0"/>
+              </a:rPr>
+            </a:br>
+            <a:r>
+              <a:rPr lang="en-US">
+                <a:latin typeface="Consolas" panose="020B0609020204030204" pitchFamily="49" charset="0"/>
+              </a:rPr>
+              <a:t>cout &lt;&lt; boolalpha &lt;&lt; (a &lt; b) &lt;&lt; endl; </a:t>
+            </a:r>
+            <a:r>
+              <a:rPr lang="en-US" smtClean="0">
+                <a:latin typeface="Consolas" panose="020B0609020204030204" pitchFamily="49" charset="0"/>
+              </a:rPr>
+              <a:t>// </a:t>
+            </a:r>
+            <a:r>
+              <a:rPr lang="ru-RU" smtClean="0">
+                <a:latin typeface="Consolas" panose="020B0609020204030204" pitchFamily="49" charset="0"/>
+              </a:rPr>
+              <a:t>на экране </a:t>
+            </a:r>
+            <a:r>
+              <a:rPr lang="en-US">
+                <a:latin typeface="Consolas" panose="020B0609020204030204" pitchFamily="49" charset="0"/>
+              </a:rPr>
+              <a:t>"</a:t>
+            </a:r>
+            <a:r>
+              <a:rPr lang="en-US" smtClean="0">
+                <a:latin typeface="Consolas" panose="020B0609020204030204" pitchFamily="49" charset="0"/>
+              </a:rPr>
+              <a:t>true"</a:t>
+            </a:r>
+            <a:endParaRPr lang="en-US">
+              <a:latin typeface="Consolas" panose="020B0609020204030204" pitchFamily="49" charset="0"/>
+            </a:endParaRPr>
+          </a:p>
+          <a:p>
+            <a:pPr marL="45720" indent="0">
+              <a:buNone/>
+            </a:pPr>
+            <a:endParaRPr lang="en-US"/>
+          </a:p>
+        </p:txBody>
+      </p:sp>
+    </p:spTree>
+    <p:extLst>
+      <p:ext uri="{BB962C8B-B14F-4D97-AF65-F5344CB8AC3E}">
+        <p14:creationId xmlns:p14="http://schemas.microsoft.com/office/powerpoint/2010/main" val="175448830"/>
+      </p:ext>
+    </p:extLst>
+  </p:cSld>
+  <p:clrMapOvr>
+    <a:masterClrMapping/>
+  </p:clrMapOvr>
+</p:sld>
+</file>
+
+<file path=ppt/slides/slide43.xml><?xml version="1.0" encoding="utf-8"?>
+<p:sld xmlns:a="http://schemas.openxmlformats.org/drawingml/2006/main" xmlns:r="http://schemas.openxmlformats.org/officeDocument/2006/relationships" xmlns:p="http://schemas.openxmlformats.org/presentationml/2006/main">
+  <p:cSld>
+    <p:spTree>
+      <p:nvGrpSpPr>
+        <p:cNvPr id="1" name=""/>
+        <p:cNvGrpSpPr/>
+        <p:nvPr/>
+      </p:nvGrpSpPr>
+      <p:grpSpPr>
+        <a:xfrm>
+          <a:off x="0" y="0"/>
+          <a:ext cx="0" cy="0"/>
+          <a:chOff x="0" y="0"/>
+          <a:chExt cx="0" cy="0"/>
+        </a:xfrm>
+      </p:grpSpPr>
+      <p:sp>
+        <p:nvSpPr>
+          <p:cNvPr id="2" name="Title 1"/>
+          <p:cNvSpPr>
+            <a:spLocks noGrp="1"/>
+          </p:cNvSpPr>
+          <p:nvPr>
+            <p:ph type="title"/>
+          </p:nvPr>
+        </p:nvSpPr>
+        <p:spPr/>
+        <p:txBody>
+          <a:bodyPr/>
+          <a:lstStyle/>
+          <a:p>
+            <a:r>
+              <a:rPr lang="ru-RU" smtClean="0"/>
+              <a:t>Упражнение: реализация сравнений</a:t>
+            </a:r>
+            <a:endParaRPr lang="en-US"/>
+          </a:p>
+        </p:txBody>
+      </p:sp>
+      <p:sp>
+        <p:nvSpPr>
+          <p:cNvPr id="3" name="Content Placeholder 2"/>
+          <p:cNvSpPr>
+            <a:spLocks noGrp="1"/>
+          </p:cNvSpPr>
+          <p:nvPr>
+            <p:ph idx="1"/>
+          </p:nvPr>
+        </p:nvSpPr>
+        <p:spPr/>
+        <p:txBody>
+          <a:bodyPr/>
+          <a:lstStyle/>
+          <a:p>
+            <a:r>
+              <a:rPr lang="ru-RU" smtClean="0"/>
+              <a:t>Как бы вы реализовали сравнения для трёхмерной точки?</a:t>
+            </a:r>
+          </a:p>
+          <a:p>
+            <a:pPr marL="0" indent="0">
+              <a:buNone/>
+            </a:pPr>
+            <a:r>
+              <a:rPr lang="en-US">
+                <a:latin typeface="Consolas" panose="020B0609020204030204" pitchFamily="49" charset="0"/>
+              </a:rPr>
+              <a:t>struct Point {</a:t>
+            </a:r>
+            <a:br>
+              <a:rPr lang="en-US">
+                <a:latin typeface="Consolas" panose="020B0609020204030204" pitchFamily="49" charset="0"/>
+              </a:rPr>
+            </a:br>
+            <a:r>
+              <a:rPr lang="ru-RU">
+                <a:latin typeface="Consolas" panose="020B0609020204030204" pitchFamily="49" charset="0"/>
+              </a:rPr>
+              <a:t>  </a:t>
+            </a:r>
+            <a:r>
+              <a:rPr lang="en-US">
+                <a:latin typeface="Consolas" panose="020B0609020204030204" pitchFamily="49" charset="0"/>
+              </a:rPr>
+              <a:t>int x; int y; int z;</a:t>
+            </a:r>
+            <a:br>
+              <a:rPr lang="en-US">
+                <a:latin typeface="Consolas" panose="020B0609020204030204" pitchFamily="49" charset="0"/>
+              </a:rPr>
+            </a:br>
+            <a:r>
+              <a:rPr lang="ru-RU">
+                <a:latin typeface="Consolas" panose="020B0609020204030204" pitchFamily="49" charset="0"/>
+              </a:rPr>
+              <a:t>  </a:t>
+            </a:r>
+            <a:r>
+              <a:rPr lang="en-US">
+                <a:latin typeface="Consolas" panose="020B0609020204030204" pitchFamily="49" charset="0"/>
+              </a:rPr>
+              <a:t>bool operator&lt;(const Point&amp; p) const {</a:t>
+            </a:r>
+            <a:br>
+              <a:rPr lang="en-US">
+                <a:latin typeface="Consolas" panose="020B0609020204030204" pitchFamily="49" charset="0"/>
+              </a:rPr>
+            </a:br>
+            <a:r>
+              <a:rPr lang="ru-RU">
+                <a:latin typeface="Consolas" panose="020B0609020204030204" pitchFamily="49" charset="0"/>
+              </a:rPr>
+              <a:t> </a:t>
+            </a:r>
+            <a:r>
+              <a:rPr lang="en-US" smtClean="0">
+                <a:latin typeface="Consolas" panose="020B0609020204030204" pitchFamily="49" charset="0"/>
+              </a:rPr>
+              <a:t>   </a:t>
+            </a:r>
+            <a:r>
+              <a:rPr lang="en-US" smtClean="0">
+                <a:solidFill>
+                  <a:srgbClr val="0000FF"/>
+                </a:solidFill>
+                <a:latin typeface="Consolas" panose="020B0609020204030204" pitchFamily="49" charset="0"/>
+              </a:rPr>
+              <a:t>return </a:t>
+            </a:r>
+            <a:r>
+              <a:rPr lang="en-US">
+                <a:solidFill>
+                  <a:srgbClr val="0000FF"/>
+                </a:solidFill>
+                <a:latin typeface="Consolas" panose="020B0609020204030204" pitchFamily="49" charset="0"/>
+              </a:rPr>
+              <a:t>tie(x, y, z) &lt; tie(p.x, p.y, p.z);</a:t>
+            </a:r>
+            <a:r>
+              <a:rPr lang="en-US">
+                <a:latin typeface="Consolas" panose="020B0609020204030204" pitchFamily="49" charset="0"/>
+              </a:rPr>
+              <a:t/>
+            </a:r>
+            <a:br>
+              <a:rPr lang="en-US">
+                <a:latin typeface="Consolas" panose="020B0609020204030204" pitchFamily="49" charset="0"/>
+              </a:rPr>
+            </a:br>
+            <a:r>
+              <a:rPr lang="ru-RU">
+                <a:latin typeface="Consolas" panose="020B0609020204030204" pitchFamily="49" charset="0"/>
+              </a:rPr>
+              <a:t>  </a:t>
+            </a:r>
+            <a:r>
+              <a:rPr lang="en-US">
+                <a:latin typeface="Consolas" panose="020B0609020204030204" pitchFamily="49" charset="0"/>
+              </a:rPr>
+              <a:t>}</a:t>
+            </a:r>
+            <a:br>
+              <a:rPr lang="en-US">
+                <a:latin typeface="Consolas" panose="020B0609020204030204" pitchFamily="49" charset="0"/>
+              </a:rPr>
+            </a:br>
+            <a:r>
+              <a:rPr lang="en-US">
+                <a:latin typeface="Consolas" panose="020B0609020204030204" pitchFamily="49" charset="0"/>
+              </a:rPr>
+              <a:t>};</a:t>
+            </a:r>
+            <a:endParaRPr lang="ru-RU">
+              <a:latin typeface="Consolas" panose="020B0609020204030204" pitchFamily="49" charset="0"/>
+            </a:endParaRPr>
+          </a:p>
+          <a:p>
+            <a:pPr marL="0" indent="0">
+              <a:buNone/>
+            </a:pPr>
+            <a:r>
+              <a:rPr lang="en-US">
+                <a:latin typeface="Consolas" panose="020B0609020204030204" pitchFamily="49" charset="0"/>
+              </a:rPr>
+              <a:t>Point a</a:t>
+            </a:r>
+            <a:r>
+              <a:rPr lang="ru-RU">
+                <a:latin typeface="Consolas" panose="020B0609020204030204" pitchFamily="49" charset="0"/>
+              </a:rPr>
+              <a:t> </a:t>
+            </a:r>
+            <a:r>
+              <a:rPr lang="en-US">
+                <a:latin typeface="Consolas" panose="020B0609020204030204" pitchFamily="49" charset="0"/>
+              </a:rPr>
+              <a:t>{ 1, 2, 9 };</a:t>
+            </a:r>
+            <a:r>
+              <a:rPr lang="ru-RU">
+                <a:latin typeface="Consolas" panose="020B0609020204030204" pitchFamily="49" charset="0"/>
+              </a:rPr>
+              <a:t> </a:t>
+            </a:r>
+            <a:r>
+              <a:rPr lang="en-US">
+                <a:latin typeface="Consolas" panose="020B0609020204030204" pitchFamily="49" charset="0"/>
+              </a:rPr>
+              <a:t>Point b</a:t>
+            </a:r>
+            <a:r>
+              <a:rPr lang="ru-RU">
+                <a:latin typeface="Consolas" panose="020B0609020204030204" pitchFamily="49" charset="0"/>
+              </a:rPr>
+              <a:t> </a:t>
+            </a:r>
+            <a:r>
+              <a:rPr lang="en-US">
+                <a:latin typeface="Consolas" panose="020B0609020204030204" pitchFamily="49" charset="0"/>
+              </a:rPr>
+              <a:t>{ 1, 3, 0 };</a:t>
+            </a:r>
+            <a:br>
+              <a:rPr lang="en-US">
+                <a:latin typeface="Consolas" panose="020B0609020204030204" pitchFamily="49" charset="0"/>
+              </a:rPr>
+            </a:br>
+            <a:r>
+              <a:rPr lang="en-US">
+                <a:latin typeface="Consolas" panose="020B0609020204030204" pitchFamily="49" charset="0"/>
+              </a:rPr>
+              <a:t>cout &lt;&lt; boolalpha &lt;&lt; (a &lt; b) &lt;&lt; endl; </a:t>
+            </a:r>
+            <a:r>
+              <a:rPr lang="en-US" smtClean="0">
+                <a:latin typeface="Consolas" panose="020B0609020204030204" pitchFamily="49" charset="0"/>
+              </a:rPr>
+              <a:t>// </a:t>
+            </a:r>
+            <a:r>
+              <a:rPr lang="ru-RU" smtClean="0">
+                <a:latin typeface="Consolas" panose="020B0609020204030204" pitchFamily="49" charset="0"/>
+              </a:rPr>
+              <a:t>на экране </a:t>
+            </a:r>
+            <a:r>
+              <a:rPr lang="en-US">
+                <a:latin typeface="Consolas" panose="020B0609020204030204" pitchFamily="49" charset="0"/>
+              </a:rPr>
+              <a:t>"</a:t>
+            </a:r>
+            <a:r>
+              <a:rPr lang="en-US" smtClean="0">
+                <a:latin typeface="Consolas" panose="020B0609020204030204" pitchFamily="49" charset="0"/>
+              </a:rPr>
+              <a:t>true"</a:t>
+            </a:r>
+            <a:endParaRPr lang="en-US">
+              <a:latin typeface="Consolas" panose="020B0609020204030204" pitchFamily="49" charset="0"/>
+            </a:endParaRPr>
+          </a:p>
+          <a:p>
+            <a:pPr marL="45720" indent="0">
+              <a:buNone/>
+            </a:pPr>
+            <a:endParaRPr lang="en-US"/>
+          </a:p>
+        </p:txBody>
+      </p:sp>
+    </p:spTree>
+    <p:extLst>
+      <p:ext uri="{BB962C8B-B14F-4D97-AF65-F5344CB8AC3E}">
+        <p14:creationId xmlns:p14="http://schemas.microsoft.com/office/powerpoint/2010/main" val="2853832013"/>
+      </p:ext>
+    </p:extLst>
+  </p:cSld>
+  <p:clrMapOvr>
+    <a:masterClrMapping/>
+  </p:clrMapOvr>
+</p:sld>
+</file>
+
+<file path=ppt/slides/slide44.xml><?xml version="1.0" encoding="utf-8"?>
+<p:sld xmlns:a="http://schemas.openxmlformats.org/drawingml/2006/main" xmlns:r="http://schemas.openxmlformats.org/officeDocument/2006/relationships" xmlns:p="http://schemas.openxmlformats.org/presentationml/2006/main">
+  <p:cSld>
+    <p:spTree>
+      <p:nvGrpSpPr>
+        <p:cNvPr id="1" name=""/>
+        <p:cNvGrpSpPr/>
+        <p:nvPr/>
+      </p:nvGrpSpPr>
+      <p:grpSpPr>
+        <a:xfrm>
+          <a:off x="0" y="0"/>
+          <a:ext cx="0" cy="0"/>
+          <a:chOff x="0" y="0"/>
+          <a:chExt cx="0" cy="0"/>
+        </a:xfrm>
+      </p:grpSpPr>
+      <p:sp>
+        <p:nvSpPr>
+          <p:cNvPr id="2" name="Title 1"/>
+          <p:cNvSpPr>
+            <a:spLocks noGrp="1"/>
+          </p:cNvSpPr>
+          <p:nvPr>
+            <p:ph type="title"/>
+          </p:nvPr>
+        </p:nvSpPr>
+        <p:spPr/>
+        <p:txBody>
+          <a:bodyPr/>
+          <a:lstStyle/>
+          <a:p>
+            <a:r>
+              <a:rPr lang="ru-RU" smtClean="0"/>
+              <a:t>Связывание и развязывание кортежей</a:t>
+            </a:r>
+            <a:endParaRPr lang="en-US"/>
+          </a:p>
+        </p:txBody>
+      </p:sp>
+      <p:sp>
+        <p:nvSpPr>
+          <p:cNvPr id="3" name="Content Placeholder 2"/>
+          <p:cNvSpPr>
+            <a:spLocks noGrp="1"/>
+          </p:cNvSpPr>
+          <p:nvPr>
+            <p:ph idx="1"/>
+          </p:nvPr>
+        </p:nvSpPr>
+        <p:spPr/>
+        <p:txBody>
+          <a:bodyPr/>
+          <a:lstStyle/>
+          <a:p>
+            <a:pPr marL="342900" indent="-342900"/>
+            <a:r>
+              <a:rPr lang="ru-RU" smtClean="0"/>
+              <a:t>Благодаря обобщённой природе кортежей, в принципе любые переменные могут быть связаны в кортеж</a:t>
+            </a:r>
+          </a:p>
+          <a:p>
+            <a:pPr marL="0" indent="0">
+              <a:buNone/>
+            </a:pPr>
+            <a:r>
+              <a:rPr lang="en-US" smtClean="0">
+                <a:latin typeface="Consolas" panose="020B0609020204030204" pitchFamily="49" charset="0"/>
+              </a:rPr>
+              <a:t>int a = 5; double b = 1.0;</a:t>
+            </a:r>
+            <a:br>
+              <a:rPr lang="en-US" smtClean="0">
+                <a:latin typeface="Consolas" panose="020B0609020204030204" pitchFamily="49" charset="0"/>
+              </a:rPr>
+            </a:br>
+            <a:r>
+              <a:rPr lang="en-US" smtClean="0">
+                <a:latin typeface="Consolas" panose="020B0609020204030204" pitchFamily="49" charset="0"/>
+              </a:rPr>
+              <a:t>auto t = tie(a, b);</a:t>
+            </a:r>
+            <a:br>
+              <a:rPr lang="en-US" smtClean="0">
+                <a:latin typeface="Consolas" panose="020B0609020204030204" pitchFamily="49" charset="0"/>
+              </a:rPr>
+            </a:br>
+            <a:r>
+              <a:rPr lang="en-US" smtClean="0">
+                <a:latin typeface="Consolas" panose="020B0609020204030204" pitchFamily="49" charset="0"/>
+              </a:rPr>
+              <a:t>get&lt;0&gt;(t) += 1;</a:t>
+            </a:r>
+            <a:br>
+              <a:rPr lang="en-US" smtClean="0">
+                <a:latin typeface="Consolas" panose="020B0609020204030204" pitchFamily="49" charset="0"/>
+              </a:rPr>
+            </a:br>
+            <a:r>
+              <a:rPr lang="en-US" smtClean="0">
+                <a:latin typeface="Consolas" panose="020B0609020204030204" pitchFamily="49" charset="0"/>
+              </a:rPr>
+              <a:t>assert (a == 6);</a:t>
+            </a:r>
+            <a:endParaRPr lang="ru-RU" smtClean="0">
+              <a:latin typeface="Consolas" panose="020B0609020204030204" pitchFamily="49" charset="0"/>
+            </a:endParaRPr>
+          </a:p>
+          <a:p>
+            <a:pPr marL="342900" indent="-342900"/>
+            <a:r>
+              <a:rPr lang="ru-RU" smtClean="0"/>
+              <a:t>Это оказалось так удобно, что, начиная с </a:t>
+            </a:r>
+            <a:r>
+              <a:rPr lang="en-US" smtClean="0"/>
+              <a:t>C++17</a:t>
+            </a:r>
+            <a:r>
+              <a:rPr lang="ru-RU" smtClean="0"/>
+              <a:t>, действует специальный синтаксис </a:t>
+            </a:r>
+            <a:r>
+              <a:rPr lang="en-US" smtClean="0"/>
+              <a:t>structure bindings</a:t>
+            </a:r>
+            <a:endParaRPr lang="ru-RU" smtClean="0"/>
+          </a:p>
+          <a:p>
+            <a:pPr marL="0" indent="0">
+              <a:buNone/>
+            </a:pPr>
+            <a:r>
+              <a:rPr lang="en-US" smtClean="0">
+                <a:latin typeface="Consolas" panose="020B0609020204030204" pitchFamily="49" charset="0"/>
+              </a:rPr>
+              <a:t>tuple&lt;int,int</a:t>
+            </a:r>
+            <a:r>
+              <a:rPr lang="en-US">
+                <a:latin typeface="Consolas" panose="020B0609020204030204" pitchFamily="49" charset="0"/>
+              </a:rPr>
+              <a:t>&gt; foo</a:t>
+            </a:r>
+            <a:r>
+              <a:rPr lang="en-US" smtClean="0">
+                <a:latin typeface="Consolas" panose="020B0609020204030204" pitchFamily="49" charset="0"/>
+              </a:rPr>
+              <a:t>();</a:t>
+            </a:r>
+            <a:br>
+              <a:rPr lang="en-US" smtClean="0">
+                <a:latin typeface="Consolas" panose="020B0609020204030204" pitchFamily="49" charset="0"/>
+              </a:rPr>
+            </a:br>
+            <a:r>
+              <a:rPr lang="en-US" smtClean="0">
+                <a:latin typeface="Consolas" panose="020B0609020204030204" pitchFamily="49" charset="0"/>
+              </a:rPr>
+              <a:t>auto [a, b]</a:t>
+            </a:r>
+            <a:r>
+              <a:rPr lang="ru-RU" smtClean="0">
+                <a:latin typeface="Consolas" panose="020B0609020204030204" pitchFamily="49" charset="0"/>
+              </a:rPr>
+              <a:t> </a:t>
+            </a:r>
+            <a:r>
+              <a:rPr lang="en-US">
+                <a:latin typeface="Consolas" panose="020B0609020204030204" pitchFamily="49" charset="0"/>
+              </a:rPr>
+              <a:t>=</a:t>
+            </a:r>
+            <a:r>
+              <a:rPr lang="ru-RU">
+                <a:latin typeface="Consolas" panose="020B0609020204030204" pitchFamily="49" charset="0"/>
+              </a:rPr>
+              <a:t> </a:t>
+            </a:r>
+            <a:r>
+              <a:rPr lang="en-US">
+                <a:latin typeface="Consolas" panose="020B0609020204030204" pitchFamily="49" charset="0"/>
+              </a:rPr>
+              <a:t>foo();</a:t>
+            </a:r>
+          </a:p>
+          <a:p>
+            <a:pPr marL="45720" indent="0">
+              <a:buNone/>
+            </a:pPr>
+            <a:endParaRPr lang="en-US"/>
+          </a:p>
+        </p:txBody>
+      </p:sp>
+    </p:spTree>
+    <p:extLst>
+      <p:ext uri="{BB962C8B-B14F-4D97-AF65-F5344CB8AC3E}">
+        <p14:creationId xmlns:p14="http://schemas.microsoft.com/office/powerpoint/2010/main" val="45740426"/>
+      </p:ext>
+    </p:extLst>
+  </p:cSld>
+  <p:clrMapOvr>
+    <a:masterClrMapping/>
+  </p:clrMapOvr>
+</p:sld>
+</file>
+
+<file path=ppt/slides/slide45.xml><?xml version="1.0" encoding="utf-8"?>
+<p:sld xmlns:a="http://schemas.openxmlformats.org/drawingml/2006/main" xmlns:r="http://schemas.openxmlformats.org/officeDocument/2006/relationships" xmlns:p="http://schemas.openxmlformats.org/presentationml/2006/main">
+  <p:cSld>
+    <p:spTree>
+      <p:nvGrpSpPr>
+        <p:cNvPr id="1" name=""/>
+        <p:cNvGrpSpPr/>
+        <p:nvPr/>
+      </p:nvGrpSpPr>
+      <p:grpSpPr>
+        <a:xfrm>
+          <a:off x="0" y="0"/>
+          <a:ext cx="0" cy="0"/>
+          <a:chOff x="0" y="0"/>
+          <a:chExt cx="0" cy="0"/>
+        </a:xfrm>
+      </p:grpSpPr>
+      <p:sp>
+        <p:nvSpPr>
+          <p:cNvPr id="2" name="Title 1"/>
+          <p:cNvSpPr>
+            <a:spLocks noGrp="1"/>
+          </p:cNvSpPr>
+          <p:nvPr>
+            <p:ph type="title"/>
+          </p:nvPr>
+        </p:nvSpPr>
+        <p:spPr/>
+        <p:txBody>
+          <a:bodyPr/>
+          <a:lstStyle/>
+          <a:p>
+            <a:r>
+              <a:rPr lang="ru-RU" smtClean="0"/>
+              <a:t>Связывание в деталях</a:t>
+            </a:r>
+            <a:endParaRPr lang="en-US"/>
+          </a:p>
+        </p:txBody>
+      </p:sp>
+      <p:sp>
+        <p:nvSpPr>
+          <p:cNvPr id="3" name="Content Placeholder 2"/>
+          <p:cNvSpPr>
+            <a:spLocks noGrp="1"/>
+          </p:cNvSpPr>
+          <p:nvPr>
+            <p:ph idx="1"/>
+          </p:nvPr>
+        </p:nvSpPr>
+        <p:spPr>
+          <a:xfrm>
+            <a:off x="1143000" y="2057400"/>
+            <a:ext cx="9978081" cy="4038600"/>
+          </a:xfrm>
+        </p:spPr>
+        <p:txBody>
+          <a:bodyPr/>
+          <a:lstStyle/>
+          <a:p>
+            <a:r>
+              <a:rPr lang="ru-RU" smtClean="0"/>
+              <a:t>Связывание для кортежа может быть и</a:t>
+            </a:r>
+            <a:r>
+              <a:rPr lang="en-US" smtClean="0"/>
+              <a:t> </a:t>
+            </a:r>
+            <a:r>
+              <a:rPr lang="ru-RU" smtClean="0"/>
+              <a:t>ссылкой</a:t>
+            </a:r>
+            <a:r>
+              <a:rPr lang="en-US" smtClean="0"/>
+              <a:t> </a:t>
+            </a:r>
+            <a:r>
+              <a:rPr lang="ru-RU" smtClean="0"/>
+              <a:t>(в т. ч. правой)</a:t>
+            </a:r>
+          </a:p>
+          <a:p>
+            <a:pPr marL="45720" indent="0">
+              <a:buNone/>
+            </a:pPr>
+            <a:r>
+              <a:rPr lang="en-US" smtClean="0">
+                <a:latin typeface="Consolas" panose="020B0609020204030204" pitchFamily="49" charset="0"/>
+              </a:rPr>
+              <a:t>auto [xv, yv, zv] = make_tuple("a", 1.0, 4); // ok, zv is int</a:t>
+            </a:r>
+            <a:r>
+              <a:rPr lang="ru-RU" smtClean="0">
+                <a:latin typeface="Consolas" panose="020B0609020204030204" pitchFamily="49" charset="0"/>
+              </a:rPr>
+              <a:t/>
+            </a:r>
+            <a:br>
+              <a:rPr lang="ru-RU" smtClean="0">
+                <a:latin typeface="Consolas" panose="020B0609020204030204" pitchFamily="49" charset="0"/>
+              </a:rPr>
+            </a:br>
+            <a:r>
+              <a:rPr lang="en-US" smtClean="0">
+                <a:latin typeface="Consolas" panose="020B0609020204030204" pitchFamily="49" charset="0"/>
+              </a:rPr>
+              <a:t>auto&amp;&amp; [xrv, yrv] = make_tuple(2, 3); // ok, xrv is int&amp;&amp;</a:t>
+            </a:r>
+            <a:endParaRPr lang="en-US" smtClean="0"/>
+          </a:p>
+          <a:p>
+            <a:r>
+              <a:rPr lang="ru-RU" smtClean="0"/>
+              <a:t>Биндинги оказались настолько удобны,  что их распространили на массивы</a:t>
+            </a:r>
+          </a:p>
+          <a:p>
+            <a:pPr marL="45720" indent="0">
+              <a:buNone/>
+            </a:pPr>
+            <a:r>
+              <a:rPr lang="en-US">
+                <a:latin typeface="Consolas" panose="020B0609020204030204" pitchFamily="49" charset="0"/>
+              </a:rPr>
+              <a:t>int a[2] = {1,2};</a:t>
+            </a:r>
+            <a:br>
+              <a:rPr lang="en-US">
+                <a:latin typeface="Consolas" panose="020B0609020204030204" pitchFamily="49" charset="0"/>
+              </a:rPr>
+            </a:br>
+            <a:r>
+              <a:rPr lang="en-US">
+                <a:latin typeface="Consolas" panose="020B0609020204030204" pitchFamily="49" charset="0"/>
+              </a:rPr>
+              <a:t>auto&amp; [xr, yr] = </a:t>
+            </a:r>
+            <a:r>
+              <a:rPr lang="en-US" smtClean="0">
+                <a:latin typeface="Consolas" panose="020B0609020204030204" pitchFamily="49" charset="0"/>
+              </a:rPr>
+              <a:t>a; // </a:t>
+            </a:r>
+            <a:r>
+              <a:rPr lang="ru-RU" smtClean="0">
+                <a:latin typeface="Consolas" panose="020B0609020204030204" pitchFamily="49" charset="0"/>
+              </a:rPr>
+              <a:t>изменение </a:t>
+            </a:r>
+            <a:r>
+              <a:rPr lang="en-US" smtClean="0">
+                <a:latin typeface="Consolas" panose="020B0609020204030204" pitchFamily="49" charset="0"/>
+              </a:rPr>
+              <a:t>xr </a:t>
+            </a:r>
+            <a:r>
+              <a:rPr lang="ru-RU" smtClean="0">
+                <a:latin typeface="Consolas" panose="020B0609020204030204" pitchFamily="49" charset="0"/>
+              </a:rPr>
+              <a:t>изменит </a:t>
+            </a:r>
+            <a:r>
+              <a:rPr lang="en-US" smtClean="0">
+                <a:latin typeface="Consolas" panose="020B0609020204030204" pitchFamily="49" charset="0"/>
+              </a:rPr>
+              <a:t>a[0]</a:t>
+            </a:r>
+            <a:endParaRPr lang="ru-RU" smtClean="0">
+              <a:latin typeface="Consolas" panose="020B0609020204030204" pitchFamily="49" charset="0"/>
+            </a:endParaRPr>
+          </a:p>
+          <a:p>
+            <a:r>
+              <a:rPr lang="ru-RU" smtClean="0"/>
+              <a:t>А также на любые классы, у которых открыты все нестатические элементы (можно поддержать для любого своего класса, но это сложнее, см. далее).</a:t>
+            </a:r>
+            <a:endParaRPr lang="en-US" smtClean="0"/>
+          </a:p>
+          <a:p>
+            <a:pPr marL="45720" indent="0">
+              <a:buNone/>
+            </a:pPr>
+            <a:r>
+              <a:rPr lang="en-US" smtClean="0">
+                <a:latin typeface="Consolas" panose="020B0609020204030204" pitchFamily="49" charset="0"/>
+              </a:rPr>
+              <a:t>struct</a:t>
+            </a:r>
+            <a:r>
+              <a:rPr lang="ru-RU" smtClean="0">
+                <a:latin typeface="Consolas" panose="020B0609020204030204" pitchFamily="49" charset="0"/>
+              </a:rPr>
+              <a:t> </a:t>
+            </a:r>
+            <a:r>
+              <a:rPr lang="en-US" smtClean="0">
+                <a:latin typeface="Consolas" panose="020B0609020204030204" pitchFamily="49" charset="0"/>
+              </a:rPr>
+              <a:t>{int x; double y} b = {1, 2.0};</a:t>
+            </a:r>
+            <a:br>
+              <a:rPr lang="en-US" smtClean="0">
+                <a:latin typeface="Consolas" panose="020B0609020204030204" pitchFamily="49" charset="0"/>
+              </a:rPr>
+            </a:br>
+            <a:r>
+              <a:rPr lang="en-US" smtClean="0">
+                <a:latin typeface="Consolas" panose="020B0609020204030204" pitchFamily="49" charset="0"/>
+              </a:rPr>
+              <a:t>const auto&amp; </a:t>
+            </a:r>
+            <a:r>
+              <a:rPr lang="en-US">
+                <a:latin typeface="Consolas" panose="020B0609020204030204" pitchFamily="49" charset="0"/>
+              </a:rPr>
+              <a:t>[</a:t>
+            </a:r>
+            <a:r>
+              <a:rPr lang="en-US" smtClean="0">
+                <a:latin typeface="Consolas" panose="020B0609020204030204" pitchFamily="49" charset="0"/>
+              </a:rPr>
+              <a:t>xcr</a:t>
+            </a:r>
+            <a:r>
+              <a:rPr lang="en-US">
+                <a:latin typeface="Consolas" panose="020B0609020204030204" pitchFamily="49" charset="0"/>
+              </a:rPr>
+              <a:t>, </a:t>
+            </a:r>
+            <a:r>
+              <a:rPr lang="en-US" smtClean="0">
+                <a:latin typeface="Consolas" panose="020B0609020204030204" pitchFamily="49" charset="0"/>
+              </a:rPr>
+              <a:t>ycr</a:t>
+            </a:r>
+            <a:r>
+              <a:rPr lang="en-US">
+                <a:latin typeface="Consolas" panose="020B0609020204030204" pitchFamily="49" charset="0"/>
+              </a:rPr>
+              <a:t>] = </a:t>
+            </a:r>
+            <a:r>
+              <a:rPr lang="en-US" smtClean="0">
+                <a:latin typeface="Consolas" panose="020B0609020204030204" pitchFamily="49" charset="0"/>
+              </a:rPr>
+              <a:t>b; // </a:t>
+            </a:r>
+            <a:r>
+              <a:rPr lang="ru-RU" smtClean="0">
+                <a:latin typeface="Consolas" panose="020B0609020204030204" pitchFamily="49" charset="0"/>
+              </a:rPr>
+              <a:t>изменение </a:t>
+            </a:r>
+            <a:r>
+              <a:rPr lang="en-US" smtClean="0">
+                <a:latin typeface="Consolas" panose="020B0609020204030204" pitchFamily="49" charset="0"/>
+              </a:rPr>
+              <a:t>xcr </a:t>
+            </a:r>
+            <a:r>
+              <a:rPr lang="ru-RU" smtClean="0">
+                <a:latin typeface="Consolas" panose="020B0609020204030204" pitchFamily="49" charset="0"/>
+              </a:rPr>
+              <a:t>невозможно</a:t>
+            </a:r>
+            <a:endParaRPr lang="en-US" smtClean="0">
+              <a:latin typeface="Consolas" panose="020B0609020204030204" pitchFamily="49" charset="0"/>
+            </a:endParaRPr>
+          </a:p>
+        </p:txBody>
+      </p:sp>
+    </p:spTree>
+    <p:extLst>
+      <p:ext uri="{BB962C8B-B14F-4D97-AF65-F5344CB8AC3E}">
+        <p14:creationId xmlns:p14="http://schemas.microsoft.com/office/powerpoint/2010/main" val="2343746808"/>
+      </p:ext>
+    </p:extLst>
+  </p:cSld>
+  <p:clrMapOvr>
+    <a:masterClrMapping/>
+  </p:clrMapOvr>
+</p:sld>
+</file>
+
+<file path=ppt/slides/slide46.xml><?xml version="1.0" encoding="utf-8"?>
+<p:sld xmlns:a="http://schemas.openxmlformats.org/drawingml/2006/main" xmlns:r="http://schemas.openxmlformats.org/officeDocument/2006/relationships" xmlns:p="http://schemas.openxmlformats.org/presentationml/2006/main">
+  <p:cSld>
+    <p:spTree>
+      <p:nvGrpSpPr>
+        <p:cNvPr id="1" name=""/>
+        <p:cNvGrpSpPr/>
+        <p:nvPr/>
+      </p:nvGrpSpPr>
+      <p:grpSpPr>
+        <a:xfrm>
+          <a:off x="0" y="0"/>
+          <a:ext cx="0" cy="0"/>
+          <a:chOff x="0" y="0"/>
+          <a:chExt cx="0" cy="0"/>
+        </a:xfrm>
+      </p:grpSpPr>
+      <p:sp>
+        <p:nvSpPr>
+          <p:cNvPr id="2" name="Title 1"/>
+          <p:cNvSpPr>
+            <a:spLocks noGrp="1"/>
+          </p:cNvSpPr>
+          <p:nvPr>
+            <p:ph type="title"/>
+          </p:nvPr>
+        </p:nvSpPr>
+        <p:spPr/>
+        <p:txBody>
+          <a:bodyPr/>
+          <a:lstStyle/>
+          <a:p>
+            <a:r>
+              <a:rPr lang="ru-RU" smtClean="0"/>
+              <a:t>Связывание для собственных классов</a:t>
+            </a:r>
+            <a:endParaRPr lang="en-US"/>
+          </a:p>
+        </p:txBody>
+      </p:sp>
+      <p:sp>
+        <p:nvSpPr>
+          <p:cNvPr id="3" name="Content Placeholder 2"/>
+          <p:cNvSpPr>
+            <a:spLocks noGrp="1"/>
+          </p:cNvSpPr>
+          <p:nvPr>
+            <p:ph idx="1"/>
+          </p:nvPr>
+        </p:nvSpPr>
+        <p:spPr>
+          <a:xfrm>
+            <a:off x="1143000" y="2057400"/>
+            <a:ext cx="10122408" cy="4306824"/>
+          </a:xfrm>
+        </p:spPr>
+        <p:txBody>
+          <a:bodyPr>
+            <a:normAutofit/>
+          </a:bodyPr>
+          <a:lstStyle/>
+          <a:p>
+            <a:r>
+              <a:rPr lang="ru-RU" sz="2000" smtClean="0"/>
+              <a:t>Чтобы поддержать связывание для собственного класса, необходимо определить для своего класса специализацию стандартных функций </a:t>
+            </a:r>
+            <a:r>
+              <a:rPr lang="en-US" sz="2000" smtClean="0"/>
+              <a:t>get, tuple_size </a:t>
+            </a:r>
+            <a:r>
+              <a:rPr lang="ru-RU" sz="2000" smtClean="0"/>
+              <a:t>и </a:t>
+            </a:r>
+            <a:r>
+              <a:rPr lang="en-US" sz="2000" smtClean="0"/>
+              <a:t>tuple_element</a:t>
+            </a:r>
+            <a:endParaRPr lang="ru-RU" sz="2000" smtClean="0"/>
+          </a:p>
+          <a:p>
+            <a:pPr marL="45720" indent="0">
+              <a:buNone/>
+            </a:pPr>
+            <a:r>
+              <a:rPr lang="en-US" sz="2000" smtClean="0">
+                <a:latin typeface="Consolas" panose="020B0609020204030204" pitchFamily="49" charset="0"/>
+              </a:rPr>
+              <a:t>class Config {</a:t>
+            </a:r>
+            <a:r>
+              <a:rPr lang="ru-RU" sz="2000" smtClean="0">
+                <a:latin typeface="Consolas" panose="020B0609020204030204" pitchFamily="49" charset="0"/>
+              </a:rPr>
+              <a:t/>
+            </a:r>
+            <a:br>
+              <a:rPr lang="ru-RU" sz="2000" smtClean="0">
+                <a:latin typeface="Consolas" panose="020B0609020204030204" pitchFamily="49" charset="0"/>
+              </a:rPr>
+            </a:br>
+            <a:r>
+              <a:rPr lang="ru-RU" sz="2000" smtClean="0">
+                <a:latin typeface="Consolas" panose="020B0609020204030204" pitchFamily="49" charset="0"/>
+              </a:rPr>
+              <a:t>  </a:t>
+            </a:r>
+            <a:r>
+              <a:rPr lang="en-US" sz="2000" smtClean="0">
+                <a:latin typeface="Consolas" panose="020B0609020204030204" pitchFamily="49" charset="0"/>
+              </a:rPr>
+              <a:t>int x; double y; string z;</a:t>
+            </a:r>
+            <a:br>
+              <a:rPr lang="en-US" sz="2000" smtClean="0">
+                <a:latin typeface="Consolas" panose="020B0609020204030204" pitchFamily="49" charset="0"/>
+              </a:rPr>
+            </a:br>
+            <a:r>
+              <a:rPr lang="en-US" sz="2000" smtClean="0">
+                <a:latin typeface="Consolas" panose="020B0609020204030204" pitchFamily="49" charset="0"/>
+              </a:rPr>
+              <a:t>// </a:t>
+            </a:r>
+            <a:r>
+              <a:rPr lang="ru-RU" sz="2000" smtClean="0">
+                <a:latin typeface="Consolas" panose="020B0609020204030204" pitchFamily="49" charset="0"/>
+              </a:rPr>
+              <a:t>открытые члены, включая геттеры вид</a:t>
+            </a:r>
+            <a:r>
+              <a:rPr lang="ru-RU" sz="2000">
+                <a:latin typeface="Consolas" panose="020B0609020204030204" pitchFamily="49" charset="0"/>
+              </a:rPr>
+              <a:t>а</a:t>
+            </a:r>
+            <a:r>
+              <a:rPr lang="en-US" sz="2000" smtClean="0">
+                <a:latin typeface="Consolas" panose="020B0609020204030204" pitchFamily="49" charset="0"/>
+              </a:rPr>
+              <a:t> get_x(), get_y() </a:t>
+            </a:r>
+            <a:r>
+              <a:rPr lang="ru-RU" sz="2000" smtClean="0">
+                <a:latin typeface="Consolas" panose="020B0609020204030204" pitchFamily="49" charset="0"/>
+              </a:rPr>
+              <a:t>и </a:t>
+            </a:r>
+            <a:r>
+              <a:rPr lang="en-US" sz="2000" smtClean="0">
+                <a:latin typeface="Consolas" panose="020B0609020204030204" pitchFamily="49" charset="0"/>
+              </a:rPr>
+              <a:t>get_z()</a:t>
+            </a:r>
+            <a:r>
+              <a:rPr lang="ru-RU" sz="2000" smtClean="0">
+                <a:latin typeface="Consolas" panose="020B0609020204030204" pitchFamily="49" charset="0"/>
+              </a:rPr>
+              <a:t/>
+            </a:r>
+            <a:br>
+              <a:rPr lang="ru-RU" sz="2000" smtClean="0">
+                <a:latin typeface="Consolas" panose="020B0609020204030204" pitchFamily="49" charset="0"/>
+              </a:rPr>
+            </a:br>
+            <a:r>
+              <a:rPr lang="en-US" sz="2000" smtClean="0">
+                <a:latin typeface="Consolas" panose="020B0609020204030204" pitchFamily="49" charset="0"/>
+              </a:rPr>
+              <a:t>};  </a:t>
+            </a:r>
+          </a:p>
+          <a:p>
+            <a:pPr marL="45720" indent="0">
+              <a:buNone/>
+            </a:pPr>
+            <a:r>
+              <a:rPr lang="en-US" sz="2000" smtClean="0">
+                <a:latin typeface="Consolas" panose="020B0609020204030204" pitchFamily="49" charset="0"/>
+              </a:rPr>
+              <a:t>template&lt;&gt; </a:t>
+            </a:r>
+            <a:r>
+              <a:rPr lang="en-US" sz="2000">
+                <a:latin typeface="Consolas" panose="020B0609020204030204" pitchFamily="49" charset="0"/>
+              </a:rPr>
+              <a:t>struct </a:t>
+            </a:r>
+            <a:r>
+              <a:rPr lang="en-US" sz="2000" smtClean="0">
+                <a:latin typeface="Consolas" panose="020B0609020204030204" pitchFamily="49" charset="0"/>
+              </a:rPr>
+              <a:t>tuple_size&lt;Config&gt;: integral_constant&lt;size_t</a:t>
+            </a:r>
+            <a:r>
+              <a:rPr lang="en-US" sz="2000">
+                <a:latin typeface="Consolas" panose="020B0609020204030204" pitchFamily="49" charset="0"/>
+              </a:rPr>
+              <a:t>, 3&gt; </a:t>
+            </a:r>
+            <a:r>
+              <a:rPr lang="en-US" sz="2000" smtClean="0">
+                <a:latin typeface="Consolas" panose="020B0609020204030204" pitchFamily="49" charset="0"/>
+              </a:rPr>
+              <a:t>{};</a:t>
+            </a:r>
+          </a:p>
+          <a:p>
+            <a:pPr marL="45720" indent="0">
+              <a:buNone/>
+            </a:pPr>
+            <a:r>
+              <a:rPr lang="en-US" sz="2000" smtClean="0">
+                <a:latin typeface="Consolas" panose="020B0609020204030204" pitchFamily="49" charset="0"/>
+              </a:rPr>
+              <a:t>template&lt;&gt; decltype(auto) get&lt;1&gt;(Config&amp; c) { return c.get_x(); }</a:t>
+            </a:r>
+            <a:br>
+              <a:rPr lang="en-US" sz="2000" smtClean="0">
+                <a:latin typeface="Consolas" panose="020B0609020204030204" pitchFamily="49" charset="0"/>
+              </a:rPr>
+            </a:br>
+            <a:r>
+              <a:rPr lang="en-US" sz="2000" smtClean="0">
+                <a:latin typeface="Consolas" panose="020B0609020204030204" pitchFamily="49" charset="0"/>
+              </a:rPr>
+              <a:t>template</a:t>
+            </a:r>
+            <a:r>
+              <a:rPr lang="en-US" sz="2000">
+                <a:latin typeface="Consolas" panose="020B0609020204030204" pitchFamily="49" charset="0"/>
+              </a:rPr>
+              <a:t>&lt;&gt; struct </a:t>
+            </a:r>
+            <a:r>
+              <a:rPr lang="en-US" sz="2000" smtClean="0">
+                <a:latin typeface="Consolas" panose="020B0609020204030204" pitchFamily="49" charset="0"/>
+              </a:rPr>
+              <a:t>tuple_element&lt;1, Config</a:t>
+            </a:r>
+            <a:r>
+              <a:rPr lang="en-US" sz="2000">
+                <a:latin typeface="Consolas" panose="020B0609020204030204" pitchFamily="49" charset="0"/>
+              </a:rPr>
+              <a:t>&gt; { using type = </a:t>
+            </a:r>
+            <a:r>
+              <a:rPr lang="en-US" sz="2000" smtClean="0">
+                <a:latin typeface="Consolas" panose="020B0609020204030204" pitchFamily="49" charset="0"/>
+              </a:rPr>
+              <a:t>int; };</a:t>
+            </a:r>
+            <a:br>
+              <a:rPr lang="en-US" sz="2000" smtClean="0">
+                <a:latin typeface="Consolas" panose="020B0609020204030204" pitchFamily="49" charset="0"/>
+              </a:rPr>
+            </a:br>
+            <a:r>
+              <a:rPr lang="en-US" sz="2000" smtClean="0">
+                <a:latin typeface="Consolas" panose="020B0609020204030204" pitchFamily="49" charset="0"/>
+              </a:rPr>
+              <a:t>// </a:t>
+            </a:r>
+            <a:r>
+              <a:rPr lang="ru-RU" sz="2000" smtClean="0">
+                <a:latin typeface="Consolas" panose="020B0609020204030204" pitchFamily="49" charset="0"/>
+              </a:rPr>
+              <a:t>тут то же самое для второго и третьего элементов</a:t>
+            </a:r>
+            <a:endParaRPr lang="en-US" sz="2000" smtClean="0">
+              <a:latin typeface="Consolas" panose="020B0609020204030204" pitchFamily="49" charset="0"/>
+            </a:endParaRPr>
+          </a:p>
+          <a:p>
+            <a:r>
+              <a:rPr lang="ru-RU" sz="2000" smtClean="0"/>
+              <a:t>Теперь будет работать</a:t>
+            </a:r>
+            <a:endParaRPr lang="en-US" sz="2000" smtClean="0"/>
+          </a:p>
+          <a:p>
+            <a:pPr marL="45720" indent="0">
+              <a:buNone/>
+            </a:pPr>
+            <a:r>
+              <a:rPr lang="en-US" sz="2000" smtClean="0">
+                <a:latin typeface="Consolas" panose="020B0609020204030204" pitchFamily="49" charset="0"/>
+              </a:rPr>
+              <a:t>auto [id, value, name] </a:t>
+            </a:r>
+            <a:r>
+              <a:rPr lang="en-US" sz="2000">
+                <a:latin typeface="Consolas" panose="020B0609020204030204" pitchFamily="49" charset="0"/>
+              </a:rPr>
+              <a:t>= get_config();</a:t>
+            </a:r>
+          </a:p>
+          <a:p>
+            <a:pPr marL="45720" indent="0">
+              <a:buNone/>
+            </a:pPr>
+            <a:endParaRPr lang="ru-RU" sz="2000" smtClean="0"/>
+          </a:p>
+        </p:txBody>
+      </p:sp>
+    </p:spTree>
+    <p:extLst>
+      <p:ext uri="{BB962C8B-B14F-4D97-AF65-F5344CB8AC3E}">
+        <p14:creationId xmlns:p14="http://schemas.microsoft.com/office/powerpoint/2010/main" val="121272479"/>
+      </p:ext>
+    </p:extLst>
+  </p:cSld>
+  <p:clrMapOvr>
+    <a:masterClrMapping/>
+  </p:clrMapOvr>
+</p:sld>
+</file>
+
+<file path=ppt/slides/slide47.xml><?xml version="1.0" encoding="utf-8"?>
+<p:sld xmlns:a="http://schemas.openxmlformats.org/drawingml/2006/main" xmlns:r="http://schemas.openxmlformats.org/officeDocument/2006/relationships" xmlns:p="http://schemas.openxmlformats.org/presentationml/2006/main">
+  <p:cSld>
+    <p:spTree>
+      <p:nvGrpSpPr>
+        <p:cNvPr id="1" name=""/>
+        <p:cNvGrpSpPr/>
+        <p:nvPr/>
+      </p:nvGrpSpPr>
+      <p:grpSpPr>
+        <a:xfrm>
+          <a:off x="0" y="0"/>
+          <a:ext cx="0" cy="0"/>
+          <a:chOff x="0" y="0"/>
+          <a:chExt cx="0" cy="0"/>
+        </a:xfrm>
+      </p:grpSpPr>
+      <p:sp>
+        <p:nvSpPr>
+          <p:cNvPr id="2" name="Title 1"/>
+          <p:cNvSpPr>
+            <a:spLocks noGrp="1"/>
+          </p:cNvSpPr>
+          <p:nvPr>
+            <p:ph type="title"/>
+          </p:nvPr>
+        </p:nvSpPr>
+        <p:spPr/>
+        <p:txBody>
+          <a:bodyPr/>
+          <a:lstStyle/>
+          <a:p>
+            <a:r>
+              <a:rPr lang="ru-RU" smtClean="0"/>
+              <a:t>Обсуждение</a:t>
+            </a:r>
+            <a:endParaRPr lang="en-US"/>
+          </a:p>
+        </p:txBody>
+      </p:sp>
+      <p:sp>
+        <p:nvSpPr>
+          <p:cNvPr id="3" name="Content Placeholder 2"/>
+          <p:cNvSpPr>
+            <a:spLocks noGrp="1"/>
+          </p:cNvSpPr>
+          <p:nvPr>
+            <p:ph idx="1"/>
+          </p:nvPr>
+        </p:nvSpPr>
+        <p:spPr/>
+        <p:txBody>
+          <a:bodyPr>
+            <a:normAutofit/>
+          </a:bodyPr>
+          <a:lstStyle/>
+          <a:p>
+            <a:r>
+              <a:rPr lang="ru-RU" sz="2000" smtClean="0"/>
+              <a:t>Как бы вы для того же класса определили метод </a:t>
+            </a:r>
+            <a:r>
+              <a:rPr lang="en-US" sz="2000" smtClean="0"/>
+              <a:t>get_z </a:t>
+            </a:r>
+            <a:r>
+              <a:rPr lang="ru-RU" sz="2000" smtClean="0"/>
+              <a:t>и</a:t>
+            </a:r>
+            <a:r>
+              <a:rPr lang="en-US" sz="2000" smtClean="0"/>
+              <a:t> </a:t>
+            </a:r>
+            <a:r>
+              <a:rPr lang="ru-RU" sz="2000" smtClean="0"/>
+              <a:t>свободную функцию </a:t>
+            </a:r>
+            <a:r>
+              <a:rPr lang="en-US" sz="2000" smtClean="0"/>
+              <a:t>get?</a:t>
+            </a:r>
+            <a:endParaRPr lang="ru-RU" sz="2000" smtClean="0"/>
+          </a:p>
+          <a:p>
+            <a:pPr marL="45720" indent="0">
+              <a:buNone/>
+            </a:pPr>
+            <a:r>
+              <a:rPr lang="en-US" sz="2000">
+                <a:latin typeface="Consolas" panose="020B0609020204030204" pitchFamily="49" charset="0"/>
+              </a:rPr>
+              <a:t>class Config {</a:t>
+            </a:r>
+            <a:r>
+              <a:rPr lang="ru-RU" sz="2000">
+                <a:latin typeface="Consolas" panose="020B0609020204030204" pitchFamily="49" charset="0"/>
+              </a:rPr>
+              <a:t/>
+            </a:r>
+            <a:br>
+              <a:rPr lang="ru-RU" sz="2000">
+                <a:latin typeface="Consolas" panose="020B0609020204030204" pitchFamily="49" charset="0"/>
+              </a:rPr>
+            </a:br>
+            <a:r>
+              <a:rPr lang="ru-RU" sz="2000">
+                <a:latin typeface="Consolas" panose="020B0609020204030204" pitchFamily="49" charset="0"/>
+              </a:rPr>
+              <a:t>  </a:t>
+            </a:r>
+            <a:r>
+              <a:rPr lang="en-US" sz="2000">
+                <a:latin typeface="Consolas" panose="020B0609020204030204" pitchFamily="49" charset="0"/>
+              </a:rPr>
+              <a:t>int x; double y; string z;</a:t>
+            </a:r>
+            <a:br>
+              <a:rPr lang="en-US" sz="2000">
+                <a:latin typeface="Consolas" panose="020B0609020204030204" pitchFamily="49" charset="0"/>
+              </a:rPr>
+            </a:br>
+            <a:r>
+              <a:rPr lang="en-US" sz="2000" smtClean="0">
+                <a:latin typeface="Consolas" panose="020B0609020204030204" pitchFamily="49" charset="0"/>
+              </a:rPr>
+              <a:t>public:</a:t>
+            </a:r>
+            <a:br>
+              <a:rPr lang="en-US" sz="2000" smtClean="0">
+                <a:latin typeface="Consolas" panose="020B0609020204030204" pitchFamily="49" charset="0"/>
+              </a:rPr>
+            </a:br>
+            <a:r>
+              <a:rPr lang="en-US" sz="2000" smtClean="0">
+                <a:latin typeface="Consolas" panose="020B0609020204030204" pitchFamily="49" charset="0"/>
+              </a:rPr>
+              <a:t>  ??? get_z() { return ???; }</a:t>
+            </a:r>
+            <a:r>
+              <a:rPr lang="ru-RU" sz="2000" smtClean="0">
+                <a:latin typeface="Consolas" panose="020B0609020204030204" pitchFamily="49" charset="0"/>
+              </a:rPr>
+              <a:t/>
+            </a:r>
+            <a:br>
+              <a:rPr lang="ru-RU" sz="2000" smtClean="0">
+                <a:latin typeface="Consolas" panose="020B0609020204030204" pitchFamily="49" charset="0"/>
+              </a:rPr>
+            </a:br>
+            <a:r>
+              <a:rPr lang="en-US" sz="2000" smtClean="0">
+                <a:latin typeface="Consolas" panose="020B0609020204030204" pitchFamily="49" charset="0"/>
+              </a:rPr>
+              <a:t>};</a:t>
+            </a:r>
+          </a:p>
+          <a:p>
+            <a:pPr marL="45720" indent="0">
+              <a:buNone/>
+            </a:pPr>
+            <a:r>
+              <a:rPr lang="en-US" sz="2000">
+                <a:latin typeface="Consolas" panose="020B0609020204030204" pitchFamily="49" charset="0"/>
+              </a:rPr>
+              <a:t>template&lt;&gt; decltype(auto) </a:t>
+            </a:r>
+            <a:r>
+              <a:rPr lang="en-US" sz="2000" smtClean="0">
+                <a:latin typeface="Consolas" panose="020B0609020204030204" pitchFamily="49" charset="0"/>
+              </a:rPr>
+              <a:t>get&lt;3&gt;(</a:t>
+            </a:r>
+            <a:r>
+              <a:rPr lang="en-US" sz="2000">
+                <a:latin typeface="Consolas" panose="020B0609020204030204" pitchFamily="49" charset="0"/>
+              </a:rPr>
+              <a:t>Config&amp; c) { return </a:t>
+            </a:r>
+            <a:r>
+              <a:rPr lang="en-US" sz="2000" smtClean="0">
+                <a:latin typeface="Consolas" panose="020B0609020204030204" pitchFamily="49" charset="0"/>
+              </a:rPr>
+              <a:t>???; }</a:t>
+            </a:r>
+          </a:p>
+          <a:p>
+            <a:r>
+              <a:rPr lang="ru-RU" sz="2000" smtClean="0"/>
+              <a:t>Например является ли тут хорошей идеей возвращать строку по значению?</a:t>
+            </a:r>
+            <a:endParaRPr lang="en-US" sz="2000">
+              <a:latin typeface="Consolas" panose="020B0609020204030204" pitchFamily="49" charset="0"/>
+            </a:endParaRPr>
+          </a:p>
+        </p:txBody>
+      </p:sp>
+    </p:spTree>
+    <p:extLst>
+      <p:ext uri="{BB962C8B-B14F-4D97-AF65-F5344CB8AC3E}">
+        <p14:creationId xmlns:p14="http://schemas.microsoft.com/office/powerpoint/2010/main" val="2562349039"/>
+      </p:ext>
+    </p:extLst>
+  </p:cSld>
+  <p:clrMapOvr>
+    <a:masterClrMapping/>
+  </p:clrMapOvr>
+</p:sld>
+</file>
+
+<file path=ppt/slides/slide48.xml><?xml version="1.0" encoding="utf-8"?>
+<p:sld xmlns:a="http://schemas.openxmlformats.org/drawingml/2006/main" xmlns:r="http://schemas.openxmlformats.org/officeDocument/2006/relationships" xmlns:p="http://schemas.openxmlformats.org/presentationml/2006/main">
+  <p:cSld>
+    <p:spTree>
+      <p:nvGrpSpPr>
+        <p:cNvPr id="1" name=""/>
+        <p:cNvGrpSpPr/>
+        <p:nvPr/>
+      </p:nvGrpSpPr>
+      <p:grpSpPr>
+        <a:xfrm>
+          <a:off x="0" y="0"/>
+          <a:ext cx="0" cy="0"/>
+          <a:chOff x="0" y="0"/>
+          <a:chExt cx="0" cy="0"/>
+        </a:xfrm>
+      </p:grpSpPr>
+      <p:sp>
+        <p:nvSpPr>
+          <p:cNvPr id="2" name="Title 1"/>
+          <p:cNvSpPr>
+            <a:spLocks noGrp="1"/>
+          </p:cNvSpPr>
+          <p:nvPr>
+            <p:ph type="title"/>
+          </p:nvPr>
+        </p:nvSpPr>
+        <p:spPr/>
+        <p:txBody>
+          <a:bodyPr/>
+          <a:lstStyle/>
+          <a:p>
+            <a:r>
+              <a:rPr lang="ru-RU" smtClean="0"/>
+              <a:t>Обсуждение</a:t>
+            </a:r>
+            <a:endParaRPr lang="en-US"/>
+          </a:p>
+        </p:txBody>
+      </p:sp>
+      <p:sp>
+        <p:nvSpPr>
+          <p:cNvPr id="3" name="Content Placeholder 2"/>
+          <p:cNvSpPr>
+            <a:spLocks noGrp="1"/>
+          </p:cNvSpPr>
+          <p:nvPr>
+            <p:ph idx="1"/>
+          </p:nvPr>
+        </p:nvSpPr>
+        <p:spPr>
+          <a:xfrm>
+            <a:off x="1143000" y="2057400"/>
+            <a:ext cx="10469880" cy="4038600"/>
+          </a:xfrm>
+        </p:spPr>
+        <p:txBody>
+          <a:bodyPr>
+            <a:normAutofit/>
+          </a:bodyPr>
+          <a:lstStyle/>
+          <a:p>
+            <a:r>
+              <a:rPr lang="ru-RU" sz="2000" smtClean="0"/>
+              <a:t>Как бы вы для того же класса определили метод </a:t>
+            </a:r>
+            <a:r>
+              <a:rPr lang="en-US" sz="2000" smtClean="0"/>
+              <a:t>get_z </a:t>
+            </a:r>
+            <a:r>
+              <a:rPr lang="ru-RU" sz="2000" smtClean="0"/>
+              <a:t>и</a:t>
+            </a:r>
+            <a:r>
+              <a:rPr lang="en-US" sz="2000" smtClean="0"/>
+              <a:t> </a:t>
+            </a:r>
+            <a:r>
+              <a:rPr lang="ru-RU" sz="2000" smtClean="0"/>
+              <a:t>свободную функцию </a:t>
+            </a:r>
+            <a:r>
+              <a:rPr lang="en-US" sz="2000" smtClean="0"/>
+              <a:t>get?</a:t>
+            </a:r>
+            <a:endParaRPr lang="ru-RU" sz="2000" smtClean="0"/>
+          </a:p>
+          <a:p>
+            <a:pPr marL="45720" indent="0">
+              <a:buNone/>
+            </a:pPr>
+            <a:r>
+              <a:rPr lang="en-US" sz="2000">
+                <a:latin typeface="Consolas" panose="020B0609020204030204" pitchFamily="49" charset="0"/>
+              </a:rPr>
+              <a:t>class Config {</a:t>
+            </a:r>
+            <a:r>
+              <a:rPr lang="ru-RU" sz="2000">
+                <a:latin typeface="Consolas" panose="020B0609020204030204" pitchFamily="49" charset="0"/>
+              </a:rPr>
+              <a:t/>
+            </a:r>
+            <a:br>
+              <a:rPr lang="ru-RU" sz="2000">
+                <a:latin typeface="Consolas" panose="020B0609020204030204" pitchFamily="49" charset="0"/>
+              </a:rPr>
+            </a:br>
+            <a:r>
+              <a:rPr lang="ru-RU" sz="2000">
+                <a:latin typeface="Consolas" panose="020B0609020204030204" pitchFamily="49" charset="0"/>
+              </a:rPr>
+              <a:t>  </a:t>
+            </a:r>
+            <a:r>
+              <a:rPr lang="en-US" sz="2000">
+                <a:latin typeface="Consolas" panose="020B0609020204030204" pitchFamily="49" charset="0"/>
+              </a:rPr>
+              <a:t>int x; double y; string z;</a:t>
+            </a:r>
+            <a:br>
+              <a:rPr lang="en-US" sz="2000">
+                <a:latin typeface="Consolas" panose="020B0609020204030204" pitchFamily="49" charset="0"/>
+              </a:rPr>
+            </a:br>
+            <a:r>
+              <a:rPr lang="en-US" sz="2000" smtClean="0">
+                <a:latin typeface="Consolas" panose="020B0609020204030204" pitchFamily="49" charset="0"/>
+              </a:rPr>
+              <a:t>public:</a:t>
+            </a:r>
+            <a:br>
+              <a:rPr lang="en-US" sz="2000" smtClean="0">
+                <a:latin typeface="Consolas" panose="020B0609020204030204" pitchFamily="49" charset="0"/>
+              </a:rPr>
+            </a:br>
+            <a:r>
+              <a:rPr lang="en-US" sz="2000" smtClean="0">
+                <a:latin typeface="Consolas" panose="020B0609020204030204" pitchFamily="49" charset="0"/>
+              </a:rPr>
+              <a:t>  string_view get_z() { return string_view(z); }</a:t>
+            </a:r>
+            <a:r>
+              <a:rPr lang="ru-RU" sz="2000" smtClean="0">
+                <a:latin typeface="Consolas" panose="020B0609020204030204" pitchFamily="49" charset="0"/>
+              </a:rPr>
+              <a:t/>
+            </a:r>
+            <a:br>
+              <a:rPr lang="ru-RU" sz="2000" smtClean="0">
+                <a:latin typeface="Consolas" panose="020B0609020204030204" pitchFamily="49" charset="0"/>
+              </a:rPr>
+            </a:br>
+            <a:r>
+              <a:rPr lang="en-US" sz="2000" smtClean="0">
+                <a:latin typeface="Consolas" panose="020B0609020204030204" pitchFamily="49" charset="0"/>
+              </a:rPr>
+              <a:t>};</a:t>
+            </a:r>
+          </a:p>
+          <a:p>
+            <a:pPr marL="45720" indent="0">
+              <a:buNone/>
+            </a:pPr>
+            <a:r>
+              <a:rPr lang="en-US" sz="2000">
+                <a:latin typeface="Consolas" panose="020B0609020204030204" pitchFamily="49" charset="0"/>
+              </a:rPr>
+              <a:t>template&lt;&gt; decltype(auto) </a:t>
+            </a:r>
+            <a:r>
+              <a:rPr lang="en-US" sz="2000" smtClean="0">
+                <a:latin typeface="Consolas" panose="020B0609020204030204" pitchFamily="49" charset="0"/>
+              </a:rPr>
+              <a:t>get&lt;3&gt;(</a:t>
+            </a:r>
+            <a:r>
+              <a:rPr lang="en-US" sz="2000">
+                <a:latin typeface="Consolas" panose="020B0609020204030204" pitchFamily="49" charset="0"/>
+              </a:rPr>
+              <a:t>Config&amp; c) { return </a:t>
+            </a:r>
+            <a:r>
+              <a:rPr lang="en-US" sz="2000" smtClean="0">
+                <a:latin typeface="Consolas" panose="020B0609020204030204" pitchFamily="49" charset="0"/>
+              </a:rPr>
+              <a:t>c.get_z(); }</a:t>
+            </a:r>
+          </a:p>
+          <a:p>
+            <a:r>
+              <a:rPr lang="ru-RU" sz="2000" smtClean="0"/>
+              <a:t>Например является ли тут хорошей идеей возвращать строку по значению?</a:t>
+            </a:r>
+            <a:endParaRPr lang="en-US" sz="2000" smtClean="0"/>
+          </a:p>
+          <a:p>
+            <a:r>
+              <a:rPr lang="ru-RU" sz="2000" smtClean="0"/>
+              <a:t>Хорошее предложение тут это </a:t>
+            </a:r>
+            <a:r>
+              <a:rPr lang="en-US" sz="2000" smtClean="0"/>
+              <a:t>string_view, </a:t>
+            </a:r>
+            <a:r>
+              <a:rPr lang="ru-RU" sz="2000" smtClean="0"/>
+              <a:t>не зря его все любят</a:t>
+            </a:r>
+          </a:p>
+          <a:p>
+            <a:pPr marL="45720" indent="0">
+              <a:buNone/>
+            </a:pPr>
+            <a:r>
+              <a:rPr lang="en-US" sz="2000">
+                <a:latin typeface="Consolas" panose="020B0609020204030204" pitchFamily="49" charset="0"/>
+              </a:rPr>
+              <a:t>template&lt;&gt; struct </a:t>
+            </a:r>
+            <a:r>
+              <a:rPr lang="en-US" sz="2000" smtClean="0">
+                <a:latin typeface="Consolas" panose="020B0609020204030204" pitchFamily="49" charset="0"/>
+              </a:rPr>
+              <a:t>tuple_element&lt;</a:t>
+            </a:r>
+            <a:r>
+              <a:rPr lang="ru-RU" sz="2000" smtClean="0">
+                <a:latin typeface="Consolas" panose="020B0609020204030204" pitchFamily="49" charset="0"/>
+              </a:rPr>
+              <a:t>3</a:t>
+            </a:r>
+            <a:r>
+              <a:rPr lang="en-US" sz="2000" smtClean="0">
+                <a:latin typeface="Consolas" panose="020B0609020204030204" pitchFamily="49" charset="0"/>
+              </a:rPr>
+              <a:t>,</a:t>
+            </a:r>
+            <a:r>
+              <a:rPr lang="ru-RU" sz="2000" smtClean="0">
+                <a:latin typeface="Consolas" panose="020B0609020204030204" pitchFamily="49" charset="0"/>
+              </a:rPr>
+              <a:t> </a:t>
+            </a:r>
+            <a:r>
+              <a:rPr lang="en-US" sz="2000" smtClean="0">
+                <a:latin typeface="Consolas" panose="020B0609020204030204" pitchFamily="49" charset="0"/>
+              </a:rPr>
+              <a:t>Config</a:t>
+            </a:r>
+            <a:r>
+              <a:rPr lang="en-US" sz="2000">
+                <a:latin typeface="Consolas" panose="020B0609020204030204" pitchFamily="49" charset="0"/>
+              </a:rPr>
+              <a:t>&gt; { using type = </a:t>
+            </a:r>
+            <a:r>
+              <a:rPr lang="en-US" sz="2000" smtClean="0">
+                <a:latin typeface="Consolas" panose="020B0609020204030204" pitchFamily="49" charset="0"/>
+              </a:rPr>
+              <a:t>string_view</a:t>
+            </a:r>
+            <a:r>
+              <a:rPr lang="en-US" sz="2000">
+                <a:latin typeface="Consolas" panose="020B0609020204030204" pitchFamily="49" charset="0"/>
+              </a:rPr>
+              <a:t>; };</a:t>
+            </a:r>
+          </a:p>
+        </p:txBody>
+      </p:sp>
+    </p:spTree>
+    <p:extLst>
+      <p:ext uri="{BB962C8B-B14F-4D97-AF65-F5344CB8AC3E}">
+        <p14:creationId xmlns:p14="http://schemas.microsoft.com/office/powerpoint/2010/main" val="4010949695"/>
+      </p:ext>
+    </p:extLst>
+  </p:cSld>
+  <p:clrMapOvr>
+    <a:masterClrMapping/>
+  </p:clrMapOvr>
+</p:sld>
+</file>
+
+<file path=ppt/slides/slide49.xml><?xml version="1.0" encoding="utf-8"?>
+<p:sld xmlns:a="http://schemas.openxmlformats.org/drawingml/2006/main" xmlns:r="http://schemas.openxmlformats.org/officeDocument/2006/relationships" xmlns:p="http://schemas.openxmlformats.org/presentationml/2006/main">
+  <p:cSld>
+    <p:spTree>
+      <p:nvGrpSpPr>
+        <p:cNvPr id="1" name=""/>
+        <p:cNvGrpSpPr/>
+        <p:nvPr/>
+      </p:nvGrpSpPr>
+      <p:grpSpPr>
+        <a:xfrm>
+          <a:off x="0" y="0"/>
+          <a:ext cx="0" cy="0"/>
+          <a:chOff x="0" y="0"/>
+          <a:chExt cx="0" cy="0"/>
+        </a:xfrm>
+      </p:grpSpPr>
+      <p:sp>
+        <p:nvSpPr>
+          <p:cNvPr id="2" name="Title 1"/>
+          <p:cNvSpPr>
+            <a:spLocks noGrp="1"/>
+          </p:cNvSpPr>
+          <p:nvPr>
+            <p:ph type="title"/>
+          </p:nvPr>
+        </p:nvSpPr>
+        <p:spPr/>
+        <p:txBody>
+          <a:bodyPr/>
+          <a:lstStyle/>
+          <a:p>
+            <a:r>
+              <a:rPr lang="en-US" smtClean="0"/>
+              <a:t>Tuple API</a:t>
+            </a:r>
+            <a:endParaRPr lang="en-US"/>
+          </a:p>
+        </p:txBody>
+      </p:sp>
+      <p:sp>
+        <p:nvSpPr>
+          <p:cNvPr id="3" name="Content Placeholder 2"/>
+          <p:cNvSpPr>
+            <a:spLocks noGrp="1"/>
+          </p:cNvSpPr>
+          <p:nvPr>
+            <p:ph idx="1"/>
+          </p:nvPr>
+        </p:nvSpPr>
+        <p:spPr/>
+        <p:txBody>
+          <a:bodyPr/>
+          <a:lstStyle/>
+          <a:p>
+            <a:r>
+              <a:rPr lang="ru-RU" smtClean="0"/>
+              <a:t>Из кортежей можно делать аргументы для функций</a:t>
+            </a:r>
+            <a:endParaRPr lang="en-US" smtClean="0"/>
+          </a:p>
+          <a:p>
+            <a:pPr marL="45720" indent="0">
+              <a:buNone/>
+            </a:pPr>
+            <a:r>
+              <a:rPr lang="en-US">
+                <a:latin typeface="Consolas" panose="020B0609020204030204" pitchFamily="49" charset="0"/>
+              </a:rPr>
+              <a:t>int add(int first, int second) { return first + second; </a:t>
+            </a:r>
+            <a:r>
+              <a:rPr lang="en-US" smtClean="0">
+                <a:latin typeface="Consolas" panose="020B0609020204030204" pitchFamily="49" charset="0"/>
+              </a:rPr>
+              <a:t>}</a:t>
+            </a:r>
+            <a:br>
+              <a:rPr lang="en-US" smtClean="0">
+                <a:latin typeface="Consolas" panose="020B0609020204030204" pitchFamily="49" charset="0"/>
+              </a:rPr>
+            </a:br>
+            <a:r>
+              <a:rPr lang="en-US" smtClean="0">
+                <a:latin typeface="Consolas" panose="020B0609020204030204" pitchFamily="49" charset="0"/>
+              </a:rPr>
+              <a:t>cout &lt;&lt; apply (add, make_tuple(1, 2)) &lt;&lt; endl;</a:t>
+            </a:r>
+          </a:p>
+          <a:p>
+            <a:r>
+              <a:rPr lang="ru-RU" smtClean="0"/>
+              <a:t>Из кортежей можно делать аргументы конструкторов</a:t>
+            </a:r>
+          </a:p>
+          <a:p>
+            <a:pPr marL="45720" indent="0">
+              <a:buNone/>
+            </a:pPr>
+            <a:r>
+              <a:rPr lang="en-US">
+                <a:latin typeface="Consolas" panose="020B0609020204030204" pitchFamily="49" charset="0"/>
+              </a:rPr>
+              <a:t>auto v = make_from_tuple &lt;vector&lt;int&gt;&gt; (t);</a:t>
+            </a:r>
+            <a:endParaRPr lang="ru-RU" smtClean="0"/>
+          </a:p>
+          <a:p>
+            <a:r>
+              <a:rPr lang="ru-RU" smtClean="0"/>
+              <a:t>Кортежи можно пробрасывать (так как нельзя создать </a:t>
+            </a:r>
+            <a:r>
+              <a:rPr lang="en-US" smtClean="0"/>
+              <a:t>tuple&lt;int&amp;&amp;, int&amp;&amp;&gt; </a:t>
+            </a:r>
+            <a:r>
+              <a:rPr lang="ru-RU" smtClean="0"/>
+              <a:t>с помощью конструктора либо через </a:t>
+            </a:r>
+            <a:r>
+              <a:rPr lang="en-US" smtClean="0"/>
+              <a:t>make_tuple)</a:t>
+            </a:r>
+            <a:endParaRPr lang="ru-RU" smtClean="0"/>
+          </a:p>
+          <a:p>
+            <a:pPr marL="45720" indent="0">
+              <a:buNone/>
+            </a:pPr>
+            <a:r>
+              <a:rPr lang="en-US">
+                <a:latin typeface="Consolas" panose="020B0609020204030204" pitchFamily="49" charset="0"/>
+              </a:rPr>
+              <a:t>pair&lt;vector&lt;int&gt;, vector&lt;int&gt;&gt; p </a:t>
+            </a:r>
+            <a:r>
+              <a:rPr lang="en-US" smtClean="0">
+                <a:latin typeface="Consolas" panose="020B0609020204030204" pitchFamily="49" charset="0"/>
+              </a:rPr>
+              <a:t>(piecewise_construct,</a:t>
+            </a:r>
+            <a:r>
+              <a:rPr lang="ru-RU">
+                <a:latin typeface="Consolas" panose="020B0609020204030204" pitchFamily="49" charset="0"/>
+              </a:rPr>
+              <a:t/>
+            </a:r>
+            <a:br>
+              <a:rPr lang="ru-RU">
+                <a:latin typeface="Consolas" panose="020B0609020204030204" pitchFamily="49" charset="0"/>
+              </a:rPr>
+            </a:br>
+            <a:r>
+              <a:rPr lang="ru-RU" smtClean="0">
+                <a:latin typeface="Consolas" panose="020B0609020204030204" pitchFamily="49" charset="0"/>
+              </a:rPr>
+              <a:t>  </a:t>
+            </a:r>
+            <a:r>
+              <a:rPr lang="en-US" smtClean="0">
+                <a:latin typeface="Consolas" panose="020B0609020204030204" pitchFamily="49" charset="0"/>
+              </a:rPr>
+              <a:t>forward_as_tuple(),</a:t>
+            </a:r>
+            <a:r>
+              <a:rPr lang="ru-RU">
+                <a:latin typeface="Consolas" panose="020B0609020204030204" pitchFamily="49" charset="0"/>
+              </a:rPr>
+              <a:t/>
+            </a:r>
+            <a:br>
+              <a:rPr lang="ru-RU">
+                <a:latin typeface="Consolas" panose="020B0609020204030204" pitchFamily="49" charset="0"/>
+              </a:rPr>
+            </a:br>
+            <a:r>
+              <a:rPr lang="ru-RU" smtClean="0">
+                <a:latin typeface="Consolas" panose="020B0609020204030204" pitchFamily="49" charset="0"/>
+              </a:rPr>
+              <a:t>  </a:t>
+            </a:r>
+            <a:r>
+              <a:rPr lang="en-US" smtClean="0">
+                <a:latin typeface="Consolas" panose="020B0609020204030204" pitchFamily="49" charset="0"/>
+              </a:rPr>
+              <a:t>forward_as_tuple(2</a:t>
+            </a:r>
+            <a:r>
+              <a:rPr lang="en-US">
+                <a:latin typeface="Consolas" panose="020B0609020204030204" pitchFamily="49" charset="0"/>
+              </a:rPr>
+              <a:t>, 3</a:t>
+            </a:r>
+            <a:r>
+              <a:rPr lang="en-US" smtClean="0">
+                <a:latin typeface="Consolas" panose="020B0609020204030204" pitchFamily="49" charset="0"/>
+              </a:rPr>
+              <a:t>)); </a:t>
+            </a:r>
+            <a:r>
+              <a:rPr lang="en-US">
+                <a:latin typeface="Consolas" panose="020B0609020204030204" pitchFamily="49" charset="0"/>
+              </a:rPr>
+              <a:t>// p = ({}, {3, 3</a:t>
+            </a:r>
+            <a:r>
+              <a:rPr lang="en-US" smtClean="0">
+                <a:latin typeface="Consolas" panose="020B0609020204030204" pitchFamily="49" charset="0"/>
+              </a:rPr>
+              <a:t>}</a:t>
+            </a:r>
+            <a:r>
+              <a:rPr lang="ru-RU" smtClean="0">
+                <a:latin typeface="Consolas" panose="020B0609020204030204" pitchFamily="49" charset="0"/>
+              </a:rPr>
+              <a:t>)</a:t>
+            </a:r>
+            <a:endParaRPr lang="ru-RU">
+              <a:latin typeface="Consolas" panose="020B0609020204030204" pitchFamily="49" charset="0"/>
+            </a:endParaRPr>
+          </a:p>
+        </p:txBody>
+      </p:sp>
+    </p:spTree>
+    <p:extLst>
+      <p:ext uri="{BB962C8B-B14F-4D97-AF65-F5344CB8AC3E}">
+        <p14:creationId xmlns:p14="http://schemas.microsoft.com/office/powerpoint/2010/main" val="1273449352"/>
       </p:ext>
     </p:extLst>
   </p:cSld>
@@ -10840,6 +14648,2770 @@
 </p:sld>
 </file>
 
+<file path=ppt/slides/slide50.xml><?xml version="1.0" encoding="utf-8"?>
+<p:sld xmlns:a="http://schemas.openxmlformats.org/drawingml/2006/main" xmlns:r="http://schemas.openxmlformats.org/officeDocument/2006/relationships" xmlns:p="http://schemas.openxmlformats.org/presentationml/2006/main">
+  <p:cSld>
+    <p:spTree>
+      <p:nvGrpSpPr>
+        <p:cNvPr id="1" name=""/>
+        <p:cNvGrpSpPr/>
+        <p:nvPr/>
+      </p:nvGrpSpPr>
+      <p:grpSpPr>
+        <a:xfrm>
+          <a:off x="0" y="0"/>
+          <a:ext cx="0" cy="0"/>
+          <a:chOff x="0" y="0"/>
+          <a:chExt cx="0" cy="0"/>
+        </a:xfrm>
+      </p:grpSpPr>
+      <p:sp>
+        <p:nvSpPr>
+          <p:cNvPr id="2" name="Title 1"/>
+          <p:cNvSpPr>
+            <a:spLocks noGrp="1"/>
+          </p:cNvSpPr>
+          <p:nvPr>
+            <p:ph type="title"/>
+          </p:nvPr>
+        </p:nvSpPr>
+        <p:spPr/>
+        <p:txBody>
+          <a:bodyPr/>
+          <a:lstStyle/>
+          <a:p>
+            <a:r>
+              <a:rPr lang="ru-RU" smtClean="0"/>
+              <a:t>Обсуждение</a:t>
+            </a:r>
+            <a:endParaRPr lang="en-US"/>
+          </a:p>
+        </p:txBody>
+      </p:sp>
+      <p:sp>
+        <p:nvSpPr>
+          <p:cNvPr id="3" name="Content Placeholder 2"/>
+          <p:cNvSpPr>
+            <a:spLocks noGrp="1"/>
+          </p:cNvSpPr>
+          <p:nvPr>
+            <p:ph idx="1"/>
+          </p:nvPr>
+        </p:nvSpPr>
+        <p:spPr/>
+        <p:txBody>
+          <a:bodyPr/>
+          <a:lstStyle/>
+          <a:p>
+            <a:r>
+              <a:rPr lang="ru-RU" smtClean="0"/>
+              <a:t>Есть четыре способа создать кортеж</a:t>
+            </a:r>
+          </a:p>
+          <a:p>
+            <a:pPr marL="457200" indent="-457200">
+              <a:lnSpc>
+                <a:spcPct val="150000"/>
+              </a:lnSpc>
+              <a:buFont typeface="+mj-lt"/>
+              <a:buAutoNum type="arabicPeriod"/>
+            </a:pPr>
+            <a:r>
+              <a:rPr lang="en-US">
+                <a:latin typeface="Consolas" panose="020B0609020204030204" pitchFamily="49" charset="0"/>
+              </a:rPr>
+              <a:t>tuple&lt;</a:t>
+            </a:r>
+            <a:r>
+              <a:rPr lang="en-US">
+                <a:solidFill>
+                  <a:srgbClr val="0000FF"/>
+                </a:solidFill>
+                <a:latin typeface="Consolas" panose="020B0609020204030204" pitchFamily="49" charset="0"/>
+              </a:rPr>
+              <a:t>VTypes...</a:t>
+            </a:r>
+            <a:r>
+              <a:rPr lang="en-US">
+                <a:latin typeface="Consolas" panose="020B0609020204030204" pitchFamily="49" charset="0"/>
+              </a:rPr>
+              <a:t>&gt; make_tuple(</a:t>
+            </a:r>
+            <a:r>
+              <a:rPr lang="en-US">
+                <a:solidFill>
+                  <a:srgbClr val="0000FF"/>
+                </a:solidFill>
+                <a:latin typeface="Consolas" panose="020B0609020204030204" pitchFamily="49" charset="0"/>
+              </a:rPr>
+              <a:t>Types&amp;&amp;...</a:t>
+            </a:r>
+            <a:r>
+              <a:rPr lang="en-US">
+                <a:latin typeface="Consolas" panose="020B0609020204030204" pitchFamily="49" charset="0"/>
+              </a:rPr>
+              <a:t>)</a:t>
+            </a:r>
+            <a:endParaRPr lang="ru-RU">
+              <a:latin typeface="Consolas" panose="020B0609020204030204" pitchFamily="49" charset="0"/>
+            </a:endParaRPr>
+          </a:p>
+          <a:p>
+            <a:pPr marL="457200" indent="-457200">
+              <a:lnSpc>
+                <a:spcPct val="150000"/>
+              </a:lnSpc>
+              <a:buFont typeface="+mj-lt"/>
+              <a:buAutoNum type="arabicPeriod"/>
+            </a:pPr>
+            <a:r>
+              <a:rPr lang="en-US">
+                <a:latin typeface="Consolas" panose="020B0609020204030204" pitchFamily="49" charset="0"/>
+              </a:rPr>
+              <a:t>tuple&lt;</a:t>
+            </a:r>
+            <a:r>
+              <a:rPr lang="en-US">
+                <a:solidFill>
+                  <a:srgbClr val="0000FF"/>
+                </a:solidFill>
+                <a:latin typeface="Consolas" panose="020B0609020204030204" pitchFamily="49" charset="0"/>
+              </a:rPr>
+              <a:t>Types&amp;...</a:t>
+            </a:r>
+            <a:r>
+              <a:rPr lang="en-US">
+                <a:latin typeface="Consolas" panose="020B0609020204030204" pitchFamily="49" charset="0"/>
+              </a:rPr>
+              <a:t>&gt; tie(</a:t>
+            </a:r>
+            <a:r>
+              <a:rPr lang="en-US">
+                <a:solidFill>
+                  <a:srgbClr val="0000FF"/>
+                </a:solidFill>
+                <a:latin typeface="Consolas" panose="020B0609020204030204" pitchFamily="49" charset="0"/>
+              </a:rPr>
+              <a:t>Types&amp;...</a:t>
+            </a:r>
+            <a:r>
+              <a:rPr lang="en-US">
+                <a:latin typeface="Consolas" panose="020B0609020204030204" pitchFamily="49" charset="0"/>
+              </a:rPr>
+              <a:t>)</a:t>
+            </a:r>
+            <a:endParaRPr lang="ru-RU">
+              <a:latin typeface="Consolas" panose="020B0609020204030204" pitchFamily="49" charset="0"/>
+            </a:endParaRPr>
+          </a:p>
+          <a:p>
+            <a:pPr marL="457200" indent="-457200">
+              <a:lnSpc>
+                <a:spcPct val="150000"/>
+              </a:lnSpc>
+              <a:buFont typeface="+mj-lt"/>
+              <a:buAutoNum type="arabicPeriod"/>
+            </a:pPr>
+            <a:r>
+              <a:rPr lang="en-US">
+                <a:latin typeface="Consolas" panose="020B0609020204030204" pitchFamily="49" charset="0"/>
+              </a:rPr>
+              <a:t>tuple&lt;</a:t>
+            </a:r>
+            <a:r>
+              <a:rPr lang="en-US">
+                <a:solidFill>
+                  <a:srgbClr val="0000FF"/>
+                </a:solidFill>
+                <a:latin typeface="Consolas" panose="020B0609020204030204" pitchFamily="49" charset="0"/>
+              </a:rPr>
+              <a:t>T&amp;&amp;...</a:t>
+            </a:r>
+            <a:r>
+              <a:rPr lang="en-US">
+                <a:latin typeface="Consolas" panose="020B0609020204030204" pitchFamily="49" charset="0"/>
+              </a:rPr>
+              <a:t>&gt; forward_as_tuple(</a:t>
+            </a:r>
+            <a:r>
+              <a:rPr lang="en-US">
+                <a:solidFill>
+                  <a:srgbClr val="0000FF"/>
+                </a:solidFill>
+                <a:latin typeface="Consolas" panose="020B0609020204030204" pitchFamily="49" charset="0"/>
+              </a:rPr>
+              <a:t>T&amp;&amp;...</a:t>
+            </a:r>
+            <a:r>
+              <a:rPr lang="en-US">
+                <a:latin typeface="Consolas" panose="020B0609020204030204" pitchFamily="49" charset="0"/>
+              </a:rPr>
+              <a:t>)</a:t>
+            </a:r>
+            <a:endParaRPr lang="ru-RU">
+              <a:latin typeface="Consolas" panose="020B0609020204030204" pitchFamily="49" charset="0"/>
+            </a:endParaRPr>
+          </a:p>
+          <a:p>
+            <a:pPr marL="457200" indent="-457200">
+              <a:lnSpc>
+                <a:spcPct val="150000"/>
+              </a:lnSpc>
+              <a:buFont typeface="+mj-lt"/>
+              <a:buAutoNum type="arabicPeriod"/>
+            </a:pPr>
+            <a:r>
+              <a:rPr lang="en-US">
+                <a:latin typeface="Consolas" panose="020B0609020204030204" pitchFamily="49" charset="0"/>
+              </a:rPr>
+              <a:t>tuple&lt;</a:t>
+            </a:r>
+            <a:r>
+              <a:rPr lang="en-US">
+                <a:solidFill>
+                  <a:srgbClr val="0000FF"/>
+                </a:solidFill>
+                <a:latin typeface="Consolas" panose="020B0609020204030204" pitchFamily="49" charset="0"/>
+              </a:rPr>
+              <a:t>CTypes...</a:t>
+            </a:r>
+            <a:r>
+              <a:rPr lang="en-US">
+                <a:latin typeface="Consolas" panose="020B0609020204030204" pitchFamily="49" charset="0"/>
+              </a:rPr>
+              <a:t>&gt; tuple_cat(</a:t>
+            </a:r>
+            <a:r>
+              <a:rPr lang="en-US">
+                <a:solidFill>
+                  <a:srgbClr val="0000FF"/>
+                </a:solidFill>
+                <a:latin typeface="Consolas" panose="020B0609020204030204" pitchFamily="49" charset="0"/>
+              </a:rPr>
+              <a:t>Tuples&amp;&amp;...</a:t>
+            </a:r>
+            <a:r>
+              <a:rPr lang="en-US">
+                <a:latin typeface="Consolas" panose="020B0609020204030204" pitchFamily="49" charset="0"/>
+              </a:rPr>
+              <a:t>)</a:t>
+            </a:r>
+            <a:endParaRPr lang="ru-RU" smtClean="0"/>
+          </a:p>
+          <a:p>
+            <a:r>
+              <a:rPr lang="ru-RU" smtClean="0"/>
+              <a:t>Можно ли какой-нибудь из них выкинуть?</a:t>
+            </a:r>
+            <a:endParaRPr lang="en-US"/>
+          </a:p>
+        </p:txBody>
+      </p:sp>
+    </p:spTree>
+    <p:extLst>
+      <p:ext uri="{BB962C8B-B14F-4D97-AF65-F5344CB8AC3E}">
+        <p14:creationId xmlns:p14="http://schemas.microsoft.com/office/powerpoint/2010/main" val="1470120858"/>
+      </p:ext>
+    </p:extLst>
+  </p:cSld>
+  <p:clrMapOvr>
+    <a:masterClrMapping/>
+  </p:clrMapOvr>
+</p:sld>
+</file>
+
+<file path=ppt/slides/slide51.xml><?xml version="1.0" encoding="utf-8"?>
+<p:sld xmlns:a="http://schemas.openxmlformats.org/drawingml/2006/main" xmlns:r="http://schemas.openxmlformats.org/officeDocument/2006/relationships" xmlns:p="http://schemas.openxmlformats.org/presentationml/2006/main">
+  <p:cSld>
+    <p:spTree>
+      <p:nvGrpSpPr>
+        <p:cNvPr id="1" name=""/>
+        <p:cNvGrpSpPr/>
+        <p:nvPr/>
+      </p:nvGrpSpPr>
+      <p:grpSpPr>
+        <a:xfrm>
+          <a:off x="0" y="0"/>
+          <a:ext cx="0" cy="0"/>
+          <a:chOff x="0" y="0"/>
+          <a:chExt cx="0" cy="0"/>
+        </a:xfrm>
+      </p:grpSpPr>
+      <p:sp>
+        <p:nvSpPr>
+          <p:cNvPr id="3" name="Content Placeholder 2"/>
+          <p:cNvSpPr>
+            <a:spLocks noGrp="1"/>
+          </p:cNvSpPr>
+          <p:nvPr>
+            <p:ph idx="1"/>
+          </p:nvPr>
+        </p:nvSpPr>
+        <p:spPr>
+          <a:xfrm>
+            <a:off x="1143000" y="742122"/>
+            <a:ext cx="9872871" cy="5353878"/>
+          </a:xfrm>
+        </p:spPr>
+        <p:txBody>
+          <a:bodyPr>
+            <a:noAutofit/>
+          </a:bodyPr>
+          <a:lstStyle/>
+          <a:p>
+            <a:pPr>
+              <a:lnSpc>
+                <a:spcPct val="150000"/>
+              </a:lnSpc>
+              <a:buFont typeface="Wingdings" panose="05000000000000000000" pitchFamily="2" charset="2"/>
+              <a:buChar char="q"/>
+            </a:pPr>
+            <a:r>
+              <a:rPr lang="ru-RU" sz="4800" smtClean="0"/>
+              <a:t> Пачки параметров и свёртки</a:t>
+            </a:r>
+          </a:p>
+          <a:p>
+            <a:pPr>
+              <a:lnSpc>
+                <a:spcPct val="150000"/>
+              </a:lnSpc>
+              <a:buFont typeface="Wingdings" panose="05000000000000000000" pitchFamily="2" charset="2"/>
+              <a:buChar char="q"/>
+            </a:pPr>
+            <a:r>
+              <a:rPr lang="ru-RU" sz="4800" smtClean="0"/>
+              <a:t> Семантика размещения</a:t>
+            </a:r>
+          </a:p>
+          <a:p>
+            <a:pPr>
+              <a:lnSpc>
+                <a:spcPct val="150000"/>
+              </a:lnSpc>
+              <a:buFont typeface="Wingdings" panose="05000000000000000000" pitchFamily="2" charset="2"/>
+              <a:buChar char="q"/>
+            </a:pPr>
+            <a:r>
+              <a:rPr lang="ru-RU" sz="4800" smtClean="0"/>
+              <a:t> Кортежи</a:t>
+            </a:r>
+          </a:p>
+          <a:p>
+            <a:pPr>
+              <a:lnSpc>
+                <a:spcPct val="150000"/>
+              </a:lnSpc>
+              <a:buFont typeface="Wingdings" panose="05000000000000000000" pitchFamily="2" charset="2"/>
+              <a:buChar char="Ø"/>
+            </a:pPr>
+            <a:r>
+              <a:rPr lang="ru-RU" sz="4800"/>
+              <a:t> </a:t>
+            </a:r>
+            <a:r>
+              <a:rPr lang="ru-RU" sz="4800" smtClean="0"/>
+              <a:t>Рекурсивное раскрытие</a:t>
+            </a:r>
+            <a:endParaRPr lang="en-US" sz="4800" smtClean="0"/>
+          </a:p>
+        </p:txBody>
+      </p:sp>
+    </p:spTree>
+    <p:extLst>
+      <p:ext uri="{BB962C8B-B14F-4D97-AF65-F5344CB8AC3E}">
+        <p14:creationId xmlns:p14="http://schemas.microsoft.com/office/powerpoint/2010/main" val="1695165603"/>
+      </p:ext>
+    </p:extLst>
+  </p:cSld>
+  <p:clrMapOvr>
+    <a:masterClrMapping/>
+  </p:clrMapOvr>
+</p:sld>
+</file>
+
+<file path=ppt/slides/slide52.xml><?xml version="1.0" encoding="utf-8"?>
+<p:sld xmlns:a="http://schemas.openxmlformats.org/drawingml/2006/main" xmlns:r="http://schemas.openxmlformats.org/officeDocument/2006/relationships" xmlns:p="http://schemas.openxmlformats.org/presentationml/2006/main">
+  <p:cSld>
+    <p:spTree>
+      <p:nvGrpSpPr>
+        <p:cNvPr id="1" name=""/>
+        <p:cNvGrpSpPr/>
+        <p:nvPr/>
+      </p:nvGrpSpPr>
+      <p:grpSpPr>
+        <a:xfrm>
+          <a:off x="0" y="0"/>
+          <a:ext cx="0" cy="0"/>
+          <a:chOff x="0" y="0"/>
+          <a:chExt cx="0" cy="0"/>
+        </a:xfrm>
+      </p:grpSpPr>
+      <p:sp>
+        <p:nvSpPr>
+          <p:cNvPr id="2" name="Title 1"/>
+          <p:cNvSpPr>
+            <a:spLocks noGrp="1"/>
+          </p:cNvSpPr>
+          <p:nvPr>
+            <p:ph type="title"/>
+          </p:nvPr>
+        </p:nvSpPr>
+        <p:spPr/>
+        <p:txBody>
+          <a:bodyPr/>
+          <a:lstStyle/>
+          <a:p>
+            <a:r>
+              <a:rPr lang="ru-RU" smtClean="0"/>
+              <a:t>Идея "рекурсивного" раскрытия</a:t>
+            </a:r>
+            <a:endParaRPr lang="en-US"/>
+          </a:p>
+        </p:txBody>
+      </p:sp>
+      <p:sp>
+        <p:nvSpPr>
+          <p:cNvPr id="3" name="Content Placeholder 2"/>
+          <p:cNvSpPr>
+            <a:spLocks noGrp="1"/>
+          </p:cNvSpPr>
+          <p:nvPr>
+            <p:ph idx="1"/>
+          </p:nvPr>
+        </p:nvSpPr>
+        <p:spPr>
+          <a:xfrm>
+            <a:off x="1143000" y="2057400"/>
+            <a:ext cx="9872871" cy="4493302"/>
+          </a:xfrm>
+        </p:spPr>
+        <p:txBody>
+          <a:bodyPr/>
+          <a:lstStyle/>
+          <a:p>
+            <a:r>
+              <a:rPr lang="ru-RU" smtClean="0"/>
+              <a:t>Функция, которая может быть написана через простую свёртку</a:t>
+            </a:r>
+          </a:p>
+          <a:p>
+            <a:pPr marL="45720" indent="0">
+              <a:buNone/>
+            </a:pPr>
+            <a:r>
+              <a:rPr lang="en-US">
+                <a:latin typeface="Consolas" panose="020B0609020204030204" pitchFamily="49" charset="0"/>
+              </a:rPr>
+              <a:t>template &lt;typename </a:t>
+            </a:r>
+            <a:r>
+              <a:rPr lang="en-US">
+                <a:latin typeface="Consolas" panose="020B0609020204030204" pitchFamily="49" charset="0"/>
+              </a:rPr>
+              <a:t>... </a:t>
+            </a:r>
+            <a:r>
+              <a:rPr lang="en-US" smtClean="0">
+                <a:latin typeface="Consolas" panose="020B0609020204030204" pitchFamily="49" charset="0"/>
+              </a:rPr>
+              <a:t>T&gt;</a:t>
+            </a:r>
+            <a:r>
+              <a:rPr lang="ru-RU" smtClean="0">
+                <a:latin typeface="Consolas" panose="020B0609020204030204" pitchFamily="49" charset="0"/>
+              </a:rPr>
+              <a:t> </a:t>
+            </a:r>
+            <a:r>
+              <a:rPr lang="en-US" smtClean="0">
+                <a:latin typeface="Consolas" panose="020B0609020204030204" pitchFamily="49" charset="0"/>
+              </a:rPr>
+              <a:t>auto </a:t>
+            </a:r>
+            <a:r>
+              <a:rPr lang="en-US">
+                <a:latin typeface="Consolas" panose="020B0609020204030204" pitchFamily="49" charset="0"/>
+              </a:rPr>
+              <a:t>sum_all (T ... args) {</a:t>
+            </a:r>
+            <a:br>
+              <a:rPr lang="en-US">
+                <a:latin typeface="Consolas" panose="020B0609020204030204" pitchFamily="49" charset="0"/>
+              </a:rPr>
+            </a:br>
+            <a:r>
+              <a:rPr lang="en-US">
+                <a:latin typeface="Consolas" panose="020B0609020204030204" pitchFamily="49" charset="0"/>
+              </a:rPr>
+              <a:t>  </a:t>
+            </a:r>
+            <a:r>
+              <a:rPr lang="en-US" smtClean="0">
+                <a:latin typeface="Consolas" panose="020B0609020204030204" pitchFamily="49" charset="0"/>
+              </a:rPr>
+              <a:t>return </a:t>
+            </a:r>
+            <a:r>
+              <a:rPr lang="en-US">
+                <a:latin typeface="Consolas" panose="020B0609020204030204" pitchFamily="49" charset="0"/>
+              </a:rPr>
+              <a:t>(args + ...);</a:t>
+            </a:r>
+            <a:r>
+              <a:rPr lang="en-US">
+                <a:latin typeface="Consolas" panose="020B0609020204030204" pitchFamily="49" charset="0"/>
+              </a:rPr>
+              <a:t/>
+            </a:r>
+            <a:br>
+              <a:rPr lang="en-US">
+                <a:latin typeface="Consolas" panose="020B0609020204030204" pitchFamily="49" charset="0"/>
+              </a:rPr>
+            </a:br>
+            <a:r>
+              <a:rPr lang="en-US" smtClean="0">
+                <a:latin typeface="Consolas" panose="020B0609020204030204" pitchFamily="49" charset="0"/>
+              </a:rPr>
+              <a:t>}</a:t>
+            </a:r>
+            <a:endParaRPr lang="ru-RU" smtClean="0">
+              <a:latin typeface="Consolas" panose="020B0609020204030204" pitchFamily="49" charset="0"/>
+            </a:endParaRPr>
+          </a:p>
+          <a:p>
+            <a:r>
+              <a:rPr lang="ru-RU" smtClean="0"/>
+              <a:t>Может быть написана и в более громоздкой форме</a:t>
+            </a:r>
+            <a:endParaRPr lang="en-US" smtClean="0"/>
+          </a:p>
+          <a:p>
+            <a:pPr marL="0" indent="0">
+              <a:buNone/>
+            </a:pPr>
+            <a:r>
+              <a:rPr lang="en-US" smtClean="0">
+                <a:latin typeface="Consolas" panose="020B0609020204030204" pitchFamily="49" charset="0"/>
+              </a:rPr>
+              <a:t>auto add() </a:t>
+            </a:r>
+            <a:r>
+              <a:rPr lang="en-US">
+                <a:latin typeface="Consolas" panose="020B0609020204030204" pitchFamily="49" charset="0"/>
+              </a:rPr>
+              <a:t>{</a:t>
+            </a:r>
+            <a:r>
+              <a:rPr lang="ru-RU">
+                <a:latin typeface="Consolas" panose="020B0609020204030204" pitchFamily="49" charset="0"/>
+              </a:rPr>
+              <a:t> </a:t>
+            </a:r>
+            <a:r>
+              <a:rPr lang="en-US">
+                <a:latin typeface="Consolas" panose="020B0609020204030204" pitchFamily="49" charset="0"/>
+              </a:rPr>
+              <a:t>return </a:t>
+            </a:r>
+            <a:r>
+              <a:rPr lang="en-US" smtClean="0">
+                <a:latin typeface="Consolas" panose="020B0609020204030204" pitchFamily="49" charset="0"/>
+              </a:rPr>
+              <a:t>0; </a:t>
+            </a:r>
+            <a:r>
+              <a:rPr lang="en-US">
+                <a:latin typeface="Consolas" panose="020B0609020204030204" pitchFamily="49" charset="0"/>
+              </a:rPr>
+              <a:t>}</a:t>
+            </a:r>
+            <a:endParaRPr lang="ru-RU">
+              <a:latin typeface="Consolas" panose="020B0609020204030204" pitchFamily="49" charset="0"/>
+            </a:endParaRPr>
+          </a:p>
+          <a:p>
+            <a:pPr marL="0" indent="0">
+              <a:buNone/>
+            </a:pPr>
+            <a:r>
+              <a:rPr lang="en-US">
+                <a:latin typeface="Consolas" panose="020B0609020204030204" pitchFamily="49" charset="0"/>
+              </a:rPr>
+              <a:t>template</a:t>
+            </a:r>
+            <a:r>
+              <a:rPr lang="ru-RU">
+                <a:latin typeface="Consolas" panose="020B0609020204030204" pitchFamily="49" charset="0"/>
+              </a:rPr>
+              <a:t> </a:t>
+            </a:r>
+            <a:r>
+              <a:rPr lang="en-US">
+                <a:latin typeface="Consolas" panose="020B0609020204030204" pitchFamily="49" charset="0"/>
+              </a:rPr>
+              <a:t>&lt;typename T, typename... Args&gt;</a:t>
+            </a:r>
+            <a:r>
+              <a:rPr lang="ru-RU">
+                <a:latin typeface="Consolas" panose="020B0609020204030204" pitchFamily="49" charset="0"/>
+              </a:rPr>
+              <a:t> </a:t>
+            </a:r>
+            <a:r>
+              <a:rPr lang="ru-RU">
+                <a:latin typeface="Consolas" panose="020B0609020204030204" pitchFamily="49" charset="0"/>
+              </a:rPr>
+              <a:t/>
+            </a:r>
+            <a:br>
+              <a:rPr lang="ru-RU">
+                <a:latin typeface="Consolas" panose="020B0609020204030204" pitchFamily="49" charset="0"/>
+              </a:rPr>
+            </a:br>
+            <a:r>
+              <a:rPr lang="en-US" smtClean="0">
+                <a:latin typeface="Consolas" panose="020B0609020204030204" pitchFamily="49" charset="0"/>
+              </a:rPr>
+              <a:t>auto </a:t>
+            </a:r>
+            <a:r>
+              <a:rPr lang="en-US">
+                <a:latin typeface="Consolas" panose="020B0609020204030204" pitchFamily="49" charset="0"/>
+              </a:rPr>
+              <a:t>add</a:t>
+            </a:r>
+            <a:r>
+              <a:rPr lang="ru-RU">
+                <a:latin typeface="Consolas" panose="020B0609020204030204" pitchFamily="49" charset="0"/>
+              </a:rPr>
+              <a:t> </a:t>
+            </a:r>
+            <a:r>
+              <a:rPr lang="en-US">
+                <a:latin typeface="Consolas" panose="020B0609020204030204" pitchFamily="49" charset="0"/>
+              </a:rPr>
+              <a:t>(T first, Args... args) {</a:t>
+            </a:r>
+            <a:r>
+              <a:rPr lang="ru-RU">
+                <a:latin typeface="Consolas" panose="020B0609020204030204" pitchFamily="49" charset="0"/>
+              </a:rPr>
+              <a:t/>
+            </a:r>
+            <a:br>
+              <a:rPr lang="ru-RU">
+                <a:latin typeface="Consolas" panose="020B0609020204030204" pitchFamily="49" charset="0"/>
+              </a:rPr>
+            </a:br>
+            <a:r>
+              <a:rPr lang="ru-RU">
+                <a:latin typeface="Consolas" panose="020B0609020204030204" pitchFamily="49" charset="0"/>
+              </a:rPr>
+              <a:t>  </a:t>
+            </a:r>
+            <a:r>
+              <a:rPr lang="en-US">
+                <a:latin typeface="Consolas" panose="020B0609020204030204" pitchFamily="49" charset="0"/>
+              </a:rPr>
+              <a:t>return first + add</a:t>
+            </a:r>
+            <a:r>
+              <a:rPr lang="ru-RU">
+                <a:latin typeface="Consolas" panose="020B0609020204030204" pitchFamily="49" charset="0"/>
+              </a:rPr>
+              <a:t> </a:t>
+            </a:r>
+            <a:r>
+              <a:rPr lang="en-US">
+                <a:latin typeface="Consolas" panose="020B0609020204030204" pitchFamily="49" charset="0"/>
+              </a:rPr>
+              <a:t>(args...);</a:t>
+            </a:r>
+            <a:r>
+              <a:rPr lang="ru-RU">
+                <a:latin typeface="Consolas" panose="020B0609020204030204" pitchFamily="49" charset="0"/>
+              </a:rPr>
+              <a:t/>
+            </a:r>
+            <a:br>
+              <a:rPr lang="ru-RU">
+                <a:latin typeface="Consolas" panose="020B0609020204030204" pitchFamily="49" charset="0"/>
+              </a:rPr>
+            </a:br>
+            <a:r>
+              <a:rPr lang="en-US" smtClean="0">
+                <a:latin typeface="Consolas" panose="020B0609020204030204" pitchFamily="49" charset="0"/>
+              </a:rPr>
+              <a:t>}</a:t>
+            </a:r>
+            <a:endParaRPr lang="ru-RU" smtClean="0"/>
+          </a:p>
+          <a:p>
+            <a:r>
+              <a:rPr lang="ru-RU" smtClean="0"/>
+              <a:t>Здесь порождается цепочка экземпляров функции </a:t>
+            </a:r>
+            <a:r>
+              <a:rPr lang="en-US" smtClean="0"/>
+              <a:t>add</a:t>
+            </a:r>
+            <a:endParaRPr lang="en-US"/>
+          </a:p>
+        </p:txBody>
+      </p:sp>
+    </p:spTree>
+    <p:extLst>
+      <p:ext uri="{BB962C8B-B14F-4D97-AF65-F5344CB8AC3E}">
+        <p14:creationId xmlns:p14="http://schemas.microsoft.com/office/powerpoint/2010/main" val="1142434351"/>
+      </p:ext>
+    </p:extLst>
+  </p:cSld>
+  <p:clrMapOvr>
+    <a:masterClrMapping/>
+  </p:clrMapOvr>
+</p:sld>
+</file>
+
+<file path=ppt/slides/slide53.xml><?xml version="1.0" encoding="utf-8"?>
+<p:sld xmlns:a="http://schemas.openxmlformats.org/drawingml/2006/main" xmlns:r="http://schemas.openxmlformats.org/officeDocument/2006/relationships" xmlns:p="http://schemas.openxmlformats.org/presentationml/2006/main">
+  <p:cSld>
+    <p:spTree>
+      <p:nvGrpSpPr>
+        <p:cNvPr id="1" name=""/>
+        <p:cNvGrpSpPr/>
+        <p:nvPr/>
+      </p:nvGrpSpPr>
+      <p:grpSpPr>
+        <a:xfrm>
+          <a:off x="0" y="0"/>
+          <a:ext cx="0" cy="0"/>
+          <a:chOff x="0" y="0"/>
+          <a:chExt cx="0" cy="0"/>
+        </a:xfrm>
+      </p:grpSpPr>
+      <p:sp>
+        <p:nvSpPr>
+          <p:cNvPr id="2" name="Title 1"/>
+          <p:cNvSpPr>
+            <a:spLocks noGrp="1"/>
+          </p:cNvSpPr>
+          <p:nvPr>
+            <p:ph type="title"/>
+          </p:nvPr>
+        </p:nvSpPr>
+        <p:spPr/>
+        <p:txBody>
+          <a:bodyPr/>
+          <a:lstStyle/>
+          <a:p>
+            <a:r>
+              <a:rPr lang="ru-RU" smtClean="0"/>
+              <a:t>Идея "рекурсивного" раскрытия</a:t>
+            </a:r>
+            <a:endParaRPr lang="en-US"/>
+          </a:p>
+        </p:txBody>
+      </p:sp>
+      <p:sp>
+        <p:nvSpPr>
+          <p:cNvPr id="3" name="Content Placeholder 2"/>
+          <p:cNvSpPr>
+            <a:spLocks noGrp="1"/>
+          </p:cNvSpPr>
+          <p:nvPr>
+            <p:ph idx="1"/>
+          </p:nvPr>
+        </p:nvSpPr>
+        <p:spPr>
+          <a:xfrm>
+            <a:off x="1143000" y="2057400"/>
+            <a:ext cx="10339466" cy="4358390"/>
+          </a:xfrm>
+        </p:spPr>
+        <p:txBody>
+          <a:bodyPr/>
+          <a:lstStyle/>
+          <a:p>
+            <a:r>
+              <a:rPr lang="ru-RU" smtClean="0"/>
+              <a:t>Явная форма рекурсивного раскрытия</a:t>
+            </a:r>
+            <a:endParaRPr lang="en-US" smtClean="0"/>
+          </a:p>
+          <a:p>
+            <a:pPr marL="0" indent="0">
+              <a:buNone/>
+            </a:pPr>
+            <a:r>
+              <a:rPr lang="en-US" smtClean="0">
+                <a:latin typeface="Consolas" panose="020B0609020204030204" pitchFamily="49" charset="0"/>
+              </a:rPr>
+              <a:t>auto add() </a:t>
+            </a:r>
+            <a:r>
+              <a:rPr lang="en-US">
+                <a:latin typeface="Consolas" panose="020B0609020204030204" pitchFamily="49" charset="0"/>
+              </a:rPr>
+              <a:t>{</a:t>
+            </a:r>
+            <a:r>
+              <a:rPr lang="ru-RU">
+                <a:latin typeface="Consolas" panose="020B0609020204030204" pitchFamily="49" charset="0"/>
+              </a:rPr>
+              <a:t> </a:t>
+            </a:r>
+            <a:r>
+              <a:rPr lang="en-US">
+                <a:latin typeface="Consolas" panose="020B0609020204030204" pitchFamily="49" charset="0"/>
+              </a:rPr>
+              <a:t>return </a:t>
+            </a:r>
+            <a:r>
+              <a:rPr lang="en-US" smtClean="0">
+                <a:latin typeface="Consolas" panose="020B0609020204030204" pitchFamily="49" charset="0"/>
+              </a:rPr>
+              <a:t>0; </a:t>
+            </a:r>
+            <a:r>
+              <a:rPr lang="en-US">
+                <a:latin typeface="Consolas" panose="020B0609020204030204" pitchFamily="49" charset="0"/>
+              </a:rPr>
+              <a:t>}</a:t>
+            </a:r>
+            <a:endParaRPr lang="ru-RU">
+              <a:latin typeface="Consolas" panose="020B0609020204030204" pitchFamily="49" charset="0"/>
+            </a:endParaRPr>
+          </a:p>
+          <a:p>
+            <a:pPr marL="0" indent="0">
+              <a:buNone/>
+            </a:pPr>
+            <a:r>
+              <a:rPr lang="en-US">
+                <a:latin typeface="Consolas" panose="020B0609020204030204" pitchFamily="49" charset="0"/>
+              </a:rPr>
+              <a:t>template</a:t>
+            </a:r>
+            <a:r>
+              <a:rPr lang="ru-RU">
+                <a:latin typeface="Consolas" panose="020B0609020204030204" pitchFamily="49" charset="0"/>
+              </a:rPr>
+              <a:t> </a:t>
+            </a:r>
+            <a:r>
+              <a:rPr lang="en-US">
+                <a:latin typeface="Consolas" panose="020B0609020204030204" pitchFamily="49" charset="0"/>
+              </a:rPr>
+              <a:t>&lt;typename T, typename... Args&gt;</a:t>
+            </a:r>
+            <a:r>
+              <a:rPr lang="ru-RU">
+                <a:latin typeface="Consolas" panose="020B0609020204030204" pitchFamily="49" charset="0"/>
+              </a:rPr>
+              <a:t> </a:t>
+            </a:r>
+            <a:r>
+              <a:rPr lang="ru-RU">
+                <a:latin typeface="Consolas" panose="020B0609020204030204" pitchFamily="49" charset="0"/>
+              </a:rPr>
+              <a:t/>
+            </a:r>
+            <a:br>
+              <a:rPr lang="ru-RU">
+                <a:latin typeface="Consolas" panose="020B0609020204030204" pitchFamily="49" charset="0"/>
+              </a:rPr>
+            </a:br>
+            <a:r>
+              <a:rPr lang="en-US" smtClean="0">
+                <a:latin typeface="Consolas" panose="020B0609020204030204" pitchFamily="49" charset="0"/>
+              </a:rPr>
+              <a:t>auto </a:t>
+            </a:r>
+            <a:r>
+              <a:rPr lang="en-US">
+                <a:latin typeface="Consolas" panose="020B0609020204030204" pitchFamily="49" charset="0"/>
+              </a:rPr>
+              <a:t>add</a:t>
+            </a:r>
+            <a:r>
+              <a:rPr lang="ru-RU">
+                <a:latin typeface="Consolas" panose="020B0609020204030204" pitchFamily="49" charset="0"/>
+              </a:rPr>
+              <a:t> </a:t>
+            </a:r>
+            <a:r>
+              <a:rPr lang="en-US">
+                <a:latin typeface="Consolas" panose="020B0609020204030204" pitchFamily="49" charset="0"/>
+              </a:rPr>
+              <a:t>(T first, Args... args) {</a:t>
+            </a:r>
+            <a:r>
+              <a:rPr lang="ru-RU">
+                <a:latin typeface="Consolas" panose="020B0609020204030204" pitchFamily="49" charset="0"/>
+              </a:rPr>
+              <a:t/>
+            </a:r>
+            <a:br>
+              <a:rPr lang="ru-RU">
+                <a:latin typeface="Consolas" panose="020B0609020204030204" pitchFamily="49" charset="0"/>
+              </a:rPr>
+            </a:br>
+            <a:r>
+              <a:rPr lang="ru-RU">
+                <a:latin typeface="Consolas" panose="020B0609020204030204" pitchFamily="49" charset="0"/>
+              </a:rPr>
+              <a:t>  </a:t>
+            </a:r>
+            <a:r>
+              <a:rPr lang="en-US">
+                <a:latin typeface="Consolas" panose="020B0609020204030204" pitchFamily="49" charset="0"/>
+              </a:rPr>
+              <a:t>return first + add</a:t>
+            </a:r>
+            <a:r>
+              <a:rPr lang="ru-RU">
+                <a:latin typeface="Consolas" panose="020B0609020204030204" pitchFamily="49" charset="0"/>
+              </a:rPr>
+              <a:t> </a:t>
+            </a:r>
+            <a:r>
+              <a:rPr lang="en-US">
+                <a:latin typeface="Consolas" panose="020B0609020204030204" pitchFamily="49" charset="0"/>
+              </a:rPr>
+              <a:t>(args...);</a:t>
+            </a:r>
+            <a:r>
+              <a:rPr lang="ru-RU">
+                <a:latin typeface="Consolas" panose="020B0609020204030204" pitchFamily="49" charset="0"/>
+              </a:rPr>
+              <a:t/>
+            </a:r>
+            <a:br>
+              <a:rPr lang="ru-RU">
+                <a:latin typeface="Consolas" panose="020B0609020204030204" pitchFamily="49" charset="0"/>
+              </a:rPr>
+            </a:br>
+            <a:r>
+              <a:rPr lang="en-US" smtClean="0">
+                <a:latin typeface="Consolas" panose="020B0609020204030204" pitchFamily="49" charset="0"/>
+              </a:rPr>
+              <a:t>}</a:t>
+            </a:r>
+            <a:endParaRPr lang="ru-RU" smtClean="0"/>
+          </a:p>
+          <a:p>
+            <a:r>
+              <a:rPr lang="ru-RU" smtClean="0"/>
+              <a:t>Здесь порождается цепочка экземпляров функции </a:t>
+            </a:r>
+            <a:r>
+              <a:rPr lang="en-US" smtClean="0"/>
+              <a:t>add</a:t>
+            </a:r>
+            <a:endParaRPr lang="ru-RU" smtClean="0"/>
+          </a:p>
+          <a:p>
+            <a:pPr marL="45720" indent="0">
+              <a:buNone/>
+            </a:pPr>
+            <a:r>
+              <a:rPr lang="en-US">
+                <a:latin typeface="Consolas" panose="020B0609020204030204" pitchFamily="49" charset="0"/>
+              </a:rPr>
+              <a:t>int t = add (1, 1.0, 1u</a:t>
+            </a:r>
+            <a:r>
+              <a:rPr lang="en-US">
+                <a:latin typeface="Consolas" panose="020B0609020204030204" pitchFamily="49" charset="0"/>
+              </a:rPr>
+              <a:t>); </a:t>
+            </a:r>
+            <a:r>
+              <a:rPr lang="en-US" smtClean="0">
+                <a:latin typeface="Consolas" panose="020B0609020204030204" pitchFamily="49" charset="0"/>
+              </a:rPr>
+              <a:t>// </a:t>
+            </a:r>
+            <a:r>
+              <a:rPr lang="en-US" smtClean="0">
+                <a:latin typeface="Consolas" panose="020B0609020204030204" pitchFamily="49" charset="0"/>
+                <a:sym typeface="Symbol" panose="05050102010706020507" pitchFamily="18" charset="2"/>
+              </a:rPr>
+              <a:t></a:t>
+            </a:r>
+            <a:r>
+              <a:rPr lang="en-US" smtClean="0">
+                <a:latin typeface="Consolas" panose="020B0609020204030204" pitchFamily="49" charset="0"/>
+              </a:rPr>
+              <a:t> </a:t>
+            </a:r>
+            <a:r>
+              <a:rPr lang="en-US">
+                <a:latin typeface="Consolas" panose="020B0609020204030204" pitchFamily="49" charset="0"/>
+              </a:rPr>
+              <a:t>add &lt;double, unsigned&gt;</a:t>
+            </a:r>
+            <a:r>
+              <a:rPr lang="ru-RU">
+                <a:latin typeface="Consolas" panose="020B0609020204030204" pitchFamily="49" charset="0"/>
+              </a:rPr>
+              <a:t> (1.0</a:t>
+            </a:r>
+            <a:r>
+              <a:rPr lang="en-US">
+                <a:latin typeface="Consolas" panose="020B0609020204030204" pitchFamily="49" charset="0"/>
+              </a:rPr>
+              <a:t>, 1u)</a:t>
+            </a:r>
+            <a:br>
+              <a:rPr lang="en-US">
+                <a:latin typeface="Consolas" panose="020B0609020204030204" pitchFamily="49" charset="0"/>
+              </a:rPr>
+            </a:br>
+            <a:r>
+              <a:rPr lang="en-US">
+                <a:latin typeface="Consolas" panose="020B0609020204030204" pitchFamily="49" charset="0"/>
+              </a:rPr>
+              <a:t>                          </a:t>
+            </a:r>
+            <a:r>
+              <a:rPr lang="en-US" smtClean="0">
+                <a:latin typeface="Consolas" panose="020B0609020204030204" pitchFamily="49" charset="0"/>
+              </a:rPr>
+              <a:t>// </a:t>
+            </a:r>
+            <a:r>
+              <a:rPr lang="en-US" smtClean="0">
+                <a:latin typeface="Consolas" panose="020B0609020204030204" pitchFamily="49" charset="0"/>
+                <a:sym typeface="Symbol" panose="05050102010706020507" pitchFamily="18" charset="2"/>
+              </a:rPr>
+              <a:t> </a:t>
+            </a:r>
+            <a:r>
+              <a:rPr lang="en-US">
+                <a:latin typeface="Consolas" panose="020B0609020204030204" pitchFamily="49" charset="0"/>
+              </a:rPr>
+              <a:t>add &lt;</a:t>
+            </a:r>
+            <a:r>
+              <a:rPr lang="en-US">
+                <a:latin typeface="Consolas" panose="020B0609020204030204" pitchFamily="49" charset="0"/>
+              </a:rPr>
+              <a:t>unsigned</a:t>
+            </a:r>
+            <a:r>
+              <a:rPr lang="en-US" smtClean="0">
+                <a:latin typeface="Consolas" panose="020B0609020204030204" pitchFamily="49" charset="0"/>
+              </a:rPr>
+              <a:t>&gt; (1u)</a:t>
+            </a:r>
+            <a:r>
+              <a:rPr lang="en-US">
+                <a:latin typeface="Consolas" panose="020B0609020204030204" pitchFamily="49" charset="0"/>
+              </a:rPr>
+              <a:t/>
+            </a:r>
+            <a:br>
+              <a:rPr lang="en-US">
+                <a:latin typeface="Consolas" panose="020B0609020204030204" pitchFamily="49" charset="0"/>
+              </a:rPr>
+            </a:br>
+            <a:r>
+              <a:rPr lang="en-US">
+                <a:latin typeface="Consolas" panose="020B0609020204030204" pitchFamily="49" charset="0"/>
+              </a:rPr>
+              <a:t>                          </a:t>
+            </a:r>
+            <a:r>
+              <a:rPr lang="en-US" smtClean="0">
+                <a:latin typeface="Consolas" panose="020B0609020204030204" pitchFamily="49" charset="0"/>
+              </a:rPr>
+              <a:t>// </a:t>
+            </a:r>
+            <a:r>
+              <a:rPr lang="en-US">
+                <a:latin typeface="Consolas" panose="020B0609020204030204" pitchFamily="49" charset="0"/>
+                <a:sym typeface="Symbol" panose="05050102010706020507" pitchFamily="18" charset="2"/>
+              </a:rPr>
+              <a:t> </a:t>
+            </a:r>
+            <a:r>
+              <a:rPr lang="en-US" smtClean="0">
+                <a:latin typeface="Consolas" panose="020B0609020204030204" pitchFamily="49" charset="0"/>
+              </a:rPr>
+              <a:t>add()</a:t>
+            </a:r>
+            <a:endParaRPr lang="en-US">
+              <a:latin typeface="Consolas" panose="020B0609020204030204" pitchFamily="49" charset="0"/>
+            </a:endParaRPr>
+          </a:p>
+          <a:p>
+            <a:r>
+              <a:rPr lang="ru-RU" smtClean="0"/>
+              <a:t>Несмотря на некоторую громоздкость, это очень полезная техника</a:t>
+            </a:r>
+            <a:endParaRPr lang="en-US"/>
+          </a:p>
+        </p:txBody>
+      </p:sp>
+    </p:spTree>
+    <p:extLst>
+      <p:ext uri="{BB962C8B-B14F-4D97-AF65-F5344CB8AC3E}">
+        <p14:creationId xmlns:p14="http://schemas.microsoft.com/office/powerpoint/2010/main" val="293570104"/>
+      </p:ext>
+    </p:extLst>
+  </p:cSld>
+  <p:clrMapOvr>
+    <a:masterClrMapping/>
+  </p:clrMapOvr>
+</p:sld>
+</file>
+
+<file path=ppt/slides/slide54.xml><?xml version="1.0" encoding="utf-8"?>
+<p:sld xmlns:a="http://schemas.openxmlformats.org/drawingml/2006/main" xmlns:r="http://schemas.openxmlformats.org/officeDocument/2006/relationships" xmlns:p="http://schemas.openxmlformats.org/presentationml/2006/main">
+  <p:cSld>
+    <p:spTree>
+      <p:nvGrpSpPr>
+        <p:cNvPr id="1" name=""/>
+        <p:cNvGrpSpPr/>
+        <p:nvPr/>
+      </p:nvGrpSpPr>
+      <p:grpSpPr>
+        <a:xfrm>
+          <a:off x="0" y="0"/>
+          <a:ext cx="0" cy="0"/>
+          <a:chOff x="0" y="0"/>
+          <a:chExt cx="0" cy="0"/>
+        </a:xfrm>
+      </p:grpSpPr>
+      <p:sp>
+        <p:nvSpPr>
+          <p:cNvPr id="2" name="Title 1"/>
+          <p:cNvSpPr>
+            <a:spLocks noGrp="1"/>
+          </p:cNvSpPr>
+          <p:nvPr>
+            <p:ph type="title"/>
+          </p:nvPr>
+        </p:nvSpPr>
+        <p:spPr>
+          <a:xfrm>
+            <a:off x="1142999" y="609600"/>
+            <a:ext cx="10114613" cy="1356360"/>
+          </a:xfrm>
+        </p:spPr>
+        <p:txBody>
+          <a:bodyPr/>
+          <a:lstStyle/>
+          <a:p>
+            <a:r>
+              <a:rPr lang="ru-RU" smtClean="0"/>
+              <a:t>Закрывать рекурсию можно и шаблоном</a:t>
+            </a:r>
+            <a:endParaRPr lang="en-US"/>
+          </a:p>
+        </p:txBody>
+      </p:sp>
+      <p:sp>
+        <p:nvSpPr>
+          <p:cNvPr id="3" name="Content Placeholder 2"/>
+          <p:cNvSpPr>
+            <a:spLocks noGrp="1"/>
+          </p:cNvSpPr>
+          <p:nvPr>
+            <p:ph idx="1"/>
+          </p:nvPr>
+        </p:nvSpPr>
+        <p:spPr>
+          <a:xfrm>
+            <a:off x="1143000" y="2057400"/>
+            <a:ext cx="10339466" cy="4358390"/>
+          </a:xfrm>
+        </p:spPr>
+        <p:txBody>
+          <a:bodyPr/>
+          <a:lstStyle/>
+          <a:p>
+            <a:r>
+              <a:rPr lang="ru-RU" smtClean="0"/>
+              <a:t>Явная форма рекурсивного раскрытия</a:t>
+            </a:r>
+            <a:endParaRPr lang="en-US" smtClean="0"/>
+          </a:p>
+          <a:p>
+            <a:pPr marL="0" indent="0">
+              <a:buNone/>
+            </a:pPr>
+            <a:r>
+              <a:rPr lang="en-US">
+                <a:latin typeface="Consolas" panose="020B0609020204030204" pitchFamily="49" charset="0"/>
+              </a:rPr>
+              <a:t>template</a:t>
+            </a:r>
+            <a:r>
+              <a:rPr lang="ru-RU">
+                <a:latin typeface="Consolas" panose="020B0609020204030204" pitchFamily="49" charset="0"/>
+              </a:rPr>
+              <a:t> </a:t>
+            </a:r>
+            <a:r>
+              <a:rPr lang="en-US">
+                <a:latin typeface="Consolas" panose="020B0609020204030204" pitchFamily="49" charset="0"/>
+              </a:rPr>
+              <a:t>&lt;typename T, typename U&gt;</a:t>
+            </a:r>
+            <a:r>
+              <a:rPr lang="ru-RU">
+                <a:latin typeface="Consolas" panose="020B0609020204030204" pitchFamily="49" charset="0"/>
+              </a:rPr>
+              <a:t> </a:t>
+            </a:r>
+            <a:r>
+              <a:rPr lang="en-US">
+                <a:latin typeface="Consolas" panose="020B0609020204030204" pitchFamily="49" charset="0"/>
+              </a:rPr>
+              <a:t/>
+            </a:r>
+            <a:br>
+              <a:rPr lang="en-US">
+                <a:latin typeface="Consolas" panose="020B0609020204030204" pitchFamily="49" charset="0"/>
+              </a:rPr>
+            </a:br>
+            <a:r>
+              <a:rPr lang="en-US" smtClean="0">
+                <a:latin typeface="Consolas" panose="020B0609020204030204" pitchFamily="49" charset="0"/>
+              </a:rPr>
+              <a:t>auto </a:t>
+            </a:r>
+            <a:r>
+              <a:rPr lang="en-US">
+                <a:latin typeface="Consolas" panose="020B0609020204030204" pitchFamily="49" charset="0"/>
+              </a:rPr>
+              <a:t>add(T v, U u) {</a:t>
+            </a:r>
+            <a:r>
+              <a:rPr lang="ru-RU">
+                <a:latin typeface="Consolas" panose="020B0609020204030204" pitchFamily="49" charset="0"/>
+              </a:rPr>
+              <a:t> </a:t>
+            </a:r>
+            <a:r>
+              <a:rPr lang="en-US">
+                <a:latin typeface="Consolas" panose="020B0609020204030204" pitchFamily="49" charset="0"/>
+              </a:rPr>
+              <a:t>return v + u</a:t>
+            </a:r>
+            <a:r>
+              <a:rPr lang="en-US">
+                <a:latin typeface="Consolas" panose="020B0609020204030204" pitchFamily="49" charset="0"/>
+              </a:rPr>
+              <a:t>; </a:t>
+            </a:r>
+            <a:r>
+              <a:rPr lang="en-US" smtClean="0">
+                <a:latin typeface="Consolas" panose="020B0609020204030204" pitchFamily="49" charset="0"/>
+              </a:rPr>
+              <a:t>}</a:t>
+            </a:r>
+            <a:endParaRPr lang="ru-RU" smtClean="0">
+              <a:latin typeface="Consolas" panose="020B0609020204030204" pitchFamily="49" charset="0"/>
+            </a:endParaRPr>
+          </a:p>
+          <a:p>
+            <a:pPr marL="0" indent="0">
+              <a:buNone/>
+            </a:pPr>
+            <a:r>
+              <a:rPr lang="en-US" smtClean="0">
+                <a:latin typeface="Consolas" panose="020B0609020204030204" pitchFamily="49" charset="0"/>
+              </a:rPr>
+              <a:t>template</a:t>
+            </a:r>
+            <a:r>
+              <a:rPr lang="ru-RU" smtClean="0">
+                <a:latin typeface="Consolas" panose="020B0609020204030204" pitchFamily="49" charset="0"/>
+              </a:rPr>
+              <a:t> </a:t>
+            </a:r>
+            <a:r>
+              <a:rPr lang="en-US">
+                <a:latin typeface="Consolas" panose="020B0609020204030204" pitchFamily="49" charset="0"/>
+              </a:rPr>
+              <a:t>&lt;typename T, typename... Args&gt;</a:t>
+            </a:r>
+            <a:r>
+              <a:rPr lang="ru-RU">
+                <a:latin typeface="Consolas" panose="020B0609020204030204" pitchFamily="49" charset="0"/>
+              </a:rPr>
+              <a:t> </a:t>
+            </a:r>
+            <a:r>
+              <a:rPr lang="ru-RU">
+                <a:latin typeface="Consolas" panose="020B0609020204030204" pitchFamily="49" charset="0"/>
+              </a:rPr>
+              <a:t/>
+            </a:r>
+            <a:br>
+              <a:rPr lang="ru-RU">
+                <a:latin typeface="Consolas" panose="020B0609020204030204" pitchFamily="49" charset="0"/>
+              </a:rPr>
+            </a:br>
+            <a:r>
+              <a:rPr lang="en-US" smtClean="0">
+                <a:latin typeface="Consolas" panose="020B0609020204030204" pitchFamily="49" charset="0"/>
+              </a:rPr>
+              <a:t>auto </a:t>
+            </a:r>
+            <a:r>
+              <a:rPr lang="en-US">
+                <a:latin typeface="Consolas" panose="020B0609020204030204" pitchFamily="49" charset="0"/>
+              </a:rPr>
+              <a:t>add</a:t>
+            </a:r>
+            <a:r>
+              <a:rPr lang="ru-RU">
+                <a:latin typeface="Consolas" panose="020B0609020204030204" pitchFamily="49" charset="0"/>
+              </a:rPr>
+              <a:t> </a:t>
+            </a:r>
+            <a:r>
+              <a:rPr lang="en-US">
+                <a:latin typeface="Consolas" panose="020B0609020204030204" pitchFamily="49" charset="0"/>
+              </a:rPr>
+              <a:t>(T first, Args... args) {</a:t>
+            </a:r>
+            <a:r>
+              <a:rPr lang="ru-RU">
+                <a:latin typeface="Consolas" panose="020B0609020204030204" pitchFamily="49" charset="0"/>
+              </a:rPr>
+              <a:t/>
+            </a:r>
+            <a:br>
+              <a:rPr lang="ru-RU">
+                <a:latin typeface="Consolas" panose="020B0609020204030204" pitchFamily="49" charset="0"/>
+              </a:rPr>
+            </a:br>
+            <a:r>
+              <a:rPr lang="ru-RU">
+                <a:latin typeface="Consolas" panose="020B0609020204030204" pitchFamily="49" charset="0"/>
+              </a:rPr>
+              <a:t>  </a:t>
+            </a:r>
+            <a:r>
+              <a:rPr lang="en-US">
+                <a:latin typeface="Consolas" panose="020B0609020204030204" pitchFamily="49" charset="0"/>
+              </a:rPr>
+              <a:t>return first + add</a:t>
+            </a:r>
+            <a:r>
+              <a:rPr lang="ru-RU">
+                <a:latin typeface="Consolas" panose="020B0609020204030204" pitchFamily="49" charset="0"/>
+              </a:rPr>
+              <a:t> </a:t>
+            </a:r>
+            <a:r>
+              <a:rPr lang="en-US">
+                <a:latin typeface="Consolas" panose="020B0609020204030204" pitchFamily="49" charset="0"/>
+              </a:rPr>
+              <a:t>(args...);</a:t>
+            </a:r>
+            <a:r>
+              <a:rPr lang="ru-RU">
+                <a:latin typeface="Consolas" panose="020B0609020204030204" pitchFamily="49" charset="0"/>
+              </a:rPr>
+              <a:t/>
+            </a:r>
+            <a:br>
+              <a:rPr lang="ru-RU">
+                <a:latin typeface="Consolas" panose="020B0609020204030204" pitchFamily="49" charset="0"/>
+              </a:rPr>
+            </a:br>
+            <a:r>
+              <a:rPr lang="en-US" smtClean="0">
+                <a:latin typeface="Consolas" panose="020B0609020204030204" pitchFamily="49" charset="0"/>
+              </a:rPr>
+              <a:t>}</a:t>
+            </a:r>
+            <a:endParaRPr lang="ru-RU" smtClean="0"/>
+          </a:p>
+          <a:p>
+            <a:r>
+              <a:rPr lang="ru-RU" smtClean="0"/>
+              <a:t>Формально тут некая неопределённость в выборе шаблона против шаблона с пачкой из одного аргумента. Но реально на всех компиляторах это работает: все просто берут более специальную версию.</a:t>
+            </a:r>
+            <a:endParaRPr lang="en-US"/>
+          </a:p>
+        </p:txBody>
+      </p:sp>
+    </p:spTree>
+    <p:extLst>
+      <p:ext uri="{BB962C8B-B14F-4D97-AF65-F5344CB8AC3E}">
+        <p14:creationId xmlns:p14="http://schemas.microsoft.com/office/powerpoint/2010/main" val="3825958102"/>
+      </p:ext>
+    </p:extLst>
+  </p:cSld>
+  <p:clrMapOvr>
+    <a:masterClrMapping/>
+  </p:clrMapOvr>
+</p:sld>
+</file>
+
+<file path=ppt/slides/slide55.xml><?xml version="1.0" encoding="utf-8"?>
+<p:sld xmlns:a="http://schemas.openxmlformats.org/drawingml/2006/main" xmlns:r="http://schemas.openxmlformats.org/officeDocument/2006/relationships" xmlns:p="http://schemas.openxmlformats.org/presentationml/2006/main">
+  <p:cSld>
+    <p:spTree>
+      <p:nvGrpSpPr>
+        <p:cNvPr id="1" name=""/>
+        <p:cNvGrpSpPr/>
+        <p:nvPr/>
+      </p:nvGrpSpPr>
+      <p:grpSpPr>
+        <a:xfrm>
+          <a:off x="0" y="0"/>
+          <a:ext cx="0" cy="0"/>
+          <a:chOff x="0" y="0"/>
+          <a:chExt cx="0" cy="0"/>
+        </a:xfrm>
+      </p:grpSpPr>
+      <p:sp>
+        <p:nvSpPr>
+          <p:cNvPr id="2" name="Title 1"/>
+          <p:cNvSpPr>
+            <a:spLocks noGrp="1"/>
+          </p:cNvSpPr>
+          <p:nvPr>
+            <p:ph type="title"/>
+          </p:nvPr>
+        </p:nvSpPr>
+        <p:spPr/>
+        <p:txBody>
+          <a:bodyPr/>
+          <a:lstStyle/>
+          <a:p>
+            <a:r>
+              <a:rPr lang="ru-RU" smtClean="0"/>
+              <a:t>Пример: </a:t>
+            </a:r>
+            <a:r>
+              <a:rPr lang="en-US" smtClean="0"/>
+              <a:t>ts_printf</a:t>
+            </a:r>
+            <a:endParaRPr lang="en-US"/>
+          </a:p>
+        </p:txBody>
+      </p:sp>
+      <p:sp>
+        <p:nvSpPr>
+          <p:cNvPr id="3" name="Content Placeholder 2"/>
+          <p:cNvSpPr>
+            <a:spLocks noGrp="1"/>
+          </p:cNvSpPr>
+          <p:nvPr>
+            <p:ph idx="1"/>
+          </p:nvPr>
+        </p:nvSpPr>
+        <p:spPr/>
+        <p:txBody>
+          <a:bodyPr/>
+          <a:lstStyle/>
+          <a:p>
+            <a:r>
+              <a:rPr lang="ru-RU" smtClean="0"/>
+              <a:t>Классическим нетривиальным примером рекурсивного раскрытия является безопасный относительно типов вывод на экран (</a:t>
+            </a:r>
+            <a:r>
+              <a:rPr lang="en-US" smtClean="0"/>
+              <a:t>typesafe</a:t>
+            </a:r>
+            <a:r>
+              <a:rPr lang="ru-RU" smtClean="0"/>
+              <a:t> </a:t>
+            </a:r>
+            <a:r>
+              <a:rPr lang="en-US" smtClean="0"/>
+              <a:t>printf </a:t>
+            </a:r>
+            <a:r>
+              <a:rPr lang="ru-RU" smtClean="0"/>
+              <a:t>или </a:t>
+            </a:r>
+            <a:r>
+              <a:rPr lang="en-US" smtClean="0"/>
+              <a:t>ts_printf </a:t>
+            </a:r>
+            <a:r>
+              <a:rPr lang="ru-RU" smtClean="0"/>
+              <a:t>для краткости)</a:t>
+            </a:r>
+            <a:endParaRPr lang="en-US" smtClean="0"/>
+          </a:p>
+          <a:p>
+            <a:r>
+              <a:rPr lang="ru-RU" smtClean="0"/>
+              <a:t>Сигнатура</a:t>
+            </a:r>
+          </a:p>
+          <a:p>
+            <a:pPr marL="45720" indent="0">
+              <a:buNone/>
+            </a:pPr>
+            <a:r>
+              <a:rPr lang="en-US">
+                <a:latin typeface="Consolas" panose="020B0609020204030204" pitchFamily="49" charset="0"/>
+              </a:rPr>
+              <a:t>template&lt;typename T</a:t>
+            </a:r>
+            <a:r>
+              <a:rPr lang="en-US">
+                <a:latin typeface="Consolas" panose="020B0609020204030204" pitchFamily="49" charset="0"/>
+              </a:rPr>
+              <a:t>, </a:t>
+            </a:r>
+            <a:r>
+              <a:rPr lang="ru-RU" smtClean="0">
+                <a:latin typeface="Consolas" panose="020B0609020204030204" pitchFamily="49" charset="0"/>
+              </a:rPr>
+              <a:t/>
+            </a:r>
+            <a:br>
+              <a:rPr lang="ru-RU" smtClean="0">
+                <a:latin typeface="Consolas" panose="020B0609020204030204" pitchFamily="49" charset="0"/>
+              </a:rPr>
+            </a:br>
+            <a:r>
+              <a:rPr lang="ru-RU" smtClean="0">
+                <a:latin typeface="Consolas" panose="020B0609020204030204" pitchFamily="49" charset="0"/>
+              </a:rPr>
+              <a:t>         </a:t>
+            </a:r>
+            <a:r>
+              <a:rPr lang="en-US" smtClean="0">
+                <a:latin typeface="Consolas" panose="020B0609020204030204" pitchFamily="49" charset="0"/>
+              </a:rPr>
+              <a:t>typename</a:t>
+            </a:r>
+            <a:r>
+              <a:rPr lang="en-US">
+                <a:latin typeface="Consolas" panose="020B0609020204030204" pitchFamily="49" charset="0"/>
+              </a:rPr>
+              <a:t>... Args</a:t>
+            </a:r>
+            <a:r>
+              <a:rPr lang="en-US">
+                <a:latin typeface="Consolas" panose="020B0609020204030204" pitchFamily="49" charset="0"/>
+              </a:rPr>
+              <a:t>&gt; </a:t>
+            </a:r>
+            <a:r>
+              <a:rPr lang="ru-RU" smtClean="0">
+                <a:latin typeface="Consolas" panose="020B0609020204030204" pitchFamily="49" charset="0"/>
+              </a:rPr>
+              <a:t/>
+            </a:r>
+            <a:br>
+              <a:rPr lang="ru-RU" smtClean="0">
+                <a:latin typeface="Consolas" panose="020B0609020204030204" pitchFamily="49" charset="0"/>
+              </a:rPr>
+            </a:br>
+            <a:r>
+              <a:rPr lang="en-US" smtClean="0">
+                <a:latin typeface="Consolas" panose="020B0609020204030204" pitchFamily="49" charset="0"/>
+              </a:rPr>
+              <a:t>int </a:t>
+            </a:r>
+            <a:r>
+              <a:rPr lang="ru-RU" smtClean="0">
+                <a:latin typeface="Consolas" panose="020B0609020204030204" pitchFamily="49" charset="0"/>
+              </a:rPr>
+              <a:t>                       </a:t>
+            </a:r>
+            <a:r>
+              <a:rPr lang="en-US" smtClean="0">
+                <a:latin typeface="Consolas" panose="020B0609020204030204" pitchFamily="49" charset="0"/>
+              </a:rPr>
+              <a:t>// </a:t>
+            </a:r>
+            <a:r>
+              <a:rPr lang="ru-RU" smtClean="0">
+                <a:latin typeface="Consolas" panose="020B0609020204030204" pitchFamily="49" charset="0"/>
+              </a:rPr>
+              <a:t>количество выведенных символов</a:t>
+            </a:r>
+            <a:br>
+              <a:rPr lang="ru-RU" smtClean="0">
+                <a:latin typeface="Consolas" panose="020B0609020204030204" pitchFamily="49" charset="0"/>
+              </a:rPr>
+            </a:br>
+            <a:r>
+              <a:rPr lang="en-US" smtClean="0">
+                <a:latin typeface="Consolas" panose="020B0609020204030204" pitchFamily="49" charset="0"/>
+              </a:rPr>
+              <a:t>ts_printf(const </a:t>
+            </a:r>
+            <a:r>
+              <a:rPr lang="en-US">
+                <a:latin typeface="Consolas" panose="020B0609020204030204" pitchFamily="49" charset="0"/>
+              </a:rPr>
+              <a:t>char* s</a:t>
+            </a:r>
+            <a:r>
+              <a:rPr lang="en-US">
+                <a:latin typeface="Consolas" panose="020B0609020204030204" pitchFamily="49" charset="0"/>
+              </a:rPr>
+              <a:t>, </a:t>
+            </a:r>
+            <a:r>
+              <a:rPr lang="ru-RU" smtClean="0">
+                <a:latin typeface="Consolas" panose="020B0609020204030204" pitchFamily="49" charset="0"/>
+              </a:rPr>
+              <a:t>  </a:t>
+            </a:r>
+            <a:r>
+              <a:rPr lang="en-US" smtClean="0">
+                <a:latin typeface="Consolas" panose="020B0609020204030204" pitchFamily="49" charset="0"/>
+              </a:rPr>
+              <a:t>// </a:t>
+            </a:r>
+            <a:r>
+              <a:rPr lang="ru-RU" smtClean="0">
+                <a:latin typeface="Consolas" panose="020B0609020204030204" pitchFamily="49" charset="0"/>
+              </a:rPr>
+              <a:t>форматная строка</a:t>
+            </a:r>
+            <a:r>
+              <a:rPr lang="en-US" smtClean="0">
+                <a:latin typeface="Consolas" panose="020B0609020204030204" pitchFamily="49" charset="0"/>
+              </a:rPr>
+              <a:t/>
+            </a:r>
+            <a:br>
+              <a:rPr lang="en-US" smtClean="0">
+                <a:latin typeface="Consolas" panose="020B0609020204030204" pitchFamily="49" charset="0"/>
+              </a:rPr>
+            </a:br>
+            <a:r>
+              <a:rPr lang="en-US" smtClean="0">
+                <a:latin typeface="Consolas" panose="020B0609020204030204" pitchFamily="49" charset="0"/>
+              </a:rPr>
+              <a:t>          T</a:t>
+            </a:r>
+            <a:r>
+              <a:rPr lang="en-US">
+                <a:latin typeface="Consolas" panose="020B0609020204030204" pitchFamily="49" charset="0"/>
+              </a:rPr>
+              <a:t>&amp;&amp; value</a:t>
+            </a:r>
+            <a:r>
+              <a:rPr lang="en-US">
+                <a:latin typeface="Consolas" panose="020B0609020204030204" pitchFamily="49" charset="0"/>
+              </a:rPr>
+              <a:t>, </a:t>
+            </a:r>
+            <a:r>
+              <a:rPr lang="ru-RU" smtClean="0">
+                <a:latin typeface="Consolas" panose="020B0609020204030204" pitchFamily="49" charset="0"/>
+              </a:rPr>
+              <a:t>      </a:t>
+            </a:r>
+            <a:r>
+              <a:rPr lang="en-US" smtClean="0">
+                <a:latin typeface="Consolas" panose="020B0609020204030204" pitchFamily="49" charset="0"/>
+              </a:rPr>
+              <a:t>// </a:t>
+            </a:r>
+            <a:r>
+              <a:rPr lang="ru-RU" smtClean="0">
+                <a:latin typeface="Consolas" panose="020B0609020204030204" pitchFamily="49" charset="0"/>
+              </a:rPr>
+              <a:t>текущий аргумент</a:t>
+            </a:r>
+            <a:r>
+              <a:rPr lang="en-US" smtClean="0">
+                <a:latin typeface="Consolas" panose="020B0609020204030204" pitchFamily="49" charset="0"/>
+              </a:rPr>
+              <a:t/>
+            </a:r>
+            <a:br>
+              <a:rPr lang="en-US" smtClean="0">
+                <a:latin typeface="Consolas" panose="020B0609020204030204" pitchFamily="49" charset="0"/>
+              </a:rPr>
+            </a:br>
+            <a:r>
+              <a:rPr lang="en-US" smtClean="0">
+                <a:latin typeface="Consolas" panose="020B0609020204030204" pitchFamily="49" charset="0"/>
+              </a:rPr>
+              <a:t>          Args</a:t>
+            </a:r>
+            <a:r>
+              <a:rPr lang="en-US">
+                <a:latin typeface="Consolas" panose="020B0609020204030204" pitchFamily="49" charset="0"/>
+              </a:rPr>
+              <a:t>&amp;&amp;... </a:t>
+            </a:r>
+            <a:r>
+              <a:rPr lang="en-US" smtClean="0">
+                <a:latin typeface="Consolas" panose="020B0609020204030204" pitchFamily="49" charset="0"/>
+              </a:rPr>
+              <a:t>args); //</a:t>
+            </a:r>
+            <a:r>
+              <a:rPr lang="ru-RU" smtClean="0">
+                <a:latin typeface="Consolas" panose="020B0609020204030204" pitchFamily="49" charset="0"/>
+              </a:rPr>
+              <a:t> хвост</a:t>
+            </a:r>
+          </a:p>
+          <a:p>
+            <a:pPr marL="45720" indent="0">
+              <a:buNone/>
+            </a:pPr>
+            <a:r>
+              <a:rPr lang="en-US">
+                <a:latin typeface="Consolas" panose="020B0609020204030204" pitchFamily="49" charset="0"/>
+              </a:rPr>
+              <a:t>int ts_printf(const char</a:t>
+            </a:r>
+            <a:r>
+              <a:rPr lang="en-US">
+                <a:latin typeface="Consolas" panose="020B0609020204030204" pitchFamily="49" charset="0"/>
+              </a:rPr>
+              <a:t>* </a:t>
+            </a:r>
+            <a:r>
+              <a:rPr lang="en-US" smtClean="0">
+                <a:latin typeface="Consolas" panose="020B0609020204030204" pitchFamily="49" charset="0"/>
+              </a:rPr>
+              <a:t>s); // </a:t>
+            </a:r>
+            <a:r>
+              <a:rPr lang="ru-RU" smtClean="0">
+                <a:latin typeface="Consolas" panose="020B0609020204030204" pitchFamily="49" charset="0"/>
+              </a:rPr>
+              <a:t>закрытие рекурсии</a:t>
+            </a:r>
+            <a:endParaRPr lang="en-US">
+              <a:latin typeface="Consolas" panose="020B0609020204030204" pitchFamily="49" charset="0"/>
+            </a:endParaRPr>
+          </a:p>
+        </p:txBody>
+      </p:sp>
+    </p:spTree>
+    <p:extLst>
+      <p:ext uri="{BB962C8B-B14F-4D97-AF65-F5344CB8AC3E}">
+        <p14:creationId xmlns:p14="http://schemas.microsoft.com/office/powerpoint/2010/main" val="2358503095"/>
+      </p:ext>
+    </p:extLst>
+  </p:cSld>
+  <p:clrMapOvr>
+    <a:masterClrMapping/>
+  </p:clrMapOvr>
+</p:sld>
+</file>
+
+<file path=ppt/slides/slide56.xml><?xml version="1.0" encoding="utf-8"?>
+<p:sld xmlns:a="http://schemas.openxmlformats.org/drawingml/2006/main" xmlns:r="http://schemas.openxmlformats.org/officeDocument/2006/relationships" xmlns:p="http://schemas.openxmlformats.org/presentationml/2006/main">
+  <p:cSld>
+    <p:spTree>
+      <p:nvGrpSpPr>
+        <p:cNvPr id="1" name=""/>
+        <p:cNvGrpSpPr/>
+        <p:nvPr/>
+      </p:nvGrpSpPr>
+      <p:grpSpPr>
+        <a:xfrm>
+          <a:off x="0" y="0"/>
+          <a:ext cx="0" cy="0"/>
+          <a:chOff x="0" y="0"/>
+          <a:chExt cx="0" cy="0"/>
+        </a:xfrm>
+      </p:grpSpPr>
+      <p:sp>
+        <p:nvSpPr>
+          <p:cNvPr id="2" name="Title 1"/>
+          <p:cNvSpPr>
+            <a:spLocks noGrp="1"/>
+          </p:cNvSpPr>
+          <p:nvPr>
+            <p:ph type="title"/>
+          </p:nvPr>
+        </p:nvSpPr>
+        <p:spPr/>
+        <p:txBody>
+          <a:bodyPr/>
+          <a:lstStyle/>
+          <a:p>
+            <a:r>
+              <a:rPr lang="ru-RU" smtClean="0"/>
+              <a:t>Полезно сначала завершить "рекурсию"</a:t>
+            </a:r>
+            <a:endParaRPr lang="en-US"/>
+          </a:p>
+        </p:txBody>
+      </p:sp>
+      <p:sp>
+        <p:nvSpPr>
+          <p:cNvPr id="3" name="Content Placeholder 2"/>
+          <p:cNvSpPr>
+            <a:spLocks noGrp="1"/>
+          </p:cNvSpPr>
+          <p:nvPr>
+            <p:ph idx="1"/>
+          </p:nvPr>
+        </p:nvSpPr>
+        <p:spPr>
+          <a:xfrm>
+            <a:off x="1143000" y="2057400"/>
+            <a:ext cx="10234534" cy="4038600"/>
+          </a:xfrm>
+        </p:spPr>
+        <p:txBody>
+          <a:bodyPr/>
+          <a:lstStyle/>
+          <a:p>
+            <a:r>
+              <a:rPr lang="ru-RU" smtClean="0"/>
+              <a:t>Возможная ошибка в завершающей функции: в строке остались форматы</a:t>
+            </a:r>
+          </a:p>
+          <a:p>
+            <a:pPr marL="45720" indent="0">
+              <a:buNone/>
+            </a:pPr>
+            <a:r>
+              <a:rPr lang="en-US">
+                <a:latin typeface="Consolas" panose="020B0609020204030204" pitchFamily="49" charset="0"/>
+              </a:rPr>
+              <a:t>int ts_printf(const char* s</a:t>
+            </a:r>
+            <a:r>
+              <a:rPr lang="en-US">
+                <a:latin typeface="Consolas" panose="020B0609020204030204" pitchFamily="49" charset="0"/>
+              </a:rPr>
+              <a:t>) </a:t>
+            </a:r>
+            <a:r>
+              <a:rPr lang="en-US" smtClean="0">
+                <a:latin typeface="Consolas" panose="020B0609020204030204" pitchFamily="49" charset="0"/>
+              </a:rPr>
+              <a:t>{</a:t>
+            </a:r>
+            <a:br>
+              <a:rPr lang="en-US" smtClean="0">
+                <a:latin typeface="Consolas" panose="020B0609020204030204" pitchFamily="49" charset="0"/>
+              </a:rPr>
+            </a:br>
+            <a:r>
+              <a:rPr lang="en-US" smtClean="0">
+                <a:latin typeface="Consolas" panose="020B0609020204030204" pitchFamily="49" charset="0"/>
+              </a:rPr>
+              <a:t>  int cnt = 0;</a:t>
+            </a:r>
+            <a:r>
+              <a:rPr lang="ru-RU" smtClean="0">
+                <a:latin typeface="Consolas" panose="020B0609020204030204" pitchFamily="49" charset="0"/>
+              </a:rPr>
+              <a:t/>
+            </a:r>
+            <a:br>
+              <a:rPr lang="ru-RU" smtClean="0">
+                <a:latin typeface="Consolas" panose="020B0609020204030204" pitchFamily="49" charset="0"/>
+              </a:rPr>
+            </a:br>
+            <a:r>
+              <a:rPr lang="en-US" smtClean="0">
+                <a:latin typeface="Consolas" panose="020B0609020204030204" pitchFamily="49" charset="0"/>
+              </a:rPr>
+              <a:t>  </a:t>
+            </a:r>
+            <a:r>
+              <a:rPr lang="en-US">
+                <a:latin typeface="Consolas" panose="020B0609020204030204" pitchFamily="49" charset="0"/>
+              </a:rPr>
+              <a:t>while (*s</a:t>
+            </a:r>
+            <a:r>
+              <a:rPr lang="en-US">
+                <a:latin typeface="Consolas" panose="020B0609020204030204" pitchFamily="49" charset="0"/>
+              </a:rPr>
+              <a:t>) </a:t>
+            </a:r>
+            <a:r>
+              <a:rPr lang="en-US" smtClean="0">
+                <a:latin typeface="Consolas" panose="020B0609020204030204" pitchFamily="49" charset="0"/>
+              </a:rPr>
+              <a:t>{</a:t>
+            </a:r>
+            <a:r>
+              <a:rPr lang="ru-RU" smtClean="0">
+                <a:latin typeface="Consolas" panose="020B0609020204030204" pitchFamily="49" charset="0"/>
+              </a:rPr>
+              <a:t/>
+            </a:r>
+            <a:br>
+              <a:rPr lang="ru-RU" smtClean="0">
+                <a:latin typeface="Consolas" panose="020B0609020204030204" pitchFamily="49" charset="0"/>
+              </a:rPr>
+            </a:br>
+            <a:r>
+              <a:rPr lang="en-US" smtClean="0">
+                <a:latin typeface="Consolas" panose="020B0609020204030204" pitchFamily="49" charset="0"/>
+              </a:rPr>
+              <a:t>    </a:t>
+            </a:r>
+            <a:r>
+              <a:rPr lang="en-US">
+                <a:latin typeface="Consolas" panose="020B0609020204030204" pitchFamily="49" charset="0"/>
+              </a:rPr>
+              <a:t>if (*s == '%' &amp;&amp; *++s </a:t>
+            </a:r>
+            <a:r>
+              <a:rPr lang="en-US">
+                <a:latin typeface="Consolas" panose="020B0609020204030204" pitchFamily="49" charset="0"/>
+              </a:rPr>
+              <a:t>!= </a:t>
+            </a:r>
+            <a:r>
+              <a:rPr lang="en-US" smtClean="0">
+                <a:latin typeface="Consolas" panose="020B0609020204030204" pitchFamily="49" charset="0"/>
+              </a:rPr>
+              <a:t>'%')</a:t>
+            </a:r>
+            <a:r>
+              <a:rPr lang="ru-RU" smtClean="0">
+                <a:latin typeface="Consolas" panose="020B0609020204030204" pitchFamily="49" charset="0"/>
+              </a:rPr>
+              <a:t/>
+            </a:r>
+            <a:br>
+              <a:rPr lang="ru-RU" smtClean="0">
+                <a:latin typeface="Consolas" panose="020B0609020204030204" pitchFamily="49" charset="0"/>
+              </a:rPr>
+            </a:br>
+            <a:r>
+              <a:rPr lang="en-US" smtClean="0">
+                <a:latin typeface="Consolas" panose="020B0609020204030204" pitchFamily="49" charset="0"/>
+              </a:rPr>
+              <a:t>       </a:t>
+            </a:r>
+            <a:r>
+              <a:rPr lang="en-US">
+                <a:latin typeface="Consolas" panose="020B0609020204030204" pitchFamily="49" charset="0"/>
+              </a:rPr>
+              <a:t>throw </a:t>
+            </a:r>
+            <a:r>
+              <a:rPr lang="en-US" smtClean="0">
+                <a:latin typeface="Consolas" panose="020B0609020204030204" pitchFamily="49" charset="0"/>
+              </a:rPr>
+              <a:t>runtime_error("format </a:t>
+            </a:r>
+            <a:r>
+              <a:rPr lang="en-US">
+                <a:latin typeface="Consolas" panose="020B0609020204030204" pitchFamily="49" charset="0"/>
+              </a:rPr>
+              <a:t>string: missing </a:t>
+            </a:r>
+            <a:r>
+              <a:rPr lang="en-US">
+                <a:latin typeface="Consolas" panose="020B0609020204030204" pitchFamily="49" charset="0"/>
+              </a:rPr>
+              <a:t>arguments</a:t>
+            </a:r>
+            <a:r>
+              <a:rPr lang="en-US" smtClean="0">
+                <a:latin typeface="Consolas" panose="020B0609020204030204" pitchFamily="49" charset="0"/>
+              </a:rPr>
+              <a:t>");</a:t>
+            </a:r>
+            <a:br>
+              <a:rPr lang="en-US" smtClean="0">
+                <a:latin typeface="Consolas" panose="020B0609020204030204" pitchFamily="49" charset="0"/>
+              </a:rPr>
+            </a:br>
+            <a:r>
+              <a:rPr lang="en-US" smtClean="0">
+                <a:latin typeface="Consolas" panose="020B0609020204030204" pitchFamily="49" charset="0"/>
+              </a:rPr>
+              <a:t>    cnt += 1;</a:t>
+            </a:r>
+            <a:r>
+              <a:rPr lang="ru-RU" smtClean="0">
+                <a:latin typeface="Consolas" panose="020B0609020204030204" pitchFamily="49" charset="0"/>
+              </a:rPr>
+              <a:t/>
+            </a:r>
+            <a:br>
+              <a:rPr lang="ru-RU" smtClean="0">
+                <a:latin typeface="Consolas" panose="020B0609020204030204" pitchFamily="49" charset="0"/>
+              </a:rPr>
+            </a:br>
+            <a:r>
+              <a:rPr lang="en-US" smtClean="0">
+                <a:latin typeface="Consolas" panose="020B0609020204030204" pitchFamily="49" charset="0"/>
+              </a:rPr>
+              <a:t>    cout </a:t>
+            </a:r>
+            <a:r>
+              <a:rPr lang="en-US">
+                <a:latin typeface="Consolas" panose="020B0609020204030204" pitchFamily="49" charset="0"/>
+              </a:rPr>
+              <a:t>&lt;&lt; *</a:t>
+            </a:r>
+            <a:r>
+              <a:rPr lang="en-US">
+                <a:latin typeface="Consolas" panose="020B0609020204030204" pitchFamily="49" charset="0"/>
+              </a:rPr>
+              <a:t>s</a:t>
+            </a:r>
+            <a:r>
+              <a:rPr lang="en-US" smtClean="0">
+                <a:latin typeface="Consolas" panose="020B0609020204030204" pitchFamily="49" charset="0"/>
+              </a:rPr>
+              <a:t>++;</a:t>
+            </a:r>
+            <a:r>
+              <a:rPr lang="ru-RU" smtClean="0">
+                <a:latin typeface="Consolas" panose="020B0609020204030204" pitchFamily="49" charset="0"/>
+              </a:rPr>
+              <a:t/>
+            </a:r>
+            <a:br>
+              <a:rPr lang="ru-RU" smtClean="0">
+                <a:latin typeface="Consolas" panose="020B0609020204030204" pitchFamily="49" charset="0"/>
+              </a:rPr>
+            </a:br>
+            <a:r>
+              <a:rPr lang="en-US" smtClean="0">
+                <a:latin typeface="Consolas" panose="020B0609020204030204" pitchFamily="49" charset="0"/>
+              </a:rPr>
+              <a:t>  }</a:t>
+            </a:r>
+            <a:r>
+              <a:rPr lang="ru-RU" smtClean="0">
+                <a:latin typeface="Consolas" panose="020B0609020204030204" pitchFamily="49" charset="0"/>
+              </a:rPr>
+              <a:t/>
+            </a:r>
+            <a:br>
+              <a:rPr lang="ru-RU" smtClean="0">
+                <a:latin typeface="Consolas" panose="020B0609020204030204" pitchFamily="49" charset="0"/>
+              </a:rPr>
+            </a:br>
+            <a:r>
+              <a:rPr lang="en-US" smtClean="0">
+                <a:latin typeface="Consolas" panose="020B0609020204030204" pitchFamily="49" charset="0"/>
+              </a:rPr>
+              <a:t>  </a:t>
+            </a:r>
+            <a:r>
+              <a:rPr lang="en-US">
+                <a:latin typeface="Consolas" panose="020B0609020204030204" pitchFamily="49" charset="0"/>
+              </a:rPr>
+              <a:t>return </a:t>
+            </a:r>
+            <a:r>
+              <a:rPr lang="en-US" smtClean="0">
+                <a:latin typeface="Consolas" panose="020B0609020204030204" pitchFamily="49" charset="0"/>
+              </a:rPr>
+              <a:t>cnt;</a:t>
+            </a:r>
+            <a:r>
+              <a:rPr lang="ru-RU" smtClean="0">
+                <a:latin typeface="Consolas" panose="020B0609020204030204" pitchFamily="49" charset="0"/>
+              </a:rPr>
+              <a:t/>
+            </a:r>
+            <a:br>
+              <a:rPr lang="ru-RU" smtClean="0">
+                <a:latin typeface="Consolas" panose="020B0609020204030204" pitchFamily="49" charset="0"/>
+              </a:rPr>
+            </a:br>
+            <a:r>
+              <a:rPr lang="en-US" smtClean="0">
+                <a:latin typeface="Consolas" panose="020B0609020204030204" pitchFamily="49" charset="0"/>
+              </a:rPr>
+              <a:t>}</a:t>
+            </a:r>
+            <a:endParaRPr lang="en-US">
+              <a:latin typeface="Consolas" panose="020B0609020204030204" pitchFamily="49" charset="0"/>
+            </a:endParaRPr>
+          </a:p>
+        </p:txBody>
+      </p:sp>
+    </p:spTree>
+    <p:extLst>
+      <p:ext uri="{BB962C8B-B14F-4D97-AF65-F5344CB8AC3E}">
+        <p14:creationId xmlns:p14="http://schemas.microsoft.com/office/powerpoint/2010/main" val="78857054"/>
+      </p:ext>
+    </p:extLst>
+  </p:cSld>
+  <p:clrMapOvr>
+    <a:masterClrMapping/>
+  </p:clrMapOvr>
+</p:sld>
+</file>
+
+<file path=ppt/slides/slide57.xml><?xml version="1.0" encoding="utf-8"?>
+<p:sld xmlns:a="http://schemas.openxmlformats.org/drawingml/2006/main" xmlns:r="http://schemas.openxmlformats.org/officeDocument/2006/relationships" xmlns:p="http://schemas.openxmlformats.org/presentationml/2006/main">
+  <p:cSld>
+    <p:spTree>
+      <p:nvGrpSpPr>
+        <p:cNvPr id="1" name=""/>
+        <p:cNvGrpSpPr/>
+        <p:nvPr/>
+      </p:nvGrpSpPr>
+      <p:grpSpPr>
+        <a:xfrm>
+          <a:off x="0" y="0"/>
+          <a:ext cx="0" cy="0"/>
+          <a:chOff x="0" y="0"/>
+          <a:chExt cx="0" cy="0"/>
+        </a:xfrm>
+      </p:grpSpPr>
+      <p:sp>
+        <p:nvSpPr>
+          <p:cNvPr id="2" name="Title 1"/>
+          <p:cNvSpPr>
+            <a:spLocks noGrp="1"/>
+          </p:cNvSpPr>
+          <p:nvPr>
+            <p:ph type="title"/>
+          </p:nvPr>
+        </p:nvSpPr>
+        <p:spPr/>
+        <p:txBody>
+          <a:bodyPr/>
+          <a:lstStyle/>
+          <a:p>
+            <a:r>
+              <a:rPr lang="ru-RU" smtClean="0"/>
+              <a:t>Основной шаг</a:t>
+            </a:r>
+            <a:endParaRPr lang="en-US"/>
+          </a:p>
+        </p:txBody>
+      </p:sp>
+      <p:sp>
+        <p:nvSpPr>
+          <p:cNvPr id="3" name="Content Placeholder 2"/>
+          <p:cNvSpPr>
+            <a:spLocks noGrp="1"/>
+          </p:cNvSpPr>
+          <p:nvPr>
+            <p:ph idx="1"/>
+          </p:nvPr>
+        </p:nvSpPr>
+        <p:spPr/>
+        <p:txBody>
+          <a:bodyPr/>
+          <a:lstStyle/>
+          <a:p>
+            <a:pPr marL="45720" indent="0">
+              <a:buNone/>
+            </a:pPr>
+            <a:r>
+              <a:rPr lang="en-US">
+                <a:latin typeface="Consolas" panose="020B0609020204030204" pitchFamily="49" charset="0"/>
+              </a:rPr>
+              <a:t>template&lt;typename T, typename... Args</a:t>
+            </a:r>
+            <a:r>
+              <a:rPr lang="en-US">
+                <a:latin typeface="Consolas" panose="020B0609020204030204" pitchFamily="49" charset="0"/>
+              </a:rPr>
+              <a:t>&gt; </a:t>
+            </a:r>
+            <a:r>
+              <a:rPr lang="en-US">
+                <a:latin typeface="Consolas" panose="020B0609020204030204" pitchFamily="49" charset="0"/>
+              </a:rPr>
+              <a:t/>
+            </a:r>
+            <a:br>
+              <a:rPr lang="en-US">
+                <a:latin typeface="Consolas" panose="020B0609020204030204" pitchFamily="49" charset="0"/>
+              </a:rPr>
+            </a:br>
+            <a:r>
+              <a:rPr lang="en-US" smtClean="0">
+                <a:latin typeface="Consolas" panose="020B0609020204030204" pitchFamily="49" charset="0"/>
+              </a:rPr>
+              <a:t>int </a:t>
+            </a:r>
+            <a:r>
+              <a:rPr lang="en-US">
+                <a:latin typeface="Consolas" panose="020B0609020204030204" pitchFamily="49" charset="0"/>
+              </a:rPr>
+              <a:t>ts_printf(const char* s, T&amp;&amp; value, Args&amp;&amp;... args</a:t>
+            </a:r>
+            <a:r>
+              <a:rPr lang="en-US">
+                <a:latin typeface="Consolas" panose="020B0609020204030204" pitchFamily="49" charset="0"/>
+              </a:rPr>
+              <a:t>) </a:t>
+            </a:r>
+            <a:r>
+              <a:rPr lang="en-US" smtClean="0">
+                <a:latin typeface="Consolas" panose="020B0609020204030204" pitchFamily="49" charset="0"/>
+              </a:rPr>
+              <a:t>{</a:t>
+            </a:r>
+            <a:br>
+              <a:rPr lang="en-US" smtClean="0">
+                <a:latin typeface="Consolas" panose="020B0609020204030204" pitchFamily="49" charset="0"/>
+              </a:rPr>
+            </a:br>
+            <a:r>
+              <a:rPr lang="en-US" smtClean="0">
+                <a:latin typeface="Consolas" panose="020B0609020204030204" pitchFamily="49" charset="0"/>
+              </a:rPr>
+              <a:t>   </a:t>
+            </a:r>
+            <a:r>
+              <a:rPr lang="en-US">
+                <a:latin typeface="Consolas" panose="020B0609020204030204" pitchFamily="49" charset="0"/>
+              </a:rPr>
+              <a:t>while (*s</a:t>
+            </a:r>
+            <a:r>
+              <a:rPr lang="en-US">
+                <a:latin typeface="Consolas" panose="020B0609020204030204" pitchFamily="49" charset="0"/>
+              </a:rPr>
+              <a:t>) </a:t>
+            </a:r>
+            <a:r>
+              <a:rPr lang="en-US" smtClean="0">
+                <a:latin typeface="Consolas" panose="020B0609020204030204" pitchFamily="49" charset="0"/>
+              </a:rPr>
+              <a:t>{</a:t>
+            </a:r>
+            <a:br>
+              <a:rPr lang="en-US" smtClean="0">
+                <a:latin typeface="Consolas" panose="020B0609020204030204" pitchFamily="49" charset="0"/>
+              </a:rPr>
+            </a:br>
+            <a:r>
+              <a:rPr lang="en-US" smtClean="0">
+                <a:latin typeface="Consolas" panose="020B0609020204030204" pitchFamily="49" charset="0"/>
+              </a:rPr>
+              <a:t>    </a:t>
+            </a:r>
+            <a:r>
+              <a:rPr lang="en-US">
+                <a:latin typeface="Consolas" panose="020B0609020204030204" pitchFamily="49" charset="0"/>
+              </a:rPr>
+              <a:t>if (*s == '%' &amp;&amp; *++s != </a:t>
+            </a:r>
+            <a:r>
+              <a:rPr lang="en-US">
+                <a:latin typeface="Consolas" panose="020B0609020204030204" pitchFamily="49" charset="0"/>
+              </a:rPr>
+              <a:t>'%') </a:t>
+            </a:r>
+            <a:r>
+              <a:rPr lang="en-US" smtClean="0">
+                <a:latin typeface="Consolas" panose="020B0609020204030204" pitchFamily="49" charset="0"/>
+              </a:rPr>
+              <a:t>{</a:t>
+            </a:r>
+            <a:br>
+              <a:rPr lang="en-US" smtClean="0">
+                <a:latin typeface="Consolas" panose="020B0609020204030204" pitchFamily="49" charset="0"/>
+              </a:rPr>
+            </a:br>
+            <a:r>
+              <a:rPr lang="en-US" smtClean="0">
+                <a:latin typeface="Consolas" panose="020B0609020204030204" pitchFamily="49" charset="0"/>
+              </a:rPr>
+              <a:t>      </a:t>
+            </a:r>
+            <a:r>
+              <a:rPr lang="en-US">
+                <a:latin typeface="Consolas" panose="020B0609020204030204" pitchFamily="49" charset="0"/>
+              </a:rPr>
+              <a:t>/* ignore the character that follows the </a:t>
+            </a:r>
+            <a:r>
+              <a:rPr lang="en-US">
+                <a:latin typeface="Consolas" panose="020B0609020204030204" pitchFamily="49" charset="0"/>
+              </a:rPr>
+              <a:t>'%'! </a:t>
+            </a:r>
+            <a:r>
+              <a:rPr lang="en-US" smtClean="0">
+                <a:latin typeface="Consolas" panose="020B0609020204030204" pitchFamily="49" charset="0"/>
+              </a:rPr>
+              <a:t>*/</a:t>
+            </a:r>
+            <a:br>
+              <a:rPr lang="en-US" smtClean="0">
+                <a:latin typeface="Consolas" panose="020B0609020204030204" pitchFamily="49" charset="0"/>
+              </a:rPr>
+            </a:br>
+            <a:r>
+              <a:rPr lang="en-US" smtClean="0">
+                <a:latin typeface="Consolas" panose="020B0609020204030204" pitchFamily="49" charset="0"/>
+              </a:rPr>
+              <a:t>      cout </a:t>
+            </a:r>
+            <a:r>
+              <a:rPr lang="en-US">
+                <a:latin typeface="Consolas" panose="020B0609020204030204" pitchFamily="49" charset="0"/>
+              </a:rPr>
+              <a:t>&lt;&lt; </a:t>
+            </a:r>
+            <a:r>
+              <a:rPr lang="en-US">
+                <a:latin typeface="Consolas" panose="020B0609020204030204" pitchFamily="49" charset="0"/>
+              </a:rPr>
+              <a:t>value</a:t>
+            </a:r>
+            <a:r>
+              <a:rPr lang="en-US" smtClean="0">
+                <a:latin typeface="Consolas" panose="020B0609020204030204" pitchFamily="49" charset="0"/>
+              </a:rPr>
+              <a:t>;</a:t>
+            </a:r>
+            <a:br>
+              <a:rPr lang="en-US" smtClean="0">
+                <a:latin typeface="Consolas" panose="020B0609020204030204" pitchFamily="49" charset="0"/>
+              </a:rPr>
+            </a:br>
+            <a:r>
+              <a:rPr lang="en-US" smtClean="0">
+                <a:latin typeface="Consolas" panose="020B0609020204030204" pitchFamily="49" charset="0"/>
+              </a:rPr>
+              <a:t>      </a:t>
+            </a:r>
+            <a:r>
+              <a:rPr lang="en-US">
+                <a:latin typeface="Consolas" panose="020B0609020204030204" pitchFamily="49" charset="0"/>
+              </a:rPr>
+              <a:t>return printf(++s, forward&lt;Args&gt;(args)...) + </a:t>
+            </a:r>
+            <a:r>
+              <a:rPr lang="en-US">
+                <a:latin typeface="Consolas" panose="020B0609020204030204" pitchFamily="49" charset="0"/>
+              </a:rPr>
+              <a:t>1</a:t>
+            </a:r>
+            <a:r>
+              <a:rPr lang="en-US" smtClean="0">
+                <a:latin typeface="Consolas" panose="020B0609020204030204" pitchFamily="49" charset="0"/>
+              </a:rPr>
+              <a:t>;</a:t>
+            </a:r>
+            <a:br>
+              <a:rPr lang="en-US" smtClean="0">
+                <a:latin typeface="Consolas" panose="020B0609020204030204" pitchFamily="49" charset="0"/>
+              </a:rPr>
+            </a:br>
+            <a:r>
+              <a:rPr lang="en-US" smtClean="0">
+                <a:latin typeface="Consolas" panose="020B0609020204030204" pitchFamily="49" charset="0"/>
+              </a:rPr>
+              <a:t>    }</a:t>
+            </a:r>
+            <a:br>
+              <a:rPr lang="en-US" smtClean="0">
+                <a:latin typeface="Consolas" panose="020B0609020204030204" pitchFamily="49" charset="0"/>
+              </a:rPr>
+            </a:br>
+            <a:r>
+              <a:rPr lang="en-US" smtClean="0">
+                <a:latin typeface="Consolas" panose="020B0609020204030204" pitchFamily="49" charset="0"/>
+              </a:rPr>
+              <a:t>    </a:t>
+            </a:r>
+            <a:r>
+              <a:rPr lang="en-US">
+                <a:latin typeface="Consolas" panose="020B0609020204030204" pitchFamily="49" charset="0"/>
+              </a:rPr>
+              <a:t>cout &lt;&lt; *</a:t>
+            </a:r>
+            <a:r>
+              <a:rPr lang="en-US">
+                <a:latin typeface="Consolas" panose="020B0609020204030204" pitchFamily="49" charset="0"/>
+              </a:rPr>
+              <a:t>s</a:t>
+            </a:r>
+            <a:r>
+              <a:rPr lang="en-US" smtClean="0">
+                <a:latin typeface="Consolas" panose="020B0609020204030204" pitchFamily="49" charset="0"/>
+              </a:rPr>
+              <a:t>++;</a:t>
+            </a:r>
+            <a:br>
+              <a:rPr lang="en-US" smtClean="0">
+                <a:latin typeface="Consolas" panose="020B0609020204030204" pitchFamily="49" charset="0"/>
+              </a:rPr>
+            </a:br>
+            <a:r>
+              <a:rPr lang="en-US" smtClean="0">
+                <a:latin typeface="Consolas" panose="020B0609020204030204" pitchFamily="49" charset="0"/>
+              </a:rPr>
+              <a:t>  }</a:t>
+            </a:r>
+            <a:br>
+              <a:rPr lang="en-US" smtClean="0">
+                <a:latin typeface="Consolas" panose="020B0609020204030204" pitchFamily="49" charset="0"/>
+              </a:rPr>
+            </a:br>
+            <a:r>
+              <a:rPr lang="en-US" smtClean="0">
+                <a:latin typeface="Consolas" panose="020B0609020204030204" pitchFamily="49" charset="0"/>
+              </a:rPr>
+              <a:t>  </a:t>
+            </a:r>
+            <a:r>
+              <a:rPr lang="en-US">
+                <a:latin typeface="Consolas" panose="020B0609020204030204" pitchFamily="49" charset="0"/>
+              </a:rPr>
+              <a:t>throw </a:t>
+            </a:r>
+            <a:r>
+              <a:rPr lang="en-US" smtClean="0">
+                <a:latin typeface="Consolas" panose="020B0609020204030204" pitchFamily="49" charset="0"/>
+              </a:rPr>
+              <a:t>runtime_error</a:t>
+            </a:r>
+            <a:r>
+              <a:rPr lang="en-US">
+                <a:latin typeface="Consolas" panose="020B0609020204030204" pitchFamily="49" charset="0"/>
+              </a:rPr>
+              <a:t>("extra </a:t>
+            </a:r>
+            <a:r>
+              <a:rPr lang="en-US">
+                <a:latin typeface="Consolas" panose="020B0609020204030204" pitchFamily="49" charset="0"/>
+              </a:rPr>
+              <a:t>arguments </a:t>
+            </a:r>
+            <a:r>
+              <a:rPr lang="en-US" smtClean="0">
+                <a:latin typeface="Consolas" panose="020B0609020204030204" pitchFamily="49" charset="0"/>
+              </a:rPr>
+              <a:t>provided");</a:t>
+            </a:r>
+            <a:br>
+              <a:rPr lang="en-US" smtClean="0">
+                <a:latin typeface="Consolas" panose="020B0609020204030204" pitchFamily="49" charset="0"/>
+              </a:rPr>
+            </a:br>
+            <a:r>
+              <a:rPr lang="en-US" smtClean="0">
+                <a:latin typeface="Consolas" panose="020B0609020204030204" pitchFamily="49" charset="0"/>
+              </a:rPr>
+              <a:t>}</a:t>
+            </a:r>
+            <a:endParaRPr lang="en-US">
+              <a:latin typeface="Consolas" panose="020B0609020204030204" pitchFamily="49" charset="0"/>
+            </a:endParaRPr>
+          </a:p>
+        </p:txBody>
+      </p:sp>
+    </p:spTree>
+    <p:extLst>
+      <p:ext uri="{BB962C8B-B14F-4D97-AF65-F5344CB8AC3E}">
+        <p14:creationId xmlns:p14="http://schemas.microsoft.com/office/powerpoint/2010/main" val="3349074241"/>
+      </p:ext>
+    </p:extLst>
+  </p:cSld>
+  <p:clrMapOvr>
+    <a:masterClrMapping/>
+  </p:clrMapOvr>
+</p:sld>
+</file>
+
+<file path=ppt/slides/slide58.xml><?xml version="1.0" encoding="utf-8"?>
+<p:sld xmlns:a="http://schemas.openxmlformats.org/drawingml/2006/main" xmlns:r="http://schemas.openxmlformats.org/officeDocument/2006/relationships" xmlns:p="http://schemas.openxmlformats.org/presentationml/2006/main">
+  <p:cSld>
+    <p:spTree>
+      <p:nvGrpSpPr>
+        <p:cNvPr id="1" name=""/>
+        <p:cNvGrpSpPr/>
+        <p:nvPr/>
+      </p:nvGrpSpPr>
+      <p:grpSpPr>
+        <a:xfrm>
+          <a:off x="0" y="0"/>
+          <a:ext cx="0" cy="0"/>
+          <a:chOff x="0" y="0"/>
+          <a:chExt cx="0" cy="0"/>
+        </a:xfrm>
+      </p:grpSpPr>
+      <p:sp>
+        <p:nvSpPr>
+          <p:cNvPr id="2" name="Title 1"/>
+          <p:cNvSpPr>
+            <a:spLocks noGrp="1"/>
+          </p:cNvSpPr>
+          <p:nvPr>
+            <p:ph type="title"/>
+          </p:nvPr>
+        </p:nvSpPr>
+        <p:spPr/>
+        <p:txBody>
+          <a:bodyPr/>
+          <a:lstStyle/>
+          <a:p>
+            <a:r>
+              <a:rPr lang="ru-RU" smtClean="0"/>
+              <a:t>Обсуждение</a:t>
+            </a:r>
+            <a:endParaRPr lang="en-US"/>
+          </a:p>
+        </p:txBody>
+      </p:sp>
+      <p:sp>
+        <p:nvSpPr>
+          <p:cNvPr id="3" name="Content Placeholder 2"/>
+          <p:cNvSpPr>
+            <a:spLocks noGrp="1"/>
+          </p:cNvSpPr>
+          <p:nvPr>
+            <p:ph idx="1"/>
+          </p:nvPr>
+        </p:nvSpPr>
+        <p:spPr/>
+        <p:txBody>
+          <a:bodyPr/>
+          <a:lstStyle/>
+          <a:p>
+            <a:r>
+              <a:rPr lang="ru-RU" smtClean="0"/>
+              <a:t>Чего не хватает приведённому </a:t>
+            </a:r>
+            <a:r>
+              <a:rPr lang="en-US" smtClean="0"/>
+              <a:t>ts_printf </a:t>
+            </a:r>
+            <a:r>
+              <a:rPr lang="ru-RU" smtClean="0"/>
+              <a:t>по сравнению с обычным</a:t>
+            </a:r>
+            <a:r>
+              <a:rPr lang="en-US" smtClean="0"/>
+              <a:t> printf?</a:t>
+            </a:r>
+          </a:p>
+          <a:p>
+            <a:r>
+              <a:rPr lang="ru-RU"/>
+              <a:t>Чего не хватает приведённому </a:t>
+            </a:r>
+            <a:r>
+              <a:rPr lang="en-US"/>
+              <a:t>ts_printf </a:t>
+            </a:r>
+            <a:r>
+              <a:rPr lang="ru-RU"/>
+              <a:t>по </a:t>
+            </a:r>
+            <a:r>
+              <a:rPr lang="ru-RU"/>
+              <a:t>сравнению </a:t>
+            </a:r>
+            <a:r>
+              <a:rPr lang="ru-RU" smtClean="0"/>
+              <a:t>с выводом в языках вроде </a:t>
+            </a:r>
+            <a:r>
+              <a:rPr lang="en-US" smtClean="0"/>
+              <a:t>python?</a:t>
+            </a:r>
+            <a:endParaRPr lang="en-US"/>
+          </a:p>
+        </p:txBody>
+      </p:sp>
+    </p:spTree>
+    <p:extLst>
+      <p:ext uri="{BB962C8B-B14F-4D97-AF65-F5344CB8AC3E}">
+        <p14:creationId xmlns:p14="http://schemas.microsoft.com/office/powerpoint/2010/main" val="3893752463"/>
+      </p:ext>
+    </p:extLst>
+  </p:cSld>
+  <p:clrMapOvr>
+    <a:masterClrMapping/>
+  </p:clrMapOvr>
+</p:sld>
+</file>
+
+<file path=ppt/slides/slide59.xml><?xml version="1.0" encoding="utf-8"?>
+<p:sld xmlns:a="http://schemas.openxmlformats.org/drawingml/2006/main" xmlns:r="http://schemas.openxmlformats.org/officeDocument/2006/relationships" xmlns:p="http://schemas.openxmlformats.org/presentationml/2006/main">
+  <p:cSld>
+    <p:spTree>
+      <p:nvGrpSpPr>
+        <p:cNvPr id="1" name=""/>
+        <p:cNvGrpSpPr/>
+        <p:nvPr/>
+      </p:nvGrpSpPr>
+      <p:grpSpPr>
+        <a:xfrm>
+          <a:off x="0" y="0"/>
+          <a:ext cx="0" cy="0"/>
+          <a:chOff x="0" y="0"/>
+          <a:chExt cx="0" cy="0"/>
+        </a:xfrm>
+      </p:grpSpPr>
+      <p:sp>
+        <p:nvSpPr>
+          <p:cNvPr id="2" name="Title 1"/>
+          <p:cNvSpPr>
+            <a:spLocks noGrp="1"/>
+          </p:cNvSpPr>
+          <p:nvPr>
+            <p:ph type="title"/>
+          </p:nvPr>
+        </p:nvSpPr>
+        <p:spPr/>
+        <p:txBody>
+          <a:bodyPr/>
+          <a:lstStyle/>
+          <a:p>
+            <a:r>
+              <a:rPr lang="ru-RU" smtClean="0"/>
+              <a:t>Обсуждение</a:t>
+            </a:r>
+            <a:endParaRPr lang="en-US"/>
+          </a:p>
+        </p:txBody>
+      </p:sp>
+      <p:sp>
+        <p:nvSpPr>
+          <p:cNvPr id="3" name="Content Placeholder 2"/>
+          <p:cNvSpPr>
+            <a:spLocks noGrp="1"/>
+          </p:cNvSpPr>
+          <p:nvPr>
+            <p:ph idx="1"/>
+          </p:nvPr>
+        </p:nvSpPr>
+        <p:spPr/>
+        <p:txBody>
+          <a:bodyPr/>
+          <a:lstStyle/>
+          <a:p>
+            <a:r>
+              <a:rPr lang="ru-RU" smtClean="0"/>
+              <a:t>Чего не хватает приведённому </a:t>
+            </a:r>
+            <a:r>
+              <a:rPr lang="en-US" smtClean="0"/>
+              <a:t>ts_printf </a:t>
+            </a:r>
+            <a:r>
+              <a:rPr lang="ru-RU" smtClean="0"/>
+              <a:t>по сравнению с обычным</a:t>
+            </a:r>
+            <a:r>
+              <a:rPr lang="en-US" smtClean="0"/>
+              <a:t> printf?</a:t>
+            </a:r>
+            <a:endParaRPr lang="ru-RU" smtClean="0"/>
+          </a:p>
+          <a:p>
+            <a:pPr marL="0" indent="0">
+              <a:buNone/>
+            </a:pPr>
+            <a:r>
+              <a:rPr lang="sv-SE">
+                <a:latin typeface="Consolas" panose="020B0609020204030204" pitchFamily="49" charset="0"/>
+              </a:rPr>
+              <a:t>int val;</a:t>
+            </a:r>
+            <a:br>
+              <a:rPr lang="sv-SE">
+                <a:latin typeface="Consolas" panose="020B0609020204030204" pitchFamily="49" charset="0"/>
+              </a:rPr>
+            </a:br>
+            <a:r>
+              <a:rPr lang="sv-SE">
+                <a:latin typeface="Consolas" panose="020B0609020204030204" pitchFamily="49" charset="0"/>
+              </a:rPr>
+              <a:t>printf("blah %n blah\n", &amp;val);</a:t>
+            </a:r>
+          </a:p>
+          <a:p>
+            <a:pPr marL="0" indent="0">
+              <a:buNone/>
+            </a:pPr>
+            <a:r>
+              <a:rPr lang="en-US">
+                <a:latin typeface="Consolas" panose="020B0609020204030204" pitchFamily="49" charset="0"/>
+              </a:rPr>
+              <a:t>printf("%*s", 5, "</a:t>
+            </a:r>
+            <a:r>
+              <a:rPr lang="en-US">
+                <a:latin typeface="Consolas" panose="020B0609020204030204" pitchFamily="49" charset="0"/>
+              </a:rPr>
+              <a:t>Hi</a:t>
+            </a:r>
+            <a:r>
+              <a:rPr lang="en-US" smtClean="0">
+                <a:latin typeface="Consolas" panose="020B0609020204030204" pitchFamily="49" charset="0"/>
+              </a:rPr>
+              <a:t>");</a:t>
+            </a:r>
+            <a:endParaRPr lang="en-US" smtClean="0"/>
+          </a:p>
+          <a:p>
+            <a:r>
+              <a:rPr lang="ru-RU"/>
+              <a:t>Чего не хватает приведённому </a:t>
+            </a:r>
+            <a:r>
+              <a:rPr lang="en-US"/>
+              <a:t>ts_printf </a:t>
+            </a:r>
+            <a:r>
+              <a:rPr lang="ru-RU"/>
+              <a:t>по </a:t>
+            </a:r>
+            <a:r>
+              <a:rPr lang="ru-RU"/>
+              <a:t>сравнению </a:t>
+            </a:r>
+            <a:r>
+              <a:rPr lang="ru-RU" smtClean="0"/>
+              <a:t>с выводом в языках вроде </a:t>
+            </a:r>
+            <a:r>
+              <a:rPr lang="en-US" smtClean="0"/>
+              <a:t>python?</a:t>
+            </a:r>
+          </a:p>
+          <a:p>
+            <a:pPr lvl="1"/>
+            <a:r>
+              <a:rPr lang="ru-RU" smtClean="0"/>
+              <a:t>например позиционных аргументов</a:t>
+            </a:r>
+          </a:p>
+          <a:p>
+            <a:r>
+              <a:rPr lang="ru-RU" smtClean="0"/>
+              <a:t>Домашняя наработка: попытайтесь добавить недостающее и отладить</a:t>
+            </a:r>
+            <a:endParaRPr lang="en-US"/>
+          </a:p>
+        </p:txBody>
+      </p:sp>
+    </p:spTree>
+    <p:extLst>
+      <p:ext uri="{BB962C8B-B14F-4D97-AF65-F5344CB8AC3E}">
+        <p14:creationId xmlns:p14="http://schemas.microsoft.com/office/powerpoint/2010/main" val="4185730118"/>
+      </p:ext>
+    </p:extLst>
+  </p:cSld>
+  <p:clrMapOvr>
+    <a:masterClrMapping/>
+  </p:clrMapOvr>
+</p:sld>
+</file>
+
 <file path=ppt/slides/slide6.xml><?xml version="1.0" encoding="utf-8"?>
 <p:sld xmlns:a="http://schemas.openxmlformats.org/drawingml/2006/main" xmlns:r="http://schemas.openxmlformats.org/officeDocument/2006/relationships" xmlns:p="http://schemas.openxmlformats.org/presentationml/2006/main">
   <p:cSld>
@@ -11003,6 +17575,166 @@
     <p:extLst>
       <p:ext uri="{BB962C8B-B14F-4D97-AF65-F5344CB8AC3E}">
         <p14:creationId xmlns:p14="http://schemas.microsoft.com/office/powerpoint/2010/main" val="2304320718"/>
+      </p:ext>
+    </p:extLst>
+  </p:cSld>
+  <p:clrMapOvr>
+    <a:masterClrMapping/>
+  </p:clrMapOvr>
+</p:sld>
+</file>
+
+<file path=ppt/slides/slide60.xml><?xml version="1.0" encoding="utf-8"?>
+<p:sld xmlns:a="http://schemas.openxmlformats.org/drawingml/2006/main" xmlns:r="http://schemas.openxmlformats.org/officeDocument/2006/relationships" xmlns:p="http://schemas.openxmlformats.org/presentationml/2006/main">
+  <p:cSld>
+    <p:spTree>
+      <p:nvGrpSpPr>
+        <p:cNvPr id="1" name=""/>
+        <p:cNvGrpSpPr/>
+        <p:nvPr/>
+      </p:nvGrpSpPr>
+      <p:grpSpPr>
+        <a:xfrm>
+          <a:off x="0" y="0"/>
+          <a:ext cx="0" cy="0"/>
+          <a:chOff x="0" y="0"/>
+          <a:chExt cx="0" cy="0"/>
+        </a:xfrm>
+      </p:grpSpPr>
+      <p:sp>
+        <p:nvSpPr>
+          <p:cNvPr id="2" name="Title 1"/>
+          <p:cNvSpPr>
+            <a:spLocks noGrp="1"/>
+          </p:cNvSpPr>
+          <p:nvPr>
+            <p:ph type="title"/>
+          </p:nvPr>
+        </p:nvSpPr>
+        <p:spPr/>
+        <p:txBody>
+          <a:bodyPr/>
+          <a:lstStyle/>
+          <a:p>
+            <a:r>
+              <a:rPr lang="ru-RU" dirty="0" smtClean="0"/>
+              <a:t>Литература</a:t>
+            </a:r>
+            <a:endParaRPr lang="en-US" dirty="0"/>
+          </a:p>
+        </p:txBody>
+      </p:sp>
+      <p:sp>
+        <p:nvSpPr>
+          <p:cNvPr id="3" name="Content Placeholder 2"/>
+          <p:cNvSpPr>
+            <a:spLocks noGrp="1"/>
+          </p:cNvSpPr>
+          <p:nvPr>
+            <p:ph idx="1"/>
+          </p:nvPr>
+        </p:nvSpPr>
+        <p:spPr/>
+        <p:txBody>
+          <a:bodyPr/>
+          <a:lstStyle/>
+          <a:p>
+            <a:pPr marL="502920" lvl="0" indent="-457200">
+              <a:buFont typeface="+mj-lt"/>
+              <a:buAutoNum type="arabicPeriod"/>
+            </a:pPr>
+            <a:r>
+              <a:rPr lang="en-US" dirty="0"/>
+              <a:t>ISO/IEC, "Information </a:t>
+            </a:r>
+            <a:r>
+              <a:rPr lang="en-US"/>
+              <a:t>technology – </a:t>
+            </a:r>
+            <a:r>
+              <a:rPr lang="en-US" dirty="0"/>
+              <a:t>Programming languages – C++", </a:t>
+            </a:r>
+            <a:r>
+              <a:rPr lang="en-US"/>
+              <a:t>ISO/IEC </a:t>
+            </a:r>
+            <a:r>
+              <a:rPr lang="en-US" smtClean="0"/>
+              <a:t>14882:2017, 2017</a:t>
+            </a:r>
+            <a:endParaRPr lang="en-US" dirty="0"/>
+          </a:p>
+          <a:p>
+            <a:pPr marL="502920" lvl="0" indent="-457200">
+              <a:buFont typeface="+mj-lt"/>
+              <a:buAutoNum type="arabicPeriod"/>
+            </a:pPr>
+            <a:r>
+              <a:rPr lang="en-US"/>
+              <a:t>Bjarne Stroustrup, The </a:t>
+            </a:r>
+            <a:r>
+              <a:rPr lang="en-US" dirty="0"/>
+              <a:t>C++ Programming Language (4th </a:t>
+            </a:r>
+            <a:r>
+              <a:rPr lang="en-US"/>
+              <a:t>Edition</a:t>
+            </a:r>
+            <a:r>
+              <a:rPr lang="en-US" smtClean="0"/>
+              <a:t>)</a:t>
+            </a:r>
+          </a:p>
+          <a:p>
+            <a:pPr marL="502920" lvl="0" indent="-457200">
+              <a:buFont typeface="+mj-lt"/>
+              <a:buAutoNum type="arabicPeriod"/>
+            </a:pPr>
+            <a:r>
+              <a:rPr lang="en-US"/>
+              <a:t>David Vandevoorde, Nicolai M. Josuttis</a:t>
+            </a:r>
+            <a:r>
+              <a:rPr lang="en-US" smtClean="0"/>
+              <a:t>, </a:t>
+            </a:r>
+            <a:r>
+              <a:rPr lang="en-US"/>
+              <a:t>Douglas </a:t>
+            </a:r>
+            <a:r>
+              <a:rPr lang="en-US" smtClean="0"/>
+              <a:t>Gregor, C</a:t>
+            </a:r>
+            <a:r>
+              <a:rPr lang="en-US"/>
+              <a:t>++ Templates – The Complete Guide, 2nd </a:t>
+            </a:r>
+            <a:r>
+              <a:rPr lang="en-US" smtClean="0"/>
+              <a:t>Edition</a:t>
+            </a:r>
+            <a:endParaRPr lang="ru-RU" smtClean="0"/>
+          </a:p>
+          <a:p>
+            <a:pPr marL="502920" lvl="0" indent="-457200">
+              <a:buFont typeface="+mj-lt"/>
+              <a:buAutoNum type="arabicPeriod"/>
+            </a:pPr>
+            <a:r>
+              <a:rPr lang="en-US"/>
+              <a:t>Simon Brand, "Adding C++17 structured bindings support to your classes", https://blog.tartanllama.xyz/structured-bindings/</a:t>
+            </a:r>
+            <a:endParaRPr lang="en-US" dirty="0"/>
+          </a:p>
+        </p:txBody>
+      </p:sp>
+    </p:spTree>
+    <p:extLst>
+      <p:ext uri="{BB962C8B-B14F-4D97-AF65-F5344CB8AC3E}">
+        <p14:creationId xmlns:p14="http://schemas.microsoft.com/office/powerpoint/2010/main" val="1719869055"/>
       </p:ext>
     </p:extLst>
   </p:cSld>
@@ -11216,13 +17948,7 @@
               <a:rPr lang="en-US" smtClean="0">
                 <a:latin typeface="Consolas" panose="020B0609020204030204" pitchFamily="49" charset="0"/>
               </a:rPr>
-              <a:t>sizeof...(</a:t>
-            </a:r>
-            <a:r>
-              <a:rPr lang="en-US" smtClean="0">
-                <a:latin typeface="Consolas" panose="020B0609020204030204" pitchFamily="49" charset="0"/>
-              </a:rPr>
-              <a:t>Args) </a:t>
+              <a:t>sizeof...(Args) </a:t>
             </a:r>
             <a:r>
               <a:rPr lang="ru-RU" smtClean="0"/>
@@ -11232,19 +17958,7 @@
               <a:rPr lang="en-US" smtClean="0">
                 <a:latin typeface="Consolas" panose="020B0609020204030204" pitchFamily="49" charset="0"/>
               </a:rPr>
-              <a:t> </a:t>
-            </a:r>
-            <a:r>
-              <a:rPr lang="en-US" smtClean="0">
-                <a:latin typeface="Consolas" panose="020B0609020204030204" pitchFamily="49" charset="0"/>
-              </a:rPr>
-              <a:t>sizeof...(</a:t>
-            </a:r>
-            <a:r>
-              <a:rPr lang="en-US" smtClean="0">
-                <a:latin typeface="Consolas" panose="020B0609020204030204" pitchFamily="49" charset="0"/>
-              </a:rPr>
-              <a:t>args) </a:t>
+              <a:t> sizeof...(args) </a:t>
             </a:r>
             <a:r>
               <a:rPr lang="ru-RU" smtClean="0"/>

--- a/slides/sep2017/07-variadics.pptx
+++ b/slides/sep2017/07-variadics.pptx
@@ -5,7 +5,7 @@
     <p:sldMasterId id="2147483684" r:id="rId1"/>
   </p:sldMasterIdLst>
   <p:notesMasterIdLst>
-    <p:notesMasterId r:id="rId62"/>
+    <p:notesMasterId r:id="rId66"/>
   </p:notesMasterIdLst>
   <p:sldIdLst>
     <p:sldId id="256" r:id="rId2"/>
@@ -68,6 +68,10 @@
     <p:sldId id="314" r:id="rId59"/>
     <p:sldId id="315" r:id="rId60"/>
     <p:sldId id="258" r:id="rId61"/>
+    <p:sldId id="316" r:id="rId62"/>
+    <p:sldId id="317" r:id="rId63"/>
+    <p:sldId id="318" r:id="rId64"/>
+    <p:sldId id="319" r:id="rId65"/>
   </p:sldIdLst>
   <p:sldSz cx="12192000" cy="6858000"/>
   <p:notesSz cx="6858000" cy="9144000"/>
@@ -256,7 +260,7 @@
           <a:p>
             <a:fld id="{B041AF36-CD26-47D2-B9B3-DA4139894D3A}" type="datetimeFigureOut">
               <a:rPr lang="en-US" smtClean="0"/>
-              <a:t>10/27/2017</a:t>
+              <a:t>11/21/2017</a:t>
             </a:fld>
             <a:endParaRPr lang="en-US"/>
           </a:p>
@@ -805,7 +809,7 @@
             <a:fld id="{96DFF08F-DC6B-4601-B491-B0F83F6DD2DA}" type="datetimeFigureOut">
               <a:rPr lang="en-US" dirty="0"/>
               <a:pPr/>
-              <a:t>10/27/2017</a:t>
+              <a:t>11/21/2017</a:t>
             </a:fld>
             <a:endParaRPr lang="en-US" dirty="0"/>
           </a:p>
@@ -1022,7 +1026,7 @@
           <a:p>
             <a:fld id="{96DFF08F-DC6B-4601-B491-B0F83F6DD2DA}" type="datetimeFigureOut">
               <a:rPr lang="en-US" dirty="0"/>
-              <a:t>10/27/2017</a:t>
+              <a:t>11/21/2017</a:t>
             </a:fld>
             <a:endParaRPr lang="en-US" dirty="0"/>
           </a:p>
@@ -1197,7 +1201,7 @@
           <a:p>
             <a:fld id="{96DFF08F-DC6B-4601-B491-B0F83F6DD2DA}" type="datetimeFigureOut">
               <a:rPr lang="en-US" dirty="0"/>
-              <a:t>10/27/2017</a:t>
+              <a:t>11/21/2017</a:t>
             </a:fld>
             <a:endParaRPr lang="en-US" dirty="0"/>
           </a:p>
@@ -1362,7 +1366,7 @@
           <a:p>
             <a:fld id="{96DFF08F-DC6B-4601-B491-B0F83F6DD2DA}" type="datetimeFigureOut">
               <a:rPr lang="en-US" dirty="0"/>
-              <a:t>10/27/2017</a:t>
+              <a:t>11/21/2017</a:t>
             </a:fld>
             <a:endParaRPr lang="en-US" dirty="0"/>
           </a:p>
@@ -1608,7 +1612,7 @@
           <a:p>
             <a:fld id="{96DFF08F-DC6B-4601-B491-B0F83F6DD2DA}" type="datetimeFigureOut">
               <a:rPr lang="en-US" dirty="0"/>
-              <a:t>10/27/2017</a:t>
+              <a:t>11/21/2017</a:t>
             </a:fld>
             <a:endParaRPr lang="en-US" dirty="0"/>
           </a:p>
@@ -1926,7 +1930,7 @@
           <a:p>
             <a:fld id="{96DFF08F-DC6B-4601-B491-B0F83F6DD2DA}" type="datetimeFigureOut">
               <a:rPr lang="en-US" dirty="0"/>
-              <a:t>10/27/2017</a:t>
+              <a:t>11/21/2017</a:t>
             </a:fld>
             <a:endParaRPr lang="en-US" dirty="0"/>
           </a:p>
@@ -2345,7 +2349,7 @@
           <a:p>
             <a:fld id="{96DFF08F-DC6B-4601-B491-B0F83F6DD2DA}" type="datetimeFigureOut">
               <a:rPr lang="en-US" dirty="0"/>
-              <a:t>10/27/2017</a:t>
+              <a:t>11/21/2017</a:t>
             </a:fld>
             <a:endParaRPr lang="en-US" dirty="0"/>
           </a:p>
@@ -2458,7 +2462,7 @@
           <a:p>
             <a:fld id="{96DFF08F-DC6B-4601-B491-B0F83F6DD2DA}" type="datetimeFigureOut">
               <a:rPr lang="en-US" dirty="0"/>
-              <a:t>10/27/2017</a:t>
+              <a:t>11/21/2017</a:t>
             </a:fld>
             <a:endParaRPr lang="en-US" dirty="0"/>
           </a:p>
@@ -2548,7 +2552,7 @@
           <a:p>
             <a:fld id="{96DFF08F-DC6B-4601-B491-B0F83F6DD2DA}" type="datetimeFigureOut">
               <a:rPr lang="en-US" dirty="0"/>
-              <a:t>10/27/2017</a:t>
+              <a:t>11/21/2017</a:t>
             </a:fld>
             <a:endParaRPr lang="en-US" dirty="0"/>
           </a:p>
@@ -2833,7 +2837,7 @@
           <a:p>
             <a:fld id="{96DFF08F-DC6B-4601-B491-B0F83F6DD2DA}" type="datetimeFigureOut">
               <a:rPr lang="en-US" dirty="0"/>
-              <a:t>10/27/2017</a:t>
+              <a:t>11/21/2017</a:t>
             </a:fld>
             <a:endParaRPr lang="en-US" dirty="0"/>
           </a:p>
@@ -3100,7 +3104,7 @@
           <a:p>
             <a:fld id="{96DFF08F-DC6B-4601-B491-B0F83F6DD2DA}" type="datetimeFigureOut">
               <a:rPr lang="en-US" dirty="0"/>
-              <a:t>10/27/2017</a:t>
+              <a:t>11/21/2017</a:t>
             </a:fld>
             <a:endParaRPr lang="en-US" dirty="0"/>
           </a:p>
@@ -3349,7 +3353,7 @@
             <a:fld id="{96DFF08F-DC6B-4601-B491-B0F83F6DD2DA}" type="datetimeFigureOut">
               <a:rPr lang="en-US" dirty="0"/>
               <a:pPr/>
-              <a:t>10/27/2017</a:t>
+              <a:t>11/21/2017</a:t>
             </a:fld>
             <a:endParaRPr lang="en-US" dirty="0"/>
           </a:p>
@@ -10044,7 +10048,28 @@
               <a:rPr lang="en-US" smtClean="0">
                 <a:latin typeface="Consolas" panose="020B0609020204030204" pitchFamily="49" charset="0"/>
               </a:rPr>
-              <a:t>string s; bool succ = parse_string&lt;int</a:t>
+              <a:t>int</a:t>
+            </a:r>
+            <a:r>
+              <a:rPr lang="en-US" smtClean="0">
+                <a:solidFill>
+                  <a:srgbClr val="0000FF"/>
+                </a:solidFill>
+                <a:latin typeface="Consolas" panose="020B0609020204030204" pitchFamily="49" charset="0"/>
+              </a:rPr>
+              <a:t> </a:t>
+            </a:r>
+            <a:r>
+              <a:rPr lang="en-US" smtClean="0">
+                <a:latin typeface="Consolas" panose="020B0609020204030204" pitchFamily="49" charset="0"/>
+              </a:rPr>
+              <a:t>s</a:t>
+            </a:r>
+            <a:r>
+              <a:rPr lang="en-US" smtClean="0">
+                <a:latin typeface="Consolas" panose="020B0609020204030204" pitchFamily="49" charset="0"/>
+              </a:rPr>
+              <a:t>; bool succ = parse_string&lt;int</a:t>
             </a:r>
             <a:r>
               <a:rPr lang="en-US">
@@ -10394,7 +10419,13 @@
               <a:rPr lang="en-US" smtClean="0">
                 <a:latin typeface="Consolas" panose="020B0609020204030204" pitchFamily="49" charset="0"/>
               </a:rPr>
-              <a:t>string s = parsed.second;</a:t>
+              <a:t>auto s </a:t>
+            </a:r>
+            <a:r>
+              <a:rPr lang="en-US" smtClean="0">
+                <a:latin typeface="Consolas" panose="020B0609020204030204" pitchFamily="49" charset="0"/>
+              </a:rPr>
+              <a:t>= parsed.second;</a:t>
             </a:r>
             <a:endParaRPr lang="en-US"/>
           </a:p>
@@ -10715,7 +10746,13 @@
               <a:rPr lang="en-US" smtClean="0">
                 <a:latin typeface="Consolas" panose="020B0609020204030204" pitchFamily="49" charset="0"/>
               </a:rPr>
-              <a:t>string s = </a:t>
+              <a:t>auto s </a:t>
+            </a:r>
+            <a:r>
+              <a:rPr lang="en-US" smtClean="0">
+                <a:latin typeface="Consolas" panose="020B0609020204030204" pitchFamily="49" charset="0"/>
+              </a:rPr>
+              <a:t>= </a:t>
             </a:r>
             <a:r>
               <a:rPr lang="en-US" smtClean="0">
@@ -13940,7 +13977,13 @@
               <a:rPr lang="en-US">
                 <a:latin typeface="Consolas" panose="020B0609020204030204" pitchFamily="49" charset="0"/>
               </a:rPr>
-              <a:t>auto v = make_from_tuple &lt;vector&lt;int&gt;&gt; (t);</a:t>
+              <a:t>auto v = make_from_tuple &lt;vector&lt;int&gt;&gt; </a:t>
+            </a:r>
+            <a:r>
+              <a:rPr lang="en-US" smtClean="0">
+                <a:latin typeface="Consolas" panose="020B0609020204030204" pitchFamily="49" charset="0"/>
+              </a:rPr>
+              <a:t>(make_tuple(10, 20));</a:t>
             </a:r>
             <a:endParaRPr lang="ru-RU" smtClean="0"/>
           </a:p>
@@ -15103,13 +15146,7 @@
               <a:rPr lang="en-US">
                 <a:latin typeface="Consolas" panose="020B0609020204030204" pitchFamily="49" charset="0"/>
               </a:rPr>
-              <a:t>template &lt;typename </a:t>
-            </a:r>
-            <a:r>
-              <a:rPr lang="en-US">
-                <a:latin typeface="Consolas" panose="020B0609020204030204" pitchFamily="49" charset="0"/>
-              </a:rPr>
-              <a:t>... </a:t>
+              <a:t>template &lt;typename ... </a:t>
             </a:r>
             <a:r>
               <a:rPr lang="en-US" smtClean="0">
@@ -15157,12 +15194,6 @@
                 <a:latin typeface="Consolas" panose="020B0609020204030204" pitchFamily="49" charset="0"/>
               </a:rPr>
               <a:t>(args + ...);</a:t>
-            </a:r>
-            <a:r>
-              <a:rPr lang="en-US">
-                <a:latin typeface="Consolas" panose="020B0609020204030204" pitchFamily="49" charset="0"/>
-              </a:rPr>
-              <a:t/>
             </a:r>
             <a:br>
               <a:rPr lang="en-US">
@@ -15257,12 +15288,6 @@
                 <a:latin typeface="Consolas" panose="020B0609020204030204" pitchFamily="49" charset="0"/>
               </a:rPr>
               <a:t> </a:t>
-            </a:r>
-            <a:r>
-              <a:rPr lang="ru-RU">
-                <a:latin typeface="Consolas" panose="020B0609020204030204" pitchFamily="49" charset="0"/>
-              </a:rPr>
-              <a:t/>
             </a:r>
             <a:br>
               <a:rPr lang="ru-RU">
@@ -15511,12 +15536,6 @@
               </a:rPr>
               <a:t> </a:t>
             </a:r>
-            <a:r>
-              <a:rPr lang="ru-RU">
-                <a:latin typeface="Consolas" panose="020B0609020204030204" pitchFamily="49" charset="0"/>
-              </a:rPr>
-              <a:t/>
-            </a:r>
             <a:br>
               <a:rPr lang="ru-RU">
                 <a:latin typeface="Consolas" panose="020B0609020204030204" pitchFamily="49" charset="0"/>
@@ -15619,13 +15638,7 @@
               <a:rPr lang="en-US">
                 <a:latin typeface="Consolas" panose="020B0609020204030204" pitchFamily="49" charset="0"/>
               </a:rPr>
-              <a:t>int t = add (1, 1.0, 1u</a:t>
-            </a:r>
-            <a:r>
-              <a:rPr lang="en-US">
-                <a:latin typeface="Consolas" panose="020B0609020204030204" pitchFamily="49" charset="0"/>
-              </a:rPr>
-              <a:t>); </a:t>
+              <a:t>int t = add (1, 1.0, 1u); </a:t>
             </a:r>
             <a:r>
               <a:rPr lang="en-US" smtClean="0">
@@ -15692,13 +15705,7 @@
               <a:rPr lang="en-US">
                 <a:latin typeface="Consolas" panose="020B0609020204030204" pitchFamily="49" charset="0"/>
               </a:rPr>
-              <a:t>add &lt;</a:t>
-            </a:r>
-            <a:r>
-              <a:rPr lang="en-US">
-                <a:latin typeface="Consolas" panose="020B0609020204030204" pitchFamily="49" charset="0"/>
-              </a:rPr>
-              <a:t>unsigned</a:t>
+              <a:t>add &lt;unsigned</a:t>
             </a:r>
             <a:r>
               <a:rPr lang="en-US" smtClean="0">
@@ -15749,7 +15756,11 @@
           <a:p>
             <a:r>
               <a:rPr lang="ru-RU" smtClean="0"/>
-              <a:t>Несмотря на некоторую громоздкость, это очень полезная техника</a:t>
+              <a:t>Тизер: эта идея получит развитие в лекции про </a:t>
+            </a:r>
+            <a:r>
+              <a:rPr lang="en-US" smtClean="0"/>
+              <a:t>SFINAE</a:t>
             </a:r>
             <a:endParaRPr lang="en-US"/>
           </a:p>
@@ -15900,13 +15911,7 @@
               <a:rPr lang="en-US">
                 <a:latin typeface="Consolas" panose="020B0609020204030204" pitchFamily="49" charset="0"/>
               </a:rPr>
-              <a:t>return v + u</a:t>
-            </a:r>
-            <a:r>
-              <a:rPr lang="en-US">
-                <a:latin typeface="Consolas" panose="020B0609020204030204" pitchFamily="49" charset="0"/>
-              </a:rPr>
-              <a:t>; </a:t>
+              <a:t>return v + u; </a:t>
             </a:r>
             <a:r>
               <a:rPr lang="en-US" smtClean="0">
@@ -15945,12 +15950,6 @@
                 <a:latin typeface="Consolas" panose="020B0609020204030204" pitchFamily="49" charset="0"/>
               </a:rPr>
               <a:t> </a:t>
-            </a:r>
-            <a:r>
-              <a:rPr lang="ru-RU">
-                <a:latin typeface="Consolas" panose="020B0609020204030204" pitchFamily="49" charset="0"/>
-              </a:rPr>
-              <a:t/>
             </a:r>
             <a:br>
               <a:rPr lang="ru-RU">
@@ -16160,13 +16159,7 @@
               <a:rPr lang="en-US">
                 <a:latin typeface="Consolas" panose="020B0609020204030204" pitchFamily="49" charset="0"/>
               </a:rPr>
-              <a:t>template&lt;typename T</a:t>
-            </a:r>
-            <a:r>
-              <a:rPr lang="en-US">
-                <a:latin typeface="Consolas" panose="020B0609020204030204" pitchFamily="49" charset="0"/>
-              </a:rPr>
-              <a:t>, </a:t>
+              <a:t>template&lt;typename T, </a:t>
             </a:r>
             <a:r>
               <a:rPr lang="ru-RU" smtClean="0">
@@ -16195,13 +16188,7 @@
               <a:rPr lang="en-US">
                 <a:latin typeface="Consolas" panose="020B0609020204030204" pitchFamily="49" charset="0"/>
               </a:rPr>
-              <a:t>... Args</a:t>
-            </a:r>
-            <a:r>
-              <a:rPr lang="en-US">
-                <a:latin typeface="Consolas" panose="020B0609020204030204" pitchFamily="49" charset="0"/>
-              </a:rPr>
-              <a:t>&gt; </a:t>
+              <a:t>... Args&gt; </a:t>
             </a:r>
             <a:r>
               <a:rPr lang="ru-RU" smtClean="0">
@@ -16253,13 +16240,7 @@
               <a:rPr lang="en-US">
                 <a:latin typeface="Consolas" panose="020B0609020204030204" pitchFamily="49" charset="0"/>
               </a:rPr>
-              <a:t>char* s</a:t>
-            </a:r>
-            <a:r>
-              <a:rPr lang="en-US">
-                <a:latin typeface="Consolas" panose="020B0609020204030204" pitchFamily="49" charset="0"/>
-              </a:rPr>
-              <a:t>, </a:t>
+              <a:t>char* s, </a:t>
             </a:r>
             <a:r>
               <a:rPr lang="ru-RU" smtClean="0">
@@ -16300,13 +16281,7 @@
               <a:rPr lang="en-US">
                 <a:latin typeface="Consolas" panose="020B0609020204030204" pitchFamily="49" charset="0"/>
               </a:rPr>
-              <a:t>&amp;&amp; value</a:t>
-            </a:r>
-            <a:r>
-              <a:rPr lang="en-US">
-                <a:latin typeface="Consolas" panose="020B0609020204030204" pitchFamily="49" charset="0"/>
-              </a:rPr>
-              <a:t>, </a:t>
+              <a:t>&amp;&amp; value, </a:t>
             </a:r>
             <a:r>
               <a:rPr lang="ru-RU" smtClean="0">
@@ -16370,13 +16345,7 @@
               <a:rPr lang="en-US">
                 <a:latin typeface="Consolas" panose="020B0609020204030204" pitchFamily="49" charset="0"/>
               </a:rPr>
-              <a:t>int ts_printf(const char</a:t>
-            </a:r>
-            <a:r>
-              <a:rPr lang="en-US">
-                <a:latin typeface="Consolas" panose="020B0609020204030204" pitchFamily="49" charset="0"/>
-              </a:rPr>
-              <a:t>* </a:t>
+              <a:t>int ts_printf(const char* </a:t>
             </a:r>
             <a:r>
               <a:rPr lang="en-US" smtClean="0">
@@ -16482,13 +16451,7 @@
               <a:rPr lang="en-US">
                 <a:latin typeface="Consolas" panose="020B0609020204030204" pitchFamily="49" charset="0"/>
               </a:rPr>
-              <a:t>int ts_printf(const char* s</a:t>
-            </a:r>
-            <a:r>
-              <a:rPr lang="en-US">
-                <a:latin typeface="Consolas" panose="020B0609020204030204" pitchFamily="49" charset="0"/>
-              </a:rPr>
-              <a:t>) </a:t>
+              <a:t>int ts_printf(const char* s) </a:t>
             </a:r>
             <a:r>
               <a:rPr lang="en-US" smtClean="0">
@@ -16528,13 +16491,7 @@
               <a:rPr lang="en-US">
                 <a:latin typeface="Consolas" panose="020B0609020204030204" pitchFamily="49" charset="0"/>
               </a:rPr>
-              <a:t>while (*s</a:t>
-            </a:r>
-            <a:r>
-              <a:rPr lang="en-US">
-                <a:latin typeface="Consolas" panose="020B0609020204030204" pitchFamily="49" charset="0"/>
-              </a:rPr>
-              <a:t>) </a:t>
+              <a:t>while (*s) </a:t>
             </a:r>
             <a:r>
               <a:rPr lang="en-US" smtClean="0">
@@ -16563,13 +16520,7 @@
               <a:rPr lang="en-US">
                 <a:latin typeface="Consolas" panose="020B0609020204030204" pitchFamily="49" charset="0"/>
               </a:rPr>
-              <a:t>if (*s == '%' &amp;&amp; *++s </a:t>
-            </a:r>
-            <a:r>
-              <a:rPr lang="en-US">
-                <a:latin typeface="Consolas" panose="020B0609020204030204" pitchFamily="49" charset="0"/>
-              </a:rPr>
-              <a:t>!= </a:t>
+              <a:t>if (*s == '%' &amp;&amp; *++s != </a:t>
             </a:r>
             <a:r>
               <a:rPr lang="en-US" smtClean="0">
@@ -16610,13 +16561,7 @@
               <a:rPr lang="en-US">
                 <a:latin typeface="Consolas" panose="020B0609020204030204" pitchFamily="49" charset="0"/>
               </a:rPr>
-              <a:t>string: missing </a:t>
-            </a:r>
-            <a:r>
-              <a:rPr lang="en-US">
-                <a:latin typeface="Consolas" panose="020B0609020204030204" pitchFamily="49" charset="0"/>
-              </a:rPr>
-              <a:t>arguments</a:t>
+              <a:t>string: missing arguments</a:t>
             </a:r>
             <a:r>
               <a:rPr lang="en-US" smtClean="0">
@@ -16656,13 +16601,7 @@
               <a:rPr lang="en-US">
                 <a:latin typeface="Consolas" panose="020B0609020204030204" pitchFamily="49" charset="0"/>
               </a:rPr>
-              <a:t>&lt;&lt; *</a:t>
-            </a:r>
-            <a:r>
-              <a:rPr lang="en-US">
-                <a:latin typeface="Consolas" panose="020B0609020204030204" pitchFamily="49" charset="0"/>
-              </a:rPr>
-              <a:t>s</a:t>
+              <a:t>&lt;&lt; *s</a:t>
             </a:r>
             <a:r>
               <a:rPr lang="en-US" smtClean="0">
@@ -16814,19 +16753,7 @@
               <a:rPr lang="en-US">
                 <a:latin typeface="Consolas" panose="020B0609020204030204" pitchFamily="49" charset="0"/>
               </a:rPr>
-              <a:t>template&lt;typename T, typename... Args</a:t>
-            </a:r>
-            <a:r>
-              <a:rPr lang="en-US">
-                <a:latin typeface="Consolas" panose="020B0609020204030204" pitchFamily="49" charset="0"/>
-              </a:rPr>
-              <a:t>&gt; </a:t>
-            </a:r>
-            <a:r>
-              <a:rPr lang="en-US">
-                <a:latin typeface="Consolas" panose="020B0609020204030204" pitchFamily="49" charset="0"/>
-              </a:rPr>
-              <a:t/>
+              <a:t>template&lt;typename T, typename... Args&gt; </a:t>
             </a:r>
             <a:br>
               <a:rPr lang="en-US">
@@ -16843,13 +16770,7 @@
               <a:rPr lang="en-US">
                 <a:latin typeface="Consolas" panose="020B0609020204030204" pitchFamily="49" charset="0"/>
               </a:rPr>
-              <a:t>ts_printf(const char* s, T&amp;&amp; value, Args&amp;&amp;... args</a:t>
-            </a:r>
-            <a:r>
-              <a:rPr lang="en-US">
-                <a:latin typeface="Consolas" panose="020B0609020204030204" pitchFamily="49" charset="0"/>
-              </a:rPr>
-              <a:t>) </a:t>
+              <a:t>ts_printf(const char* s, T&amp;&amp; value, Args&amp;&amp;... args) </a:t>
             </a:r>
             <a:r>
               <a:rPr lang="en-US" smtClean="0">
@@ -16872,13 +16793,7 @@
               <a:rPr lang="en-US">
                 <a:latin typeface="Consolas" panose="020B0609020204030204" pitchFamily="49" charset="0"/>
               </a:rPr>
-              <a:t>while (*s</a:t>
-            </a:r>
-            <a:r>
-              <a:rPr lang="en-US">
-                <a:latin typeface="Consolas" panose="020B0609020204030204" pitchFamily="49" charset="0"/>
-              </a:rPr>
-              <a:t>) </a:t>
+              <a:t>while (*s) </a:t>
             </a:r>
             <a:r>
               <a:rPr lang="en-US" smtClean="0">
@@ -16901,13 +16816,7 @@
               <a:rPr lang="en-US">
                 <a:latin typeface="Consolas" panose="020B0609020204030204" pitchFamily="49" charset="0"/>
               </a:rPr>
-              <a:t>if (*s == '%' &amp;&amp; *++s != </a:t>
-            </a:r>
-            <a:r>
-              <a:rPr lang="en-US">
-                <a:latin typeface="Consolas" panose="020B0609020204030204" pitchFamily="49" charset="0"/>
-              </a:rPr>
-              <a:t>'%') </a:t>
+              <a:t>if (*s == '%' &amp;&amp; *++s != '%') </a:t>
             </a:r>
             <a:r>
               <a:rPr lang="en-US" smtClean="0">
@@ -16930,13 +16839,7 @@
               <a:rPr lang="en-US">
                 <a:latin typeface="Consolas" panose="020B0609020204030204" pitchFamily="49" charset="0"/>
               </a:rPr>
-              <a:t>/* ignore the character that follows the </a:t>
-            </a:r>
-            <a:r>
-              <a:rPr lang="en-US">
-                <a:latin typeface="Consolas" panose="020B0609020204030204" pitchFamily="49" charset="0"/>
-              </a:rPr>
-              <a:t>'%'! </a:t>
+              <a:t>/* ignore the character that follows the '%'! </a:t>
             </a:r>
             <a:r>
               <a:rPr lang="en-US" smtClean="0">
@@ -16959,13 +16862,7 @@
               <a:rPr lang="en-US">
                 <a:latin typeface="Consolas" panose="020B0609020204030204" pitchFamily="49" charset="0"/>
               </a:rPr>
-              <a:t>&lt;&lt; </a:t>
-            </a:r>
-            <a:r>
-              <a:rPr lang="en-US">
-                <a:latin typeface="Consolas" panose="020B0609020204030204" pitchFamily="49" charset="0"/>
-              </a:rPr>
-              <a:t>value</a:t>
+              <a:t>&lt;&lt; value</a:t>
             </a:r>
             <a:r>
               <a:rPr lang="en-US" smtClean="0">
@@ -16988,13 +16885,7 @@
               <a:rPr lang="en-US">
                 <a:latin typeface="Consolas" panose="020B0609020204030204" pitchFamily="49" charset="0"/>
               </a:rPr>
-              <a:t>return printf(++s, forward&lt;Args&gt;(args)...) + </a:t>
-            </a:r>
-            <a:r>
-              <a:rPr lang="en-US">
-                <a:latin typeface="Consolas" panose="020B0609020204030204" pitchFamily="49" charset="0"/>
-              </a:rPr>
-              <a:t>1</a:t>
+              <a:t>return printf(++s, forward&lt;Args&gt;(args)...) + 1</a:t>
             </a:r>
             <a:r>
               <a:rPr lang="en-US" smtClean="0">
@@ -17028,13 +16919,7 @@
               <a:rPr lang="en-US">
                 <a:latin typeface="Consolas" panose="020B0609020204030204" pitchFamily="49" charset="0"/>
               </a:rPr>
-              <a:t>cout &lt;&lt; *</a:t>
-            </a:r>
-            <a:r>
-              <a:rPr lang="en-US">
-                <a:latin typeface="Consolas" panose="020B0609020204030204" pitchFamily="49" charset="0"/>
-              </a:rPr>
-              <a:t>s</a:t>
+              <a:t>cout &lt;&lt; *s</a:t>
             </a:r>
             <a:r>
               <a:rPr lang="en-US" smtClean="0">
@@ -17080,13 +16965,7 @@
               <a:rPr lang="en-US">
                 <a:latin typeface="Consolas" panose="020B0609020204030204" pitchFamily="49" charset="0"/>
               </a:rPr>
-              <a:t>("extra </a:t>
-            </a:r>
-            <a:r>
-              <a:rPr lang="en-US">
-                <a:latin typeface="Consolas" panose="020B0609020204030204" pitchFamily="49" charset="0"/>
-              </a:rPr>
-              <a:t>arguments </a:t>
+              <a:t>("extra arguments </a:t>
             </a:r>
             <a:r>
               <a:rPr lang="en-US" smtClean="0">
@@ -17207,11 +17086,7 @@
             </a:r>
             <a:r>
               <a:rPr lang="ru-RU"/>
-              <a:t>по </a:t>
-            </a:r>
-            <a:r>
-              <a:rPr lang="ru-RU"/>
-              <a:t>сравнению </a:t>
+              <a:t>по сравнению </a:t>
             </a:r>
             <a:r>
               <a:rPr lang="ru-RU" smtClean="0"/>
@@ -17341,13 +17216,7 @@
               <a:rPr lang="en-US">
                 <a:latin typeface="Consolas" panose="020B0609020204030204" pitchFamily="49" charset="0"/>
               </a:rPr>
-              <a:t>printf("%*s", 5, "</a:t>
-            </a:r>
-            <a:r>
-              <a:rPr lang="en-US">
-                <a:latin typeface="Consolas" panose="020B0609020204030204" pitchFamily="49" charset="0"/>
-              </a:rPr>
-              <a:t>Hi</a:t>
+              <a:t>printf("%*s", 5, "Hi</a:t>
             </a:r>
             <a:r>
               <a:rPr lang="en-US" smtClean="0">
@@ -17368,11 +17237,7 @@
             </a:r>
             <a:r>
               <a:rPr lang="ru-RU"/>
-              <a:t>по </a:t>
-            </a:r>
-            <a:r>
-              <a:rPr lang="ru-RU"/>
-              <a:t>сравнению </a:t>
+              <a:t>по сравнению </a:t>
             </a:r>
             <a:r>
               <a:rPr lang="ru-RU" smtClean="0"/>
@@ -17714,9 +17579,8 @@
             </a:r>
             <a:r>
               <a:rPr lang="en-US" smtClean="0"/>
-              <a:t>Edition</a:t>
-            </a:r>
-            <a:endParaRPr lang="ru-RU" smtClean="0"/>
+              <a:t>Edition, 2017</a:t>
+            </a:r>
           </a:p>
           <a:p>
             <a:pPr marL="502920" lvl="0" indent="-457200">
@@ -17725,7 +17589,40 @@
             </a:pPr>
             <a:r>
               <a:rPr lang="en-US"/>
-              <a:t>Simon Brand, "Adding C++17 structured bindings support to your classes", https://blog.tartanllama.xyz/structured-bindings/</a:t>
+              <a:t>A. Alexandrescu, Variadic templates and Funadic, GoingNative' 2012</a:t>
+            </a:r>
+          </a:p>
+          <a:p>
+            <a:pPr marL="502920" lvl="0" indent="-457200">
+              <a:buFont typeface="+mj-lt"/>
+              <a:buAutoNum type="arabicPeriod"/>
+            </a:pPr>
+            <a:r>
+              <a:rPr lang="en-US"/>
+              <a:t>S. T. Lavavej, Tuple: what's new and how it works, CppCon</a:t>
+            </a:r>
+            <a:r>
+              <a:rPr lang="en-US"/>
+              <a:t>' </a:t>
+            </a:r>
+            <a:r>
+              <a:rPr lang="en-US" smtClean="0"/>
+              <a:t>2016</a:t>
+            </a:r>
+            <a:endParaRPr lang="ru-RU" smtClean="0"/>
+          </a:p>
+          <a:p>
+            <a:pPr marL="502920" lvl="0" indent="-457200">
+              <a:buFont typeface="+mj-lt"/>
+              <a:buAutoNum type="arabicPeriod"/>
+            </a:pPr>
+            <a:r>
+              <a:rPr lang="en-US" smtClean="0"/>
+              <a:t>Simon </a:t>
+            </a:r>
+            <a:r>
+              <a:rPr lang="en-US"/>
+              <a:t>Brand, "Adding C++17 structured bindings support to your classes", https://blog.tartanllama.xyz/structured-bindings/</a:t>
             </a:r>
             <a:endParaRPr lang="en-US" dirty="0"/>
           </a:p>
@@ -17735,6 +17632,2226 @@
     <p:extLst>
       <p:ext uri="{BB962C8B-B14F-4D97-AF65-F5344CB8AC3E}">
         <p14:creationId xmlns:p14="http://schemas.microsoft.com/office/powerpoint/2010/main" val="1719869055"/>
+      </p:ext>
+    </p:extLst>
+  </p:cSld>
+  <p:clrMapOvr>
+    <a:masterClrMapping/>
+  </p:clrMapOvr>
+</p:sld>
+</file>
+
+<file path=ppt/slides/slide61.xml><?xml version="1.0" encoding="utf-8"?>
+<p:sld xmlns:a="http://schemas.openxmlformats.org/drawingml/2006/main" xmlns:r="http://schemas.openxmlformats.org/officeDocument/2006/relationships" xmlns:p="http://schemas.openxmlformats.org/presentationml/2006/main">
+  <p:cSld>
+    <p:spTree>
+      <p:nvGrpSpPr>
+        <p:cNvPr id="1" name=""/>
+        <p:cNvGrpSpPr/>
+        <p:nvPr/>
+      </p:nvGrpSpPr>
+      <p:grpSpPr>
+        <a:xfrm>
+          <a:off x="0" y="0"/>
+          <a:ext cx="0" cy="0"/>
+          <a:chOff x="0" y="0"/>
+          <a:chExt cx="0" cy="0"/>
+        </a:xfrm>
+      </p:grpSpPr>
+      <p:sp>
+        <p:nvSpPr>
+          <p:cNvPr id="5" name="Title 4"/>
+          <p:cNvSpPr>
+            <a:spLocks noGrp="1"/>
+          </p:cNvSpPr>
+          <p:nvPr>
+            <p:ph type="title"/>
+          </p:nvPr>
+        </p:nvSpPr>
+        <p:spPr>
+          <a:xfrm>
+            <a:off x="1106424" y="1173575"/>
+            <a:ext cx="10232136" cy="2926080"/>
+          </a:xfrm>
+        </p:spPr>
+        <p:txBody>
+          <a:bodyPr/>
+          <a:lstStyle/>
+          <a:p>
+            <a:r>
+              <a:rPr lang="ru-RU" smtClean="0"/>
+              <a:t>разработка </a:t>
+            </a:r>
+            <a:r>
+              <a:rPr lang="ru-RU" smtClean="0"/>
+              <a:t>дерева</a:t>
+            </a:r>
+            <a:endParaRPr lang="en-US"/>
+          </a:p>
+        </p:txBody>
+      </p:sp>
+      <p:sp>
+        <p:nvSpPr>
+          <p:cNvPr id="6" name="Text Placeholder 5"/>
+          <p:cNvSpPr>
+            <a:spLocks noGrp="1"/>
+          </p:cNvSpPr>
+          <p:nvPr>
+            <p:ph type="body" idx="1"/>
+          </p:nvPr>
+        </p:nvSpPr>
+        <p:spPr/>
+        <p:txBody>
+          <a:bodyPr/>
+          <a:lstStyle/>
+          <a:p>
+            <a:r>
+              <a:rPr lang="ru-RU" smtClean="0"/>
+              <a:t>Домашнее задание на разработку </a:t>
+            </a:r>
+            <a:r>
+              <a:rPr lang="ru-RU" smtClean="0"/>
+              <a:t>класса многосортного дерева</a:t>
+            </a:r>
+            <a:endParaRPr lang="en-US"/>
+          </a:p>
+        </p:txBody>
+      </p:sp>
+      <p:sp>
+        <p:nvSpPr>
+          <p:cNvPr id="4" name="Slide Number Placeholder 3"/>
+          <p:cNvSpPr>
+            <a:spLocks noGrp="1"/>
+          </p:cNvSpPr>
+          <p:nvPr>
+            <p:ph type="sldNum" sz="quarter" idx="12"/>
+          </p:nvPr>
+        </p:nvSpPr>
+        <p:spPr/>
+        <p:txBody>
+          <a:bodyPr/>
+          <a:lstStyle/>
+          <a:p>
+            <a:fld id="{4FAB73BC-B049-4115-A692-8D63A059BFB8}" type="slidenum">
+              <a:rPr lang="en-US" smtClean="0"/>
+              <a:t>61</a:t>
+            </a:fld>
+            <a:endParaRPr lang="en-US" dirty="0"/>
+          </a:p>
+        </p:txBody>
+      </p:sp>
+    </p:spTree>
+    <p:extLst>
+      <p:ext uri="{BB962C8B-B14F-4D97-AF65-F5344CB8AC3E}">
+        <p14:creationId xmlns:p14="http://schemas.microsoft.com/office/powerpoint/2010/main" val="3430106606"/>
+      </p:ext>
+    </p:extLst>
+  </p:cSld>
+  <p:clrMapOvr>
+    <a:masterClrMapping/>
+  </p:clrMapOvr>
+  <p:timing>
+    <p:tnLst>
+      <p:par>
+        <p:cTn id="1" dur="indefinite" restart="never" nodeType="tmRoot"/>
+      </p:par>
+    </p:tnLst>
+  </p:timing>
+</p:sld>
+</file>
+
+<file path=ppt/slides/slide62.xml><?xml version="1.0" encoding="utf-8"?>
+<p:sld xmlns:a="http://schemas.openxmlformats.org/drawingml/2006/main" xmlns:r="http://schemas.openxmlformats.org/officeDocument/2006/relationships" xmlns:p="http://schemas.openxmlformats.org/presentationml/2006/main">
+  <p:cSld>
+    <p:spTree>
+      <p:nvGrpSpPr>
+        <p:cNvPr id="1" name=""/>
+        <p:cNvGrpSpPr/>
+        <p:nvPr/>
+      </p:nvGrpSpPr>
+      <p:grpSpPr>
+        <a:xfrm>
+          <a:off x="0" y="0"/>
+          <a:ext cx="0" cy="0"/>
+          <a:chOff x="0" y="0"/>
+          <a:chExt cx="0" cy="0"/>
+        </a:xfrm>
+      </p:grpSpPr>
+      <p:sp>
+        <p:nvSpPr>
+          <p:cNvPr id="6" name="Title 5"/>
+          <p:cNvSpPr>
+            <a:spLocks noGrp="1"/>
+          </p:cNvSpPr>
+          <p:nvPr>
+            <p:ph type="title"/>
+          </p:nvPr>
+        </p:nvSpPr>
+        <p:spPr/>
+        <p:txBody>
+          <a:bodyPr/>
+          <a:lstStyle/>
+          <a:p>
+            <a:r>
+              <a:rPr lang="en-US" smtClean="0"/>
+              <a:t>PA</a:t>
+            </a:r>
+            <a:r>
+              <a:rPr lang="ru-RU" smtClean="0"/>
+              <a:t>2</a:t>
+            </a:r>
+            <a:r>
+              <a:rPr lang="en-US" smtClean="0"/>
+              <a:t> </a:t>
+            </a:r>
+            <a:r>
+              <a:rPr lang="en-US"/>
+              <a:t>:: </a:t>
+            </a:r>
+            <a:r>
+              <a:rPr lang="ru-RU"/>
+              <a:t>Разработка </a:t>
+            </a:r>
+            <a:r>
+              <a:rPr lang="ru-RU" smtClean="0"/>
+              <a:t>дерева</a:t>
+            </a:r>
+            <a:endParaRPr lang="en-US"/>
+          </a:p>
+        </p:txBody>
+      </p:sp>
+      <p:sp>
+        <p:nvSpPr>
+          <p:cNvPr id="7" name="Content Placeholder 6"/>
+          <p:cNvSpPr>
+            <a:spLocks noGrp="1"/>
+          </p:cNvSpPr>
+          <p:nvPr>
+            <p:ph idx="1"/>
+          </p:nvPr>
+        </p:nvSpPr>
+        <p:spPr/>
+        <p:txBody>
+          <a:bodyPr/>
+          <a:lstStyle/>
+          <a:p>
+            <a:r>
+              <a:rPr lang="ru-RU" smtClean="0"/>
+              <a:t>Задание: разработать вариабельно-шаблонный класс многосортного дерева</a:t>
+            </a:r>
+          </a:p>
+          <a:p>
+            <a:pPr marL="45720" indent="0">
+              <a:buNone/>
+            </a:pPr>
+            <a:r>
+              <a:rPr lang="en-US">
+                <a:latin typeface="Consolas" panose="020B0609020204030204" pitchFamily="49" charset="0"/>
+              </a:rPr>
+              <a:t>template &lt;</a:t>
+            </a:r>
+            <a:r>
+              <a:rPr lang="en-US">
+                <a:latin typeface="Consolas" panose="020B0609020204030204" pitchFamily="49" charset="0"/>
+              </a:rPr>
+              <a:t>typename </a:t>
+            </a:r>
+            <a:r>
+              <a:rPr lang="en-US" smtClean="0">
+                <a:latin typeface="Consolas" panose="020B0609020204030204" pitchFamily="49" charset="0"/>
+              </a:rPr>
+              <a:t>... Ts&gt; </a:t>
+            </a:r>
+            <a:r>
+              <a:rPr lang="en-US">
+                <a:latin typeface="Consolas" panose="020B0609020204030204" pitchFamily="49" charset="0"/>
+              </a:rPr>
+              <a:t>class </a:t>
+            </a:r>
+            <a:r>
+              <a:rPr lang="en-US" smtClean="0">
+                <a:latin typeface="Consolas" panose="020B0609020204030204" pitchFamily="49" charset="0"/>
+              </a:rPr>
+              <a:t>MTree;</a:t>
+            </a:r>
+            <a:endParaRPr lang="en-US">
+              <a:latin typeface="Consolas" panose="020B0609020204030204" pitchFamily="49" charset="0"/>
+            </a:endParaRPr>
+          </a:p>
+          <a:p>
+            <a:r>
+              <a:rPr lang="ru-RU" smtClean="0"/>
+              <a:t>Типы не связаны никакими соотношениями</a:t>
+            </a:r>
+            <a:endParaRPr lang="ru-RU" smtClean="0">
+              <a:latin typeface="Consolas" panose="020B0609020204030204" pitchFamily="49" charset="0"/>
+            </a:endParaRPr>
+          </a:p>
+          <a:p>
+            <a:pPr marL="45720" indent="0">
+              <a:buNone/>
+            </a:pPr>
+            <a:r>
+              <a:rPr lang="en-US" smtClean="0">
+                <a:latin typeface="Consolas" panose="020B0609020204030204" pitchFamily="49" charset="0"/>
+              </a:rPr>
+              <a:t>class Circle {};</a:t>
+            </a:r>
+          </a:p>
+          <a:p>
+            <a:pPr marL="45720" indent="0">
+              <a:buNone/>
+            </a:pPr>
+            <a:r>
+              <a:rPr lang="en-US" smtClean="0">
+                <a:latin typeface="Consolas" panose="020B0609020204030204" pitchFamily="49" charset="0"/>
+              </a:rPr>
+              <a:t>class Square {};</a:t>
+            </a:r>
+          </a:p>
+          <a:p>
+            <a:pPr marL="45720" indent="0">
+              <a:buNone/>
+            </a:pPr>
+            <a:r>
+              <a:rPr lang="en-US" smtClean="0">
+                <a:latin typeface="Consolas" panose="020B0609020204030204" pitchFamily="49" charset="0"/>
+              </a:rPr>
+              <a:t>class Romb {};</a:t>
+            </a:r>
+          </a:p>
+          <a:p>
+            <a:pPr marL="45720" indent="0">
+              <a:buNone/>
+            </a:pPr>
+            <a:r>
+              <a:rPr lang="en-US" smtClean="0">
+                <a:latin typeface="Consolas" panose="020B0609020204030204" pitchFamily="49" charset="0"/>
+              </a:rPr>
+              <a:t>MTree&lt;Circle, Square, Romb&gt; m;</a:t>
+            </a:r>
+            <a:endParaRPr lang="ru-RU">
+              <a:latin typeface="Consolas" panose="020B0609020204030204" pitchFamily="49" charset="0"/>
+            </a:endParaRPr>
+          </a:p>
+          <a:p>
+            <a:r>
+              <a:rPr lang="ru-RU" smtClean="0"/>
+              <a:t>Типы </a:t>
+            </a:r>
+            <a:r>
+              <a:rPr lang="ru-RU" smtClean="0">
+                <a:solidFill>
+                  <a:srgbClr val="FF0000"/>
+                </a:solidFill>
+              </a:rPr>
+              <a:t>не наследуют</a:t>
+            </a:r>
+            <a:r>
+              <a:rPr lang="ru-RU" smtClean="0"/>
+              <a:t> от общего предка</a:t>
+            </a:r>
+            <a:endParaRPr lang="en-US"/>
+          </a:p>
+        </p:txBody>
+      </p:sp>
+      <p:sp>
+        <p:nvSpPr>
+          <p:cNvPr id="8" name="Rectangle 7"/>
+          <p:cNvSpPr/>
+          <p:nvPr/>
+        </p:nvSpPr>
+        <p:spPr>
+          <a:xfrm>
+            <a:off x="8628888" y="2916936"/>
+            <a:ext cx="548640" cy="548640"/>
+          </a:xfrm>
+          <a:prstGeom prst="rect">
+            <a:avLst/>
+          </a:prstGeom>
+          <a:solidFill>
+            <a:srgbClr val="00B0F0"/>
+          </a:solidFill>
+          <a:ln>
+            <a:solidFill>
+              <a:schemeClr val="tx1"/>
+            </a:solidFill>
+          </a:ln>
+        </p:spPr>
+        <p:style>
+          <a:lnRef idx="2">
+            <a:schemeClr val="accent1">
+              <a:shade val="50000"/>
+            </a:schemeClr>
+          </a:lnRef>
+          <a:fillRef idx="1">
+            <a:schemeClr val="accent1"/>
+          </a:fillRef>
+          <a:effectRef idx="0">
+            <a:schemeClr val="accent1"/>
+          </a:effectRef>
+          <a:fontRef idx="minor">
+            <a:schemeClr val="lt1"/>
+          </a:fontRef>
+        </p:style>
+        <p:txBody>
+          <a:bodyPr rtlCol="0" anchor="ctr"/>
+          <a:lstStyle/>
+          <a:p>
+            <a:pPr algn="ctr"/>
+            <a:endParaRPr lang="en-US"/>
+          </a:p>
+        </p:txBody>
+      </p:sp>
+      <p:sp>
+        <p:nvSpPr>
+          <p:cNvPr id="9" name="Oval 8"/>
+          <p:cNvSpPr/>
+          <p:nvPr/>
+        </p:nvSpPr>
+        <p:spPr>
+          <a:xfrm>
+            <a:off x="7984744" y="3907618"/>
+            <a:ext cx="548640" cy="548640"/>
+          </a:xfrm>
+          <a:prstGeom prst="ellipse">
+            <a:avLst/>
+          </a:prstGeom>
+          <a:solidFill>
+            <a:srgbClr val="00B0F0"/>
+          </a:solidFill>
+          <a:ln>
+            <a:solidFill>
+              <a:schemeClr val="tx1"/>
+            </a:solidFill>
+          </a:ln>
+        </p:spPr>
+        <p:style>
+          <a:lnRef idx="2">
+            <a:schemeClr val="accent1">
+              <a:shade val="50000"/>
+            </a:schemeClr>
+          </a:lnRef>
+          <a:fillRef idx="1">
+            <a:schemeClr val="accent1"/>
+          </a:fillRef>
+          <a:effectRef idx="0">
+            <a:schemeClr val="accent1"/>
+          </a:effectRef>
+          <a:fontRef idx="minor">
+            <a:schemeClr val="lt1"/>
+          </a:fontRef>
+        </p:style>
+        <p:txBody>
+          <a:bodyPr rtlCol="0" anchor="ctr"/>
+          <a:lstStyle/>
+          <a:p>
+            <a:pPr algn="ctr"/>
+            <a:endParaRPr lang="en-US"/>
+          </a:p>
+        </p:txBody>
+      </p:sp>
+      <p:sp>
+        <p:nvSpPr>
+          <p:cNvPr id="10" name="Diamond 9"/>
+          <p:cNvSpPr/>
+          <p:nvPr/>
+        </p:nvSpPr>
+        <p:spPr>
+          <a:xfrm>
+            <a:off x="9385291" y="3874049"/>
+            <a:ext cx="548640" cy="548640"/>
+          </a:xfrm>
+          <a:prstGeom prst="diamond">
+            <a:avLst/>
+          </a:prstGeom>
+          <a:solidFill>
+            <a:srgbClr val="00B0F0"/>
+          </a:solidFill>
+          <a:ln>
+            <a:solidFill>
+              <a:schemeClr val="tx1"/>
+            </a:solidFill>
+          </a:ln>
+        </p:spPr>
+        <p:style>
+          <a:lnRef idx="2">
+            <a:schemeClr val="accent1">
+              <a:shade val="50000"/>
+            </a:schemeClr>
+          </a:lnRef>
+          <a:fillRef idx="1">
+            <a:schemeClr val="accent1"/>
+          </a:fillRef>
+          <a:effectRef idx="0">
+            <a:schemeClr val="accent1"/>
+          </a:effectRef>
+          <a:fontRef idx="minor">
+            <a:schemeClr val="lt1"/>
+          </a:fontRef>
+        </p:style>
+        <p:txBody>
+          <a:bodyPr rtlCol="0" anchor="ctr"/>
+          <a:lstStyle/>
+          <a:p>
+            <a:pPr algn="ctr"/>
+            <a:endParaRPr lang="en-US"/>
+          </a:p>
+        </p:txBody>
+      </p:sp>
+      <p:sp>
+        <p:nvSpPr>
+          <p:cNvPr id="11" name="Oval 10"/>
+          <p:cNvSpPr/>
+          <p:nvPr/>
+        </p:nvSpPr>
+        <p:spPr>
+          <a:xfrm>
+            <a:off x="8890798" y="4924552"/>
+            <a:ext cx="548640" cy="548640"/>
+          </a:xfrm>
+          <a:prstGeom prst="ellipse">
+            <a:avLst/>
+          </a:prstGeom>
+          <a:solidFill>
+            <a:srgbClr val="00B0F0"/>
+          </a:solidFill>
+          <a:ln>
+            <a:solidFill>
+              <a:schemeClr val="tx1"/>
+            </a:solidFill>
+          </a:ln>
+        </p:spPr>
+        <p:style>
+          <a:lnRef idx="2">
+            <a:schemeClr val="accent1">
+              <a:shade val="50000"/>
+            </a:schemeClr>
+          </a:lnRef>
+          <a:fillRef idx="1">
+            <a:schemeClr val="accent1"/>
+          </a:fillRef>
+          <a:effectRef idx="0">
+            <a:schemeClr val="accent1"/>
+          </a:effectRef>
+          <a:fontRef idx="minor">
+            <a:schemeClr val="lt1"/>
+          </a:fontRef>
+        </p:style>
+        <p:txBody>
+          <a:bodyPr rtlCol="0" anchor="ctr"/>
+          <a:lstStyle/>
+          <a:p>
+            <a:pPr algn="ctr"/>
+            <a:endParaRPr lang="en-US"/>
+          </a:p>
+        </p:txBody>
+      </p:sp>
+      <p:sp>
+        <p:nvSpPr>
+          <p:cNvPr id="12" name="Rectangle 11"/>
+          <p:cNvSpPr/>
+          <p:nvPr/>
+        </p:nvSpPr>
+        <p:spPr>
+          <a:xfrm>
+            <a:off x="9888311" y="5117592"/>
+            <a:ext cx="548640" cy="548640"/>
+          </a:xfrm>
+          <a:prstGeom prst="rect">
+            <a:avLst/>
+          </a:prstGeom>
+          <a:solidFill>
+            <a:srgbClr val="00B0F0"/>
+          </a:solidFill>
+          <a:ln>
+            <a:solidFill>
+              <a:schemeClr val="tx1"/>
+            </a:solidFill>
+          </a:ln>
+        </p:spPr>
+        <p:style>
+          <a:lnRef idx="2">
+            <a:schemeClr val="accent1">
+              <a:shade val="50000"/>
+            </a:schemeClr>
+          </a:lnRef>
+          <a:fillRef idx="1">
+            <a:schemeClr val="accent1"/>
+          </a:fillRef>
+          <a:effectRef idx="0">
+            <a:schemeClr val="accent1"/>
+          </a:effectRef>
+          <a:fontRef idx="minor">
+            <a:schemeClr val="lt1"/>
+          </a:fontRef>
+        </p:style>
+        <p:txBody>
+          <a:bodyPr rtlCol="0" anchor="ctr"/>
+          <a:lstStyle/>
+          <a:p>
+            <a:pPr algn="ctr"/>
+            <a:endParaRPr lang="en-US"/>
+          </a:p>
+        </p:txBody>
+      </p:sp>
+      <p:cxnSp>
+        <p:nvCxnSpPr>
+          <p:cNvPr id="14" name="Straight Arrow Connector 13"/>
+          <p:cNvCxnSpPr>
+            <a:stCxn id="8" idx="2"/>
+            <a:endCxn id="9" idx="7"/>
+          </p:cNvCxnSpPr>
+          <p:nvPr/>
+        </p:nvCxnSpPr>
+        <p:spPr>
+          <a:xfrm flipH="1">
+            <a:off x="8453038" y="3465576"/>
+            <a:ext cx="450170" cy="522388"/>
+          </a:xfrm>
+          <a:prstGeom prst="straightConnector1">
+            <a:avLst/>
+          </a:prstGeom>
+          <a:ln w="28575">
+            <a:solidFill>
+              <a:schemeClr val="tx1"/>
+            </a:solidFill>
+            <a:tailEnd type="stealth" w="lg" len="lg"/>
+          </a:ln>
+        </p:spPr>
+        <p:style>
+          <a:lnRef idx="1">
+            <a:schemeClr val="accent1"/>
+          </a:lnRef>
+          <a:fillRef idx="0">
+            <a:schemeClr val="accent1"/>
+          </a:fillRef>
+          <a:effectRef idx="0">
+            <a:schemeClr val="accent1"/>
+          </a:effectRef>
+          <a:fontRef idx="minor">
+            <a:schemeClr val="tx1"/>
+          </a:fontRef>
+        </p:style>
+      </p:cxnSp>
+      <p:cxnSp>
+        <p:nvCxnSpPr>
+          <p:cNvPr id="17" name="Straight Arrow Connector 16"/>
+          <p:cNvCxnSpPr>
+            <a:stCxn id="8" idx="2"/>
+            <a:endCxn id="10" idx="0"/>
+          </p:cNvCxnSpPr>
+          <p:nvPr/>
+        </p:nvCxnSpPr>
+        <p:spPr>
+          <a:xfrm>
+            <a:off x="8903208" y="3465576"/>
+            <a:ext cx="756403" cy="408473"/>
+          </a:xfrm>
+          <a:prstGeom prst="straightConnector1">
+            <a:avLst/>
+          </a:prstGeom>
+          <a:ln w="28575">
+            <a:solidFill>
+              <a:schemeClr val="tx1"/>
+            </a:solidFill>
+            <a:tailEnd type="stealth" w="lg" len="lg"/>
+          </a:ln>
+        </p:spPr>
+        <p:style>
+          <a:lnRef idx="1">
+            <a:schemeClr val="accent1"/>
+          </a:lnRef>
+          <a:fillRef idx="0">
+            <a:schemeClr val="accent1"/>
+          </a:fillRef>
+          <a:effectRef idx="0">
+            <a:schemeClr val="accent1"/>
+          </a:effectRef>
+          <a:fontRef idx="minor">
+            <a:schemeClr val="tx1"/>
+          </a:fontRef>
+        </p:style>
+      </p:cxnSp>
+      <p:cxnSp>
+        <p:nvCxnSpPr>
+          <p:cNvPr id="20" name="Straight Arrow Connector 19"/>
+          <p:cNvCxnSpPr>
+            <a:stCxn id="10" idx="2"/>
+            <a:endCxn id="11" idx="0"/>
+          </p:cNvCxnSpPr>
+          <p:nvPr/>
+        </p:nvCxnSpPr>
+        <p:spPr>
+          <a:xfrm flipH="1">
+            <a:off x="9165118" y="4422689"/>
+            <a:ext cx="494493" cy="501863"/>
+          </a:xfrm>
+          <a:prstGeom prst="straightConnector1">
+            <a:avLst/>
+          </a:prstGeom>
+          <a:ln w="28575">
+            <a:solidFill>
+              <a:schemeClr val="tx1"/>
+            </a:solidFill>
+            <a:tailEnd type="stealth" w="lg" len="lg"/>
+          </a:ln>
+        </p:spPr>
+        <p:style>
+          <a:lnRef idx="1">
+            <a:schemeClr val="accent1"/>
+          </a:lnRef>
+          <a:fillRef idx="0">
+            <a:schemeClr val="accent1"/>
+          </a:fillRef>
+          <a:effectRef idx="0">
+            <a:schemeClr val="accent1"/>
+          </a:effectRef>
+          <a:fontRef idx="minor">
+            <a:schemeClr val="tx1"/>
+          </a:fontRef>
+        </p:style>
+      </p:cxnSp>
+      <p:cxnSp>
+        <p:nvCxnSpPr>
+          <p:cNvPr id="23" name="Straight Arrow Connector 22"/>
+          <p:cNvCxnSpPr>
+            <a:stCxn id="10" idx="2"/>
+            <a:endCxn id="12" idx="0"/>
+          </p:cNvCxnSpPr>
+          <p:nvPr/>
+        </p:nvCxnSpPr>
+        <p:spPr>
+          <a:xfrm>
+            <a:off x="9659611" y="4422689"/>
+            <a:ext cx="503020" cy="694903"/>
+          </a:xfrm>
+          <a:prstGeom prst="straightConnector1">
+            <a:avLst/>
+          </a:prstGeom>
+          <a:ln w="28575">
+            <a:solidFill>
+              <a:schemeClr val="tx1"/>
+            </a:solidFill>
+            <a:tailEnd type="stealth" w="lg" len="lg"/>
+          </a:ln>
+        </p:spPr>
+        <p:style>
+          <a:lnRef idx="1">
+            <a:schemeClr val="accent1"/>
+          </a:lnRef>
+          <a:fillRef idx="0">
+            <a:schemeClr val="accent1"/>
+          </a:fillRef>
+          <a:effectRef idx="0">
+            <a:schemeClr val="accent1"/>
+          </a:effectRef>
+          <a:fontRef idx="minor">
+            <a:schemeClr val="tx1"/>
+          </a:fontRef>
+        </p:style>
+      </p:cxnSp>
+      <p:sp>
+        <p:nvSpPr>
+          <p:cNvPr id="33" name="Rectangle 32"/>
+          <p:cNvSpPr/>
+          <p:nvPr/>
+        </p:nvSpPr>
+        <p:spPr>
+          <a:xfrm>
+            <a:off x="7843402" y="5001809"/>
+            <a:ext cx="548640" cy="548640"/>
+          </a:xfrm>
+          <a:prstGeom prst="rect">
+            <a:avLst/>
+          </a:prstGeom>
+          <a:solidFill>
+            <a:srgbClr val="00B0F0"/>
+          </a:solidFill>
+          <a:ln>
+            <a:solidFill>
+              <a:schemeClr val="tx1"/>
+            </a:solidFill>
+          </a:ln>
+        </p:spPr>
+        <p:style>
+          <a:lnRef idx="2">
+            <a:schemeClr val="accent1">
+              <a:shade val="50000"/>
+            </a:schemeClr>
+          </a:lnRef>
+          <a:fillRef idx="1">
+            <a:schemeClr val="accent1"/>
+          </a:fillRef>
+          <a:effectRef idx="0">
+            <a:schemeClr val="accent1"/>
+          </a:effectRef>
+          <a:fontRef idx="minor">
+            <a:schemeClr val="lt1"/>
+          </a:fontRef>
+        </p:style>
+        <p:txBody>
+          <a:bodyPr rtlCol="0" anchor="ctr"/>
+          <a:lstStyle/>
+          <a:p>
+            <a:pPr algn="ctr"/>
+            <a:endParaRPr lang="en-US"/>
+          </a:p>
+        </p:txBody>
+      </p:sp>
+      <p:cxnSp>
+        <p:nvCxnSpPr>
+          <p:cNvPr id="34" name="Straight Arrow Connector 33"/>
+          <p:cNvCxnSpPr>
+            <a:stCxn id="9" idx="4"/>
+            <a:endCxn id="33" idx="0"/>
+          </p:cNvCxnSpPr>
+          <p:nvPr/>
+        </p:nvCxnSpPr>
+        <p:spPr>
+          <a:xfrm flipH="1">
+            <a:off x="8117722" y="4456258"/>
+            <a:ext cx="141342" cy="545551"/>
+          </a:xfrm>
+          <a:prstGeom prst="straightConnector1">
+            <a:avLst/>
+          </a:prstGeom>
+          <a:ln w="28575">
+            <a:solidFill>
+              <a:schemeClr val="tx1"/>
+            </a:solidFill>
+            <a:tailEnd type="stealth" w="lg" len="lg"/>
+          </a:ln>
+        </p:spPr>
+        <p:style>
+          <a:lnRef idx="1">
+            <a:schemeClr val="accent1"/>
+          </a:lnRef>
+          <a:fillRef idx="0">
+            <a:schemeClr val="accent1"/>
+          </a:fillRef>
+          <a:effectRef idx="0">
+            <a:schemeClr val="accent1"/>
+          </a:effectRef>
+          <a:fontRef idx="minor">
+            <a:schemeClr val="tx1"/>
+          </a:fontRef>
+        </p:style>
+      </p:cxnSp>
+    </p:spTree>
+    <p:extLst>
+      <p:ext uri="{BB962C8B-B14F-4D97-AF65-F5344CB8AC3E}">
+        <p14:creationId xmlns:p14="http://schemas.microsoft.com/office/powerpoint/2010/main" val="1833617133"/>
+      </p:ext>
+    </p:extLst>
+  </p:cSld>
+  <p:clrMapOvr>
+    <a:masterClrMapping/>
+  </p:clrMapOvr>
+</p:sld>
+</file>
+
+<file path=ppt/slides/slide63.xml><?xml version="1.0" encoding="utf-8"?>
+<p:sld xmlns:a="http://schemas.openxmlformats.org/drawingml/2006/main" xmlns:r="http://schemas.openxmlformats.org/officeDocument/2006/relationships" xmlns:p="http://schemas.openxmlformats.org/presentationml/2006/main">
+  <p:cSld>
+    <p:spTree>
+      <p:nvGrpSpPr>
+        <p:cNvPr id="1" name=""/>
+        <p:cNvGrpSpPr/>
+        <p:nvPr/>
+      </p:nvGrpSpPr>
+      <p:grpSpPr>
+        <a:xfrm>
+          <a:off x="0" y="0"/>
+          <a:ext cx="0" cy="0"/>
+          <a:chOff x="0" y="0"/>
+          <a:chExt cx="0" cy="0"/>
+        </a:xfrm>
+      </p:grpSpPr>
+      <p:sp>
+        <p:nvSpPr>
+          <p:cNvPr id="6" name="Title 5"/>
+          <p:cNvSpPr>
+            <a:spLocks noGrp="1"/>
+          </p:cNvSpPr>
+          <p:nvPr>
+            <p:ph type="title"/>
+          </p:nvPr>
+        </p:nvSpPr>
+        <p:spPr/>
+        <p:txBody>
+          <a:bodyPr/>
+          <a:lstStyle/>
+          <a:p>
+            <a:r>
+              <a:rPr lang="en-US" smtClean="0"/>
+              <a:t>PA</a:t>
+            </a:r>
+            <a:r>
+              <a:rPr lang="ru-RU" smtClean="0"/>
+              <a:t>2</a:t>
+            </a:r>
+            <a:r>
+              <a:rPr lang="en-US" smtClean="0"/>
+              <a:t> </a:t>
+            </a:r>
+            <a:r>
+              <a:rPr lang="en-US"/>
+              <a:t>:: </a:t>
+            </a:r>
+            <a:r>
+              <a:rPr lang="ru-RU"/>
+              <a:t>Разработка </a:t>
+            </a:r>
+            <a:r>
+              <a:rPr lang="ru-RU" smtClean="0"/>
+              <a:t>дерева</a:t>
+            </a:r>
+            <a:endParaRPr lang="en-US"/>
+          </a:p>
+        </p:txBody>
+      </p:sp>
+      <p:sp>
+        <p:nvSpPr>
+          <p:cNvPr id="7" name="Content Placeholder 6"/>
+          <p:cNvSpPr>
+            <a:spLocks noGrp="1"/>
+          </p:cNvSpPr>
+          <p:nvPr>
+            <p:ph idx="1"/>
+          </p:nvPr>
+        </p:nvSpPr>
+        <p:spPr/>
+        <p:txBody>
+          <a:bodyPr/>
+          <a:lstStyle/>
+          <a:p>
+            <a:r>
+              <a:rPr lang="ru-RU" smtClean="0"/>
+              <a:t>Задание: разработать вариабельно-шаблонный класс многосортного дерева</a:t>
+            </a:r>
+          </a:p>
+          <a:p>
+            <a:pPr marL="45720" indent="0">
+              <a:buNone/>
+            </a:pPr>
+            <a:r>
+              <a:rPr lang="en-US">
+                <a:latin typeface="Consolas" panose="020B0609020204030204" pitchFamily="49" charset="0"/>
+              </a:rPr>
+              <a:t>template &lt;</a:t>
+            </a:r>
+            <a:r>
+              <a:rPr lang="en-US">
+                <a:latin typeface="Consolas" panose="020B0609020204030204" pitchFamily="49" charset="0"/>
+              </a:rPr>
+              <a:t>typename </a:t>
+            </a:r>
+            <a:r>
+              <a:rPr lang="en-US" smtClean="0">
+                <a:latin typeface="Consolas" panose="020B0609020204030204" pitchFamily="49" charset="0"/>
+              </a:rPr>
+              <a:t>... Ts&gt; </a:t>
+            </a:r>
+            <a:r>
+              <a:rPr lang="en-US">
+                <a:latin typeface="Consolas" panose="020B0609020204030204" pitchFamily="49" charset="0"/>
+              </a:rPr>
+              <a:t>class </a:t>
+            </a:r>
+            <a:r>
+              <a:rPr lang="en-US" smtClean="0">
+                <a:latin typeface="Consolas" panose="020B0609020204030204" pitchFamily="49" charset="0"/>
+              </a:rPr>
+              <a:t>MTree;</a:t>
+            </a:r>
+            <a:endParaRPr lang="en-US">
+              <a:latin typeface="Consolas" panose="020B0609020204030204" pitchFamily="49" charset="0"/>
+            </a:endParaRPr>
+          </a:p>
+          <a:p>
+            <a:r>
+              <a:rPr lang="ru-RU" smtClean="0">
+                <a:solidFill>
+                  <a:srgbClr val="0000FF"/>
+                </a:solidFill>
+              </a:rPr>
+              <a:t>Обязательные требования</a:t>
+            </a:r>
+          </a:p>
+          <a:p>
+            <a:pPr lvl="1"/>
+            <a:r>
+              <a:rPr lang="ru-RU" smtClean="0"/>
+              <a:t>Управление памятью</a:t>
+            </a:r>
+          </a:p>
+          <a:p>
+            <a:pPr lvl="2"/>
+            <a:r>
+              <a:rPr lang="ru-RU" smtClean="0"/>
+              <a:t>Либо управление памятью через умные указатели</a:t>
+            </a:r>
+          </a:p>
+          <a:p>
+            <a:pPr lvl="2"/>
+            <a:r>
+              <a:rPr lang="ru-RU" smtClean="0"/>
+              <a:t>Либо копирование, перемещение, </a:t>
+            </a:r>
+            <a:r>
+              <a:rPr lang="en-US" smtClean="0"/>
+              <a:t>etc.</a:t>
+            </a:r>
+          </a:p>
+          <a:p>
+            <a:pPr lvl="1"/>
+            <a:r>
+              <a:rPr lang="ru-RU" smtClean="0"/>
+              <a:t>Добавление и удаление элементов</a:t>
+            </a:r>
+          </a:p>
+          <a:p>
+            <a:pPr lvl="1"/>
+            <a:r>
+              <a:rPr lang="ru-RU" smtClean="0"/>
+              <a:t>Обход дерева (</a:t>
+            </a:r>
+            <a:r>
+              <a:rPr lang="en-US" smtClean="0"/>
+              <a:t>inorder, preorder, postorder)</a:t>
+            </a:r>
+          </a:p>
+          <a:p>
+            <a:pPr lvl="1"/>
+            <a:r>
+              <a:rPr lang="ru-RU" smtClean="0"/>
+              <a:t>Балансировка не нужна (представьте, что это </a:t>
+            </a:r>
+            <a:r>
+              <a:rPr lang="en-US" smtClean="0"/>
+              <a:t>AST)</a:t>
+            </a:r>
+          </a:p>
+          <a:p>
+            <a:pPr lvl="1"/>
+            <a:r>
+              <a:rPr lang="ru-RU" smtClean="0"/>
+              <a:t>Это должно быть честное дерево (хеш-таблицы,</a:t>
+            </a:r>
+            <a:r>
+              <a:rPr lang="en-US" smtClean="0"/>
+              <a:t/>
+            </a:r>
+            <a:br>
+              <a:rPr lang="en-US" smtClean="0"/>
+            </a:br>
+            <a:r>
+              <a:rPr lang="en-US" smtClean="0"/>
+              <a:t>slotmaps </a:t>
+            </a:r>
+            <a:r>
+              <a:rPr lang="ru-RU" smtClean="0"/>
+              <a:t>и всё такое недопустимы)</a:t>
+            </a:r>
+          </a:p>
+          <a:p>
+            <a:endParaRPr lang="en-US"/>
+          </a:p>
+        </p:txBody>
+      </p:sp>
+      <p:sp>
+        <p:nvSpPr>
+          <p:cNvPr id="8" name="Rectangle 7"/>
+          <p:cNvSpPr/>
+          <p:nvPr/>
+        </p:nvSpPr>
+        <p:spPr>
+          <a:xfrm>
+            <a:off x="8628888" y="2916936"/>
+            <a:ext cx="548640" cy="548640"/>
+          </a:xfrm>
+          <a:prstGeom prst="rect">
+            <a:avLst/>
+          </a:prstGeom>
+          <a:solidFill>
+            <a:srgbClr val="00B0F0"/>
+          </a:solidFill>
+          <a:ln>
+            <a:solidFill>
+              <a:schemeClr val="tx1"/>
+            </a:solidFill>
+          </a:ln>
+        </p:spPr>
+        <p:style>
+          <a:lnRef idx="2">
+            <a:schemeClr val="accent1">
+              <a:shade val="50000"/>
+            </a:schemeClr>
+          </a:lnRef>
+          <a:fillRef idx="1">
+            <a:schemeClr val="accent1"/>
+          </a:fillRef>
+          <a:effectRef idx="0">
+            <a:schemeClr val="accent1"/>
+          </a:effectRef>
+          <a:fontRef idx="minor">
+            <a:schemeClr val="lt1"/>
+          </a:fontRef>
+        </p:style>
+        <p:txBody>
+          <a:bodyPr rtlCol="0" anchor="ctr"/>
+          <a:lstStyle/>
+          <a:p>
+            <a:pPr algn="ctr"/>
+            <a:endParaRPr lang="en-US"/>
+          </a:p>
+        </p:txBody>
+      </p:sp>
+      <p:sp>
+        <p:nvSpPr>
+          <p:cNvPr id="9" name="Oval 8"/>
+          <p:cNvSpPr/>
+          <p:nvPr/>
+        </p:nvSpPr>
+        <p:spPr>
+          <a:xfrm>
+            <a:off x="7984744" y="3907618"/>
+            <a:ext cx="548640" cy="548640"/>
+          </a:xfrm>
+          <a:prstGeom prst="ellipse">
+            <a:avLst/>
+          </a:prstGeom>
+          <a:solidFill>
+            <a:srgbClr val="00B0F0"/>
+          </a:solidFill>
+          <a:ln>
+            <a:solidFill>
+              <a:schemeClr val="tx1"/>
+            </a:solidFill>
+          </a:ln>
+        </p:spPr>
+        <p:style>
+          <a:lnRef idx="2">
+            <a:schemeClr val="accent1">
+              <a:shade val="50000"/>
+            </a:schemeClr>
+          </a:lnRef>
+          <a:fillRef idx="1">
+            <a:schemeClr val="accent1"/>
+          </a:fillRef>
+          <a:effectRef idx="0">
+            <a:schemeClr val="accent1"/>
+          </a:effectRef>
+          <a:fontRef idx="minor">
+            <a:schemeClr val="lt1"/>
+          </a:fontRef>
+        </p:style>
+        <p:txBody>
+          <a:bodyPr rtlCol="0" anchor="ctr"/>
+          <a:lstStyle/>
+          <a:p>
+            <a:pPr algn="ctr"/>
+            <a:endParaRPr lang="en-US"/>
+          </a:p>
+        </p:txBody>
+      </p:sp>
+      <p:sp>
+        <p:nvSpPr>
+          <p:cNvPr id="10" name="Diamond 9"/>
+          <p:cNvSpPr/>
+          <p:nvPr/>
+        </p:nvSpPr>
+        <p:spPr>
+          <a:xfrm>
+            <a:off x="9385291" y="3874049"/>
+            <a:ext cx="548640" cy="548640"/>
+          </a:xfrm>
+          <a:prstGeom prst="diamond">
+            <a:avLst/>
+          </a:prstGeom>
+          <a:solidFill>
+            <a:srgbClr val="00B0F0"/>
+          </a:solidFill>
+          <a:ln>
+            <a:solidFill>
+              <a:schemeClr val="tx1"/>
+            </a:solidFill>
+          </a:ln>
+        </p:spPr>
+        <p:style>
+          <a:lnRef idx="2">
+            <a:schemeClr val="accent1">
+              <a:shade val="50000"/>
+            </a:schemeClr>
+          </a:lnRef>
+          <a:fillRef idx="1">
+            <a:schemeClr val="accent1"/>
+          </a:fillRef>
+          <a:effectRef idx="0">
+            <a:schemeClr val="accent1"/>
+          </a:effectRef>
+          <a:fontRef idx="minor">
+            <a:schemeClr val="lt1"/>
+          </a:fontRef>
+        </p:style>
+        <p:txBody>
+          <a:bodyPr rtlCol="0" anchor="ctr"/>
+          <a:lstStyle/>
+          <a:p>
+            <a:pPr algn="ctr"/>
+            <a:endParaRPr lang="en-US"/>
+          </a:p>
+        </p:txBody>
+      </p:sp>
+      <p:sp>
+        <p:nvSpPr>
+          <p:cNvPr id="11" name="Oval 10"/>
+          <p:cNvSpPr/>
+          <p:nvPr/>
+        </p:nvSpPr>
+        <p:spPr>
+          <a:xfrm>
+            <a:off x="8890798" y="4924552"/>
+            <a:ext cx="548640" cy="548640"/>
+          </a:xfrm>
+          <a:prstGeom prst="ellipse">
+            <a:avLst/>
+          </a:prstGeom>
+          <a:solidFill>
+            <a:srgbClr val="00B0F0"/>
+          </a:solidFill>
+          <a:ln>
+            <a:solidFill>
+              <a:schemeClr val="tx1"/>
+            </a:solidFill>
+          </a:ln>
+        </p:spPr>
+        <p:style>
+          <a:lnRef idx="2">
+            <a:schemeClr val="accent1">
+              <a:shade val="50000"/>
+            </a:schemeClr>
+          </a:lnRef>
+          <a:fillRef idx="1">
+            <a:schemeClr val="accent1"/>
+          </a:fillRef>
+          <a:effectRef idx="0">
+            <a:schemeClr val="accent1"/>
+          </a:effectRef>
+          <a:fontRef idx="minor">
+            <a:schemeClr val="lt1"/>
+          </a:fontRef>
+        </p:style>
+        <p:txBody>
+          <a:bodyPr rtlCol="0" anchor="ctr"/>
+          <a:lstStyle/>
+          <a:p>
+            <a:pPr algn="ctr"/>
+            <a:endParaRPr lang="en-US"/>
+          </a:p>
+        </p:txBody>
+      </p:sp>
+      <p:sp>
+        <p:nvSpPr>
+          <p:cNvPr id="12" name="Rectangle 11"/>
+          <p:cNvSpPr/>
+          <p:nvPr/>
+        </p:nvSpPr>
+        <p:spPr>
+          <a:xfrm>
+            <a:off x="9888311" y="5117592"/>
+            <a:ext cx="548640" cy="548640"/>
+          </a:xfrm>
+          <a:prstGeom prst="rect">
+            <a:avLst/>
+          </a:prstGeom>
+          <a:solidFill>
+            <a:srgbClr val="00B0F0"/>
+          </a:solidFill>
+          <a:ln>
+            <a:solidFill>
+              <a:schemeClr val="tx1"/>
+            </a:solidFill>
+          </a:ln>
+        </p:spPr>
+        <p:style>
+          <a:lnRef idx="2">
+            <a:schemeClr val="accent1">
+              <a:shade val="50000"/>
+            </a:schemeClr>
+          </a:lnRef>
+          <a:fillRef idx="1">
+            <a:schemeClr val="accent1"/>
+          </a:fillRef>
+          <a:effectRef idx="0">
+            <a:schemeClr val="accent1"/>
+          </a:effectRef>
+          <a:fontRef idx="minor">
+            <a:schemeClr val="lt1"/>
+          </a:fontRef>
+        </p:style>
+        <p:txBody>
+          <a:bodyPr rtlCol="0" anchor="ctr"/>
+          <a:lstStyle/>
+          <a:p>
+            <a:pPr algn="ctr"/>
+            <a:endParaRPr lang="en-US"/>
+          </a:p>
+        </p:txBody>
+      </p:sp>
+      <p:cxnSp>
+        <p:nvCxnSpPr>
+          <p:cNvPr id="14" name="Straight Arrow Connector 13"/>
+          <p:cNvCxnSpPr>
+            <a:stCxn id="8" idx="2"/>
+            <a:endCxn id="9" idx="7"/>
+          </p:cNvCxnSpPr>
+          <p:nvPr/>
+        </p:nvCxnSpPr>
+        <p:spPr>
+          <a:xfrm flipH="1">
+            <a:off x="8453038" y="3465576"/>
+            <a:ext cx="450170" cy="522388"/>
+          </a:xfrm>
+          <a:prstGeom prst="straightConnector1">
+            <a:avLst/>
+          </a:prstGeom>
+          <a:ln w="28575">
+            <a:solidFill>
+              <a:schemeClr val="tx1"/>
+            </a:solidFill>
+            <a:tailEnd type="stealth" w="lg" len="lg"/>
+          </a:ln>
+        </p:spPr>
+        <p:style>
+          <a:lnRef idx="1">
+            <a:schemeClr val="accent1"/>
+          </a:lnRef>
+          <a:fillRef idx="0">
+            <a:schemeClr val="accent1"/>
+          </a:fillRef>
+          <a:effectRef idx="0">
+            <a:schemeClr val="accent1"/>
+          </a:effectRef>
+          <a:fontRef idx="minor">
+            <a:schemeClr val="tx1"/>
+          </a:fontRef>
+        </p:style>
+      </p:cxnSp>
+      <p:cxnSp>
+        <p:nvCxnSpPr>
+          <p:cNvPr id="17" name="Straight Arrow Connector 16"/>
+          <p:cNvCxnSpPr>
+            <a:stCxn id="8" idx="2"/>
+            <a:endCxn id="10" idx="0"/>
+          </p:cNvCxnSpPr>
+          <p:nvPr/>
+        </p:nvCxnSpPr>
+        <p:spPr>
+          <a:xfrm>
+            <a:off x="8903208" y="3465576"/>
+            <a:ext cx="756403" cy="408473"/>
+          </a:xfrm>
+          <a:prstGeom prst="straightConnector1">
+            <a:avLst/>
+          </a:prstGeom>
+          <a:ln w="28575">
+            <a:solidFill>
+              <a:schemeClr val="tx1"/>
+            </a:solidFill>
+            <a:tailEnd type="stealth" w="lg" len="lg"/>
+          </a:ln>
+        </p:spPr>
+        <p:style>
+          <a:lnRef idx="1">
+            <a:schemeClr val="accent1"/>
+          </a:lnRef>
+          <a:fillRef idx="0">
+            <a:schemeClr val="accent1"/>
+          </a:fillRef>
+          <a:effectRef idx="0">
+            <a:schemeClr val="accent1"/>
+          </a:effectRef>
+          <a:fontRef idx="minor">
+            <a:schemeClr val="tx1"/>
+          </a:fontRef>
+        </p:style>
+      </p:cxnSp>
+      <p:cxnSp>
+        <p:nvCxnSpPr>
+          <p:cNvPr id="20" name="Straight Arrow Connector 19"/>
+          <p:cNvCxnSpPr>
+            <a:stCxn id="10" idx="2"/>
+            <a:endCxn id="11" idx="0"/>
+          </p:cNvCxnSpPr>
+          <p:nvPr/>
+        </p:nvCxnSpPr>
+        <p:spPr>
+          <a:xfrm flipH="1">
+            <a:off x="9165118" y="4422689"/>
+            <a:ext cx="494493" cy="501863"/>
+          </a:xfrm>
+          <a:prstGeom prst="straightConnector1">
+            <a:avLst/>
+          </a:prstGeom>
+          <a:ln w="28575">
+            <a:solidFill>
+              <a:schemeClr val="tx1"/>
+            </a:solidFill>
+            <a:tailEnd type="stealth" w="lg" len="lg"/>
+          </a:ln>
+        </p:spPr>
+        <p:style>
+          <a:lnRef idx="1">
+            <a:schemeClr val="accent1"/>
+          </a:lnRef>
+          <a:fillRef idx="0">
+            <a:schemeClr val="accent1"/>
+          </a:fillRef>
+          <a:effectRef idx="0">
+            <a:schemeClr val="accent1"/>
+          </a:effectRef>
+          <a:fontRef idx="minor">
+            <a:schemeClr val="tx1"/>
+          </a:fontRef>
+        </p:style>
+      </p:cxnSp>
+      <p:cxnSp>
+        <p:nvCxnSpPr>
+          <p:cNvPr id="23" name="Straight Arrow Connector 22"/>
+          <p:cNvCxnSpPr>
+            <a:stCxn id="10" idx="2"/>
+            <a:endCxn id="12" idx="0"/>
+          </p:cNvCxnSpPr>
+          <p:nvPr/>
+        </p:nvCxnSpPr>
+        <p:spPr>
+          <a:xfrm>
+            <a:off x="9659611" y="4422689"/>
+            <a:ext cx="503020" cy="694903"/>
+          </a:xfrm>
+          <a:prstGeom prst="straightConnector1">
+            <a:avLst/>
+          </a:prstGeom>
+          <a:ln w="28575">
+            <a:solidFill>
+              <a:schemeClr val="tx1"/>
+            </a:solidFill>
+            <a:tailEnd type="stealth" w="lg" len="lg"/>
+          </a:ln>
+        </p:spPr>
+        <p:style>
+          <a:lnRef idx="1">
+            <a:schemeClr val="accent1"/>
+          </a:lnRef>
+          <a:fillRef idx="0">
+            <a:schemeClr val="accent1"/>
+          </a:fillRef>
+          <a:effectRef idx="0">
+            <a:schemeClr val="accent1"/>
+          </a:effectRef>
+          <a:fontRef idx="minor">
+            <a:schemeClr val="tx1"/>
+          </a:fontRef>
+        </p:style>
+      </p:cxnSp>
+      <p:sp>
+        <p:nvSpPr>
+          <p:cNvPr id="33" name="Rectangle 32"/>
+          <p:cNvSpPr/>
+          <p:nvPr/>
+        </p:nvSpPr>
+        <p:spPr>
+          <a:xfrm>
+            <a:off x="7843402" y="5001809"/>
+            <a:ext cx="548640" cy="548640"/>
+          </a:xfrm>
+          <a:prstGeom prst="rect">
+            <a:avLst/>
+          </a:prstGeom>
+          <a:solidFill>
+            <a:srgbClr val="00B0F0"/>
+          </a:solidFill>
+          <a:ln>
+            <a:solidFill>
+              <a:schemeClr val="tx1"/>
+            </a:solidFill>
+          </a:ln>
+        </p:spPr>
+        <p:style>
+          <a:lnRef idx="2">
+            <a:schemeClr val="accent1">
+              <a:shade val="50000"/>
+            </a:schemeClr>
+          </a:lnRef>
+          <a:fillRef idx="1">
+            <a:schemeClr val="accent1"/>
+          </a:fillRef>
+          <a:effectRef idx="0">
+            <a:schemeClr val="accent1"/>
+          </a:effectRef>
+          <a:fontRef idx="minor">
+            <a:schemeClr val="lt1"/>
+          </a:fontRef>
+        </p:style>
+        <p:txBody>
+          <a:bodyPr rtlCol="0" anchor="ctr"/>
+          <a:lstStyle/>
+          <a:p>
+            <a:pPr algn="ctr"/>
+            <a:endParaRPr lang="en-US"/>
+          </a:p>
+        </p:txBody>
+      </p:sp>
+      <p:cxnSp>
+        <p:nvCxnSpPr>
+          <p:cNvPr id="34" name="Straight Arrow Connector 33"/>
+          <p:cNvCxnSpPr>
+            <a:stCxn id="9" idx="4"/>
+            <a:endCxn id="33" idx="0"/>
+          </p:cNvCxnSpPr>
+          <p:nvPr/>
+        </p:nvCxnSpPr>
+        <p:spPr>
+          <a:xfrm flipH="1">
+            <a:off x="8117722" y="4456258"/>
+            <a:ext cx="141342" cy="545551"/>
+          </a:xfrm>
+          <a:prstGeom prst="straightConnector1">
+            <a:avLst/>
+          </a:prstGeom>
+          <a:ln w="28575">
+            <a:solidFill>
+              <a:schemeClr val="tx1"/>
+            </a:solidFill>
+            <a:tailEnd type="stealth" w="lg" len="lg"/>
+          </a:ln>
+        </p:spPr>
+        <p:style>
+          <a:lnRef idx="1">
+            <a:schemeClr val="accent1"/>
+          </a:lnRef>
+          <a:fillRef idx="0">
+            <a:schemeClr val="accent1"/>
+          </a:fillRef>
+          <a:effectRef idx="0">
+            <a:schemeClr val="accent1"/>
+          </a:effectRef>
+          <a:fontRef idx="minor">
+            <a:schemeClr val="tx1"/>
+          </a:fontRef>
+        </p:style>
+      </p:cxnSp>
+    </p:spTree>
+    <p:extLst>
+      <p:ext uri="{BB962C8B-B14F-4D97-AF65-F5344CB8AC3E}">
+        <p14:creationId xmlns:p14="http://schemas.microsoft.com/office/powerpoint/2010/main" val="3504899546"/>
+      </p:ext>
+    </p:extLst>
+  </p:cSld>
+  <p:clrMapOvr>
+    <a:masterClrMapping/>
+  </p:clrMapOvr>
+</p:sld>
+</file>
+
+<file path=ppt/slides/slide64.xml><?xml version="1.0" encoding="utf-8"?>
+<p:sld xmlns:a="http://schemas.openxmlformats.org/drawingml/2006/main" xmlns:r="http://schemas.openxmlformats.org/officeDocument/2006/relationships" xmlns:p="http://schemas.openxmlformats.org/presentationml/2006/main">
+  <p:cSld>
+    <p:spTree>
+      <p:nvGrpSpPr>
+        <p:cNvPr id="1" name=""/>
+        <p:cNvGrpSpPr/>
+        <p:nvPr/>
+      </p:nvGrpSpPr>
+      <p:grpSpPr>
+        <a:xfrm>
+          <a:off x="0" y="0"/>
+          <a:ext cx="0" cy="0"/>
+          <a:chOff x="0" y="0"/>
+          <a:chExt cx="0" cy="0"/>
+        </a:xfrm>
+      </p:grpSpPr>
+      <p:sp>
+        <p:nvSpPr>
+          <p:cNvPr id="6" name="Title 5"/>
+          <p:cNvSpPr>
+            <a:spLocks noGrp="1"/>
+          </p:cNvSpPr>
+          <p:nvPr>
+            <p:ph type="title"/>
+          </p:nvPr>
+        </p:nvSpPr>
+        <p:spPr/>
+        <p:txBody>
+          <a:bodyPr/>
+          <a:lstStyle/>
+          <a:p>
+            <a:r>
+              <a:rPr lang="en-US" smtClean="0"/>
+              <a:t>PA</a:t>
+            </a:r>
+            <a:r>
+              <a:rPr lang="ru-RU" smtClean="0"/>
+              <a:t>2</a:t>
+            </a:r>
+            <a:r>
+              <a:rPr lang="en-US" smtClean="0"/>
+              <a:t> </a:t>
+            </a:r>
+            <a:r>
+              <a:rPr lang="en-US"/>
+              <a:t>:: </a:t>
+            </a:r>
+            <a:r>
+              <a:rPr lang="ru-RU"/>
+              <a:t>Разработка </a:t>
+            </a:r>
+            <a:r>
+              <a:rPr lang="ru-RU" smtClean="0"/>
+              <a:t>дерева</a:t>
+            </a:r>
+            <a:endParaRPr lang="en-US"/>
+          </a:p>
+        </p:txBody>
+      </p:sp>
+      <p:sp>
+        <p:nvSpPr>
+          <p:cNvPr id="7" name="Content Placeholder 6"/>
+          <p:cNvSpPr>
+            <a:spLocks noGrp="1"/>
+          </p:cNvSpPr>
+          <p:nvPr>
+            <p:ph idx="1"/>
+          </p:nvPr>
+        </p:nvSpPr>
+        <p:spPr/>
+        <p:txBody>
+          <a:bodyPr/>
+          <a:lstStyle/>
+          <a:p>
+            <a:r>
+              <a:rPr lang="ru-RU" smtClean="0"/>
+              <a:t>Задание: разработать вариабельно-шаблонный класс многосортного дерева</a:t>
+            </a:r>
+          </a:p>
+          <a:p>
+            <a:pPr marL="45720" indent="0">
+              <a:buNone/>
+            </a:pPr>
+            <a:r>
+              <a:rPr lang="en-US">
+                <a:latin typeface="Consolas" panose="020B0609020204030204" pitchFamily="49" charset="0"/>
+              </a:rPr>
+              <a:t>template &lt;</a:t>
+            </a:r>
+            <a:r>
+              <a:rPr lang="en-US">
+                <a:latin typeface="Consolas" panose="020B0609020204030204" pitchFamily="49" charset="0"/>
+              </a:rPr>
+              <a:t>typename </a:t>
+            </a:r>
+            <a:r>
+              <a:rPr lang="en-US" smtClean="0">
+                <a:latin typeface="Consolas" panose="020B0609020204030204" pitchFamily="49" charset="0"/>
+              </a:rPr>
+              <a:t>... Ts&gt; </a:t>
+            </a:r>
+            <a:r>
+              <a:rPr lang="en-US">
+                <a:latin typeface="Consolas" panose="020B0609020204030204" pitchFamily="49" charset="0"/>
+              </a:rPr>
+              <a:t>class </a:t>
+            </a:r>
+            <a:r>
+              <a:rPr lang="en-US" smtClean="0">
+                <a:latin typeface="Consolas" panose="020B0609020204030204" pitchFamily="49" charset="0"/>
+              </a:rPr>
+              <a:t>MTree;</a:t>
+            </a:r>
+            <a:endParaRPr lang="en-US">
+              <a:latin typeface="Consolas" panose="020B0609020204030204" pitchFamily="49" charset="0"/>
+            </a:endParaRPr>
+          </a:p>
+          <a:p>
+            <a:r>
+              <a:rPr lang="ru-RU" smtClean="0">
+                <a:solidFill>
+                  <a:srgbClr val="0000FF"/>
+                </a:solidFill>
+              </a:rPr>
+              <a:t>Следите за эффективностью</a:t>
+            </a:r>
+          </a:p>
+          <a:p>
+            <a:pPr lvl="1"/>
+            <a:r>
+              <a:rPr lang="ru-RU" smtClean="0"/>
+              <a:t>Хранить в узле следует не более чем максимальный </a:t>
+            </a:r>
+            <a:br>
+              <a:rPr lang="ru-RU" smtClean="0"/>
+            </a:br>
+            <a:r>
+              <a:rPr lang="ru-RU" smtClean="0"/>
+              <a:t>из переданных </a:t>
+            </a:r>
+            <a:r>
+              <a:rPr lang="en-US" smtClean="0"/>
+              <a:t>Ts (</a:t>
+            </a:r>
+            <a:r>
+              <a:rPr lang="ru-RU" smtClean="0"/>
+              <a:t>допустим </a:t>
+            </a:r>
+            <a:r>
+              <a:rPr lang="en-US" smtClean="0"/>
+              <a:t>union)</a:t>
+            </a:r>
+            <a:r>
+              <a:rPr lang="ru-RU" smtClean="0"/>
+              <a:t> + </a:t>
+            </a:r>
+            <a:r>
+              <a:rPr lang="en-US" smtClean="0"/>
+              <a:t>O(1)</a:t>
+            </a:r>
+          </a:p>
+          <a:p>
+            <a:pPr lvl="1"/>
+            <a:r>
+              <a:rPr lang="ru-RU" smtClean="0"/>
+              <a:t>Удаление дерева не должно переполнять стек</a:t>
+            </a:r>
+            <a:br>
+              <a:rPr lang="ru-RU" smtClean="0"/>
+            </a:br>
+            <a:r>
+              <a:rPr lang="ru-RU" smtClean="0"/>
+              <a:t>(в идеале должно быть не рекурсивным)</a:t>
+            </a:r>
+          </a:p>
+          <a:p>
+            <a:pPr lvl="1"/>
+            <a:r>
+              <a:rPr lang="ru-RU" smtClean="0"/>
+              <a:t>Обход дерева в идеале должен быть нерекурсивным</a:t>
+            </a:r>
+            <a:br>
+              <a:rPr lang="ru-RU" smtClean="0"/>
+            </a:br>
+            <a:r>
+              <a:rPr lang="ru-RU" smtClean="0"/>
+              <a:t>и занимать асимптотически разумное время</a:t>
+            </a:r>
+          </a:p>
+          <a:p>
+            <a:pPr lvl="1"/>
+            <a:r>
+              <a:rPr lang="ru-RU" smtClean="0"/>
+              <a:t>Не бойтесь писать тесты с действительно большими</a:t>
+            </a:r>
+            <a:br>
+              <a:rPr lang="ru-RU" smtClean="0"/>
+            </a:br>
+            <a:r>
+              <a:rPr lang="ru-RU" smtClean="0"/>
+              <a:t>многосортными деревьями (и генерировать их)</a:t>
+            </a:r>
+          </a:p>
+          <a:p>
+            <a:endParaRPr lang="en-US"/>
+          </a:p>
+        </p:txBody>
+      </p:sp>
+      <p:sp>
+        <p:nvSpPr>
+          <p:cNvPr id="8" name="Rectangle 7"/>
+          <p:cNvSpPr/>
+          <p:nvPr/>
+        </p:nvSpPr>
+        <p:spPr>
+          <a:xfrm>
+            <a:off x="8628888" y="2916936"/>
+            <a:ext cx="548640" cy="548640"/>
+          </a:xfrm>
+          <a:prstGeom prst="rect">
+            <a:avLst/>
+          </a:prstGeom>
+          <a:solidFill>
+            <a:srgbClr val="00B0F0"/>
+          </a:solidFill>
+          <a:ln>
+            <a:solidFill>
+              <a:schemeClr val="tx1"/>
+            </a:solidFill>
+          </a:ln>
+        </p:spPr>
+        <p:style>
+          <a:lnRef idx="2">
+            <a:schemeClr val="accent1">
+              <a:shade val="50000"/>
+            </a:schemeClr>
+          </a:lnRef>
+          <a:fillRef idx="1">
+            <a:schemeClr val="accent1"/>
+          </a:fillRef>
+          <a:effectRef idx="0">
+            <a:schemeClr val="accent1"/>
+          </a:effectRef>
+          <a:fontRef idx="minor">
+            <a:schemeClr val="lt1"/>
+          </a:fontRef>
+        </p:style>
+        <p:txBody>
+          <a:bodyPr rtlCol="0" anchor="ctr"/>
+          <a:lstStyle/>
+          <a:p>
+            <a:pPr algn="ctr"/>
+            <a:endParaRPr lang="en-US"/>
+          </a:p>
+        </p:txBody>
+      </p:sp>
+      <p:sp>
+        <p:nvSpPr>
+          <p:cNvPr id="9" name="Oval 8"/>
+          <p:cNvSpPr/>
+          <p:nvPr/>
+        </p:nvSpPr>
+        <p:spPr>
+          <a:xfrm>
+            <a:off x="7984744" y="3907618"/>
+            <a:ext cx="548640" cy="548640"/>
+          </a:xfrm>
+          <a:prstGeom prst="ellipse">
+            <a:avLst/>
+          </a:prstGeom>
+          <a:solidFill>
+            <a:srgbClr val="00B0F0"/>
+          </a:solidFill>
+          <a:ln>
+            <a:solidFill>
+              <a:schemeClr val="tx1"/>
+            </a:solidFill>
+          </a:ln>
+        </p:spPr>
+        <p:style>
+          <a:lnRef idx="2">
+            <a:schemeClr val="accent1">
+              <a:shade val="50000"/>
+            </a:schemeClr>
+          </a:lnRef>
+          <a:fillRef idx="1">
+            <a:schemeClr val="accent1"/>
+          </a:fillRef>
+          <a:effectRef idx="0">
+            <a:schemeClr val="accent1"/>
+          </a:effectRef>
+          <a:fontRef idx="minor">
+            <a:schemeClr val="lt1"/>
+          </a:fontRef>
+        </p:style>
+        <p:txBody>
+          <a:bodyPr rtlCol="0" anchor="ctr"/>
+          <a:lstStyle/>
+          <a:p>
+            <a:pPr algn="ctr"/>
+            <a:endParaRPr lang="en-US"/>
+          </a:p>
+        </p:txBody>
+      </p:sp>
+      <p:sp>
+        <p:nvSpPr>
+          <p:cNvPr id="10" name="Diamond 9"/>
+          <p:cNvSpPr/>
+          <p:nvPr/>
+        </p:nvSpPr>
+        <p:spPr>
+          <a:xfrm>
+            <a:off x="9385291" y="3874049"/>
+            <a:ext cx="548640" cy="548640"/>
+          </a:xfrm>
+          <a:prstGeom prst="diamond">
+            <a:avLst/>
+          </a:prstGeom>
+          <a:solidFill>
+            <a:srgbClr val="00B0F0"/>
+          </a:solidFill>
+          <a:ln>
+            <a:solidFill>
+              <a:schemeClr val="tx1"/>
+            </a:solidFill>
+          </a:ln>
+        </p:spPr>
+        <p:style>
+          <a:lnRef idx="2">
+            <a:schemeClr val="accent1">
+              <a:shade val="50000"/>
+            </a:schemeClr>
+          </a:lnRef>
+          <a:fillRef idx="1">
+            <a:schemeClr val="accent1"/>
+          </a:fillRef>
+          <a:effectRef idx="0">
+            <a:schemeClr val="accent1"/>
+          </a:effectRef>
+          <a:fontRef idx="minor">
+            <a:schemeClr val="lt1"/>
+          </a:fontRef>
+        </p:style>
+        <p:txBody>
+          <a:bodyPr rtlCol="0" anchor="ctr"/>
+          <a:lstStyle/>
+          <a:p>
+            <a:pPr algn="ctr"/>
+            <a:endParaRPr lang="en-US"/>
+          </a:p>
+        </p:txBody>
+      </p:sp>
+      <p:sp>
+        <p:nvSpPr>
+          <p:cNvPr id="11" name="Oval 10"/>
+          <p:cNvSpPr/>
+          <p:nvPr/>
+        </p:nvSpPr>
+        <p:spPr>
+          <a:xfrm>
+            <a:off x="8890798" y="4924552"/>
+            <a:ext cx="548640" cy="548640"/>
+          </a:xfrm>
+          <a:prstGeom prst="ellipse">
+            <a:avLst/>
+          </a:prstGeom>
+          <a:solidFill>
+            <a:srgbClr val="00B0F0"/>
+          </a:solidFill>
+          <a:ln>
+            <a:solidFill>
+              <a:schemeClr val="tx1"/>
+            </a:solidFill>
+          </a:ln>
+        </p:spPr>
+        <p:style>
+          <a:lnRef idx="2">
+            <a:schemeClr val="accent1">
+              <a:shade val="50000"/>
+            </a:schemeClr>
+          </a:lnRef>
+          <a:fillRef idx="1">
+            <a:schemeClr val="accent1"/>
+          </a:fillRef>
+          <a:effectRef idx="0">
+            <a:schemeClr val="accent1"/>
+          </a:effectRef>
+          <a:fontRef idx="minor">
+            <a:schemeClr val="lt1"/>
+          </a:fontRef>
+        </p:style>
+        <p:txBody>
+          <a:bodyPr rtlCol="0" anchor="ctr"/>
+          <a:lstStyle/>
+          <a:p>
+            <a:pPr algn="ctr"/>
+            <a:endParaRPr lang="en-US"/>
+          </a:p>
+        </p:txBody>
+      </p:sp>
+      <p:sp>
+        <p:nvSpPr>
+          <p:cNvPr id="12" name="Rectangle 11"/>
+          <p:cNvSpPr/>
+          <p:nvPr/>
+        </p:nvSpPr>
+        <p:spPr>
+          <a:xfrm>
+            <a:off x="9888311" y="5117592"/>
+            <a:ext cx="548640" cy="548640"/>
+          </a:xfrm>
+          <a:prstGeom prst="rect">
+            <a:avLst/>
+          </a:prstGeom>
+          <a:solidFill>
+            <a:srgbClr val="00B0F0"/>
+          </a:solidFill>
+          <a:ln>
+            <a:solidFill>
+              <a:schemeClr val="tx1"/>
+            </a:solidFill>
+          </a:ln>
+        </p:spPr>
+        <p:style>
+          <a:lnRef idx="2">
+            <a:schemeClr val="accent1">
+              <a:shade val="50000"/>
+            </a:schemeClr>
+          </a:lnRef>
+          <a:fillRef idx="1">
+            <a:schemeClr val="accent1"/>
+          </a:fillRef>
+          <a:effectRef idx="0">
+            <a:schemeClr val="accent1"/>
+          </a:effectRef>
+          <a:fontRef idx="minor">
+            <a:schemeClr val="lt1"/>
+          </a:fontRef>
+        </p:style>
+        <p:txBody>
+          <a:bodyPr rtlCol="0" anchor="ctr"/>
+          <a:lstStyle/>
+          <a:p>
+            <a:pPr algn="ctr"/>
+            <a:endParaRPr lang="en-US"/>
+          </a:p>
+        </p:txBody>
+      </p:sp>
+      <p:cxnSp>
+        <p:nvCxnSpPr>
+          <p:cNvPr id="14" name="Straight Arrow Connector 13"/>
+          <p:cNvCxnSpPr>
+            <a:stCxn id="8" idx="2"/>
+            <a:endCxn id="9" idx="7"/>
+          </p:cNvCxnSpPr>
+          <p:nvPr/>
+        </p:nvCxnSpPr>
+        <p:spPr>
+          <a:xfrm flipH="1">
+            <a:off x="8453038" y="3465576"/>
+            <a:ext cx="450170" cy="522388"/>
+          </a:xfrm>
+          <a:prstGeom prst="straightConnector1">
+            <a:avLst/>
+          </a:prstGeom>
+          <a:ln w="28575">
+            <a:solidFill>
+              <a:schemeClr val="tx1"/>
+            </a:solidFill>
+            <a:tailEnd type="stealth" w="lg" len="lg"/>
+          </a:ln>
+        </p:spPr>
+        <p:style>
+          <a:lnRef idx="1">
+            <a:schemeClr val="accent1"/>
+          </a:lnRef>
+          <a:fillRef idx="0">
+            <a:schemeClr val="accent1"/>
+          </a:fillRef>
+          <a:effectRef idx="0">
+            <a:schemeClr val="accent1"/>
+          </a:effectRef>
+          <a:fontRef idx="minor">
+            <a:schemeClr val="tx1"/>
+          </a:fontRef>
+        </p:style>
+      </p:cxnSp>
+      <p:cxnSp>
+        <p:nvCxnSpPr>
+          <p:cNvPr id="17" name="Straight Arrow Connector 16"/>
+          <p:cNvCxnSpPr>
+            <a:stCxn id="8" idx="2"/>
+            <a:endCxn id="10" idx="0"/>
+          </p:cNvCxnSpPr>
+          <p:nvPr/>
+        </p:nvCxnSpPr>
+        <p:spPr>
+          <a:xfrm>
+            <a:off x="8903208" y="3465576"/>
+            <a:ext cx="756403" cy="408473"/>
+          </a:xfrm>
+          <a:prstGeom prst="straightConnector1">
+            <a:avLst/>
+          </a:prstGeom>
+          <a:ln w="28575">
+            <a:solidFill>
+              <a:schemeClr val="tx1"/>
+            </a:solidFill>
+            <a:tailEnd type="stealth" w="lg" len="lg"/>
+          </a:ln>
+        </p:spPr>
+        <p:style>
+          <a:lnRef idx="1">
+            <a:schemeClr val="accent1"/>
+          </a:lnRef>
+          <a:fillRef idx="0">
+            <a:schemeClr val="accent1"/>
+          </a:fillRef>
+          <a:effectRef idx="0">
+            <a:schemeClr val="accent1"/>
+          </a:effectRef>
+          <a:fontRef idx="minor">
+            <a:schemeClr val="tx1"/>
+          </a:fontRef>
+        </p:style>
+      </p:cxnSp>
+      <p:cxnSp>
+        <p:nvCxnSpPr>
+          <p:cNvPr id="20" name="Straight Arrow Connector 19"/>
+          <p:cNvCxnSpPr>
+            <a:stCxn id="10" idx="2"/>
+            <a:endCxn id="11" idx="0"/>
+          </p:cNvCxnSpPr>
+          <p:nvPr/>
+        </p:nvCxnSpPr>
+        <p:spPr>
+          <a:xfrm flipH="1">
+            <a:off x="9165118" y="4422689"/>
+            <a:ext cx="494493" cy="501863"/>
+          </a:xfrm>
+          <a:prstGeom prst="straightConnector1">
+            <a:avLst/>
+          </a:prstGeom>
+          <a:ln w="28575">
+            <a:solidFill>
+              <a:schemeClr val="tx1"/>
+            </a:solidFill>
+            <a:tailEnd type="stealth" w="lg" len="lg"/>
+          </a:ln>
+        </p:spPr>
+        <p:style>
+          <a:lnRef idx="1">
+            <a:schemeClr val="accent1"/>
+          </a:lnRef>
+          <a:fillRef idx="0">
+            <a:schemeClr val="accent1"/>
+          </a:fillRef>
+          <a:effectRef idx="0">
+            <a:schemeClr val="accent1"/>
+          </a:effectRef>
+          <a:fontRef idx="minor">
+            <a:schemeClr val="tx1"/>
+          </a:fontRef>
+        </p:style>
+      </p:cxnSp>
+      <p:cxnSp>
+        <p:nvCxnSpPr>
+          <p:cNvPr id="23" name="Straight Arrow Connector 22"/>
+          <p:cNvCxnSpPr>
+            <a:stCxn id="10" idx="2"/>
+            <a:endCxn id="12" idx="0"/>
+          </p:cNvCxnSpPr>
+          <p:nvPr/>
+        </p:nvCxnSpPr>
+        <p:spPr>
+          <a:xfrm>
+            <a:off x="9659611" y="4422689"/>
+            <a:ext cx="503020" cy="694903"/>
+          </a:xfrm>
+          <a:prstGeom prst="straightConnector1">
+            <a:avLst/>
+          </a:prstGeom>
+          <a:ln w="28575">
+            <a:solidFill>
+              <a:schemeClr val="tx1"/>
+            </a:solidFill>
+            <a:tailEnd type="stealth" w="lg" len="lg"/>
+          </a:ln>
+        </p:spPr>
+        <p:style>
+          <a:lnRef idx="1">
+            <a:schemeClr val="accent1"/>
+          </a:lnRef>
+          <a:fillRef idx="0">
+            <a:schemeClr val="accent1"/>
+          </a:fillRef>
+          <a:effectRef idx="0">
+            <a:schemeClr val="accent1"/>
+          </a:effectRef>
+          <a:fontRef idx="minor">
+            <a:schemeClr val="tx1"/>
+          </a:fontRef>
+        </p:style>
+      </p:cxnSp>
+      <p:sp>
+        <p:nvSpPr>
+          <p:cNvPr id="33" name="Rectangle 32"/>
+          <p:cNvSpPr/>
+          <p:nvPr/>
+        </p:nvSpPr>
+        <p:spPr>
+          <a:xfrm>
+            <a:off x="7843402" y="5001809"/>
+            <a:ext cx="548640" cy="548640"/>
+          </a:xfrm>
+          <a:prstGeom prst="rect">
+            <a:avLst/>
+          </a:prstGeom>
+          <a:solidFill>
+            <a:srgbClr val="00B0F0"/>
+          </a:solidFill>
+          <a:ln>
+            <a:solidFill>
+              <a:schemeClr val="tx1"/>
+            </a:solidFill>
+          </a:ln>
+        </p:spPr>
+        <p:style>
+          <a:lnRef idx="2">
+            <a:schemeClr val="accent1">
+              <a:shade val="50000"/>
+            </a:schemeClr>
+          </a:lnRef>
+          <a:fillRef idx="1">
+            <a:schemeClr val="accent1"/>
+          </a:fillRef>
+          <a:effectRef idx="0">
+            <a:schemeClr val="accent1"/>
+          </a:effectRef>
+          <a:fontRef idx="minor">
+            <a:schemeClr val="lt1"/>
+          </a:fontRef>
+        </p:style>
+        <p:txBody>
+          <a:bodyPr rtlCol="0" anchor="ctr"/>
+          <a:lstStyle/>
+          <a:p>
+            <a:pPr algn="ctr"/>
+            <a:endParaRPr lang="en-US"/>
+          </a:p>
+        </p:txBody>
+      </p:sp>
+      <p:cxnSp>
+        <p:nvCxnSpPr>
+          <p:cNvPr id="34" name="Straight Arrow Connector 33"/>
+          <p:cNvCxnSpPr>
+            <a:stCxn id="9" idx="4"/>
+            <a:endCxn id="33" idx="0"/>
+          </p:cNvCxnSpPr>
+          <p:nvPr/>
+        </p:nvCxnSpPr>
+        <p:spPr>
+          <a:xfrm flipH="1">
+            <a:off x="8117722" y="4456258"/>
+            <a:ext cx="141342" cy="545551"/>
+          </a:xfrm>
+          <a:prstGeom prst="straightConnector1">
+            <a:avLst/>
+          </a:prstGeom>
+          <a:ln w="28575">
+            <a:solidFill>
+              <a:schemeClr val="tx1"/>
+            </a:solidFill>
+            <a:tailEnd type="stealth" w="lg" len="lg"/>
+          </a:ln>
+        </p:spPr>
+        <p:style>
+          <a:lnRef idx="1">
+            <a:schemeClr val="accent1"/>
+          </a:lnRef>
+          <a:fillRef idx="0">
+            <a:schemeClr val="accent1"/>
+          </a:fillRef>
+          <a:effectRef idx="0">
+            <a:schemeClr val="accent1"/>
+          </a:effectRef>
+          <a:fontRef idx="minor">
+            <a:schemeClr val="tx1"/>
+          </a:fontRef>
+        </p:style>
+      </p:cxnSp>
+    </p:spTree>
+    <p:extLst>
+      <p:ext uri="{BB962C8B-B14F-4D97-AF65-F5344CB8AC3E}">
+        <p14:creationId xmlns:p14="http://schemas.microsoft.com/office/powerpoint/2010/main" val="634073160"/>
       </p:ext>
     </p:extLst>
   </p:cSld>
